--- a/知识表示学习/知识表示学习.pptx
+++ b/知识表示学习/知识表示学习.pptx
@@ -205,7 +205,7 @@
           <a:p>
             <a:fld id="{628B8EAE-F76C-4DB1-B1A5-6FBE2387D0BF}" type="datetimeFigureOut">
               <a:rPr lang="zh-CN" altLang="en-US" smtClean="0"/>
-              <a:t>2018/11/30</a:t>
+              <a:t>2018/12/2</a:t>
             </a:fld>
             <a:endParaRPr lang="zh-CN" altLang="en-US"/>
           </a:p>
@@ -652,6 +652,198 @@
 </p:notes>
 </file>
 
+<file path=ppt/notesSlides/notesSlide3.xml><?xml version="1.0" encoding="utf-8"?>
+<p:notes xmlns:a="http://schemas.openxmlformats.org/drawingml/2006/main" xmlns:r="http://schemas.openxmlformats.org/officeDocument/2006/relationships" xmlns:p="http://schemas.openxmlformats.org/presentationml/2006/main">
+  <p:cSld>
+    <p:spTree>
+      <p:nvGrpSpPr>
+        <p:cNvPr id="1" name=""/>
+        <p:cNvGrpSpPr/>
+        <p:nvPr/>
+      </p:nvGrpSpPr>
+      <p:grpSpPr>
+        <a:xfrm>
+          <a:off x="0" y="0"/>
+          <a:ext cx="0" cy="0"/>
+          <a:chOff x="0" y="0"/>
+          <a:chExt cx="0" cy="0"/>
+        </a:xfrm>
+      </p:grpSpPr>
+      <p:sp>
+        <p:nvSpPr>
+          <p:cNvPr id="2" name="幻灯片图像占位符 1"/>
+          <p:cNvSpPr>
+            <a:spLocks noGrp="1" noRot="1" noChangeAspect="1"/>
+          </p:cNvSpPr>
+          <p:nvPr>
+            <p:ph type="sldImg"/>
+          </p:nvPr>
+        </p:nvSpPr>
+        <p:spPr/>
+      </p:sp>
+      <p:sp>
+        <p:nvSpPr>
+          <p:cNvPr id="3" name="备注占位符 2"/>
+          <p:cNvSpPr>
+            <a:spLocks noGrp="1"/>
+          </p:cNvSpPr>
+          <p:nvPr>
+            <p:ph type="body" idx="1"/>
+          </p:nvPr>
+        </p:nvSpPr>
+        <p:spPr/>
+        <p:txBody>
+          <a:bodyPr/>
+          <a:lstStyle/>
+          <a:p>
+            <a:endParaRPr lang="zh-CN" altLang="en-US" dirty="0"/>
+          </a:p>
+        </p:txBody>
+      </p:sp>
+      <p:sp>
+        <p:nvSpPr>
+          <p:cNvPr id="4" name="灯片编号占位符 3"/>
+          <p:cNvSpPr>
+            <a:spLocks noGrp="1"/>
+          </p:cNvSpPr>
+          <p:nvPr>
+            <p:ph type="sldNum" sz="quarter" idx="10"/>
+          </p:nvPr>
+        </p:nvSpPr>
+        <p:spPr/>
+        <p:txBody>
+          <a:bodyPr/>
+          <a:lstStyle/>
+          <a:p>
+            <a:fld id="{03EC23FA-1A74-4866-BA33-81430325FB80}" type="slidenum">
+              <a:rPr lang="zh-CN" altLang="en-US" smtClean="0"/>
+              <a:t>4</a:t>
+            </a:fld>
+            <a:endParaRPr lang="zh-CN" altLang="en-US"/>
+          </a:p>
+        </p:txBody>
+      </p:sp>
+    </p:spTree>
+    <p:extLst>
+      <p:ext uri="{BB962C8B-B14F-4D97-AF65-F5344CB8AC3E}">
+        <p14:creationId xmlns:p14="http://schemas.microsoft.com/office/powerpoint/2010/main" val="56880217"/>
+      </p:ext>
+    </p:extLst>
+  </p:cSld>
+  <p:clrMapOvr>
+    <a:masterClrMapping/>
+  </p:clrMapOvr>
+</p:notes>
+</file>
+
+<file path=ppt/notesSlides/notesSlide4.xml><?xml version="1.0" encoding="utf-8"?>
+<p:notes xmlns:a="http://schemas.openxmlformats.org/drawingml/2006/main" xmlns:r="http://schemas.openxmlformats.org/officeDocument/2006/relationships" xmlns:p="http://schemas.openxmlformats.org/presentationml/2006/main">
+  <p:cSld>
+    <p:spTree>
+      <p:nvGrpSpPr>
+        <p:cNvPr id="1" name=""/>
+        <p:cNvGrpSpPr/>
+        <p:nvPr/>
+      </p:nvGrpSpPr>
+      <p:grpSpPr>
+        <a:xfrm>
+          <a:off x="0" y="0"/>
+          <a:ext cx="0" cy="0"/>
+          <a:chOff x="0" y="0"/>
+          <a:chExt cx="0" cy="0"/>
+        </a:xfrm>
+      </p:grpSpPr>
+      <p:sp>
+        <p:nvSpPr>
+          <p:cNvPr id="2" name="幻灯片图像占位符 1"/>
+          <p:cNvSpPr>
+            <a:spLocks noGrp="1" noRot="1" noChangeAspect="1"/>
+          </p:cNvSpPr>
+          <p:nvPr>
+            <p:ph type="sldImg"/>
+          </p:nvPr>
+        </p:nvSpPr>
+        <p:spPr/>
+      </p:sp>
+      <p:sp>
+        <p:nvSpPr>
+          <p:cNvPr id="3" name="备注占位符 2"/>
+          <p:cNvSpPr>
+            <a:spLocks noGrp="1"/>
+          </p:cNvSpPr>
+          <p:nvPr>
+            <p:ph type="body" idx="1"/>
+          </p:nvPr>
+        </p:nvSpPr>
+        <p:spPr/>
+        <p:txBody>
+          <a:bodyPr/>
+          <a:lstStyle/>
+          <a:p>
+            <a:r>
+              <a:rPr lang="zh-CN" altLang="en-US" dirty="0" smtClean="0"/>
+              <a:t>词向量能够捕捉到单词</a:t>
+            </a:r>
+            <a:r>
+              <a:rPr lang="en-US" altLang="zh-CN" dirty="0" smtClean="0"/>
+              <a:t>China</a:t>
+            </a:r>
+            <a:r>
+              <a:rPr lang="en-US" altLang="zh-CN" baseline="0" dirty="0" smtClean="0"/>
+              <a:t> Beijing</a:t>
+            </a:r>
+            <a:r>
+              <a:rPr lang="zh-CN" altLang="en-US" baseline="0" dirty="0" smtClean="0"/>
+              <a:t>之间  </a:t>
+            </a:r>
+            <a:r>
+              <a:rPr lang="en-US" altLang="zh-CN" baseline="0" dirty="0" smtClean="0"/>
+              <a:t>Japan Tokyo</a:t>
+            </a:r>
+            <a:r>
+              <a:rPr lang="zh-CN" altLang="en-US" baseline="0" dirty="0" smtClean="0"/>
+              <a:t>之间的隐含语义关系</a:t>
+            </a:r>
+            <a:endParaRPr lang="zh-CN" altLang="en-US" dirty="0"/>
+          </a:p>
+        </p:txBody>
+      </p:sp>
+      <p:sp>
+        <p:nvSpPr>
+          <p:cNvPr id="4" name="灯片编号占位符 3"/>
+          <p:cNvSpPr>
+            <a:spLocks noGrp="1"/>
+          </p:cNvSpPr>
+          <p:nvPr>
+            <p:ph type="sldNum" sz="quarter" idx="10"/>
+          </p:nvPr>
+        </p:nvSpPr>
+        <p:spPr/>
+        <p:txBody>
+          <a:bodyPr/>
+          <a:lstStyle/>
+          <a:p>
+            <a:fld id="{03EC23FA-1A74-4866-BA33-81430325FB80}" type="slidenum">
+              <a:rPr lang="zh-CN" altLang="en-US" smtClean="0"/>
+              <a:t>8</a:t>
+            </a:fld>
+            <a:endParaRPr lang="zh-CN" altLang="en-US"/>
+          </a:p>
+        </p:txBody>
+      </p:sp>
+    </p:spTree>
+    <p:extLst>
+      <p:ext uri="{BB962C8B-B14F-4D97-AF65-F5344CB8AC3E}">
+        <p14:creationId xmlns:p14="http://schemas.microsoft.com/office/powerpoint/2010/main" val="2770810133"/>
+      </p:ext>
+    </p:extLst>
+  </p:cSld>
+  <p:clrMapOvr>
+    <a:masterClrMapping/>
+  </p:clrMapOvr>
+</p:notes>
+</file>
+
 <file path=ppt/slideLayouts/slideLayout1.xml><?xml version="1.0" encoding="utf-8"?>
 <p:sldLayout xmlns:a="http://schemas.openxmlformats.org/drawingml/2006/main" xmlns:r="http://schemas.openxmlformats.org/officeDocument/2006/relationships" xmlns:p="http://schemas.openxmlformats.org/presentationml/2006/main" type="title" preserve="1">
   <p:cSld name="标题幻灯片">
@@ -783,7 +975,7 @@
           <a:p>
             <a:fld id="{FE5DA7A3-A219-42CA-A9DF-324CAD0AC667}" type="datetimeFigureOut">
               <a:rPr lang="zh-CN" altLang="en-US" smtClean="0"/>
-              <a:t>2018/11/30</a:t>
+              <a:t>2018/12/2</a:t>
             </a:fld>
             <a:endParaRPr lang="zh-CN" altLang="en-US"/>
           </a:p>
@@ -953,7 +1145,7 @@
           <a:p>
             <a:fld id="{FE5DA7A3-A219-42CA-A9DF-324CAD0AC667}" type="datetimeFigureOut">
               <a:rPr lang="zh-CN" altLang="en-US" smtClean="0"/>
-              <a:t>2018/11/30</a:t>
+              <a:t>2018/12/2</a:t>
             </a:fld>
             <a:endParaRPr lang="zh-CN" altLang="en-US"/>
           </a:p>
@@ -1133,7 +1325,7 @@
           <a:p>
             <a:fld id="{FE5DA7A3-A219-42CA-A9DF-324CAD0AC667}" type="datetimeFigureOut">
               <a:rPr lang="zh-CN" altLang="en-US" smtClean="0"/>
-              <a:t>2018/11/30</a:t>
+              <a:t>2018/12/2</a:t>
             </a:fld>
             <a:endParaRPr lang="zh-CN" altLang="en-US"/>
           </a:p>
@@ -1303,7 +1495,7 @@
           <a:p>
             <a:fld id="{FE5DA7A3-A219-42CA-A9DF-324CAD0AC667}" type="datetimeFigureOut">
               <a:rPr lang="zh-CN" altLang="en-US" smtClean="0"/>
-              <a:t>2018/11/30</a:t>
+              <a:t>2018/12/2</a:t>
             </a:fld>
             <a:endParaRPr lang="zh-CN" altLang="en-US"/>
           </a:p>
@@ -1549,7 +1741,7 @@
           <a:p>
             <a:fld id="{FE5DA7A3-A219-42CA-A9DF-324CAD0AC667}" type="datetimeFigureOut">
               <a:rPr lang="zh-CN" altLang="en-US" smtClean="0"/>
-              <a:t>2018/11/30</a:t>
+              <a:t>2018/12/2</a:t>
             </a:fld>
             <a:endParaRPr lang="zh-CN" altLang="en-US"/>
           </a:p>
@@ -1781,7 +1973,7 @@
           <a:p>
             <a:fld id="{FE5DA7A3-A219-42CA-A9DF-324CAD0AC667}" type="datetimeFigureOut">
               <a:rPr lang="zh-CN" altLang="en-US" smtClean="0"/>
-              <a:t>2018/11/30</a:t>
+              <a:t>2018/12/2</a:t>
             </a:fld>
             <a:endParaRPr lang="zh-CN" altLang="en-US"/>
           </a:p>
@@ -2148,7 +2340,7 @@
           <a:p>
             <a:fld id="{FE5DA7A3-A219-42CA-A9DF-324CAD0AC667}" type="datetimeFigureOut">
               <a:rPr lang="zh-CN" altLang="en-US" smtClean="0"/>
-              <a:t>2018/11/30</a:t>
+              <a:t>2018/12/2</a:t>
             </a:fld>
             <a:endParaRPr lang="zh-CN" altLang="en-US"/>
           </a:p>
@@ -2266,7 +2458,7 @@
           <a:p>
             <a:fld id="{FE5DA7A3-A219-42CA-A9DF-324CAD0AC667}" type="datetimeFigureOut">
               <a:rPr lang="zh-CN" altLang="en-US" smtClean="0"/>
-              <a:t>2018/11/30</a:t>
+              <a:t>2018/12/2</a:t>
             </a:fld>
             <a:endParaRPr lang="zh-CN" altLang="en-US"/>
           </a:p>
@@ -2361,7 +2553,7 @@
           <a:p>
             <a:fld id="{FE5DA7A3-A219-42CA-A9DF-324CAD0AC667}" type="datetimeFigureOut">
               <a:rPr lang="zh-CN" altLang="en-US" smtClean="0"/>
-              <a:t>2018/11/30</a:t>
+              <a:t>2018/12/2</a:t>
             </a:fld>
             <a:endParaRPr lang="zh-CN" altLang="en-US"/>
           </a:p>
@@ -2638,7 +2830,7 @@
           <a:p>
             <a:fld id="{FE5DA7A3-A219-42CA-A9DF-324CAD0AC667}" type="datetimeFigureOut">
               <a:rPr lang="zh-CN" altLang="en-US" smtClean="0"/>
-              <a:t>2018/11/30</a:t>
+              <a:t>2018/12/2</a:t>
             </a:fld>
             <a:endParaRPr lang="zh-CN" altLang="en-US"/>
           </a:p>
@@ -2891,7 +3083,7 @@
           <a:p>
             <a:fld id="{FE5DA7A3-A219-42CA-A9DF-324CAD0AC667}" type="datetimeFigureOut">
               <a:rPr lang="zh-CN" altLang="en-US" smtClean="0"/>
-              <a:t>2018/11/30</a:t>
+              <a:t>2018/12/2</a:t>
             </a:fld>
             <a:endParaRPr lang="zh-CN" altLang="en-US"/>
           </a:p>
@@ -3104,7 +3296,7 @@
           <a:p>
             <a:fld id="{FE5DA7A3-A219-42CA-A9DF-324CAD0AC667}" type="datetimeFigureOut">
               <a:rPr lang="zh-CN" altLang="en-US" smtClean="0"/>
-              <a:t>2018/11/30</a:t>
+              <a:t>2018/12/2</a:t>
             </a:fld>
             <a:endParaRPr lang="zh-CN" altLang="en-US"/>
           </a:p>
@@ -3623,6 +3815,13 @@
   <p:clrMapOvr>
     <a:masterClrMapping/>
   </p:clrMapOvr>
+  <p:timing>
+    <p:tnLst>
+      <p:par>
+        <p:cTn id="1" dur="indefinite" restart="never" nodeType="tmRoot"/>
+      </p:par>
+    </p:tnLst>
+  </p:timing>
 </p:sld>
 </file>
 
@@ -3686,7 +3885,7 @@
         </p:nvSpPr>
         <p:spPr>
           <a:xfrm>
-            <a:off x="990600" y="1677988"/>
+            <a:off x="914400" y="1690688"/>
             <a:ext cx="10439400" cy="3717925"/>
           </a:xfrm>
         </p:spPr>
@@ -3777,6 +3976,13 @@
   <p:clrMapOvr>
     <a:masterClrMapping/>
   </p:clrMapOvr>
+  <p:timing>
+    <p:tnLst>
+      <p:par>
+        <p:cTn id="1" dur="indefinite" restart="never" nodeType="tmRoot"/>
+      </p:par>
+    </p:tnLst>
+  </p:timing>
 </p:sld>
 </file>
 
@@ -3809,17 +4015,21 @@
         </p:nvSpPr>
         <p:spPr/>
         <p:txBody>
-          <a:bodyPr/>
-          <a:lstStyle/>
-          <a:p>
-            <a:r>
-              <a:rPr lang="en-US" altLang="zh-CN" dirty="0" smtClean="0">
-                <a:latin typeface="Times New Roman" panose="02020603050405020304" pitchFamily="18" charset="0"/>
+          <a:bodyPr>
+            <a:normAutofit/>
+          </a:bodyPr>
+          <a:lstStyle/>
+          <a:p>
+            <a:r>
+              <a:rPr lang="zh-CN" altLang="en-US" sz="5400" dirty="0" smtClean="0">
+                <a:latin typeface="楷体" panose="02010609060101010101" pitchFamily="49" charset="-122"/>
+                <a:ea typeface="楷体" panose="02010609060101010101" pitchFamily="49" charset="-122"/>
               </a:rPr>
-              <a:t>Word Embedding</a:t>
-            </a:r>
-            <a:endParaRPr lang="zh-CN" altLang="en-US" dirty="0">
-              <a:latin typeface="Times New Roman" panose="02020603050405020304" pitchFamily="18" charset="0"/>
+              <a:t>词表示学习</a:t>
+            </a:r>
+            <a:endParaRPr lang="zh-CN" altLang="en-US" sz="5400" dirty="0">
+              <a:latin typeface="楷体" panose="02010609060101010101" pitchFamily="49" charset="-122"/>
+              <a:ea typeface="楷体" panose="02010609060101010101" pitchFamily="49" charset="-122"/>
             </a:endParaRPr>
           </a:p>
         </p:txBody>
@@ -3836,8 +4046,8 @@
         </p:nvSpPr>
         <p:spPr>
           <a:xfrm>
-            <a:off x="1026459" y="1690688"/>
-            <a:ext cx="10515600" cy="4351338"/>
+            <a:off x="928136" y="1867669"/>
+            <a:ext cx="10515600" cy="4277493"/>
           </a:xfrm>
         </p:spPr>
         <p:txBody>
@@ -3846,49 +4056,60 @@
           <a:p>
             <a:r>
               <a:rPr lang="zh-CN" altLang="en-US" dirty="0" smtClean="0"/>
-              <a:t>将词表示成连续稠密的实值向量</a:t>
-            </a:r>
+              <a:t>将词表示成连续稠密的实值向</a:t>
+            </a:r>
+            <a:r>
+              <a:rPr lang="zh-CN" altLang="en-US" dirty="0" smtClean="0"/>
+              <a:t>量</a:t>
+            </a:r>
+            <a:endParaRPr lang="en-US" altLang="zh-CN" dirty="0"/>
+          </a:p>
+          <a:p>
             <a:endParaRPr lang="en-US" altLang="zh-CN" dirty="0" smtClean="0"/>
           </a:p>
           <a:p>
-            <a:endParaRPr lang="en-US" altLang="zh-CN" dirty="0"/>
-          </a:p>
-          <a:p>
             <a:r>
               <a:rPr lang="zh-CN" altLang="en-US" dirty="0" smtClean="0"/>
-              <a:t>一个词的意思可以由该词的上下文信息表述，连接了词之间的语义关系 含义相似的词会出现在相同的上下文。</a:t>
+              <a:t>词的语义由其上下文决定</a:t>
             </a:r>
             <a:endParaRPr lang="en-US" altLang="zh-CN" dirty="0" smtClean="0"/>
           </a:p>
           <a:p>
+            <a:pPr marL="0" indent="0">
+              <a:buNone/>
+            </a:pPr>
+            <a:r>
+              <a:rPr lang="en-US" altLang="zh-CN" dirty="0"/>
+              <a:t> </a:t>
+            </a:r>
+            <a:r>
+              <a:rPr lang="en-US" altLang="zh-CN" dirty="0" smtClean="0"/>
+              <a:t>  </a:t>
+            </a:r>
+            <a:r>
+              <a:rPr lang="en-US" altLang="zh-CN" dirty="0"/>
+              <a:t>(</a:t>
+            </a:r>
+            <a:r>
+              <a:rPr lang="en-US" altLang="zh-CN" dirty="0" smtClean="0"/>
+              <a:t>A </a:t>
+            </a:r>
+            <a:r>
+              <a:rPr lang="en-US" altLang="zh-CN" dirty="0"/>
+              <a:t>word is characterized by the company it </a:t>
+            </a:r>
+            <a:r>
+              <a:rPr lang="en-US" altLang="zh-CN" dirty="0" smtClean="0"/>
+              <a:t>keeps.)</a:t>
+            </a:r>
+          </a:p>
+          <a:p>
             <a:endParaRPr lang="en-US" altLang="zh-CN" dirty="0" smtClean="0"/>
           </a:p>
           <a:p>
-            <a:r>
-              <a:rPr lang="zh-CN" altLang="en-US" dirty="0"/>
-              <a:t>习近</a:t>
-            </a:r>
-            <a:r>
-              <a:rPr lang="zh-CN" altLang="en-US" dirty="0" smtClean="0"/>
-              <a:t>平是国家主席</a:t>
-            </a:r>
-            <a:endParaRPr lang="en-US" altLang="zh-CN" dirty="0" smtClean="0"/>
-          </a:p>
-          <a:p>
-            <a:endParaRPr lang="en-US" altLang="zh-CN" dirty="0"/>
-          </a:p>
-          <a:p>
-            <a:r>
-              <a:rPr lang="zh-CN" altLang="en-US" dirty="0"/>
-              <a:t>胡锦</a:t>
-            </a:r>
-            <a:r>
-              <a:rPr lang="zh-CN" altLang="en-US" dirty="0" smtClean="0"/>
-              <a:t>涛是国家主席</a:t>
-            </a:r>
-            <a:endParaRPr lang="en-US" altLang="zh-CN" dirty="0" smtClean="0"/>
-          </a:p>
-          <a:p>
+            <a:pPr marL="0" indent="0">
+              <a:buNone/>
+            </a:pPr>
             <a:endParaRPr lang="en-US" altLang="zh-CN" dirty="0" smtClean="0"/>
           </a:p>
           <a:p>
@@ -3906,6 +4127,13 @@
   <p:clrMapOvr>
     <a:masterClrMapping/>
   </p:clrMapOvr>
+  <p:timing>
+    <p:tnLst>
+      <p:par>
+        <p:cTn id="1" dur="indefinite" restart="never" nodeType="tmRoot"/>
+      </p:par>
+    </p:tnLst>
+  </p:timing>
 </p:sld>
 </file>
 
@@ -3926,41 +4154,180 @@
           <a:chExt cx="0" cy="0"/>
         </a:xfrm>
       </p:grpSpPr>
-      <p:sp>
-        <p:nvSpPr>
-          <p:cNvPr id="2" name="标题 1"/>
-          <p:cNvSpPr>
-            <a:spLocks noGrp="1"/>
-          </p:cNvSpPr>
-          <p:nvPr>
-            <p:ph type="title"/>
-          </p:nvPr>
-        </p:nvSpPr>
-        <p:spPr/>
-        <p:txBody>
-          <a:bodyPr/>
-          <a:lstStyle/>
-          <a:p>
-            <a:endParaRPr lang="zh-CN" altLang="en-US"/>
-          </a:p>
-        </p:txBody>
-      </p:sp>
-      <p:sp>
-        <p:nvSpPr>
-          <p:cNvPr id="3" name="内容占位符 2"/>
-          <p:cNvSpPr>
-            <a:spLocks noGrp="1"/>
-          </p:cNvSpPr>
-          <p:nvPr>
-            <p:ph idx="1"/>
-          </p:nvPr>
-        </p:nvSpPr>
-        <p:spPr/>
-        <p:txBody>
-          <a:bodyPr/>
-          <a:lstStyle/>
-          <a:p>
-            <a:endParaRPr lang="zh-CN" altLang="en-US"/>
+      <p:pic>
+        <p:nvPicPr>
+          <p:cNvPr id="4" name="图片 3"/>
+          <p:cNvPicPr>
+            <a:picLocks noChangeAspect="1"/>
+          </p:cNvPicPr>
+          <p:nvPr/>
+        </p:nvPicPr>
+        <p:blipFill>
+          <a:blip r:embed="rId3">
+            <a:extLst>
+              <a:ext uri="{28A0092B-C50C-407E-A947-70E740481C1C}">
+                <a14:useLocalDpi xmlns:a14="http://schemas.microsoft.com/office/drawing/2010/main" val="0"/>
+              </a:ext>
+            </a:extLst>
+          </a:blip>
+          <a:stretch>
+            <a:fillRect/>
+          </a:stretch>
+        </p:blipFill>
+        <p:spPr>
+          <a:xfrm>
+            <a:off x="151660" y="0"/>
+            <a:ext cx="5792680" cy="6858000"/>
+          </a:xfrm>
+          <a:prstGeom prst="rect">
+            <a:avLst/>
+          </a:prstGeom>
+        </p:spPr>
+      </p:pic>
+      <p:sp>
+        <p:nvSpPr>
+          <p:cNvPr id="7" name="矩形 6"/>
+          <p:cNvSpPr/>
+          <p:nvPr/>
+        </p:nvSpPr>
+        <p:spPr>
+          <a:xfrm>
+            <a:off x="2678943" y="617425"/>
+            <a:ext cx="1996637" cy="923330"/>
+          </a:xfrm>
+          <a:prstGeom prst="rect">
+            <a:avLst/>
+          </a:prstGeom>
+          <a:noFill/>
+        </p:spPr>
+        <p:txBody>
+          <a:bodyPr wrap="none" lIns="91440" tIns="45720" rIns="91440" bIns="45720">
+            <a:spAutoFit/>
+          </a:bodyPr>
+          <a:lstStyle/>
+          <a:p>
+            <a:pPr algn="ctr"/>
+            <a:r>
+              <a:rPr lang="en-US" altLang="zh-CN" sz="5400" dirty="0" smtClean="0">
+                <a:ln w="0"/>
+                <a:effectLst>
+                  <a:outerShdw blurRad="38100" dist="19050" dir="2700000" algn="tl" rotWithShape="0">
+                    <a:schemeClr val="dk1">
+                      <a:alpha val="40000"/>
+                    </a:schemeClr>
+                  </a:outerShdw>
+                </a:effectLst>
+              </a:rPr>
+              <a:t>CBOW</a:t>
+            </a:r>
+            <a:endParaRPr lang="zh-CN" altLang="en-US" sz="5400" b="0" cap="none" spc="0" dirty="0">
+              <a:ln w="0"/>
+              <a:solidFill>
+                <a:schemeClr val="tx1"/>
+              </a:solidFill>
+              <a:effectLst>
+                <a:outerShdw blurRad="38100" dist="19050" dir="2700000" algn="tl" rotWithShape="0">
+                  <a:schemeClr val="dk1">
+                    <a:alpha val="40000"/>
+                  </a:schemeClr>
+                </a:outerShdw>
+              </a:effectLst>
+            </a:endParaRPr>
+          </a:p>
+        </p:txBody>
+      </p:sp>
+      <p:pic>
+        <p:nvPicPr>
+          <p:cNvPr id="9" name="图片 8"/>
+          <p:cNvPicPr>
+            <a:picLocks noChangeAspect="1"/>
+          </p:cNvPicPr>
+          <p:nvPr/>
+        </p:nvPicPr>
+        <p:blipFill>
+          <a:blip r:embed="rId4">
+            <a:extLst>
+              <a:ext uri="{28A0092B-C50C-407E-A947-70E740481C1C}">
+                <a14:useLocalDpi xmlns:a14="http://schemas.microsoft.com/office/drawing/2010/main" val="0"/>
+              </a:ext>
+            </a:extLst>
+          </a:blip>
+          <a:stretch>
+            <a:fillRect/>
+          </a:stretch>
+        </p:blipFill>
+        <p:spPr>
+          <a:xfrm>
+            <a:off x="5944340" y="-68826"/>
+            <a:ext cx="6247660" cy="6926826"/>
+          </a:xfrm>
+          <a:prstGeom prst="rect">
+            <a:avLst/>
+          </a:prstGeom>
+        </p:spPr>
+      </p:pic>
+      <p:sp>
+        <p:nvSpPr>
+          <p:cNvPr id="10" name="矩形 9"/>
+          <p:cNvSpPr/>
+          <p:nvPr/>
+        </p:nvSpPr>
+        <p:spPr>
+          <a:xfrm>
+            <a:off x="6198121" y="617425"/>
+            <a:ext cx="2942087" cy="923330"/>
+          </a:xfrm>
+          <a:prstGeom prst="rect">
+            <a:avLst/>
+          </a:prstGeom>
+          <a:noFill/>
+        </p:spPr>
+        <p:txBody>
+          <a:bodyPr wrap="none" lIns="91440" tIns="45720" rIns="91440" bIns="45720">
+            <a:spAutoFit/>
+          </a:bodyPr>
+          <a:lstStyle/>
+          <a:p>
+            <a:pPr algn="ctr"/>
+            <a:r>
+              <a:rPr lang="en-US" altLang="zh-CN" sz="5400" dirty="0">
+                <a:ln w="0"/>
+                <a:effectLst>
+                  <a:outerShdw blurRad="38100" dist="19050" dir="2700000" algn="tl" rotWithShape="0">
+                    <a:schemeClr val="dk1">
+                      <a:alpha val="40000"/>
+                    </a:schemeClr>
+                  </a:outerShdw>
+                </a:effectLst>
+              </a:rPr>
+              <a:t>s</a:t>
+            </a:r>
+            <a:r>
+              <a:rPr lang="en-US" altLang="zh-CN" sz="5400" dirty="0" smtClean="0">
+                <a:ln w="0"/>
+                <a:effectLst>
+                  <a:outerShdw blurRad="38100" dist="19050" dir="2700000" algn="tl" rotWithShape="0">
+                    <a:schemeClr val="dk1">
+                      <a:alpha val="40000"/>
+                    </a:schemeClr>
+                  </a:outerShdw>
+                </a:effectLst>
+              </a:rPr>
+              <a:t>kip-gram</a:t>
+            </a:r>
+            <a:endParaRPr lang="zh-CN" altLang="en-US" sz="5400" b="0" cap="none" spc="0" dirty="0">
+              <a:ln w="0"/>
+              <a:solidFill>
+                <a:schemeClr val="tx1"/>
+              </a:solidFill>
+              <a:effectLst>
+                <a:outerShdw blurRad="38100" dist="19050" dir="2700000" algn="tl" rotWithShape="0">
+                  <a:schemeClr val="dk1">
+                    <a:alpha val="40000"/>
+                  </a:schemeClr>
+                </a:outerShdw>
+              </a:effectLst>
+            </a:endParaRPr>
           </a:p>
         </p:txBody>
       </p:sp>
@@ -3974,6 +4341,400 @@
   <p:clrMapOvr>
     <a:masterClrMapping/>
   </p:clrMapOvr>
+  <p:timing>
+    <p:tnLst>
+      <p:par>
+        <p:cTn id="1" dur="indefinite" restart="never" nodeType="tmRoot">
+          <p:childTnLst>
+            <p:seq concurrent="1" nextAc="seek">
+              <p:cTn id="2" dur="indefinite" nodeType="mainSeq">
+                <p:childTnLst>
+                  <p:par>
+                    <p:cTn id="3" fill="hold">
+                      <p:stCondLst>
+                        <p:cond delay="indefinite"/>
+                      </p:stCondLst>
+                      <p:childTnLst>
+                        <p:par>
+                          <p:cTn id="4" fill="hold">
+                            <p:stCondLst>
+                              <p:cond delay="0"/>
+                            </p:stCondLst>
+                            <p:childTnLst>
+                              <p:par>
+                                <p:cTn id="5" presetID="42" presetClass="entr" presetSubtype="0" fill="hold" nodeType="clickEffect">
+                                  <p:stCondLst>
+                                    <p:cond delay="0"/>
+                                  </p:stCondLst>
+                                  <p:childTnLst>
+                                    <p:set>
+                                      <p:cBhvr>
+                                        <p:cTn id="6" dur="1" fill="hold">
+                                          <p:stCondLst>
+                                            <p:cond delay="0"/>
+                                          </p:stCondLst>
+                                        </p:cTn>
+                                        <p:tgtEl>
+                                          <p:spTgt spid="4"/>
+                                        </p:tgtEl>
+                                        <p:attrNameLst>
+                                          <p:attrName>style.visibility</p:attrName>
+                                        </p:attrNameLst>
+                                      </p:cBhvr>
+                                      <p:to>
+                                        <p:strVal val="visible"/>
+                                      </p:to>
+                                    </p:set>
+                                    <p:animEffect transition="in" filter="fade">
+                                      <p:cBhvr>
+                                        <p:cTn id="7" dur="1000"/>
+                                        <p:tgtEl>
+                                          <p:spTgt spid="4"/>
+                                        </p:tgtEl>
+                                      </p:cBhvr>
+                                    </p:animEffect>
+                                    <p:anim calcmode="lin" valueType="num">
+                                      <p:cBhvr>
+                                        <p:cTn id="8" dur="1000" fill="hold"/>
+                                        <p:tgtEl>
+                                          <p:spTgt spid="4"/>
+                                        </p:tgtEl>
+                                        <p:attrNameLst>
+                                          <p:attrName>ppt_x</p:attrName>
+                                        </p:attrNameLst>
+                                      </p:cBhvr>
+                                      <p:tavLst>
+                                        <p:tav tm="0">
+                                          <p:val>
+                                            <p:strVal val="#ppt_x"/>
+                                          </p:val>
+                                        </p:tav>
+                                        <p:tav tm="100000">
+                                          <p:val>
+                                            <p:strVal val="#ppt_x"/>
+                                          </p:val>
+                                        </p:tav>
+                                      </p:tavLst>
+                                    </p:anim>
+                                    <p:anim calcmode="lin" valueType="num">
+                                      <p:cBhvr>
+                                        <p:cTn id="9" dur="1000" fill="hold"/>
+                                        <p:tgtEl>
+                                          <p:spTgt spid="4"/>
+                                        </p:tgtEl>
+                                        <p:attrNameLst>
+                                          <p:attrName>ppt_y</p:attrName>
+                                        </p:attrNameLst>
+                                      </p:cBhvr>
+                                      <p:tavLst>
+                                        <p:tav tm="0">
+                                          <p:val>
+                                            <p:strVal val="#ppt_y+.1"/>
+                                          </p:val>
+                                        </p:tav>
+                                        <p:tav tm="100000">
+                                          <p:val>
+                                            <p:strVal val="#ppt_y"/>
+                                          </p:val>
+                                        </p:tav>
+                                      </p:tavLst>
+                                    </p:anim>
+                                  </p:childTnLst>
+                                </p:cTn>
+                              </p:par>
+                              <p:par>
+                                <p:cTn id="10" presetID="42" presetClass="entr" presetSubtype="0" fill="hold" grpId="0" nodeType="withEffect">
+                                  <p:stCondLst>
+                                    <p:cond delay="0"/>
+                                  </p:stCondLst>
+                                  <p:childTnLst>
+                                    <p:set>
+                                      <p:cBhvr>
+                                        <p:cTn id="11" dur="1" fill="hold">
+                                          <p:stCondLst>
+                                            <p:cond delay="0"/>
+                                          </p:stCondLst>
+                                        </p:cTn>
+                                        <p:tgtEl>
+                                          <p:spTgt spid="7"/>
+                                        </p:tgtEl>
+                                        <p:attrNameLst>
+                                          <p:attrName>style.visibility</p:attrName>
+                                        </p:attrNameLst>
+                                      </p:cBhvr>
+                                      <p:to>
+                                        <p:strVal val="visible"/>
+                                      </p:to>
+                                    </p:set>
+                                    <p:animEffect transition="in" filter="fade">
+                                      <p:cBhvr>
+                                        <p:cTn id="12" dur="1000"/>
+                                        <p:tgtEl>
+                                          <p:spTgt spid="7"/>
+                                        </p:tgtEl>
+                                      </p:cBhvr>
+                                    </p:animEffect>
+                                    <p:anim calcmode="lin" valueType="num">
+                                      <p:cBhvr>
+                                        <p:cTn id="13" dur="1000" fill="hold"/>
+                                        <p:tgtEl>
+                                          <p:spTgt spid="7"/>
+                                        </p:tgtEl>
+                                        <p:attrNameLst>
+                                          <p:attrName>ppt_x</p:attrName>
+                                        </p:attrNameLst>
+                                      </p:cBhvr>
+                                      <p:tavLst>
+                                        <p:tav tm="0">
+                                          <p:val>
+                                            <p:strVal val="#ppt_x"/>
+                                          </p:val>
+                                        </p:tav>
+                                        <p:tav tm="100000">
+                                          <p:val>
+                                            <p:strVal val="#ppt_x"/>
+                                          </p:val>
+                                        </p:tav>
+                                      </p:tavLst>
+                                    </p:anim>
+                                    <p:anim calcmode="lin" valueType="num">
+                                      <p:cBhvr>
+                                        <p:cTn id="14" dur="1000" fill="hold"/>
+                                        <p:tgtEl>
+                                          <p:spTgt spid="7"/>
+                                        </p:tgtEl>
+                                        <p:attrNameLst>
+                                          <p:attrName>ppt_y</p:attrName>
+                                        </p:attrNameLst>
+                                      </p:cBhvr>
+                                      <p:tavLst>
+                                        <p:tav tm="0">
+                                          <p:val>
+                                            <p:strVal val="#ppt_y+.1"/>
+                                          </p:val>
+                                        </p:tav>
+                                        <p:tav tm="100000">
+                                          <p:val>
+                                            <p:strVal val="#ppt_y"/>
+                                          </p:val>
+                                        </p:tav>
+                                      </p:tavLst>
+                                    </p:anim>
+                                  </p:childTnLst>
+                                </p:cTn>
+                              </p:par>
+                            </p:childTnLst>
+                          </p:cTn>
+                        </p:par>
+                      </p:childTnLst>
+                    </p:cTn>
+                  </p:par>
+                  <p:par>
+                    <p:cTn id="15" fill="hold">
+                      <p:stCondLst>
+                        <p:cond delay="indefinite"/>
+                      </p:stCondLst>
+                      <p:childTnLst>
+                        <p:par>
+                          <p:cTn id="16" fill="hold">
+                            <p:stCondLst>
+                              <p:cond delay="0"/>
+                            </p:stCondLst>
+                            <p:childTnLst>
+                              <p:par>
+                                <p:cTn id="17" presetID="42" presetClass="entr" presetSubtype="0" fill="hold" grpId="0" nodeType="clickEffect">
+                                  <p:stCondLst>
+                                    <p:cond delay="0"/>
+                                  </p:stCondLst>
+                                  <p:childTnLst>
+                                    <p:set>
+                                      <p:cBhvr>
+                                        <p:cTn id="18" dur="1" fill="hold">
+                                          <p:stCondLst>
+                                            <p:cond delay="0"/>
+                                          </p:stCondLst>
+                                        </p:cTn>
+                                        <p:tgtEl>
+                                          <p:spTgt spid="10"/>
+                                        </p:tgtEl>
+                                        <p:attrNameLst>
+                                          <p:attrName>style.visibility</p:attrName>
+                                        </p:attrNameLst>
+                                      </p:cBhvr>
+                                      <p:to>
+                                        <p:strVal val="visible"/>
+                                      </p:to>
+                                    </p:set>
+                                    <p:animEffect transition="in" filter="fade">
+                                      <p:cBhvr>
+                                        <p:cTn id="19" dur="1000"/>
+                                        <p:tgtEl>
+                                          <p:spTgt spid="10"/>
+                                        </p:tgtEl>
+                                      </p:cBhvr>
+                                    </p:animEffect>
+                                    <p:anim calcmode="lin" valueType="num">
+                                      <p:cBhvr>
+                                        <p:cTn id="20" dur="1000" fill="hold"/>
+                                        <p:tgtEl>
+                                          <p:spTgt spid="10"/>
+                                        </p:tgtEl>
+                                        <p:attrNameLst>
+                                          <p:attrName>ppt_x</p:attrName>
+                                        </p:attrNameLst>
+                                      </p:cBhvr>
+                                      <p:tavLst>
+                                        <p:tav tm="0">
+                                          <p:val>
+                                            <p:strVal val="#ppt_x"/>
+                                          </p:val>
+                                        </p:tav>
+                                        <p:tav tm="100000">
+                                          <p:val>
+                                            <p:strVal val="#ppt_x"/>
+                                          </p:val>
+                                        </p:tav>
+                                      </p:tavLst>
+                                    </p:anim>
+                                    <p:anim calcmode="lin" valueType="num">
+                                      <p:cBhvr>
+                                        <p:cTn id="21" dur="1000" fill="hold"/>
+                                        <p:tgtEl>
+                                          <p:spTgt spid="10"/>
+                                        </p:tgtEl>
+                                        <p:attrNameLst>
+                                          <p:attrName>ppt_y</p:attrName>
+                                        </p:attrNameLst>
+                                      </p:cBhvr>
+                                      <p:tavLst>
+                                        <p:tav tm="0">
+                                          <p:val>
+                                            <p:strVal val="#ppt_y+.1"/>
+                                          </p:val>
+                                        </p:tav>
+                                        <p:tav tm="100000">
+                                          <p:val>
+                                            <p:strVal val="#ppt_y"/>
+                                          </p:val>
+                                        </p:tav>
+                                      </p:tavLst>
+                                    </p:anim>
+                                  </p:childTnLst>
+                                </p:cTn>
+                              </p:par>
+                              <p:par>
+                                <p:cTn id="22" presetID="42" presetClass="entr" presetSubtype="0" fill="hold" nodeType="withEffect">
+                                  <p:stCondLst>
+                                    <p:cond delay="0"/>
+                                  </p:stCondLst>
+                                  <p:childTnLst>
+                                    <p:set>
+                                      <p:cBhvr>
+                                        <p:cTn id="23" dur="1" fill="hold">
+                                          <p:stCondLst>
+                                            <p:cond delay="0"/>
+                                          </p:stCondLst>
+                                        </p:cTn>
+                                        <p:tgtEl>
+                                          <p:spTgt spid="9"/>
+                                        </p:tgtEl>
+                                        <p:attrNameLst>
+                                          <p:attrName>style.visibility</p:attrName>
+                                        </p:attrNameLst>
+                                      </p:cBhvr>
+                                      <p:to>
+                                        <p:strVal val="visible"/>
+                                      </p:to>
+                                    </p:set>
+                                    <p:animEffect transition="in" filter="fade">
+                                      <p:cBhvr>
+                                        <p:cTn id="24" dur="1000"/>
+                                        <p:tgtEl>
+                                          <p:spTgt spid="9"/>
+                                        </p:tgtEl>
+                                      </p:cBhvr>
+                                    </p:animEffect>
+                                    <p:anim calcmode="lin" valueType="num">
+                                      <p:cBhvr>
+                                        <p:cTn id="25" dur="1000" fill="hold"/>
+                                        <p:tgtEl>
+                                          <p:spTgt spid="9"/>
+                                        </p:tgtEl>
+                                        <p:attrNameLst>
+                                          <p:attrName>ppt_x</p:attrName>
+                                        </p:attrNameLst>
+                                      </p:cBhvr>
+                                      <p:tavLst>
+                                        <p:tav tm="0">
+                                          <p:val>
+                                            <p:strVal val="#ppt_x"/>
+                                          </p:val>
+                                        </p:tav>
+                                        <p:tav tm="100000">
+                                          <p:val>
+                                            <p:strVal val="#ppt_x"/>
+                                          </p:val>
+                                        </p:tav>
+                                      </p:tavLst>
+                                    </p:anim>
+                                    <p:anim calcmode="lin" valueType="num">
+                                      <p:cBhvr>
+                                        <p:cTn id="26" dur="1000" fill="hold"/>
+                                        <p:tgtEl>
+                                          <p:spTgt spid="9"/>
+                                        </p:tgtEl>
+                                        <p:attrNameLst>
+                                          <p:attrName>ppt_y</p:attrName>
+                                        </p:attrNameLst>
+                                      </p:cBhvr>
+                                      <p:tavLst>
+                                        <p:tav tm="0">
+                                          <p:val>
+                                            <p:strVal val="#ppt_y+.1"/>
+                                          </p:val>
+                                        </p:tav>
+                                        <p:tav tm="100000">
+                                          <p:val>
+                                            <p:strVal val="#ppt_y"/>
+                                          </p:val>
+                                        </p:tav>
+                                      </p:tavLst>
+                                    </p:anim>
+                                  </p:childTnLst>
+                                </p:cTn>
+                              </p:par>
+                            </p:childTnLst>
+                          </p:cTn>
+                        </p:par>
+                      </p:childTnLst>
+                    </p:cTn>
+                  </p:par>
+                </p:childTnLst>
+              </p:cTn>
+              <p:prevCondLst>
+                <p:cond evt="onPrev" delay="0">
+                  <p:tgtEl>
+                    <p:sldTgt/>
+                  </p:tgtEl>
+                </p:cond>
+              </p:prevCondLst>
+              <p:nextCondLst>
+                <p:cond evt="onNext" delay="0">
+                  <p:tgtEl>
+                    <p:sldTgt/>
+                  </p:tgtEl>
+                </p:cond>
+              </p:nextCondLst>
+            </p:seq>
+          </p:childTnLst>
+        </p:cTn>
+      </p:par>
+    </p:tnLst>
+    <p:bldLst>
+      <p:bldP spid="7" grpId="0"/>
+      <p:bldP spid="10" grpId="0"/>
+    </p:bldLst>
+  </p:timing>
 </p:sld>
 </file>
 
@@ -3996,7 +4757,7 @@
       </p:grpSpPr>
       <p:sp>
         <p:nvSpPr>
-          <p:cNvPr id="2" name="标题 1"/>
+          <p:cNvPr id="5" name="标题 1"/>
           <p:cNvSpPr>
             <a:spLocks noGrp="1"/>
           </p:cNvSpPr>
@@ -4004,34 +4765,120 @@
             <p:ph type="title"/>
           </p:nvPr>
         </p:nvSpPr>
-        <p:spPr/>
-        <p:txBody>
-          <a:bodyPr/>
-          <a:lstStyle/>
-          <a:p>
-            <a:endParaRPr lang="zh-CN" altLang="en-US"/>
-          </a:p>
-        </p:txBody>
-      </p:sp>
-      <p:sp>
-        <p:nvSpPr>
-          <p:cNvPr id="3" name="内容占位符 2"/>
-          <p:cNvSpPr>
-            <a:spLocks noGrp="1"/>
-          </p:cNvSpPr>
-          <p:nvPr>
-            <p:ph idx="1"/>
-          </p:nvPr>
-        </p:nvSpPr>
-        <p:spPr/>
-        <p:txBody>
-          <a:bodyPr/>
-          <a:lstStyle/>
-          <a:p>
-            <a:endParaRPr lang="zh-CN" altLang="en-US"/>
-          </a:p>
-        </p:txBody>
-      </p:sp>
+        <p:spPr>
+          <a:xfrm>
+            <a:off x="474408" y="365125"/>
+            <a:ext cx="10515600" cy="1325563"/>
+          </a:xfrm>
+        </p:spPr>
+        <p:txBody>
+          <a:bodyPr>
+            <a:normAutofit/>
+          </a:bodyPr>
+          <a:lstStyle/>
+          <a:p>
+            <a:r>
+              <a:rPr lang="zh-CN" altLang="en-US" sz="5400" dirty="0">
+                <a:latin typeface="楷体" panose="02010609060101010101" pitchFamily="49" charset="-122"/>
+                <a:ea typeface="楷体" panose="02010609060101010101" pitchFamily="49" charset="-122"/>
+              </a:rPr>
+              <a:t>平</a:t>
+            </a:r>
+            <a:r>
+              <a:rPr lang="zh-CN" altLang="en-US" sz="5400" dirty="0" smtClean="0">
+                <a:latin typeface="楷体" panose="02010609060101010101" pitchFamily="49" charset="-122"/>
+                <a:ea typeface="楷体" panose="02010609060101010101" pitchFamily="49" charset="-122"/>
+              </a:rPr>
+              <a:t>移不变性</a:t>
+            </a:r>
+            <a:endParaRPr lang="zh-CN" altLang="en-US" sz="5400" dirty="0">
+              <a:latin typeface="楷体" panose="02010609060101010101" pitchFamily="49" charset="-122"/>
+              <a:ea typeface="楷体" panose="02010609060101010101" pitchFamily="49" charset="-122"/>
+            </a:endParaRPr>
+          </a:p>
+        </p:txBody>
+      </p:sp>
+      <p:pic>
+        <p:nvPicPr>
+          <p:cNvPr id="8" name="圖片 3"/>
+          <p:cNvPicPr>
+            <a:picLocks noChangeAspect="1"/>
+          </p:cNvPicPr>
+          <p:nvPr/>
+        </p:nvPicPr>
+        <p:blipFill>
+          <a:blip r:embed="rId3"/>
+          <a:stretch>
+            <a:fillRect/>
+          </a:stretch>
+        </p:blipFill>
+        <p:spPr>
+          <a:xfrm>
+            <a:off x="474408" y="1837458"/>
+            <a:ext cx="5026573" cy="3955336"/>
+          </a:xfrm>
+          <a:prstGeom prst="rect">
+            <a:avLst/>
+          </a:prstGeom>
+        </p:spPr>
+      </p:pic>
+      <p:graphicFrame>
+        <p:nvGraphicFramePr>
+          <p:cNvPr id="10" name="对象 9"/>
+          <p:cNvGraphicFramePr>
+            <a:graphicFrameLocks noChangeAspect="1"/>
+          </p:cNvGraphicFramePr>
+          <p:nvPr>
+            <p:extLst>
+              <p:ext uri="{D42A27DB-BD31-4B8C-83A1-F6EECF244321}">
+                <p14:modId xmlns:p14="http://schemas.microsoft.com/office/powerpoint/2010/main" val="2125140100"/>
+              </p:ext>
+            </p:extLst>
+          </p:nvPr>
+        </p:nvGraphicFramePr>
+        <p:xfrm>
+          <a:off x="5314168" y="3019632"/>
+          <a:ext cx="6592696" cy="490483"/>
+        </p:xfrm>
+        <a:graphic>
+          <a:graphicData uri="http://schemas.openxmlformats.org/presentationml/2006/ole">
+            <mc:AlternateContent xmlns:mc="http://schemas.openxmlformats.org/markup-compatibility/2006">
+              <mc:Choice xmlns:v="urn:schemas-microsoft-com:vml" Requires="v">
+                <p:oleObj spid="_x0000_s2053" name="Equation" r:id="rId4" imgW="2882880" imgH="203040" progId="Equation.DSMT4">
+                  <p:embed/>
+                </p:oleObj>
+              </mc:Choice>
+              <mc:Fallback>
+                <p:oleObj name="Equation" r:id="rId4" imgW="2882880" imgH="203040" progId="Equation.DSMT4">
+                  <p:embed/>
+                  <p:pic>
+                    <p:nvPicPr>
+                      <p:cNvPr id="0" name=""/>
+                      <p:cNvPicPr/>
+                      <p:nvPr/>
+                    </p:nvPicPr>
+                    <p:blipFill>
+                      <a:blip r:embed="rId5"/>
+                      <a:stretch>
+                        <a:fillRect/>
+                      </a:stretch>
+                    </p:blipFill>
+                    <p:spPr>
+                      <a:xfrm>
+                        <a:off x="5314168" y="3019632"/>
+                        <a:ext cx="6592696" cy="490483"/>
+                      </a:xfrm>
+                      <a:prstGeom prst="rect">
+                        <a:avLst/>
+                      </a:prstGeom>
+                    </p:spPr>
+                  </p:pic>
+                </p:oleObj>
+              </mc:Fallback>
+            </mc:AlternateContent>
+          </a:graphicData>
+        </a:graphic>
+      </p:graphicFrame>
     </p:spTree>
     <p:extLst>
       <p:ext uri="{BB962C8B-B14F-4D97-AF65-F5344CB8AC3E}">
@@ -4042,6 +4889,13 @@
   <p:clrMapOvr>
     <a:masterClrMapping/>
   </p:clrMapOvr>
+  <p:timing>
+    <p:tnLst>
+      <p:par>
+        <p:cTn id="1" dur="indefinite" restart="never" nodeType="tmRoot"/>
+      </p:par>
+    </p:tnLst>
+  </p:timing>
 </p:sld>
 </file>
 
@@ -4074,7 +4928,7 @@
         </p:nvSpPr>
         <p:spPr>
           <a:xfrm>
-            <a:off x="838200" y="315058"/>
+            <a:off x="584200" y="152560"/>
             <a:ext cx="10515600" cy="1325563"/>
           </a:xfrm>
         </p:spPr>
@@ -4102,70 +4956,6 @@
               <a:latin typeface="楷体" panose="02010609060101010101" pitchFamily="49" charset="-122"/>
               <a:ea typeface="楷体" panose="02010609060101010101" pitchFamily="49" charset="-122"/>
             </a:endParaRPr>
-          </a:p>
-        </p:txBody>
-      </p:sp>
-      <p:sp>
-        <p:nvSpPr>
-          <p:cNvPr id="3" name="内容占位符 2"/>
-          <p:cNvSpPr>
-            <a:spLocks noGrp="1"/>
-          </p:cNvSpPr>
-          <p:nvPr>
-            <p:ph idx="1"/>
-          </p:nvPr>
-        </p:nvSpPr>
-        <p:spPr>
-          <a:xfrm>
-            <a:off x="838200" y="2362952"/>
-            <a:ext cx="10515600" cy="2661534"/>
-          </a:xfrm>
-        </p:spPr>
-        <p:txBody>
-          <a:bodyPr/>
-          <a:lstStyle/>
-          <a:p>
-            <a:r>
-              <a:rPr lang="en-US" altLang="zh-CN" dirty="0" smtClean="0"/>
-              <a:t>E </a:t>
-            </a:r>
-            <a:r>
-              <a:rPr lang="en-US" altLang="zh-CN" dirty="0" smtClean="0"/>
-              <a:t>entity</a:t>
-            </a:r>
-            <a:r>
-              <a:rPr lang="zh-CN" altLang="en-US" dirty="0" smtClean="0"/>
-              <a:t>（实体）</a:t>
-            </a:r>
-            <a:endParaRPr lang="en-US" altLang="zh-CN" dirty="0" smtClean="0"/>
-          </a:p>
-          <a:p>
-            <a:endParaRPr lang="en-US" altLang="zh-CN" dirty="0"/>
-          </a:p>
-          <a:p>
-            <a:r>
-              <a:rPr lang="en-US" altLang="zh-CN" dirty="0" smtClean="0"/>
-              <a:t>R relationship </a:t>
-            </a:r>
-            <a:r>
-              <a:rPr lang="zh-CN" altLang="en-US" dirty="0" smtClean="0"/>
-              <a:t>（关系）</a:t>
-            </a:r>
-            <a:endParaRPr lang="en-US" altLang="zh-CN" dirty="0" smtClean="0"/>
-          </a:p>
-          <a:p>
-            <a:endParaRPr lang="en-US" altLang="zh-CN" dirty="0"/>
-          </a:p>
-          <a:p>
-            <a:r>
-              <a:rPr lang="en-US" altLang="zh-CN" dirty="0" smtClean="0"/>
-              <a:t>S </a:t>
-            </a:r>
-            <a:r>
-              <a:rPr lang="zh-CN" altLang="en-US" dirty="0" smtClean="0"/>
-              <a:t>知识库中的三元组集合</a:t>
-            </a:r>
-            <a:endParaRPr lang="zh-CN" altLang="en-US" dirty="0"/>
           </a:p>
         </p:txBody>
       </p:sp>
@@ -4191,7 +4981,7 @@
           <a:graphicData uri="http://schemas.openxmlformats.org/presentationml/2006/ole">
             <mc:AlternateContent xmlns:mc="http://schemas.openxmlformats.org/markup-compatibility/2006">
               <mc:Choice xmlns:v="urn:schemas-microsoft-com:vml" Requires="v">
-                <p:oleObj spid="_x0000_s1029" name="Equation" r:id="rId3" imgW="914400" imgH="179640" progId="Equation.DSMT4">
+                <p:oleObj spid="_x0000_s1052" name="Equation" r:id="rId3" imgW="914400" imgH="179640" progId="Equation.DSMT4">
                   <p:embed/>
                 </p:oleObj>
               </mc:Choice>
@@ -4235,20 +5025,20 @@
           <p:nvPr>
             <p:extLst>
               <p:ext uri="{D42A27DB-BD31-4B8C-83A1-F6EECF244321}">
-                <p14:modId xmlns:p14="http://schemas.microsoft.com/office/powerpoint/2010/main" val="1689996"/>
+                <p14:modId xmlns:p14="http://schemas.microsoft.com/office/powerpoint/2010/main" val="3158547071"/>
               </p:ext>
             </p:extLst>
           </p:nvPr>
         </p:nvGraphicFramePr>
         <p:xfrm>
-          <a:off x="1086569" y="1433037"/>
-          <a:ext cx="5483913" cy="735128"/>
+          <a:off x="721411" y="1890316"/>
+          <a:ext cx="5483913" cy="625187"/>
         </p:xfrm>
         <a:graphic>
           <a:graphicData uri="http://schemas.openxmlformats.org/presentationml/2006/ole">
             <mc:AlternateContent xmlns:mc="http://schemas.openxmlformats.org/markup-compatibility/2006">
               <mc:Choice xmlns:v="urn:schemas-microsoft-com:vml" Requires="v">
-                <p:oleObj spid="_x0000_s1030" name="Equation" r:id="rId5" imgW="1752480" imgH="203040" progId="Equation.DSMT4">
+                <p:oleObj spid="_x0000_s1053" name="Equation" r:id="rId5" imgW="1752480" imgH="203040" progId="Equation.DSMT4">
                   <p:embed/>
                 </p:oleObj>
               </mc:Choice>
@@ -4269,8 +5059,8 @@
                     </p:blipFill>
                     <p:spPr>
                       <a:xfrm>
-                        <a:off x="1086569" y="1433037"/>
-                        <a:ext cx="5483913" cy="735128"/>
+                        <a:off x="721411" y="1890316"/>
+                        <a:ext cx="5483913" cy="625187"/>
                       </a:xfrm>
                       <a:prstGeom prst="rect">
                         <a:avLst/>
@@ -4285,32 +5075,32 @@
       </p:graphicFrame>
       <p:graphicFrame>
         <p:nvGraphicFramePr>
-          <p:cNvPr id="7" name="对象 6"/>
+          <p:cNvPr id="6" name="对象 5"/>
           <p:cNvGraphicFramePr>
             <a:graphicFrameLocks noChangeAspect="1"/>
           </p:cNvGraphicFramePr>
           <p:nvPr>
             <p:extLst>
               <p:ext uri="{D42A27DB-BD31-4B8C-83A1-F6EECF244321}">
-                <p14:modId xmlns:p14="http://schemas.microsoft.com/office/powerpoint/2010/main" val="3902194135"/>
+                <p14:modId xmlns:p14="http://schemas.microsoft.com/office/powerpoint/2010/main" val="105175255"/>
               </p:ext>
             </p:extLst>
           </p:nvPr>
         </p:nvGraphicFramePr>
         <p:xfrm>
-          <a:off x="1225484" y="5024486"/>
-          <a:ext cx="3157980" cy="546755"/>
+          <a:off x="723900" y="3091872"/>
+          <a:ext cx="1517650" cy="511175"/>
         </p:xfrm>
         <a:graphic>
           <a:graphicData uri="http://schemas.openxmlformats.org/presentationml/2006/ole">
             <mc:AlternateContent xmlns:mc="http://schemas.openxmlformats.org/markup-compatibility/2006">
               <mc:Choice xmlns:v="urn:schemas-microsoft-com:vml" Requires="v">
-                <p:oleObj spid="_x0000_s1031" name="Equation" r:id="rId7" imgW="457200" imgH="203040" progId="Equation.DSMT4">
+                <p:oleObj spid="_x0000_s1054" name="Equation" r:id="rId7" imgW="672840" imgH="203040" progId="Equation.DSMT4">
                   <p:embed/>
                 </p:oleObj>
               </mc:Choice>
               <mc:Fallback>
-                <p:oleObj name="Equation" r:id="rId7" imgW="457200" imgH="203040" progId="Equation.DSMT4">
+                <p:oleObj name="Equation" r:id="rId7" imgW="672840" imgH="203040" progId="Equation.DSMT4">
                   <p:embed/>
                   <p:pic>
                     <p:nvPicPr>
@@ -4326,8 +5116,290 @@
                     </p:blipFill>
                     <p:spPr>
                       <a:xfrm>
-                        <a:off x="1225484" y="5024486"/>
-                        <a:ext cx="3157980" cy="546755"/>
+                        <a:off x="723900" y="3091872"/>
+                        <a:ext cx="1517650" cy="511175"/>
+                      </a:xfrm>
+                      <a:prstGeom prst="rect">
+                        <a:avLst/>
+                      </a:prstGeom>
+                    </p:spPr>
+                  </p:pic>
+                </p:oleObj>
+              </mc:Fallback>
+            </mc:AlternateContent>
+          </a:graphicData>
+        </a:graphic>
+      </p:graphicFrame>
+      <p:sp>
+        <p:nvSpPr>
+          <p:cNvPr id="8" name="文本框 7"/>
+          <p:cNvSpPr txBox="1"/>
+          <p:nvPr/>
+        </p:nvSpPr>
+        <p:spPr>
+          <a:xfrm>
+            <a:off x="2632556" y="3085849"/>
+            <a:ext cx="2459703" cy="523220"/>
+          </a:xfrm>
+          <a:prstGeom prst="rect">
+            <a:avLst/>
+          </a:prstGeom>
+          <a:noFill/>
+        </p:spPr>
+        <p:txBody>
+          <a:bodyPr wrap="square" rtlCol="0">
+            <a:spAutoFit/>
+          </a:bodyPr>
+          <a:lstStyle/>
+          <a:p>
+            <a:r>
+              <a:rPr lang="zh-CN" altLang="en-US" sz="2800" dirty="0" smtClean="0">
+                <a:latin typeface="楷体" panose="02010609060101010101" pitchFamily="49" charset="-122"/>
+                <a:ea typeface="楷体" panose="02010609060101010101" pitchFamily="49" charset="-122"/>
+              </a:rPr>
+              <a:t>实体</a:t>
+            </a:r>
+            <a:endParaRPr lang="zh-CN" altLang="en-US" sz="2800" dirty="0">
+              <a:latin typeface="楷体" panose="02010609060101010101" pitchFamily="49" charset="-122"/>
+              <a:ea typeface="楷体" panose="02010609060101010101" pitchFamily="49" charset="-122"/>
+            </a:endParaRPr>
+          </a:p>
+        </p:txBody>
+      </p:sp>
+      <p:graphicFrame>
+        <p:nvGraphicFramePr>
+          <p:cNvPr id="9" name="对象 8"/>
+          <p:cNvGraphicFramePr>
+            <a:graphicFrameLocks noChangeAspect="1"/>
+          </p:cNvGraphicFramePr>
+          <p:nvPr>
+            <p:extLst>
+              <p:ext uri="{D42A27DB-BD31-4B8C-83A1-F6EECF244321}">
+                <p14:modId xmlns:p14="http://schemas.microsoft.com/office/powerpoint/2010/main" val="1679975603"/>
+              </p:ext>
+            </p:extLst>
+          </p:nvPr>
+        </p:nvGraphicFramePr>
+        <p:xfrm>
+          <a:off x="723900" y="4135144"/>
+          <a:ext cx="2406650" cy="512762"/>
+        </p:xfrm>
+        <a:graphic>
+          <a:graphicData uri="http://schemas.openxmlformats.org/presentationml/2006/ole">
+            <mc:AlternateContent xmlns:mc="http://schemas.openxmlformats.org/markup-compatibility/2006">
+              <mc:Choice xmlns:v="urn:schemas-microsoft-com:vml" Requires="v">
+                <p:oleObj spid="_x0000_s1055" name="Equation" r:id="rId9" imgW="1066680" imgH="203040" progId="Equation.DSMT4">
+                  <p:embed/>
+                </p:oleObj>
+              </mc:Choice>
+              <mc:Fallback>
+                <p:oleObj name="Equation" r:id="rId9" imgW="1066680" imgH="203040" progId="Equation.DSMT4">
+                  <p:embed/>
+                  <p:pic>
+                    <p:nvPicPr>
+                      <p:cNvPr id="0" name=""/>
+                      <p:cNvPicPr/>
+                      <p:nvPr/>
+                    </p:nvPicPr>
+                    <p:blipFill>
+                      <a:blip r:embed="rId10"/>
+                      <a:stretch>
+                        <a:fillRect/>
+                      </a:stretch>
+                    </p:blipFill>
+                    <p:spPr>
+                      <a:xfrm>
+                        <a:off x="723900" y="4135144"/>
+                        <a:ext cx="2406650" cy="512762"/>
+                      </a:xfrm>
+                      <a:prstGeom prst="rect">
+                        <a:avLst/>
+                      </a:prstGeom>
+                    </p:spPr>
+                  </p:pic>
+                </p:oleObj>
+              </mc:Fallback>
+            </mc:AlternateContent>
+          </a:graphicData>
+        </a:graphic>
+      </p:graphicFrame>
+      <p:graphicFrame>
+        <p:nvGraphicFramePr>
+          <p:cNvPr id="10" name="对象 9"/>
+          <p:cNvGraphicFramePr>
+            <a:graphicFrameLocks noChangeAspect="1"/>
+          </p:cNvGraphicFramePr>
+          <p:nvPr>
+            <p:extLst>
+              <p:ext uri="{D42A27DB-BD31-4B8C-83A1-F6EECF244321}">
+                <p14:modId xmlns:p14="http://schemas.microsoft.com/office/powerpoint/2010/main" val="2287149362"/>
+              </p:ext>
+            </p:extLst>
+          </p:nvPr>
+        </p:nvGraphicFramePr>
+        <p:xfrm>
+          <a:off x="653256" y="5062707"/>
+          <a:ext cx="2662238" cy="511175"/>
+        </p:xfrm>
+        <a:graphic>
+          <a:graphicData uri="http://schemas.openxmlformats.org/presentationml/2006/ole">
+            <mc:AlternateContent xmlns:mc="http://schemas.openxmlformats.org/markup-compatibility/2006">
+              <mc:Choice xmlns:v="urn:schemas-microsoft-com:vml" Requires="v">
+                <p:oleObj spid="_x0000_s1056" name="Equation" r:id="rId11" imgW="1180800" imgH="203040" progId="Equation.DSMT4">
+                  <p:embed/>
+                </p:oleObj>
+              </mc:Choice>
+              <mc:Fallback>
+                <p:oleObj name="Equation" r:id="rId11" imgW="1180800" imgH="203040" progId="Equation.DSMT4">
+                  <p:embed/>
+                  <p:pic>
+                    <p:nvPicPr>
+                      <p:cNvPr id="0" name=""/>
+                      <p:cNvPicPr/>
+                      <p:nvPr/>
+                    </p:nvPicPr>
+                    <p:blipFill>
+                      <a:blip r:embed="rId12"/>
+                      <a:stretch>
+                        <a:fillRect/>
+                      </a:stretch>
+                    </p:blipFill>
+                    <p:spPr>
+                      <a:xfrm>
+                        <a:off x="653256" y="5062707"/>
+                        <a:ext cx="2662238" cy="511175"/>
+                      </a:xfrm>
+                      <a:prstGeom prst="rect">
+                        <a:avLst/>
+                      </a:prstGeom>
+                    </p:spPr>
+                  </p:pic>
+                </p:oleObj>
+              </mc:Fallback>
+            </mc:AlternateContent>
+          </a:graphicData>
+        </a:graphic>
+      </p:graphicFrame>
+      <p:sp>
+        <p:nvSpPr>
+          <p:cNvPr id="11" name="文本框 10"/>
+          <p:cNvSpPr txBox="1"/>
+          <p:nvPr/>
+        </p:nvSpPr>
+        <p:spPr>
+          <a:xfrm>
+            <a:off x="3619485" y="4124686"/>
+            <a:ext cx="2459703" cy="523220"/>
+          </a:xfrm>
+          <a:prstGeom prst="rect">
+            <a:avLst/>
+          </a:prstGeom>
+          <a:noFill/>
+        </p:spPr>
+        <p:txBody>
+          <a:bodyPr wrap="square" rtlCol="0">
+            <a:spAutoFit/>
+          </a:bodyPr>
+          <a:lstStyle/>
+          <a:p>
+            <a:r>
+              <a:rPr lang="zh-CN" altLang="en-US" sz="2800" dirty="0">
+                <a:latin typeface="楷体" panose="02010609060101010101" pitchFamily="49" charset="-122"/>
+                <a:ea typeface="楷体" panose="02010609060101010101" pitchFamily="49" charset="-122"/>
+              </a:rPr>
+              <a:t>关系</a:t>
+            </a:r>
+          </a:p>
+        </p:txBody>
+      </p:sp>
+      <p:sp>
+        <p:nvSpPr>
+          <p:cNvPr id="12" name="文本框 11"/>
+          <p:cNvSpPr txBox="1"/>
+          <p:nvPr/>
+        </p:nvSpPr>
+        <p:spPr>
+          <a:xfrm>
+            <a:off x="3862408" y="5056684"/>
+            <a:ext cx="2459703" cy="523220"/>
+          </a:xfrm>
+          <a:prstGeom prst="rect">
+            <a:avLst/>
+          </a:prstGeom>
+          <a:noFill/>
+        </p:spPr>
+        <p:txBody>
+          <a:bodyPr wrap="square" rtlCol="0">
+            <a:spAutoFit/>
+          </a:bodyPr>
+          <a:lstStyle/>
+          <a:p>
+            <a:r>
+              <a:rPr lang="zh-CN" altLang="en-US" sz="2800" dirty="0">
+                <a:latin typeface="楷体" panose="02010609060101010101" pitchFamily="49" charset="-122"/>
+                <a:ea typeface="楷体" panose="02010609060101010101" pitchFamily="49" charset="-122"/>
+              </a:rPr>
+              <a:t>三元</a:t>
+            </a:r>
+            <a:r>
+              <a:rPr lang="zh-CN" altLang="en-US" sz="2800" dirty="0" smtClean="0">
+                <a:latin typeface="楷体" panose="02010609060101010101" pitchFamily="49" charset="-122"/>
+                <a:ea typeface="楷体" panose="02010609060101010101" pitchFamily="49" charset="-122"/>
+              </a:rPr>
+              <a:t>组 </a:t>
+            </a:r>
+            <a:endParaRPr lang="zh-CN" altLang="en-US" sz="2800" dirty="0">
+              <a:latin typeface="楷体" panose="02010609060101010101" pitchFamily="49" charset="-122"/>
+              <a:ea typeface="楷体" panose="02010609060101010101" pitchFamily="49" charset="-122"/>
+            </a:endParaRPr>
+          </a:p>
+        </p:txBody>
+      </p:sp>
+      <p:graphicFrame>
+        <p:nvGraphicFramePr>
+          <p:cNvPr id="13" name="对象 12"/>
+          <p:cNvGraphicFramePr>
+            <a:graphicFrameLocks noChangeAspect="1"/>
+          </p:cNvGraphicFramePr>
+          <p:nvPr>
+            <p:extLst>
+              <p:ext uri="{D42A27DB-BD31-4B8C-83A1-F6EECF244321}">
+                <p14:modId xmlns:p14="http://schemas.microsoft.com/office/powerpoint/2010/main" val="282445095"/>
+              </p:ext>
+            </p:extLst>
+          </p:nvPr>
+        </p:nvGraphicFramePr>
+        <p:xfrm>
+          <a:off x="5092259" y="5112810"/>
+          <a:ext cx="1544514" cy="410968"/>
+        </p:xfrm>
+        <a:graphic>
+          <a:graphicData uri="http://schemas.openxmlformats.org/presentationml/2006/ole">
+            <mc:AlternateContent xmlns:mc="http://schemas.openxmlformats.org/markup-compatibility/2006">
+              <mc:Choice xmlns:v="urn:schemas-microsoft-com:vml" Requires="v">
+                <p:oleObj spid="_x0000_s1057" name="Equation" r:id="rId13" imgW="457200" imgH="203040" progId="Equation.DSMT4">
+                  <p:embed/>
+                </p:oleObj>
+              </mc:Choice>
+              <mc:Fallback>
+                <p:oleObj name="Equation" r:id="rId13" imgW="457200" imgH="203040" progId="Equation.DSMT4">
+                  <p:embed/>
+                  <p:pic>
+                    <p:nvPicPr>
+                      <p:cNvPr id="0" name=""/>
+                      <p:cNvPicPr/>
+                      <p:nvPr/>
+                    </p:nvPicPr>
+                    <p:blipFill>
+                      <a:blip r:embed="rId14"/>
+                      <a:stretch>
+                        <a:fillRect/>
+                      </a:stretch>
+                    </p:blipFill>
+                    <p:spPr>
+                      <a:xfrm>
+                        <a:off x="5092259" y="5112810"/>
+                        <a:ext cx="1544514" cy="410968"/>
                       </a:xfrm>
                       <a:prstGeom prst="rect">
                         <a:avLst/>
@@ -4350,6 +5422,13 @@
   <p:clrMapOvr>
     <a:masterClrMapping/>
   </p:clrMapOvr>
+  <p:timing>
+    <p:tnLst>
+      <p:par>
+        <p:cTn id="1" dur="indefinite" restart="never" nodeType="tmRoot"/>
+      </p:par>
+    </p:tnLst>
+  </p:timing>
 </p:sld>
 </file>
 
@@ -4372,7 +5451,7 @@
       </p:grpSpPr>
       <p:pic>
         <p:nvPicPr>
-          <p:cNvPr id="6" name="图片 5"/>
+          <p:cNvPr id="2" name="图片 1"/>
           <p:cNvPicPr>
             <a:picLocks noChangeAspect="1"/>
           </p:cNvPicPr>
@@ -4392,14 +5471,192 @@
         </p:blipFill>
         <p:spPr>
           <a:xfrm>
-            <a:off x="534390" y="314960"/>
-            <a:ext cx="11115303" cy="6121466"/>
+            <a:off x="3723061" y="78659"/>
+            <a:ext cx="8468939" cy="6636773"/>
           </a:xfrm>
           <a:prstGeom prst="rect">
             <a:avLst/>
           </a:prstGeom>
         </p:spPr>
       </p:pic>
+      <p:sp>
+        <p:nvSpPr>
+          <p:cNvPr id="3" name="文本框 2"/>
+          <p:cNvSpPr txBox="1"/>
+          <p:nvPr/>
+        </p:nvSpPr>
+        <p:spPr>
+          <a:xfrm>
+            <a:off x="589935" y="2035278"/>
+            <a:ext cx="6597446" cy="2246769"/>
+          </a:xfrm>
+          <a:prstGeom prst="rect">
+            <a:avLst/>
+          </a:prstGeom>
+          <a:noFill/>
+        </p:spPr>
+        <p:txBody>
+          <a:bodyPr wrap="square" rtlCol="0">
+            <a:spAutoFit/>
+          </a:bodyPr>
+          <a:lstStyle/>
+          <a:p>
+            <a:pPr marL="285750" indent="-285750">
+              <a:buFont typeface="Wingdings" panose="05000000000000000000" pitchFamily="2" charset="2"/>
+              <a:buChar char="ü"/>
+            </a:pPr>
+            <a:r>
+              <a:rPr lang="zh-CN" altLang="en-US" sz="2800" dirty="0">
+                <a:ln w="0"/>
+                <a:solidFill>
+                  <a:schemeClr val="accent1"/>
+                </a:solidFill>
+                <a:effectLst>
+                  <a:outerShdw blurRad="38100" dist="25400" dir="5400000" algn="ctr" rotWithShape="0">
+                    <a:srgbClr val="6E747A">
+                      <a:alpha val="43000"/>
+                    </a:srgbClr>
+                  </a:outerShdw>
+                </a:effectLst>
+                <a:latin typeface="楷体" panose="02010609060101010101" pitchFamily="49" charset="-122"/>
+                <a:ea typeface="楷体" panose="02010609060101010101" pitchFamily="49" charset="-122"/>
+              </a:rPr>
+              <a:t>王大</a:t>
+            </a:r>
+            <a:r>
+              <a:rPr lang="zh-CN" altLang="en-US" sz="2800" dirty="0" smtClean="0">
+                <a:ln w="0"/>
+                <a:solidFill>
+                  <a:schemeClr val="accent1"/>
+                </a:solidFill>
+                <a:effectLst>
+                  <a:outerShdw blurRad="38100" dist="25400" dir="5400000" algn="ctr" rotWithShape="0">
+                    <a:srgbClr val="6E747A">
+                      <a:alpha val="43000"/>
+                    </a:srgbClr>
+                  </a:outerShdw>
+                </a:effectLst>
+                <a:latin typeface="楷体" panose="02010609060101010101" pitchFamily="49" charset="-122"/>
+                <a:ea typeface="楷体" panose="02010609060101010101" pitchFamily="49" charset="-122"/>
+              </a:rPr>
+              <a:t>路背锅，引咎辞职</a:t>
+            </a:r>
+            <a:endParaRPr lang="en-US" altLang="zh-CN" sz="2800" dirty="0" smtClean="0">
+              <a:ln w="0"/>
+              <a:solidFill>
+                <a:schemeClr val="accent1"/>
+              </a:solidFill>
+              <a:effectLst>
+                <a:outerShdw blurRad="38100" dist="25400" dir="5400000" algn="ctr" rotWithShape="0">
+                  <a:srgbClr val="6E747A">
+                    <a:alpha val="43000"/>
+                  </a:srgbClr>
+                </a:outerShdw>
+              </a:effectLst>
+              <a:latin typeface="楷体" panose="02010609060101010101" pitchFamily="49" charset="-122"/>
+              <a:ea typeface="楷体" panose="02010609060101010101" pitchFamily="49" charset="-122"/>
+            </a:endParaRPr>
+          </a:p>
+          <a:p>
+            <a:pPr marL="285750" indent="-285750">
+              <a:buFont typeface="Wingdings" panose="05000000000000000000" pitchFamily="2" charset="2"/>
+              <a:buChar char="ü"/>
+            </a:pPr>
+            <a:endParaRPr lang="en-US" altLang="zh-CN" sz="2800" dirty="0">
+              <a:latin typeface="楷体" panose="02010609060101010101" pitchFamily="49" charset="-122"/>
+              <a:ea typeface="楷体" panose="02010609060101010101" pitchFamily="49" charset="-122"/>
+            </a:endParaRPr>
+          </a:p>
+          <a:p>
+            <a:pPr marL="285750" indent="-285750">
+              <a:buFont typeface="Wingdings" panose="05000000000000000000" pitchFamily="2" charset="2"/>
+              <a:buChar char="ü"/>
+            </a:pPr>
+            <a:r>
+              <a:rPr lang="zh-CN" altLang="en-US" sz="2800" dirty="0" smtClean="0">
+                <a:ln w="0"/>
+                <a:solidFill>
+                  <a:schemeClr val="accent1"/>
+                </a:solidFill>
+                <a:effectLst>
+                  <a:outerShdw blurRad="38100" dist="25400" dir="5400000" algn="ctr" rotWithShape="0">
+                    <a:srgbClr val="6E747A">
+                      <a:alpha val="43000"/>
+                    </a:srgbClr>
+                  </a:outerShdw>
+                </a:effectLst>
+                <a:latin typeface="楷体" panose="02010609060101010101" pitchFamily="49" charset="-122"/>
+                <a:ea typeface="楷体" panose="02010609060101010101" pitchFamily="49" charset="-122"/>
+              </a:rPr>
+              <a:t>李达康与易学习资助王大路创业</a:t>
+            </a:r>
+            <a:endParaRPr lang="en-US" altLang="zh-CN" sz="2800" dirty="0" smtClean="0">
+              <a:ln w="0"/>
+              <a:solidFill>
+                <a:schemeClr val="accent1"/>
+              </a:solidFill>
+              <a:effectLst>
+                <a:outerShdw blurRad="38100" dist="25400" dir="5400000" algn="ctr" rotWithShape="0">
+                  <a:srgbClr val="6E747A">
+                    <a:alpha val="43000"/>
+                  </a:srgbClr>
+                </a:outerShdw>
+              </a:effectLst>
+              <a:latin typeface="楷体" panose="02010609060101010101" pitchFamily="49" charset="-122"/>
+              <a:ea typeface="楷体" panose="02010609060101010101" pitchFamily="49" charset="-122"/>
+            </a:endParaRPr>
+          </a:p>
+          <a:p>
+            <a:pPr marL="285750" indent="-285750">
+              <a:buFont typeface="Wingdings" panose="05000000000000000000" pitchFamily="2" charset="2"/>
+              <a:buChar char="ü"/>
+            </a:pPr>
+            <a:endParaRPr lang="en-US" altLang="zh-CN" sz="2800" dirty="0">
+              <a:latin typeface="楷体" panose="02010609060101010101" pitchFamily="49" charset="-122"/>
+              <a:ea typeface="楷体" panose="02010609060101010101" pitchFamily="49" charset="-122"/>
+            </a:endParaRPr>
+          </a:p>
+          <a:p>
+            <a:pPr marL="285750" indent="-285750">
+              <a:buFont typeface="Wingdings" panose="05000000000000000000" pitchFamily="2" charset="2"/>
+              <a:buChar char="ü"/>
+            </a:pPr>
+            <a:r>
+              <a:rPr lang="zh-CN" altLang="en-US" sz="2800" dirty="0" smtClean="0">
+                <a:ln w="0"/>
+                <a:solidFill>
+                  <a:schemeClr val="accent1"/>
+                </a:solidFill>
+                <a:effectLst>
+                  <a:outerShdw blurRad="38100" dist="25400" dir="5400000" algn="ctr" rotWithShape="0">
+                    <a:srgbClr val="6E747A">
+                      <a:alpha val="43000"/>
+                    </a:srgbClr>
+                  </a:outerShdw>
+                </a:effectLst>
+                <a:latin typeface="楷体" panose="02010609060101010101" pitchFamily="49" charset="-122"/>
+                <a:ea typeface="楷体" panose="02010609060101010101" pitchFamily="49" charset="-122"/>
+              </a:rPr>
+              <a:t>王大路多年经营，拥有今天的大路集团</a:t>
+            </a:r>
+            <a:endParaRPr lang="zh-CN" altLang="en-US" sz="2800" dirty="0">
+              <a:ln w="0"/>
+              <a:solidFill>
+                <a:schemeClr val="accent1"/>
+              </a:solidFill>
+              <a:effectLst>
+                <a:outerShdw blurRad="38100" dist="25400" dir="5400000" algn="ctr" rotWithShape="0">
+                  <a:srgbClr val="6E747A">
+                    <a:alpha val="43000"/>
+                  </a:srgbClr>
+                </a:outerShdw>
+              </a:effectLst>
+              <a:latin typeface="楷体" panose="02010609060101010101" pitchFamily="49" charset="-122"/>
+              <a:ea typeface="楷体" panose="02010609060101010101" pitchFamily="49" charset="-122"/>
+            </a:endParaRPr>
+          </a:p>
+        </p:txBody>
+      </p:sp>
     </p:spTree>
     <p:extLst>
       <p:ext uri="{BB962C8B-B14F-4D97-AF65-F5344CB8AC3E}">
@@ -4410,6 +5667,13 @@
   <p:clrMapOvr>
     <a:masterClrMapping/>
   </p:clrMapOvr>
+  <p:timing>
+    <p:tnLst>
+      <p:par>
+        <p:cTn id="1" dur="indefinite" restart="never" nodeType="tmRoot"/>
+      </p:par>
+    </p:tnLst>
+  </p:timing>
 </p:sld>
 </file>
 
@@ -4466,22 +5730,256 @@
           </a:p>
         </p:txBody>
       </p:sp>
-      <p:sp>
-        <p:nvSpPr>
-          <p:cNvPr id="5" name="内容占位符 4"/>
-          <p:cNvSpPr>
-            <a:spLocks noGrp="1"/>
-          </p:cNvSpPr>
-          <p:nvPr>
-            <p:ph idx="1"/>
-          </p:nvPr>
-        </p:nvSpPr>
-        <p:spPr/>
-        <p:txBody>
-          <a:bodyPr/>
-          <a:lstStyle/>
-          <a:p>
-            <a:endParaRPr lang="zh-CN" altLang="en-US" dirty="0"/>
+      <p:graphicFrame>
+        <p:nvGraphicFramePr>
+          <p:cNvPr id="4" name="对象 3"/>
+          <p:cNvGraphicFramePr>
+            <a:graphicFrameLocks noChangeAspect="1"/>
+          </p:cNvGraphicFramePr>
+          <p:nvPr>
+            <p:extLst>
+              <p:ext uri="{D42A27DB-BD31-4B8C-83A1-F6EECF244321}">
+                <p14:modId xmlns:p14="http://schemas.microsoft.com/office/powerpoint/2010/main" val="2947711335"/>
+              </p:ext>
+            </p:extLst>
+          </p:nvPr>
+        </p:nvGraphicFramePr>
+        <p:xfrm>
+          <a:off x="838200" y="1965219"/>
+          <a:ext cx="6592696" cy="490483"/>
+        </p:xfrm>
+        <a:graphic>
+          <a:graphicData uri="http://schemas.openxmlformats.org/presentationml/2006/ole">
+            <mc:AlternateContent xmlns:mc="http://schemas.openxmlformats.org/markup-compatibility/2006">
+              <mc:Choice xmlns:v="urn:schemas-microsoft-com:vml" Requires="v">
+                <p:oleObj spid="_x0000_s3081" name="Equation" r:id="rId4" imgW="2882880" imgH="203040" progId="Equation.DSMT4">
+                  <p:embed/>
+                </p:oleObj>
+              </mc:Choice>
+              <mc:Fallback>
+                <p:oleObj name="Equation" r:id="rId4" imgW="2882880" imgH="203040" progId="Equation.DSMT4">
+                  <p:embed/>
+                  <p:pic>
+                    <p:nvPicPr>
+                      <p:cNvPr id="0" name=""/>
+                      <p:cNvPicPr/>
+                      <p:nvPr/>
+                    </p:nvPicPr>
+                    <p:blipFill>
+                      <a:blip r:embed="rId5"/>
+                      <a:stretch>
+                        <a:fillRect/>
+                      </a:stretch>
+                    </p:blipFill>
+                    <p:spPr>
+                      <a:xfrm>
+                        <a:off x="838200" y="1965219"/>
+                        <a:ext cx="6592696" cy="490483"/>
+                      </a:xfrm>
+                      <a:prstGeom prst="rect">
+                        <a:avLst/>
+                      </a:prstGeom>
+                    </p:spPr>
+                  </p:pic>
+                </p:oleObj>
+              </mc:Fallback>
+            </mc:AlternateContent>
+          </a:graphicData>
+        </a:graphic>
+      </p:graphicFrame>
+      <p:graphicFrame>
+        <p:nvGraphicFramePr>
+          <p:cNvPr id="7" name="对象 6"/>
+          <p:cNvGraphicFramePr>
+            <a:graphicFrameLocks noChangeAspect="1"/>
+          </p:cNvGraphicFramePr>
+          <p:nvPr>
+            <p:extLst>
+              <p:ext uri="{D42A27DB-BD31-4B8C-83A1-F6EECF244321}">
+                <p14:modId xmlns:p14="http://schemas.microsoft.com/office/powerpoint/2010/main" val="1609353706"/>
+              </p:ext>
+            </p:extLst>
+          </p:nvPr>
+        </p:nvGraphicFramePr>
+        <p:xfrm>
+          <a:off x="838200" y="3228872"/>
+          <a:ext cx="3153697" cy="482600"/>
+        </p:xfrm>
+        <a:graphic>
+          <a:graphicData uri="http://schemas.openxmlformats.org/presentationml/2006/ole">
+            <mc:AlternateContent xmlns:mc="http://schemas.openxmlformats.org/markup-compatibility/2006">
+              <mc:Choice xmlns:v="urn:schemas-microsoft-com:vml" Requires="v">
+                <p:oleObj spid="_x0000_s3082" name="Equation" r:id="rId6" imgW="1155600" imgH="203040" progId="Equation.DSMT4">
+                  <p:embed/>
+                </p:oleObj>
+              </mc:Choice>
+              <mc:Fallback>
+                <p:oleObj name="Equation" r:id="rId6" imgW="1155600" imgH="203040" progId="Equation.DSMT4">
+                  <p:embed/>
+                  <p:pic>
+                    <p:nvPicPr>
+                      <p:cNvPr id="0" name=""/>
+                      <p:cNvPicPr/>
+                      <p:nvPr/>
+                    </p:nvPicPr>
+                    <p:blipFill>
+                      <a:blip r:embed="rId7"/>
+                      <a:stretch>
+                        <a:fillRect/>
+                      </a:stretch>
+                    </p:blipFill>
+                    <p:spPr>
+                      <a:xfrm>
+                        <a:off x="838200" y="3228872"/>
+                        <a:ext cx="3153697" cy="482600"/>
+                      </a:xfrm>
+                      <a:prstGeom prst="rect">
+                        <a:avLst/>
+                      </a:prstGeom>
+                    </p:spPr>
+                  </p:pic>
+                </p:oleObj>
+              </mc:Fallback>
+            </mc:AlternateContent>
+          </a:graphicData>
+        </a:graphic>
+      </p:graphicFrame>
+      <p:sp>
+        <p:nvSpPr>
+          <p:cNvPr id="9" name="下箭头 8"/>
+          <p:cNvSpPr/>
+          <p:nvPr/>
+        </p:nvSpPr>
+        <p:spPr>
+          <a:xfrm>
+            <a:off x="2615381" y="2560524"/>
+            <a:ext cx="304800" cy="599770"/>
+          </a:xfrm>
+          <a:prstGeom prst="downArrow">
+            <a:avLst/>
+          </a:prstGeom>
+        </p:spPr>
+        <p:style>
+          <a:lnRef idx="2">
+            <a:schemeClr val="dk1">
+              <a:shade val="50000"/>
+            </a:schemeClr>
+          </a:lnRef>
+          <a:fillRef idx="1">
+            <a:schemeClr val="dk1"/>
+          </a:fillRef>
+          <a:effectRef idx="0">
+            <a:schemeClr val="dk1"/>
+          </a:effectRef>
+          <a:fontRef idx="minor">
+            <a:schemeClr val="lt1"/>
+          </a:fontRef>
+        </p:style>
+        <p:txBody>
+          <a:bodyPr rtlCol="0" anchor="ctr"/>
+          <a:lstStyle/>
+          <a:p>
+            <a:pPr algn="ctr"/>
+            <a:endParaRPr lang="zh-CN" altLang="en-US">
+              <a:ln w="0"/>
+              <a:solidFill>
+                <a:schemeClr val="tx1"/>
+              </a:solidFill>
+              <a:effectLst>
+                <a:outerShdw blurRad="38100" dist="19050" dir="2700000" algn="tl" rotWithShape="0">
+                  <a:schemeClr val="dk1">
+                    <a:alpha val="40000"/>
+                  </a:schemeClr>
+                </a:outerShdw>
+              </a:effectLst>
+            </a:endParaRPr>
+          </a:p>
+        </p:txBody>
+      </p:sp>
+      <p:pic>
+        <p:nvPicPr>
+          <p:cNvPr id="10" name="图片 9"/>
+          <p:cNvPicPr>
+            <a:picLocks noChangeAspect="1"/>
+          </p:cNvPicPr>
+          <p:nvPr/>
+        </p:nvPicPr>
+        <p:blipFill>
+          <a:blip r:embed="rId8">
+            <a:extLst>
+              <a:ext uri="{28A0092B-C50C-407E-A947-70E740481C1C}">
+                <a14:useLocalDpi xmlns:a14="http://schemas.microsoft.com/office/drawing/2010/main" val="0"/>
+              </a:ext>
+            </a:extLst>
+          </a:blip>
+          <a:stretch>
+            <a:fillRect/>
+          </a:stretch>
+        </p:blipFill>
+        <p:spPr>
+          <a:xfrm>
+            <a:off x="7430896" y="1027906"/>
+            <a:ext cx="4672614" cy="4299548"/>
+          </a:xfrm>
+          <a:prstGeom prst="rect">
+            <a:avLst/>
+          </a:prstGeom>
+        </p:spPr>
+      </p:pic>
+      <p:sp>
+        <p:nvSpPr>
+          <p:cNvPr id="11" name="文本框 10"/>
+          <p:cNvSpPr txBox="1"/>
+          <p:nvPr/>
+        </p:nvSpPr>
+        <p:spPr>
+          <a:xfrm>
+            <a:off x="605913" y="5181078"/>
+            <a:ext cx="8606913" cy="523220"/>
+          </a:xfrm>
+          <a:prstGeom prst="rect">
+            <a:avLst/>
+          </a:prstGeom>
+          <a:noFill/>
+        </p:spPr>
+        <p:txBody>
+          <a:bodyPr wrap="square" rtlCol="0">
+            <a:spAutoFit/>
+          </a:bodyPr>
+          <a:lstStyle/>
+          <a:p>
+            <a:r>
+              <a:rPr lang="zh-CN" altLang="en-US" sz="2800" dirty="0" smtClean="0">
+                <a:latin typeface="楷体" panose="02010609060101010101" pitchFamily="49" charset="-122"/>
+                <a:ea typeface="楷体" panose="02010609060101010101" pitchFamily="49" charset="-122"/>
+              </a:rPr>
+              <a:t>将关系向量看作是头向量到尾向量的平移 </a:t>
+            </a:r>
+            <a:r>
+              <a:rPr lang="en-US" altLang="zh-CN" sz="2800" dirty="0" smtClean="0">
+                <a:latin typeface="楷体" panose="02010609060101010101" pitchFamily="49" charset="-122"/>
+                <a:ea typeface="楷体" panose="02010609060101010101" pitchFamily="49" charset="-122"/>
+              </a:rPr>
+              <a:t>(</a:t>
+            </a:r>
+            <a:r>
+              <a:rPr lang="zh-CN" altLang="en-US" sz="2800" dirty="0" smtClean="0">
+                <a:latin typeface="楷体" panose="02010609060101010101" pitchFamily="49" charset="-122"/>
+                <a:ea typeface="楷体" panose="02010609060101010101" pitchFamily="49" charset="-122"/>
+              </a:rPr>
+              <a:t>翻译</a:t>
+            </a:r>
+            <a:r>
+              <a:rPr lang="en-US" altLang="zh-CN" sz="2800" dirty="0" smtClean="0">
+                <a:latin typeface="楷体" panose="02010609060101010101" pitchFamily="49" charset="-122"/>
+                <a:ea typeface="楷体" panose="02010609060101010101" pitchFamily="49" charset="-122"/>
+              </a:rPr>
+              <a:t>)</a:t>
+            </a:r>
+            <a:endParaRPr lang="zh-CN" altLang="en-US" sz="2800" dirty="0">
+              <a:latin typeface="楷体" panose="02010609060101010101" pitchFamily="49" charset="-122"/>
+              <a:ea typeface="楷体" panose="02010609060101010101" pitchFamily="49" charset="-122"/>
+            </a:endParaRPr>
           </a:p>
         </p:txBody>
       </p:sp>
@@ -4495,6 +5993,13 @@
   <p:clrMapOvr>
     <a:masterClrMapping/>
   </p:clrMapOvr>
+  <p:timing>
+    <p:tnLst>
+      <p:par>
+        <p:cTn id="1" dur="indefinite" restart="never" nodeType="tmRoot"/>
+      </p:par>
+    </p:tnLst>
+  </p:timing>
 </p:sld>
 </file>
 
@@ -4530,7 +6035,7 @@
           <a:bodyPr/>
           <a:lstStyle/>
           <a:p>
-            <a:endParaRPr lang="zh-CN" altLang="en-US"/>
+            <a:endParaRPr lang="zh-CN" altLang="en-US" dirty="0"/>
           </a:p>
         </p:txBody>
       </p:sp>
@@ -4563,6 +6068,13 @@
   <p:clrMapOvr>
     <a:masterClrMapping/>
   </p:clrMapOvr>
+  <p:timing>
+    <p:tnLst>
+      <p:par>
+        <p:cTn id="1" dur="indefinite" restart="never" nodeType="tmRoot"/>
+      </p:par>
+    </p:tnLst>
+  </p:timing>
 </p:sld>
 </file>
 

--- a/知识表示学习/知识表示学习.pptx
+++ b/知识表示学习/知识表示学习.pptx
@@ -5,7 +5,7 @@
     <p:sldMasterId id="2147483648" r:id="rId1"/>
   </p:sldMasterIdLst>
   <p:notesMasterIdLst>
-    <p:notesMasterId r:id="rId11"/>
+    <p:notesMasterId r:id="rId17"/>
   </p:notesMasterIdLst>
   <p:sldIdLst>
     <p:sldId id="256" r:id="rId2"/>
@@ -15,8 +15,14 @@
     <p:sldId id="264" r:id="rId6"/>
     <p:sldId id="259" r:id="rId7"/>
     <p:sldId id="262" r:id="rId8"/>
-    <p:sldId id="260" r:id="rId9"/>
-    <p:sldId id="261" r:id="rId10"/>
+    <p:sldId id="270" r:id="rId9"/>
+    <p:sldId id="260" r:id="rId10"/>
+    <p:sldId id="261" r:id="rId11"/>
+    <p:sldId id="267" r:id="rId12"/>
+    <p:sldId id="266" r:id="rId13"/>
+    <p:sldId id="265" r:id="rId14"/>
+    <p:sldId id="268" r:id="rId15"/>
+    <p:sldId id="269" r:id="rId16"/>
   </p:sldIdLst>
   <p:sldSz cx="12192000" cy="6858000"/>
   <p:notesSz cx="6858000" cy="9144000"/>
@@ -519,7 +525,39 @@
           <a:p>
             <a:r>
               <a:rPr lang="zh-CN" altLang="en-US" dirty="0" smtClean="0"/>
-              <a:t>学习的就是一个先验知识</a:t>
+              <a:t>机器学习算法的性能依赖于原始数据的表示。 学习一个好的数据表示，可以提高算法的性能。</a:t>
+            </a:r>
+            <a:endParaRPr lang="en-US" altLang="zh-CN" dirty="0" smtClean="0"/>
+          </a:p>
+          <a:p>
+            <a:endParaRPr lang="en-US" altLang="zh-CN" dirty="0" smtClean="0"/>
+          </a:p>
+          <a:p>
+            <a:r>
+              <a:rPr lang="zh-CN" altLang="en-US" dirty="0" smtClean="0"/>
+              <a:t>比如文本分类算法以前是用</a:t>
+            </a:r>
+            <a:r>
+              <a:rPr lang="en-US" altLang="zh-CN" dirty="0" smtClean="0"/>
+              <a:t>TF-IDF</a:t>
+            </a:r>
+            <a:r>
+              <a:rPr lang="zh-CN" altLang="en-US" dirty="0" smtClean="0"/>
+              <a:t>权重来表示词，现在使用词向量表示词，有效减少了文本分类算法的误分率。</a:t>
+            </a:r>
+            <a:endParaRPr lang="en-US" altLang="zh-CN" dirty="0" smtClean="0"/>
+          </a:p>
+          <a:p>
+            <a:endParaRPr lang="en-US" altLang="zh-CN" dirty="0" smtClean="0"/>
+          </a:p>
+          <a:p>
+            <a:r>
+              <a:rPr lang="zh-CN" altLang="en-US" dirty="0" smtClean="0"/>
+              <a:t>学习</a:t>
+            </a:r>
+            <a:r>
+              <a:rPr lang="zh-CN" altLang="en-US" dirty="0" smtClean="0"/>
+              <a:t>的就是一个先验知识</a:t>
             </a:r>
             <a:endParaRPr lang="zh-CN" altLang="en-US" dirty="0"/>
           </a:p>
@@ -825,7 +863,7 @@
           <a:p>
             <a:fld id="{03EC23FA-1A74-4866-BA33-81430325FB80}" type="slidenum">
               <a:rPr lang="zh-CN" altLang="en-US" smtClean="0"/>
-              <a:t>8</a:t>
+              <a:t>9</a:t>
             </a:fld>
             <a:endParaRPr lang="zh-CN" altLang="en-US"/>
           </a:p>
@@ -835,6 +873,257 @@
     <p:extLst>
       <p:ext uri="{BB962C8B-B14F-4D97-AF65-F5344CB8AC3E}">
         <p14:creationId xmlns:p14="http://schemas.microsoft.com/office/powerpoint/2010/main" val="2770810133"/>
+      </p:ext>
+    </p:extLst>
+  </p:cSld>
+  <p:clrMapOvr>
+    <a:masterClrMapping/>
+  </p:clrMapOvr>
+</p:notes>
+</file>
+
+<file path=ppt/notesSlides/notesSlide5.xml><?xml version="1.0" encoding="utf-8"?>
+<p:notes xmlns:a="http://schemas.openxmlformats.org/drawingml/2006/main" xmlns:r="http://schemas.openxmlformats.org/officeDocument/2006/relationships" xmlns:p="http://schemas.openxmlformats.org/presentationml/2006/main">
+  <p:cSld>
+    <p:spTree>
+      <p:nvGrpSpPr>
+        <p:cNvPr id="1" name=""/>
+        <p:cNvGrpSpPr/>
+        <p:nvPr/>
+      </p:nvGrpSpPr>
+      <p:grpSpPr>
+        <a:xfrm>
+          <a:off x="0" y="0"/>
+          <a:ext cx="0" cy="0"/>
+          <a:chOff x="0" y="0"/>
+          <a:chExt cx="0" cy="0"/>
+        </a:xfrm>
+      </p:grpSpPr>
+      <p:sp>
+        <p:nvSpPr>
+          <p:cNvPr id="2" name="幻灯片图像占位符 1"/>
+          <p:cNvSpPr>
+            <a:spLocks noGrp="1" noRot="1" noChangeAspect="1"/>
+          </p:cNvSpPr>
+          <p:nvPr>
+            <p:ph type="sldImg"/>
+          </p:nvPr>
+        </p:nvSpPr>
+        <p:spPr/>
+      </p:sp>
+      <p:sp>
+        <p:nvSpPr>
+          <p:cNvPr id="3" name="备注占位符 2"/>
+          <p:cNvSpPr>
+            <a:spLocks noGrp="1"/>
+          </p:cNvSpPr>
+          <p:nvPr>
+            <p:ph type="body" idx="1"/>
+          </p:nvPr>
+        </p:nvSpPr>
+        <p:spPr/>
+        <p:txBody>
+          <a:bodyPr/>
+          <a:lstStyle/>
+          <a:p>
+            <a:r>
+              <a:rPr lang="en-US" altLang="zh-CN" sz="1200" b="0" i="0" kern="1200" dirty="0" smtClean="0">
+                <a:solidFill>
+                  <a:schemeClr val="tx1"/>
+                </a:solidFill>
+                <a:effectLst/>
+                <a:latin typeface="+mn-lt"/>
+                <a:ea typeface="+mn-ea"/>
+                <a:cs typeface="+mn-cs"/>
+              </a:rPr>
+              <a:t>N-1</a:t>
+            </a:r>
+            <a:r>
+              <a:rPr lang="zh-CN" altLang="en-US" sz="1200" b="0" i="0" kern="1200" dirty="0" smtClean="0">
+                <a:solidFill>
+                  <a:schemeClr val="tx1"/>
+                </a:solidFill>
+                <a:effectLst/>
+                <a:latin typeface="+mn-lt"/>
+                <a:ea typeface="+mn-ea"/>
+                <a:cs typeface="+mn-cs"/>
+              </a:rPr>
+              <a:t>类型关系指的是，该类型关系中的一个尾实体平均对应多个头实体。</a:t>
+            </a:r>
+            <a:endParaRPr lang="zh-CN" altLang="en-US" dirty="0"/>
+          </a:p>
+        </p:txBody>
+      </p:sp>
+      <p:sp>
+        <p:nvSpPr>
+          <p:cNvPr id="4" name="灯片编号占位符 3"/>
+          <p:cNvSpPr>
+            <a:spLocks noGrp="1"/>
+          </p:cNvSpPr>
+          <p:nvPr>
+            <p:ph type="sldNum" sz="quarter" idx="10"/>
+          </p:nvPr>
+        </p:nvSpPr>
+        <p:spPr/>
+        <p:txBody>
+          <a:bodyPr/>
+          <a:lstStyle/>
+          <a:p>
+            <a:fld id="{03EC23FA-1A74-4866-BA33-81430325FB80}" type="slidenum">
+              <a:rPr lang="zh-CN" altLang="en-US" smtClean="0"/>
+              <a:t>13</a:t>
+            </a:fld>
+            <a:endParaRPr lang="zh-CN" altLang="en-US"/>
+          </a:p>
+        </p:txBody>
+      </p:sp>
+    </p:spTree>
+    <p:extLst>
+      <p:ext uri="{BB962C8B-B14F-4D97-AF65-F5344CB8AC3E}">
+        <p14:creationId xmlns:p14="http://schemas.microsoft.com/office/powerpoint/2010/main" val="1859020454"/>
+      </p:ext>
+    </p:extLst>
+  </p:cSld>
+  <p:clrMapOvr>
+    <a:masterClrMapping/>
+  </p:clrMapOvr>
+</p:notes>
+</file>
+
+<file path=ppt/notesSlides/notesSlide6.xml><?xml version="1.0" encoding="utf-8"?>
+<p:notes xmlns:a="http://schemas.openxmlformats.org/drawingml/2006/main" xmlns:r="http://schemas.openxmlformats.org/officeDocument/2006/relationships" xmlns:p="http://schemas.openxmlformats.org/presentationml/2006/main">
+  <p:cSld>
+    <p:spTree>
+      <p:nvGrpSpPr>
+        <p:cNvPr id="1" name=""/>
+        <p:cNvGrpSpPr/>
+        <p:nvPr/>
+      </p:nvGrpSpPr>
+      <p:grpSpPr>
+        <a:xfrm>
+          <a:off x="0" y="0"/>
+          <a:ext cx="0" cy="0"/>
+          <a:chOff x="0" y="0"/>
+          <a:chExt cx="0" cy="0"/>
+        </a:xfrm>
+      </p:grpSpPr>
+      <p:sp>
+        <p:nvSpPr>
+          <p:cNvPr id="2" name="幻灯片图像占位符 1"/>
+          <p:cNvSpPr>
+            <a:spLocks noGrp="1" noRot="1" noChangeAspect="1"/>
+          </p:cNvSpPr>
+          <p:nvPr>
+            <p:ph type="sldImg"/>
+          </p:nvPr>
+        </p:nvSpPr>
+        <p:spPr/>
+      </p:sp>
+      <p:sp>
+        <p:nvSpPr>
+          <p:cNvPr id="3" name="备注占位符 2"/>
+          <p:cNvSpPr>
+            <a:spLocks noGrp="1"/>
+          </p:cNvSpPr>
+          <p:nvPr>
+            <p:ph type="body" idx="1"/>
+          </p:nvPr>
+        </p:nvSpPr>
+        <p:spPr/>
+        <p:txBody>
+          <a:bodyPr/>
+          <a:lstStyle/>
+          <a:p>
+            <a:r>
+              <a:rPr lang="zh-CN" altLang="en-US" dirty="0" smtClean="0"/>
+              <a:t>头实体向量</a:t>
+            </a:r>
+            <a:r>
+              <a:rPr lang="en-US" altLang="zh-CN" dirty="0" err="1" smtClean="0"/>
+              <a:t>lh</a:t>
+            </a:r>
+            <a:r>
+              <a:rPr lang="zh-CN" altLang="en-US" dirty="0" smtClean="0"/>
+              <a:t>和尾实体向量</a:t>
+            </a:r>
+            <a:r>
+              <a:rPr lang="en-US" altLang="zh-CN" dirty="0" err="1" smtClean="0"/>
+              <a:t>lt</a:t>
+            </a:r>
+            <a:r>
+              <a:rPr lang="zh-CN" altLang="en-US" dirty="0" smtClean="0"/>
+              <a:t>沿法线</a:t>
+            </a:r>
+            <a:r>
+              <a:rPr lang="en-US" altLang="zh-CN" dirty="0" err="1" smtClean="0"/>
+              <a:t>wr</a:t>
+            </a:r>
+            <a:r>
+              <a:rPr lang="zh-CN" altLang="en-US" dirty="0" smtClean="0"/>
+              <a:t>投影到关系</a:t>
+            </a:r>
+            <a:r>
+              <a:rPr lang="en-US" altLang="zh-CN" dirty="0" smtClean="0"/>
+              <a:t>r</a:t>
+            </a:r>
+            <a:r>
+              <a:rPr lang="zh-CN" altLang="en-US" dirty="0" smtClean="0"/>
+              <a:t>对应的超平面上。</a:t>
+            </a:r>
+            <a:endParaRPr lang="en-US" altLang="zh-CN" dirty="0" smtClean="0"/>
+          </a:p>
+          <a:p>
+            <a:r>
+              <a:rPr lang="zh-CN" altLang="en-US" dirty="0" smtClean="0"/>
+              <a:t>分别用</a:t>
+            </a:r>
+            <a:r>
+              <a:rPr lang="en-US" altLang="zh-CN" dirty="0" err="1" smtClean="0"/>
+              <a:t>lhr</a:t>
+            </a:r>
+            <a:r>
+              <a:rPr lang="zh-CN" altLang="en-US" dirty="0" smtClean="0"/>
+              <a:t>和</a:t>
+            </a:r>
+            <a:r>
+              <a:rPr lang="en-US" altLang="zh-CN" dirty="0" err="1" smtClean="0"/>
+              <a:t>ltr</a:t>
+            </a:r>
+            <a:r>
+              <a:rPr lang="zh-CN" altLang="en-US" dirty="0" smtClean="0"/>
+              <a:t>表示。</a:t>
+            </a:r>
+            <a:endParaRPr lang="zh-CN" altLang="en-US" dirty="0"/>
+          </a:p>
+        </p:txBody>
+      </p:sp>
+      <p:sp>
+        <p:nvSpPr>
+          <p:cNvPr id="4" name="灯片编号占位符 3"/>
+          <p:cNvSpPr>
+            <a:spLocks noGrp="1"/>
+          </p:cNvSpPr>
+          <p:nvPr>
+            <p:ph type="sldNum" sz="quarter" idx="10"/>
+          </p:nvPr>
+        </p:nvSpPr>
+        <p:spPr/>
+        <p:txBody>
+          <a:bodyPr/>
+          <a:lstStyle/>
+          <a:p>
+            <a:fld id="{03EC23FA-1A74-4866-BA33-81430325FB80}" type="slidenum">
+              <a:rPr lang="zh-CN" altLang="en-US" smtClean="0"/>
+              <a:t>14</a:t>
+            </a:fld>
+            <a:endParaRPr lang="zh-CN" altLang="en-US"/>
+          </a:p>
+        </p:txBody>
+      </p:sp>
+    </p:spTree>
+    <p:extLst>
+      <p:ext uri="{BB962C8B-B14F-4D97-AF65-F5344CB8AC3E}">
+        <p14:creationId xmlns:p14="http://schemas.microsoft.com/office/powerpoint/2010/main" val="1557493517"/>
       </p:ext>
     </p:extLst>
   </p:cSld>
@@ -3825,6 +4114,1225 @@
 </p:sld>
 </file>
 
+<file path=ppt/slides/slide10.xml><?xml version="1.0" encoding="utf-8"?>
+<p:sld xmlns:a="http://schemas.openxmlformats.org/drawingml/2006/main" xmlns:r="http://schemas.openxmlformats.org/officeDocument/2006/relationships" xmlns:p="http://schemas.openxmlformats.org/presentationml/2006/main">
+  <p:cSld>
+    <p:spTree>
+      <p:nvGrpSpPr>
+        <p:cNvPr id="1" name=""/>
+        <p:cNvGrpSpPr/>
+        <p:nvPr/>
+      </p:nvGrpSpPr>
+      <p:grpSpPr>
+        <a:xfrm>
+          <a:off x="0" y="0"/>
+          <a:ext cx="0" cy="0"/>
+          <a:chOff x="0" y="0"/>
+          <a:chExt cx="0" cy="0"/>
+        </a:xfrm>
+      </p:grpSpPr>
+      <p:sp>
+        <p:nvSpPr>
+          <p:cNvPr id="2" name="标题 1"/>
+          <p:cNvSpPr>
+            <a:spLocks noGrp="1"/>
+          </p:cNvSpPr>
+          <p:nvPr>
+            <p:ph type="title"/>
+          </p:nvPr>
+        </p:nvSpPr>
+        <p:spPr>
+          <a:xfrm>
+            <a:off x="638503" y="375635"/>
+            <a:ext cx="10515600" cy="1325563"/>
+          </a:xfrm>
+        </p:spPr>
+        <p:txBody>
+          <a:bodyPr>
+            <a:normAutofit/>
+          </a:bodyPr>
+          <a:lstStyle/>
+          <a:p>
+            <a:r>
+              <a:rPr lang="zh-CN" altLang="en-US" sz="5400" dirty="0">
+                <a:latin typeface="Times New Roman" panose="02020603050405020304" pitchFamily="18" charset="0"/>
+                <a:ea typeface="楷体" panose="02010609060101010101" pitchFamily="49" charset="-122"/>
+              </a:rPr>
+              <a:t>优化</a:t>
+            </a:r>
+            <a:r>
+              <a:rPr lang="zh-CN" altLang="en-US" sz="5400" dirty="0" smtClean="0">
+                <a:latin typeface="Times New Roman" panose="02020603050405020304" pitchFamily="18" charset="0"/>
+                <a:ea typeface="楷体" panose="02010609060101010101" pitchFamily="49" charset="-122"/>
+              </a:rPr>
+              <a:t>目标函数</a:t>
+            </a:r>
+            <a:endParaRPr lang="zh-CN" altLang="en-US" sz="5400" dirty="0">
+              <a:latin typeface="Times New Roman" panose="02020603050405020304" pitchFamily="18" charset="0"/>
+              <a:ea typeface="楷体" panose="02010609060101010101" pitchFamily="49" charset="-122"/>
+            </a:endParaRPr>
+          </a:p>
+        </p:txBody>
+      </p:sp>
+      <p:graphicFrame>
+        <p:nvGraphicFramePr>
+          <p:cNvPr id="6" name="对象 5"/>
+          <p:cNvGraphicFramePr>
+            <a:graphicFrameLocks noChangeAspect="1"/>
+          </p:cNvGraphicFramePr>
+          <p:nvPr>
+            <p:extLst>
+              <p:ext uri="{D42A27DB-BD31-4B8C-83A1-F6EECF244321}">
+                <p14:modId xmlns:p14="http://schemas.microsoft.com/office/powerpoint/2010/main" val="2440016441"/>
+              </p:ext>
+            </p:extLst>
+          </p:nvPr>
+        </p:nvGraphicFramePr>
+        <p:xfrm>
+          <a:off x="4927600" y="2667000"/>
+          <a:ext cx="914400" cy="179388"/>
+        </p:xfrm>
+        <a:graphic>
+          <a:graphicData uri="http://schemas.openxmlformats.org/presentationml/2006/ole">
+            <mc:AlternateContent xmlns:mc="http://schemas.openxmlformats.org/markup-compatibility/2006">
+              <mc:Choice xmlns:v="urn:schemas-microsoft-com:vml" Requires="v">
+                <p:oleObj spid="_x0000_s4146" name="Equation" r:id="rId3" imgW="914400" imgH="179640" progId="Equation.DSMT4">
+                  <p:embed/>
+                </p:oleObj>
+              </mc:Choice>
+              <mc:Fallback>
+                <p:oleObj name="Equation" r:id="rId3" imgW="914400" imgH="179640" progId="Equation.DSMT4">
+                  <p:embed/>
+                  <p:pic>
+                    <p:nvPicPr>
+                      <p:cNvPr id="0" name=""/>
+                      <p:cNvPicPr/>
+                      <p:nvPr/>
+                    </p:nvPicPr>
+                    <p:blipFill>
+                      <a:blip r:embed="rId4"/>
+                      <a:stretch>
+                        <a:fillRect/>
+                      </a:stretch>
+                    </p:blipFill>
+                    <p:spPr>
+                      <a:xfrm>
+                        <a:off x="4927600" y="2667000"/>
+                        <a:ext cx="914400" cy="179388"/>
+                      </a:xfrm>
+                      <a:prstGeom prst="rect">
+                        <a:avLst/>
+                      </a:prstGeom>
+                    </p:spPr>
+                  </p:pic>
+                </p:oleObj>
+              </mc:Fallback>
+            </mc:AlternateContent>
+          </a:graphicData>
+        </a:graphic>
+      </p:graphicFrame>
+      <p:graphicFrame>
+        <p:nvGraphicFramePr>
+          <p:cNvPr id="7" name="对象 6"/>
+          <p:cNvGraphicFramePr>
+            <a:graphicFrameLocks noChangeAspect="1"/>
+          </p:cNvGraphicFramePr>
+          <p:nvPr>
+            <p:extLst>
+              <p:ext uri="{D42A27DB-BD31-4B8C-83A1-F6EECF244321}">
+                <p14:modId xmlns:p14="http://schemas.microsoft.com/office/powerpoint/2010/main" val="240450968"/>
+              </p:ext>
+            </p:extLst>
+          </p:nvPr>
+        </p:nvGraphicFramePr>
+        <p:xfrm>
+          <a:off x="671513" y="1912938"/>
+          <a:ext cx="5813425" cy="668337"/>
+        </p:xfrm>
+        <a:graphic>
+          <a:graphicData uri="http://schemas.openxmlformats.org/presentationml/2006/ole">
+            <mc:AlternateContent xmlns:mc="http://schemas.openxmlformats.org/markup-compatibility/2006">
+              <mc:Choice xmlns:v="urn:schemas-microsoft-com:vml" Requires="v">
+                <p:oleObj spid="_x0000_s4147" name="Equation" r:id="rId5" imgW="1587240" imgH="228600" progId="Equation.DSMT4">
+                  <p:embed/>
+                </p:oleObj>
+              </mc:Choice>
+              <mc:Fallback>
+                <p:oleObj name="Equation" r:id="rId5" imgW="1587240" imgH="228600" progId="Equation.DSMT4">
+                  <p:embed/>
+                  <p:pic>
+                    <p:nvPicPr>
+                      <p:cNvPr id="0" name=""/>
+                      <p:cNvPicPr/>
+                      <p:nvPr/>
+                    </p:nvPicPr>
+                    <p:blipFill>
+                      <a:blip r:embed="rId6"/>
+                      <a:stretch>
+                        <a:fillRect/>
+                      </a:stretch>
+                    </p:blipFill>
+                    <p:spPr>
+                      <a:xfrm>
+                        <a:off x="671513" y="1912938"/>
+                        <a:ext cx="5813425" cy="668337"/>
+                      </a:xfrm>
+                      <a:prstGeom prst="rect">
+                        <a:avLst/>
+                      </a:prstGeom>
+                    </p:spPr>
+                  </p:pic>
+                </p:oleObj>
+              </mc:Fallback>
+            </mc:AlternateContent>
+          </a:graphicData>
+        </a:graphic>
+      </p:graphicFrame>
+      <p:sp>
+        <p:nvSpPr>
+          <p:cNvPr id="8" name="文本框 7"/>
+          <p:cNvSpPr txBox="1"/>
+          <p:nvPr/>
+        </p:nvSpPr>
+        <p:spPr>
+          <a:xfrm>
+            <a:off x="6780707" y="1912938"/>
+            <a:ext cx="2987040" cy="584775"/>
+          </a:xfrm>
+          <a:prstGeom prst="rect">
+            <a:avLst/>
+          </a:prstGeom>
+          <a:noFill/>
+        </p:spPr>
+        <p:txBody>
+          <a:bodyPr wrap="square" rtlCol="0">
+            <a:spAutoFit/>
+          </a:bodyPr>
+          <a:lstStyle/>
+          <a:p>
+            <a:r>
+              <a:rPr lang="zh-CN" altLang="en-US" sz="3200" dirty="0" smtClean="0">
+                <a:latin typeface="Times New Roman" panose="02020603050405020304" pitchFamily="18" charset="0"/>
+                <a:ea typeface="楷体" panose="02010609060101010101" pitchFamily="49" charset="-122"/>
+              </a:rPr>
+              <a:t>损失函数</a:t>
+            </a:r>
+            <a:endParaRPr lang="zh-CN" altLang="en-US" sz="3200" dirty="0">
+              <a:latin typeface="Times New Roman" panose="02020603050405020304" pitchFamily="18" charset="0"/>
+              <a:ea typeface="楷体" panose="02010609060101010101" pitchFamily="49" charset="-122"/>
+            </a:endParaRPr>
+          </a:p>
+        </p:txBody>
+      </p:sp>
+      <p:graphicFrame>
+        <p:nvGraphicFramePr>
+          <p:cNvPr id="9" name="对象 8"/>
+          <p:cNvGraphicFramePr>
+            <a:graphicFrameLocks noChangeAspect="1"/>
+          </p:cNvGraphicFramePr>
+          <p:nvPr>
+            <p:extLst>
+              <p:ext uri="{D42A27DB-BD31-4B8C-83A1-F6EECF244321}">
+                <p14:modId xmlns:p14="http://schemas.microsoft.com/office/powerpoint/2010/main" val="811011120"/>
+              </p:ext>
+            </p:extLst>
+          </p:nvPr>
+        </p:nvGraphicFramePr>
+        <p:xfrm>
+          <a:off x="543417" y="3298976"/>
+          <a:ext cx="8948738" cy="876300"/>
+        </p:xfrm>
+        <a:graphic>
+          <a:graphicData uri="http://schemas.openxmlformats.org/presentationml/2006/ole">
+            <mc:AlternateContent xmlns:mc="http://schemas.openxmlformats.org/markup-compatibility/2006">
+              <mc:Choice xmlns:v="urn:schemas-microsoft-com:vml" Requires="v">
+                <p:oleObj spid="_x0000_s4148" name="Equation" r:id="rId7" imgW="2920680" imgH="355320" progId="Equation.DSMT4">
+                  <p:embed/>
+                </p:oleObj>
+              </mc:Choice>
+              <mc:Fallback>
+                <p:oleObj name="Equation" r:id="rId7" imgW="2920680" imgH="355320" progId="Equation.DSMT4">
+                  <p:embed/>
+                  <p:pic>
+                    <p:nvPicPr>
+                      <p:cNvPr id="0" name=""/>
+                      <p:cNvPicPr/>
+                      <p:nvPr/>
+                    </p:nvPicPr>
+                    <p:blipFill>
+                      <a:blip r:embed="rId8"/>
+                      <a:stretch>
+                        <a:fillRect/>
+                      </a:stretch>
+                    </p:blipFill>
+                    <p:spPr>
+                      <a:xfrm>
+                        <a:off x="543417" y="3298976"/>
+                        <a:ext cx="8948738" cy="876300"/>
+                      </a:xfrm>
+                      <a:prstGeom prst="rect">
+                        <a:avLst/>
+                      </a:prstGeom>
+                    </p:spPr>
+                  </p:pic>
+                </p:oleObj>
+              </mc:Fallback>
+            </mc:AlternateContent>
+          </a:graphicData>
+        </a:graphic>
+      </p:graphicFrame>
+      <p:sp>
+        <p:nvSpPr>
+          <p:cNvPr id="10" name="文本框 9"/>
+          <p:cNvSpPr txBox="1"/>
+          <p:nvPr/>
+        </p:nvSpPr>
+        <p:spPr>
+          <a:xfrm>
+            <a:off x="9663575" y="3456728"/>
+            <a:ext cx="2002420" cy="584775"/>
+          </a:xfrm>
+          <a:prstGeom prst="rect">
+            <a:avLst/>
+          </a:prstGeom>
+          <a:noFill/>
+        </p:spPr>
+        <p:txBody>
+          <a:bodyPr wrap="square" rtlCol="0">
+            <a:spAutoFit/>
+          </a:bodyPr>
+          <a:lstStyle/>
+          <a:p>
+            <a:r>
+              <a:rPr lang="zh-CN" altLang="en-US" sz="3200" dirty="0" smtClean="0">
+                <a:ea typeface="楷体" panose="02010609060101010101" pitchFamily="49" charset="-122"/>
+              </a:rPr>
+              <a:t>目标函数</a:t>
+            </a:r>
+            <a:endParaRPr lang="zh-CN" altLang="en-US" sz="3200" dirty="0">
+              <a:ea typeface="楷体" panose="02010609060101010101" pitchFamily="49" charset="-122"/>
+            </a:endParaRPr>
+          </a:p>
+        </p:txBody>
+      </p:sp>
+      <p:graphicFrame>
+        <p:nvGraphicFramePr>
+          <p:cNvPr id="14" name="对象 13"/>
+          <p:cNvGraphicFramePr>
+            <a:graphicFrameLocks noChangeAspect="1"/>
+          </p:cNvGraphicFramePr>
+          <p:nvPr>
+            <p:extLst>
+              <p:ext uri="{D42A27DB-BD31-4B8C-83A1-F6EECF244321}">
+                <p14:modId xmlns:p14="http://schemas.microsoft.com/office/powerpoint/2010/main" val="2005000582"/>
+              </p:ext>
+            </p:extLst>
+          </p:nvPr>
+        </p:nvGraphicFramePr>
+        <p:xfrm>
+          <a:off x="671513" y="5683443"/>
+          <a:ext cx="520700" cy="539750"/>
+        </p:xfrm>
+        <a:graphic>
+          <a:graphicData uri="http://schemas.openxmlformats.org/presentationml/2006/ole">
+            <mc:AlternateContent xmlns:mc="http://schemas.openxmlformats.org/markup-compatibility/2006">
+              <mc:Choice xmlns:v="urn:schemas-microsoft-com:vml" Requires="v">
+                <p:oleObj spid="_x0000_s4149" name="Equation" r:id="rId9" imgW="126720" imgH="164880" progId="Equation.DSMT4">
+                  <p:embed/>
+                </p:oleObj>
+              </mc:Choice>
+              <mc:Fallback>
+                <p:oleObj name="Equation" r:id="rId9" imgW="126720" imgH="164880" progId="Equation.DSMT4">
+                  <p:embed/>
+                  <p:pic>
+                    <p:nvPicPr>
+                      <p:cNvPr id="0" name=""/>
+                      <p:cNvPicPr/>
+                      <p:nvPr/>
+                    </p:nvPicPr>
+                    <p:blipFill>
+                      <a:blip r:embed="rId10"/>
+                      <a:stretch>
+                        <a:fillRect/>
+                      </a:stretch>
+                    </p:blipFill>
+                    <p:spPr>
+                      <a:xfrm>
+                        <a:off x="671513" y="5683443"/>
+                        <a:ext cx="520700" cy="539750"/>
+                      </a:xfrm>
+                      <a:prstGeom prst="rect">
+                        <a:avLst/>
+                      </a:prstGeom>
+                    </p:spPr>
+                  </p:pic>
+                </p:oleObj>
+              </mc:Fallback>
+            </mc:AlternateContent>
+          </a:graphicData>
+        </a:graphic>
+      </p:graphicFrame>
+      <p:sp>
+        <p:nvSpPr>
+          <p:cNvPr id="15" name="文本框 14"/>
+          <p:cNvSpPr txBox="1"/>
+          <p:nvPr/>
+        </p:nvSpPr>
+        <p:spPr>
+          <a:xfrm>
+            <a:off x="1333963" y="5638418"/>
+            <a:ext cx="9907928" cy="584775"/>
+          </a:xfrm>
+          <a:prstGeom prst="rect">
+            <a:avLst/>
+          </a:prstGeom>
+          <a:noFill/>
+        </p:spPr>
+        <p:txBody>
+          <a:bodyPr wrap="square" rtlCol="0">
+            <a:spAutoFit/>
+          </a:bodyPr>
+          <a:lstStyle/>
+          <a:p>
+            <a:r>
+              <a:rPr lang="zh-CN" altLang="en-US" sz="3200" dirty="0" smtClean="0">
+                <a:latin typeface="Times New Roman" panose="02020603050405020304" pitchFamily="18" charset="0"/>
+                <a:ea typeface="楷体" panose="02010609060101010101" pitchFamily="49" charset="-122"/>
+              </a:rPr>
+              <a:t>错误三元组得分与正确三元组得分之间的间隔距离</a:t>
+            </a:r>
+            <a:endParaRPr lang="zh-CN" altLang="en-US" sz="3200" dirty="0">
+              <a:latin typeface="Times New Roman" panose="02020603050405020304" pitchFamily="18" charset="0"/>
+              <a:ea typeface="楷体" panose="02010609060101010101" pitchFamily="49" charset="-122"/>
+            </a:endParaRPr>
+          </a:p>
+        </p:txBody>
+      </p:sp>
+      <p:graphicFrame>
+        <p:nvGraphicFramePr>
+          <p:cNvPr id="16" name="对象 15"/>
+          <p:cNvGraphicFramePr>
+            <a:graphicFrameLocks noChangeAspect="1"/>
+          </p:cNvGraphicFramePr>
+          <p:nvPr>
+            <p:extLst>
+              <p:ext uri="{D42A27DB-BD31-4B8C-83A1-F6EECF244321}">
+                <p14:modId xmlns:p14="http://schemas.microsoft.com/office/powerpoint/2010/main" val="735833096"/>
+              </p:ext>
+            </p:extLst>
+          </p:nvPr>
+        </p:nvGraphicFramePr>
+        <p:xfrm>
+          <a:off x="671513" y="4627864"/>
+          <a:ext cx="8692547" cy="498475"/>
+        </p:xfrm>
+        <a:graphic>
+          <a:graphicData uri="http://schemas.openxmlformats.org/presentationml/2006/ole">
+            <mc:AlternateContent xmlns:mc="http://schemas.openxmlformats.org/markup-compatibility/2006">
+              <mc:Choice xmlns:v="urn:schemas-microsoft-com:vml" Requires="v">
+                <p:oleObj spid="_x0000_s4150" name="Equation" r:id="rId11" imgW="2527200" imgH="203040" progId="Equation.DSMT4">
+                  <p:embed/>
+                </p:oleObj>
+              </mc:Choice>
+              <mc:Fallback>
+                <p:oleObj name="Equation" r:id="rId11" imgW="2527200" imgH="203040" progId="Equation.DSMT4">
+                  <p:embed/>
+                  <p:pic>
+                    <p:nvPicPr>
+                      <p:cNvPr id="0" name=""/>
+                      <p:cNvPicPr/>
+                      <p:nvPr/>
+                    </p:nvPicPr>
+                    <p:blipFill>
+                      <a:blip r:embed="rId12"/>
+                      <a:stretch>
+                        <a:fillRect/>
+                      </a:stretch>
+                    </p:blipFill>
+                    <p:spPr>
+                      <a:xfrm>
+                        <a:off x="671513" y="4627864"/>
+                        <a:ext cx="8692547" cy="498475"/>
+                      </a:xfrm>
+                      <a:prstGeom prst="rect">
+                        <a:avLst/>
+                      </a:prstGeom>
+                    </p:spPr>
+                  </p:pic>
+                </p:oleObj>
+              </mc:Fallback>
+            </mc:AlternateContent>
+          </a:graphicData>
+        </a:graphic>
+      </p:graphicFrame>
+      <p:sp>
+        <p:nvSpPr>
+          <p:cNvPr id="17" name="文本框 16"/>
+          <p:cNvSpPr txBox="1"/>
+          <p:nvPr/>
+        </p:nvSpPr>
+        <p:spPr>
+          <a:xfrm>
+            <a:off x="9663575" y="4584713"/>
+            <a:ext cx="2362521" cy="584775"/>
+          </a:xfrm>
+          <a:prstGeom prst="rect">
+            <a:avLst/>
+          </a:prstGeom>
+          <a:noFill/>
+        </p:spPr>
+        <p:txBody>
+          <a:bodyPr wrap="square" rtlCol="0">
+            <a:spAutoFit/>
+          </a:bodyPr>
+          <a:lstStyle/>
+          <a:p>
+            <a:r>
+              <a:rPr lang="zh-CN" altLang="en-US" sz="3200" dirty="0" smtClean="0">
+                <a:latin typeface="Times New Roman" panose="02020603050405020304" pitchFamily="18" charset="0"/>
+                <a:ea typeface="楷体" panose="02010609060101010101" pitchFamily="49" charset="-122"/>
+              </a:rPr>
+              <a:t>错误三元组</a:t>
+            </a:r>
+            <a:endParaRPr lang="zh-CN" altLang="en-US" sz="3200" dirty="0">
+              <a:latin typeface="Times New Roman" panose="02020603050405020304" pitchFamily="18" charset="0"/>
+              <a:ea typeface="楷体" panose="02010609060101010101" pitchFamily="49" charset="-122"/>
+            </a:endParaRPr>
+          </a:p>
+        </p:txBody>
+      </p:sp>
+    </p:spTree>
+    <p:extLst>
+      <p:ext uri="{BB962C8B-B14F-4D97-AF65-F5344CB8AC3E}">
+        <p14:creationId xmlns:p14="http://schemas.microsoft.com/office/powerpoint/2010/main" val="3437377445"/>
+      </p:ext>
+    </p:extLst>
+  </p:cSld>
+  <p:clrMapOvr>
+    <a:masterClrMapping/>
+  </p:clrMapOvr>
+  <p:timing>
+    <p:tnLst>
+      <p:par>
+        <p:cTn id="1" dur="indefinite" restart="never" nodeType="tmRoot"/>
+      </p:par>
+    </p:tnLst>
+  </p:timing>
+</p:sld>
+</file>
+
+<file path=ppt/slides/slide11.xml><?xml version="1.0" encoding="utf-8"?>
+<p:sld xmlns:a="http://schemas.openxmlformats.org/drawingml/2006/main" xmlns:r="http://schemas.openxmlformats.org/officeDocument/2006/relationships" xmlns:p="http://schemas.openxmlformats.org/presentationml/2006/main">
+  <p:cSld>
+    <p:spTree>
+      <p:nvGrpSpPr>
+        <p:cNvPr id="1" name=""/>
+        <p:cNvGrpSpPr/>
+        <p:nvPr/>
+      </p:nvGrpSpPr>
+      <p:grpSpPr>
+        <a:xfrm>
+          <a:off x="0" y="0"/>
+          <a:ext cx="0" cy="0"/>
+          <a:chOff x="0" y="0"/>
+          <a:chExt cx="0" cy="0"/>
+        </a:xfrm>
+      </p:grpSpPr>
+      <p:pic>
+        <p:nvPicPr>
+          <p:cNvPr id="4" name="图片 3"/>
+          <p:cNvPicPr>
+            <a:picLocks noChangeAspect="1"/>
+          </p:cNvPicPr>
+          <p:nvPr/>
+        </p:nvPicPr>
+        <p:blipFill>
+          <a:blip r:embed="rId2">
+            <a:extLst>
+              <a:ext uri="{28A0092B-C50C-407E-A947-70E740481C1C}">
+                <a14:useLocalDpi xmlns:a14="http://schemas.microsoft.com/office/drawing/2010/main" val="0"/>
+              </a:ext>
+            </a:extLst>
+          </a:blip>
+          <a:stretch>
+            <a:fillRect/>
+          </a:stretch>
+        </p:blipFill>
+        <p:spPr>
+          <a:xfrm>
+            <a:off x="0" y="0"/>
+            <a:ext cx="12192000" cy="5613035"/>
+          </a:xfrm>
+          <a:prstGeom prst="rect">
+            <a:avLst/>
+          </a:prstGeom>
+        </p:spPr>
+      </p:pic>
+      <p:sp>
+        <p:nvSpPr>
+          <p:cNvPr id="5" name="文本框 4"/>
+          <p:cNvSpPr txBox="1"/>
+          <p:nvPr/>
+        </p:nvSpPr>
+        <p:spPr>
+          <a:xfrm>
+            <a:off x="127321" y="5856790"/>
+            <a:ext cx="9901896" cy="400110"/>
+          </a:xfrm>
+          <a:prstGeom prst="rect">
+            <a:avLst/>
+          </a:prstGeom>
+          <a:noFill/>
+        </p:spPr>
+        <p:txBody>
+          <a:bodyPr wrap="square" rtlCol="0">
+            <a:spAutoFit/>
+          </a:bodyPr>
+          <a:lstStyle/>
+          <a:p>
+            <a:r>
+              <a:rPr lang="en-US" altLang="zh-CN" sz="2000" dirty="0" smtClean="0">
+                <a:latin typeface="Times New Roman" panose="02020603050405020304" pitchFamily="18" charset="0"/>
+              </a:rPr>
+              <a:t>[</a:t>
+            </a:r>
+            <a:r>
+              <a:rPr lang="en-US" altLang="zh-CN" sz="2000" b="1" dirty="0">
+                <a:latin typeface="Times New Roman" panose="02020603050405020304" pitchFamily="18" charset="0"/>
+              </a:rPr>
+              <a:t>Translating </a:t>
+            </a:r>
+            <a:r>
+              <a:rPr lang="en-US" altLang="zh-CN" sz="2000" b="1" dirty="0" err="1">
+                <a:latin typeface="Times New Roman" panose="02020603050405020304" pitchFamily="18" charset="0"/>
+              </a:rPr>
+              <a:t>Embeddings</a:t>
+            </a:r>
+            <a:r>
+              <a:rPr lang="en-US" altLang="zh-CN" sz="2000" b="1" dirty="0">
+                <a:latin typeface="Times New Roman" panose="02020603050405020304" pitchFamily="18" charset="0"/>
+              </a:rPr>
+              <a:t> for </a:t>
+            </a:r>
+            <a:r>
+              <a:rPr lang="en-US" altLang="zh-CN" sz="2000" b="1" dirty="0" smtClean="0">
+                <a:latin typeface="Times New Roman" panose="02020603050405020304" pitchFamily="18" charset="0"/>
+              </a:rPr>
+              <a:t>Modeling Multi-relational Data</a:t>
+            </a:r>
+            <a:r>
+              <a:rPr lang="en-US" altLang="zh-CN" sz="2000" dirty="0" smtClean="0">
+                <a:latin typeface="Times New Roman" panose="02020603050405020304" pitchFamily="18" charset="0"/>
+              </a:rPr>
+              <a:t>]</a:t>
+            </a:r>
+            <a:endParaRPr lang="zh-CN" altLang="en-US" sz="2000" dirty="0">
+              <a:latin typeface="Times New Roman" panose="02020603050405020304" pitchFamily="18" charset="0"/>
+            </a:endParaRPr>
+          </a:p>
+        </p:txBody>
+      </p:sp>
+    </p:spTree>
+    <p:extLst>
+      <p:ext uri="{BB962C8B-B14F-4D97-AF65-F5344CB8AC3E}">
+        <p14:creationId xmlns:p14="http://schemas.microsoft.com/office/powerpoint/2010/main" val="640903268"/>
+      </p:ext>
+    </p:extLst>
+  </p:cSld>
+  <p:clrMapOvr>
+    <a:masterClrMapping/>
+  </p:clrMapOvr>
+  <p:timing>
+    <p:tnLst>
+      <p:par>
+        <p:cTn id="1" dur="indefinite" restart="never" nodeType="tmRoot"/>
+      </p:par>
+    </p:tnLst>
+  </p:timing>
+</p:sld>
+</file>
+
+<file path=ppt/slides/slide12.xml><?xml version="1.0" encoding="utf-8"?>
+<p:sld xmlns:a="http://schemas.openxmlformats.org/drawingml/2006/main" xmlns:r="http://schemas.openxmlformats.org/officeDocument/2006/relationships" xmlns:p="http://schemas.openxmlformats.org/presentationml/2006/main">
+  <p:cSld>
+    <p:spTree>
+      <p:nvGrpSpPr>
+        <p:cNvPr id="1" name=""/>
+        <p:cNvGrpSpPr/>
+        <p:nvPr/>
+      </p:nvGrpSpPr>
+      <p:grpSpPr>
+        <a:xfrm>
+          <a:off x="0" y="0"/>
+          <a:ext cx="0" cy="0"/>
+          <a:chOff x="0" y="0"/>
+          <a:chExt cx="0" cy="0"/>
+        </a:xfrm>
+      </p:grpSpPr>
+      <p:sp>
+        <p:nvSpPr>
+          <p:cNvPr id="4" name="文本框 3"/>
+          <p:cNvSpPr txBox="1"/>
+          <p:nvPr/>
+        </p:nvSpPr>
+        <p:spPr>
+          <a:xfrm>
+            <a:off x="398834" y="457200"/>
+            <a:ext cx="7081736" cy="923330"/>
+          </a:xfrm>
+          <a:prstGeom prst="rect">
+            <a:avLst/>
+          </a:prstGeom>
+          <a:noFill/>
+        </p:spPr>
+        <p:txBody>
+          <a:bodyPr wrap="square" rtlCol="0">
+            <a:spAutoFit/>
+          </a:bodyPr>
+          <a:lstStyle/>
+          <a:p>
+            <a:r>
+              <a:rPr lang="zh-CN" altLang="en-US" sz="5400" dirty="0">
+                <a:latin typeface="Times New Roman" panose="02020603050405020304" pitchFamily="18" charset="0"/>
+                <a:ea typeface="楷体" panose="02010609060101010101" pitchFamily="49" charset="-122"/>
+              </a:rPr>
+              <a:t>应用</a:t>
+            </a:r>
+          </a:p>
+        </p:txBody>
+      </p:sp>
+      <p:sp>
+        <p:nvSpPr>
+          <p:cNvPr id="5" name="文本框 4"/>
+          <p:cNvSpPr txBox="1"/>
+          <p:nvPr/>
+        </p:nvSpPr>
+        <p:spPr>
+          <a:xfrm>
+            <a:off x="593558" y="1812758"/>
+            <a:ext cx="10184689" cy="3108543"/>
+          </a:xfrm>
+          <a:prstGeom prst="rect">
+            <a:avLst/>
+          </a:prstGeom>
+          <a:noFill/>
+        </p:spPr>
+        <p:txBody>
+          <a:bodyPr wrap="square" rtlCol="0">
+            <a:spAutoFit/>
+          </a:bodyPr>
+          <a:lstStyle/>
+          <a:p>
+            <a:pPr marL="285750" indent="-285750">
+              <a:buFont typeface="Wingdings" panose="05000000000000000000" pitchFamily="2" charset="2"/>
+              <a:buChar char="ü"/>
+            </a:pPr>
+            <a:r>
+              <a:rPr lang="zh-CN" altLang="en-US" sz="2800" dirty="0" smtClean="0">
+                <a:latin typeface="Times New Roman" panose="02020603050405020304" pitchFamily="18" charset="0"/>
+                <a:ea typeface="楷体" panose="02010609060101010101" pitchFamily="49" charset="-122"/>
+              </a:rPr>
+              <a:t>链接预测：构建大规模知识图谱，需要不断补充实体间的关系，利用翻译模型，可以预测两个实体的关系，进行知识图谱的补全</a:t>
+            </a:r>
+            <a:endParaRPr lang="en-US" altLang="zh-CN" sz="2800" dirty="0" smtClean="0">
+              <a:latin typeface="Times New Roman" panose="02020603050405020304" pitchFamily="18" charset="0"/>
+              <a:ea typeface="楷体" panose="02010609060101010101" pitchFamily="49" charset="-122"/>
+            </a:endParaRPr>
+          </a:p>
+          <a:p>
+            <a:pPr marL="285750" indent="-285750">
+              <a:buFont typeface="Wingdings" panose="05000000000000000000" pitchFamily="2" charset="2"/>
+              <a:buChar char="ü"/>
+            </a:pPr>
+            <a:endParaRPr lang="en-US" altLang="zh-CN" sz="2800" dirty="0">
+              <a:latin typeface="Times New Roman" panose="02020603050405020304" pitchFamily="18" charset="0"/>
+              <a:ea typeface="楷体" panose="02010609060101010101" pitchFamily="49" charset="-122"/>
+            </a:endParaRPr>
+          </a:p>
+          <a:p>
+            <a:pPr marL="285750" indent="-285750">
+              <a:buFont typeface="Wingdings" panose="05000000000000000000" pitchFamily="2" charset="2"/>
+              <a:buChar char="ü"/>
+            </a:pPr>
+            <a:r>
+              <a:rPr lang="zh-CN" altLang="en-US" sz="2800" dirty="0" smtClean="0">
+                <a:latin typeface="Times New Roman" panose="02020603050405020304" pitchFamily="18" charset="0"/>
+                <a:ea typeface="楷体" panose="02010609060101010101" pitchFamily="49" charset="-122"/>
+              </a:rPr>
+              <a:t>相似度计算：利用实体的分布式表示，可以快速计算实体间的语义相似度。对于自然语言处理和信息检索的很多任务有重要意义</a:t>
+            </a:r>
+            <a:r>
+              <a:rPr lang="zh-CN" altLang="en-US" dirty="0" smtClean="0"/>
+              <a:t>。</a:t>
+            </a:r>
+            <a:endParaRPr lang="zh-CN" altLang="en-US" dirty="0"/>
+          </a:p>
+        </p:txBody>
+      </p:sp>
+    </p:spTree>
+    <p:extLst>
+      <p:ext uri="{BB962C8B-B14F-4D97-AF65-F5344CB8AC3E}">
+        <p14:creationId xmlns:p14="http://schemas.microsoft.com/office/powerpoint/2010/main" val="1334923833"/>
+      </p:ext>
+    </p:extLst>
+  </p:cSld>
+  <p:clrMapOvr>
+    <a:masterClrMapping/>
+  </p:clrMapOvr>
+  <p:timing>
+    <p:tnLst>
+      <p:par>
+        <p:cTn id="1" dur="indefinite" restart="never" nodeType="tmRoot"/>
+      </p:par>
+    </p:tnLst>
+  </p:timing>
+</p:sld>
+</file>
+
+<file path=ppt/slides/slide13.xml><?xml version="1.0" encoding="utf-8"?>
+<p:sld xmlns:a="http://schemas.openxmlformats.org/drawingml/2006/main" xmlns:r="http://schemas.openxmlformats.org/officeDocument/2006/relationships" xmlns:p="http://schemas.openxmlformats.org/presentationml/2006/main">
+  <p:cSld>
+    <p:spTree>
+      <p:nvGrpSpPr>
+        <p:cNvPr id="1" name=""/>
+        <p:cNvGrpSpPr/>
+        <p:nvPr/>
+      </p:nvGrpSpPr>
+      <p:grpSpPr>
+        <a:xfrm>
+          <a:off x="0" y="0"/>
+          <a:ext cx="0" cy="0"/>
+          <a:chOff x="0" y="0"/>
+          <a:chExt cx="0" cy="0"/>
+        </a:xfrm>
+      </p:grpSpPr>
+      <p:pic>
+        <p:nvPicPr>
+          <p:cNvPr id="4" name="图片 3"/>
+          <p:cNvPicPr>
+            <a:picLocks noChangeAspect="1"/>
+          </p:cNvPicPr>
+          <p:nvPr/>
+        </p:nvPicPr>
+        <p:blipFill>
+          <a:blip r:embed="rId3">
+            <a:extLst>
+              <a:ext uri="{28A0092B-C50C-407E-A947-70E740481C1C}">
+                <a14:useLocalDpi xmlns:a14="http://schemas.microsoft.com/office/drawing/2010/main" val="0"/>
+              </a:ext>
+            </a:extLst>
+          </a:blip>
+          <a:stretch>
+            <a:fillRect/>
+          </a:stretch>
+        </p:blipFill>
+        <p:spPr>
+          <a:xfrm>
+            <a:off x="438973" y="1580976"/>
+            <a:ext cx="11623325" cy="2893746"/>
+          </a:xfrm>
+          <a:prstGeom prst="rect">
+            <a:avLst/>
+          </a:prstGeom>
+        </p:spPr>
+      </p:pic>
+      <p:sp>
+        <p:nvSpPr>
+          <p:cNvPr id="5" name="文本框 4"/>
+          <p:cNvSpPr txBox="1"/>
+          <p:nvPr/>
+        </p:nvSpPr>
+        <p:spPr>
+          <a:xfrm>
+            <a:off x="291830" y="515566"/>
+            <a:ext cx="4163438" cy="923330"/>
+          </a:xfrm>
+          <a:prstGeom prst="rect">
+            <a:avLst/>
+          </a:prstGeom>
+          <a:noFill/>
+        </p:spPr>
+        <p:txBody>
+          <a:bodyPr wrap="square" rtlCol="0">
+            <a:spAutoFit/>
+          </a:bodyPr>
+          <a:lstStyle/>
+          <a:p>
+            <a:r>
+              <a:rPr lang="zh-CN" altLang="en-US" sz="5400" dirty="0" smtClean="0">
+                <a:latin typeface="Times New Roman" panose="02020603050405020304" pitchFamily="18" charset="0"/>
+                <a:ea typeface="楷体" panose="02010609060101010101" pitchFamily="49" charset="-122"/>
+              </a:rPr>
+              <a:t>存在问题</a:t>
+            </a:r>
+            <a:endParaRPr lang="zh-CN" altLang="en-US" sz="5400" dirty="0">
+              <a:latin typeface="Times New Roman" panose="02020603050405020304" pitchFamily="18" charset="0"/>
+              <a:ea typeface="楷体" panose="02010609060101010101" pitchFamily="49" charset="-122"/>
+            </a:endParaRPr>
+          </a:p>
+        </p:txBody>
+      </p:sp>
+      <p:sp>
+        <p:nvSpPr>
+          <p:cNvPr id="6" name="文本框 5"/>
+          <p:cNvSpPr txBox="1"/>
+          <p:nvPr/>
+        </p:nvSpPr>
+        <p:spPr>
+          <a:xfrm>
+            <a:off x="438973" y="4844375"/>
+            <a:ext cx="7305472" cy="1077218"/>
+          </a:xfrm>
+          <a:prstGeom prst="rect">
+            <a:avLst/>
+          </a:prstGeom>
+          <a:noFill/>
+        </p:spPr>
+        <p:txBody>
+          <a:bodyPr wrap="square" rtlCol="0">
+            <a:spAutoFit/>
+          </a:bodyPr>
+          <a:lstStyle/>
+          <a:p>
+            <a:r>
+              <a:rPr lang="en-US" altLang="zh-CN" sz="3200" dirty="0" smtClean="0">
+                <a:solidFill>
+                  <a:srgbClr val="FF0000"/>
+                </a:solidFill>
+                <a:ea typeface="楷体" panose="02010609060101010101" pitchFamily="49" charset="-122"/>
+              </a:rPr>
+              <a:t>N </a:t>
+            </a:r>
+            <a:r>
+              <a:rPr lang="zh-CN" altLang="en-US" sz="3200" dirty="0" smtClean="0">
+                <a:solidFill>
+                  <a:srgbClr val="FF0000"/>
+                </a:solidFill>
+                <a:ea typeface="楷体" panose="02010609060101010101" pitchFamily="49" charset="-122"/>
+              </a:rPr>
+              <a:t>对</a:t>
+            </a:r>
+            <a:r>
+              <a:rPr lang="en-US" altLang="zh-CN" sz="3200" dirty="0" smtClean="0">
+                <a:solidFill>
+                  <a:srgbClr val="FF0000"/>
+                </a:solidFill>
+                <a:ea typeface="楷体" panose="02010609060101010101" pitchFamily="49" charset="-122"/>
+              </a:rPr>
+              <a:t> 1 </a:t>
+            </a:r>
+            <a:r>
+              <a:rPr lang="zh-CN" altLang="en-US" sz="3200" dirty="0" smtClean="0">
+                <a:solidFill>
+                  <a:srgbClr val="FF0000"/>
+                </a:solidFill>
+                <a:ea typeface="楷体" panose="02010609060101010101" pitchFamily="49" charset="-122"/>
+              </a:rPr>
+              <a:t>的关系，预测头部准确率极低</a:t>
+            </a:r>
+            <a:endParaRPr lang="en-US" altLang="zh-CN" sz="3200" dirty="0" smtClean="0">
+              <a:solidFill>
+                <a:srgbClr val="FF0000"/>
+              </a:solidFill>
+              <a:ea typeface="楷体" panose="02010609060101010101" pitchFamily="49" charset="-122"/>
+            </a:endParaRPr>
+          </a:p>
+          <a:p>
+            <a:r>
+              <a:rPr lang="en-US" altLang="zh-CN" sz="3200" dirty="0" smtClean="0">
+                <a:solidFill>
+                  <a:srgbClr val="FF0000"/>
+                </a:solidFill>
+                <a:ea typeface="楷体" panose="02010609060101010101" pitchFamily="49" charset="-122"/>
+              </a:rPr>
+              <a:t>1 </a:t>
+            </a:r>
+            <a:r>
+              <a:rPr lang="zh-CN" altLang="en-US" sz="3200" dirty="0" smtClean="0">
+                <a:solidFill>
+                  <a:srgbClr val="FF0000"/>
+                </a:solidFill>
+                <a:ea typeface="楷体" panose="02010609060101010101" pitchFamily="49" charset="-122"/>
+              </a:rPr>
+              <a:t>对 </a:t>
+            </a:r>
+            <a:r>
+              <a:rPr lang="en-US" altLang="zh-CN" sz="3200" dirty="0" smtClean="0">
+                <a:solidFill>
+                  <a:srgbClr val="FF0000"/>
+                </a:solidFill>
+                <a:ea typeface="楷体" panose="02010609060101010101" pitchFamily="49" charset="-122"/>
+              </a:rPr>
+              <a:t>N </a:t>
+            </a:r>
+            <a:r>
+              <a:rPr lang="zh-CN" altLang="en-US" sz="3200" dirty="0" smtClean="0">
+                <a:solidFill>
+                  <a:srgbClr val="FF0000"/>
+                </a:solidFill>
+                <a:ea typeface="楷体" panose="02010609060101010101" pitchFamily="49" charset="-122"/>
+              </a:rPr>
+              <a:t>的关系，预测尾部准确率极低</a:t>
+            </a:r>
+            <a:endParaRPr lang="zh-CN" altLang="en-US" sz="3200" dirty="0">
+              <a:solidFill>
+                <a:srgbClr val="FF0000"/>
+              </a:solidFill>
+              <a:ea typeface="楷体" panose="02010609060101010101" pitchFamily="49" charset="-122"/>
+            </a:endParaRPr>
+          </a:p>
+        </p:txBody>
+      </p:sp>
+    </p:spTree>
+    <p:extLst>
+      <p:ext uri="{BB962C8B-B14F-4D97-AF65-F5344CB8AC3E}">
+        <p14:creationId xmlns:p14="http://schemas.microsoft.com/office/powerpoint/2010/main" val="1997302540"/>
+      </p:ext>
+    </p:extLst>
+  </p:cSld>
+  <p:clrMapOvr>
+    <a:masterClrMapping/>
+  </p:clrMapOvr>
+  <p:timing>
+    <p:tnLst>
+      <p:par>
+        <p:cTn id="1" dur="indefinite" restart="never" nodeType="tmRoot"/>
+      </p:par>
+    </p:tnLst>
+  </p:timing>
+</p:sld>
+</file>
+
+<file path=ppt/slides/slide14.xml><?xml version="1.0" encoding="utf-8"?>
+<p:sld xmlns:a="http://schemas.openxmlformats.org/drawingml/2006/main" xmlns:r="http://schemas.openxmlformats.org/officeDocument/2006/relationships" xmlns:p="http://schemas.openxmlformats.org/presentationml/2006/main">
+  <p:cSld>
+    <p:spTree>
+      <p:nvGrpSpPr>
+        <p:cNvPr id="1" name=""/>
+        <p:cNvGrpSpPr/>
+        <p:nvPr/>
+      </p:nvGrpSpPr>
+      <p:grpSpPr>
+        <a:xfrm>
+          <a:off x="0" y="0"/>
+          <a:ext cx="0" cy="0"/>
+          <a:chOff x="0" y="0"/>
+          <a:chExt cx="0" cy="0"/>
+        </a:xfrm>
+      </p:grpSpPr>
+      <p:sp>
+        <p:nvSpPr>
+          <p:cNvPr id="2" name="标题 1"/>
+          <p:cNvSpPr>
+            <a:spLocks noGrp="1"/>
+          </p:cNvSpPr>
+          <p:nvPr>
+            <p:ph type="title"/>
+          </p:nvPr>
+        </p:nvSpPr>
+        <p:spPr/>
+        <p:txBody>
+          <a:bodyPr/>
+          <a:lstStyle/>
+          <a:p>
+            <a:r>
+              <a:rPr lang="en-US" altLang="zh-CN" dirty="0" err="1" smtClean="0"/>
+              <a:t>TransH</a:t>
+            </a:r>
+            <a:r>
+              <a:rPr lang="zh-CN" altLang="en-US" dirty="0" smtClean="0"/>
+              <a:t>模型</a:t>
+            </a:r>
+            <a:endParaRPr lang="zh-CN" altLang="en-US" dirty="0"/>
+          </a:p>
+        </p:txBody>
+      </p:sp>
+      <p:pic>
+        <p:nvPicPr>
+          <p:cNvPr id="4" name="内容占位符 3"/>
+          <p:cNvPicPr>
+            <a:picLocks noGrp="1" noChangeAspect="1"/>
+          </p:cNvPicPr>
+          <p:nvPr>
+            <p:ph idx="1"/>
+          </p:nvPr>
+        </p:nvPicPr>
+        <p:blipFill>
+          <a:blip r:embed="rId3">
+            <a:extLst>
+              <a:ext uri="{28A0092B-C50C-407E-A947-70E740481C1C}">
+                <a14:useLocalDpi xmlns:a14="http://schemas.microsoft.com/office/drawing/2010/main" val="0"/>
+              </a:ext>
+            </a:extLst>
+          </a:blip>
+          <a:stretch>
+            <a:fillRect/>
+          </a:stretch>
+        </p:blipFill>
+        <p:spPr>
+          <a:xfrm>
+            <a:off x="6481562" y="2127454"/>
+            <a:ext cx="5517382" cy="4351338"/>
+          </a:xfrm>
+        </p:spPr>
+      </p:pic>
+      <p:sp>
+        <p:nvSpPr>
+          <p:cNvPr id="5" name="文本框 4"/>
+          <p:cNvSpPr txBox="1"/>
+          <p:nvPr/>
+        </p:nvSpPr>
+        <p:spPr>
+          <a:xfrm>
+            <a:off x="838200" y="1835067"/>
+            <a:ext cx="7150768" cy="584775"/>
+          </a:xfrm>
+          <a:prstGeom prst="rect">
+            <a:avLst/>
+          </a:prstGeom>
+          <a:noFill/>
+        </p:spPr>
+        <p:txBody>
+          <a:bodyPr wrap="square" rtlCol="0">
+            <a:spAutoFit/>
+          </a:bodyPr>
+          <a:lstStyle/>
+          <a:p>
+            <a:r>
+              <a:rPr lang="zh-CN" altLang="en-US" sz="3200" dirty="0" smtClean="0">
+                <a:latin typeface="Times New Roman" panose="02020603050405020304" pitchFamily="18" charset="0"/>
+                <a:ea typeface="楷体" panose="02010609060101010101" pitchFamily="49" charset="-122"/>
+              </a:rPr>
+              <a:t>一个实体在不同关系下有不同的表示</a:t>
+            </a:r>
+            <a:endParaRPr lang="zh-CN" altLang="en-US" sz="3200" dirty="0">
+              <a:latin typeface="Times New Roman" panose="02020603050405020304" pitchFamily="18" charset="0"/>
+              <a:ea typeface="楷体" panose="02010609060101010101" pitchFamily="49" charset="-122"/>
+            </a:endParaRPr>
+          </a:p>
+        </p:txBody>
+      </p:sp>
+      <p:pic>
+        <p:nvPicPr>
+          <p:cNvPr id="6" name="图片 5"/>
+          <p:cNvPicPr>
+            <a:picLocks noChangeAspect="1"/>
+          </p:cNvPicPr>
+          <p:nvPr/>
+        </p:nvPicPr>
+        <p:blipFill>
+          <a:blip r:embed="rId4">
+            <a:extLst>
+              <a:ext uri="{28A0092B-C50C-407E-A947-70E740481C1C}">
+                <a14:useLocalDpi xmlns:a14="http://schemas.microsoft.com/office/drawing/2010/main" val="0"/>
+              </a:ext>
+            </a:extLst>
+          </a:blip>
+          <a:stretch>
+            <a:fillRect/>
+          </a:stretch>
+        </p:blipFill>
+        <p:spPr>
+          <a:xfrm>
+            <a:off x="537411" y="3175161"/>
+            <a:ext cx="5143946" cy="1493649"/>
+          </a:xfrm>
+          <a:prstGeom prst="rect">
+            <a:avLst/>
+          </a:prstGeom>
+        </p:spPr>
+      </p:pic>
+    </p:spTree>
+    <p:extLst>
+      <p:ext uri="{BB962C8B-B14F-4D97-AF65-F5344CB8AC3E}">
+        <p14:creationId xmlns:p14="http://schemas.microsoft.com/office/powerpoint/2010/main" val="3351772592"/>
+      </p:ext>
+    </p:extLst>
+  </p:cSld>
+  <p:clrMapOvr>
+    <a:masterClrMapping/>
+  </p:clrMapOvr>
+  <p:timing>
+    <p:tnLst>
+      <p:par>
+        <p:cTn id="1" dur="indefinite" restart="never" nodeType="tmRoot"/>
+      </p:par>
+    </p:tnLst>
+  </p:timing>
+</p:sld>
+</file>
+
+<file path=ppt/slides/slide15.xml><?xml version="1.0" encoding="utf-8"?>
+<p:sld xmlns:a="http://schemas.openxmlformats.org/drawingml/2006/main" xmlns:r="http://schemas.openxmlformats.org/officeDocument/2006/relationships" xmlns:p="http://schemas.openxmlformats.org/presentationml/2006/main">
+  <p:cSld>
+    <p:spTree>
+      <p:nvGrpSpPr>
+        <p:cNvPr id="1" name=""/>
+        <p:cNvGrpSpPr/>
+        <p:nvPr/>
+      </p:nvGrpSpPr>
+      <p:grpSpPr>
+        <a:xfrm>
+          <a:off x="0" y="0"/>
+          <a:ext cx="0" cy="0"/>
+          <a:chOff x="0" y="0"/>
+          <a:chExt cx="0" cy="0"/>
+        </a:xfrm>
+      </p:grpSpPr>
+      <p:sp>
+        <p:nvSpPr>
+          <p:cNvPr id="4" name="文本框 3"/>
+          <p:cNvSpPr txBox="1"/>
+          <p:nvPr/>
+        </p:nvSpPr>
+        <p:spPr>
+          <a:xfrm>
+            <a:off x="2602523" y="2559985"/>
+            <a:ext cx="6881446" cy="923330"/>
+          </a:xfrm>
+          <a:prstGeom prst="rect">
+            <a:avLst/>
+          </a:prstGeom>
+          <a:noFill/>
+        </p:spPr>
+        <p:txBody>
+          <a:bodyPr wrap="square" rtlCol="0" anchor="ctr" anchorCtr="1">
+            <a:spAutoFit/>
+          </a:bodyPr>
+          <a:lstStyle/>
+          <a:p>
+            <a:r>
+              <a:rPr lang="en-US" altLang="zh-CN" sz="5400" dirty="0" smtClean="0">
+                <a:latin typeface="Times New Roman" panose="02020603050405020304" pitchFamily="18" charset="0"/>
+              </a:rPr>
+              <a:t>END</a:t>
+            </a:r>
+            <a:endParaRPr lang="zh-CN" altLang="en-US" sz="5400" dirty="0">
+              <a:latin typeface="Times New Roman" panose="02020603050405020304" pitchFamily="18" charset="0"/>
+            </a:endParaRPr>
+          </a:p>
+        </p:txBody>
+      </p:sp>
+    </p:spTree>
+    <p:extLst>
+      <p:ext uri="{BB962C8B-B14F-4D97-AF65-F5344CB8AC3E}">
+        <p14:creationId xmlns:p14="http://schemas.microsoft.com/office/powerpoint/2010/main" val="4155461603"/>
+      </p:ext>
+    </p:extLst>
+  </p:cSld>
+  <p:clrMapOvr>
+    <a:masterClrMapping/>
+  </p:clrMapOvr>
+  <p:timing>
+    <p:tnLst>
+      <p:par>
+        <p:cTn id="1" dur="indefinite" restart="never" nodeType="tmRoot"/>
+      </p:par>
+    </p:tnLst>
+  </p:timing>
+</p:sld>
+</file>
+
 <file path=ppt/slides/slide2.xml><?xml version="1.0" encoding="utf-8"?>
 <p:sld xmlns:a="http://schemas.openxmlformats.org/drawingml/2006/main" xmlns:r="http://schemas.openxmlformats.org/officeDocument/2006/relationships" xmlns:p="http://schemas.openxmlformats.org/presentationml/2006/main">
   <p:cSld>
@@ -4056,11 +5564,7 @@
           <a:p>
             <a:r>
               <a:rPr lang="zh-CN" altLang="en-US" dirty="0" smtClean="0"/>
-              <a:t>将词表示成连续稠密的实值向</a:t>
-            </a:r>
-            <a:r>
-              <a:rPr lang="zh-CN" altLang="en-US" dirty="0" smtClean="0"/>
-              <a:t>量</a:t>
+              <a:t>将词表示成连续稠密的实值向量</a:t>
             </a:r>
             <a:endParaRPr lang="en-US" altLang="zh-CN" dirty="0"/>
           </a:p>
@@ -4844,7 +6348,7 @@
           <a:graphicData uri="http://schemas.openxmlformats.org/presentationml/2006/ole">
             <mc:AlternateContent xmlns:mc="http://schemas.openxmlformats.org/markup-compatibility/2006">
               <mc:Choice xmlns:v="urn:schemas-microsoft-com:vml" Requires="v">
-                <p:oleObj spid="_x0000_s2053" name="Equation" r:id="rId4" imgW="2882880" imgH="203040" progId="Equation.DSMT4">
+                <p:oleObj spid="_x0000_s2062" name="Equation" r:id="rId4" imgW="2882880" imgH="203040" progId="Equation.DSMT4">
                   <p:embed/>
                 </p:oleObj>
               </mc:Choice>
@@ -4981,7 +6485,7 @@
           <a:graphicData uri="http://schemas.openxmlformats.org/presentationml/2006/ole">
             <mc:AlternateContent xmlns:mc="http://schemas.openxmlformats.org/markup-compatibility/2006">
               <mc:Choice xmlns:v="urn:schemas-microsoft-com:vml" Requires="v">
-                <p:oleObj spid="_x0000_s1052" name="Equation" r:id="rId3" imgW="914400" imgH="179640" progId="Equation.DSMT4">
+                <p:oleObj spid="_x0000_s1106" name="Equation" r:id="rId3" imgW="914400" imgH="179640" progId="Equation.DSMT4">
                   <p:embed/>
                 </p:oleObj>
               </mc:Choice>
@@ -5038,7 +6542,7 @@
           <a:graphicData uri="http://schemas.openxmlformats.org/presentationml/2006/ole">
             <mc:AlternateContent xmlns:mc="http://schemas.openxmlformats.org/markup-compatibility/2006">
               <mc:Choice xmlns:v="urn:schemas-microsoft-com:vml" Requires="v">
-                <p:oleObj spid="_x0000_s1053" name="Equation" r:id="rId5" imgW="1752480" imgH="203040" progId="Equation.DSMT4">
+                <p:oleObj spid="_x0000_s1107" name="Equation" r:id="rId5" imgW="1752480" imgH="203040" progId="Equation.DSMT4">
                   <p:embed/>
                 </p:oleObj>
               </mc:Choice>
@@ -5095,7 +6599,7 @@
           <a:graphicData uri="http://schemas.openxmlformats.org/presentationml/2006/ole">
             <mc:AlternateContent xmlns:mc="http://schemas.openxmlformats.org/markup-compatibility/2006">
               <mc:Choice xmlns:v="urn:schemas-microsoft-com:vml" Requires="v">
-                <p:oleObj spid="_x0000_s1054" name="Equation" r:id="rId7" imgW="672840" imgH="203040" progId="Equation.DSMT4">
+                <p:oleObj spid="_x0000_s1108" name="Equation" r:id="rId7" imgW="672840" imgH="203040" progId="Equation.DSMT4">
                   <p:embed/>
                 </p:oleObj>
               </mc:Choice>
@@ -5188,7 +6692,7 @@
           <a:graphicData uri="http://schemas.openxmlformats.org/presentationml/2006/ole">
             <mc:AlternateContent xmlns:mc="http://schemas.openxmlformats.org/markup-compatibility/2006">
               <mc:Choice xmlns:v="urn:schemas-microsoft-com:vml" Requires="v">
-                <p:oleObj spid="_x0000_s1055" name="Equation" r:id="rId9" imgW="1066680" imgH="203040" progId="Equation.DSMT4">
+                <p:oleObj spid="_x0000_s1109" name="Equation" r:id="rId9" imgW="1066680" imgH="203040" progId="Equation.DSMT4">
                   <p:embed/>
                 </p:oleObj>
               </mc:Choice>
@@ -5245,7 +6749,7 @@
           <a:graphicData uri="http://schemas.openxmlformats.org/presentationml/2006/ole">
             <mc:AlternateContent xmlns:mc="http://schemas.openxmlformats.org/markup-compatibility/2006">
               <mc:Choice xmlns:v="urn:schemas-microsoft-com:vml" Requires="v">
-                <p:oleObj spid="_x0000_s1056" name="Equation" r:id="rId11" imgW="1180800" imgH="203040" progId="Equation.DSMT4">
+                <p:oleObj spid="_x0000_s1110" name="Equation" r:id="rId11" imgW="1180800" imgH="203040" progId="Equation.DSMT4">
                   <p:embed/>
                 </p:oleObj>
               </mc:Choice>
@@ -5377,7 +6881,7 @@
           <a:graphicData uri="http://schemas.openxmlformats.org/presentationml/2006/ole">
             <mc:AlternateContent xmlns:mc="http://schemas.openxmlformats.org/markup-compatibility/2006">
               <mc:Choice xmlns:v="urn:schemas-microsoft-com:vml" Requires="v">
-                <p:oleObj spid="_x0000_s1057" name="Equation" r:id="rId13" imgW="457200" imgH="203040" progId="Equation.DSMT4">
+                <p:oleObj spid="_x0000_s1111" name="Equation" r:id="rId13" imgW="457200" imgH="203040" progId="Equation.DSMT4">
                   <p:embed/>
                 </p:oleObj>
               </mc:Choice>
@@ -5471,7 +6975,7 @@
         </p:blipFill>
         <p:spPr>
           <a:xfrm>
-            <a:off x="3723061" y="78659"/>
+            <a:off x="3723061" y="36618"/>
             <a:ext cx="8468939" cy="6636773"/>
           </a:xfrm>
           <a:prstGeom prst="rect">
@@ -5706,6 +7210,90 @@
         </p:nvSpPr>
         <p:spPr/>
         <p:txBody>
+          <a:bodyPr>
+            <a:normAutofit/>
+          </a:bodyPr>
+          <a:lstStyle/>
+          <a:p>
+            <a:r>
+              <a:rPr lang="zh-CN" altLang="en-US" sz="5400" dirty="0" smtClean="0">
+                <a:latin typeface="Times New Roman" panose="02020603050405020304" pitchFamily="18" charset="0"/>
+                <a:ea typeface="楷体" panose="02010609060101010101" pitchFamily="49" charset="-122"/>
+              </a:rPr>
+              <a:t>知识表示学习</a:t>
+            </a:r>
+            <a:endParaRPr lang="zh-CN" altLang="en-US" sz="5400" dirty="0">
+              <a:latin typeface="Times New Roman" panose="02020603050405020304" pitchFamily="18" charset="0"/>
+              <a:ea typeface="楷体" panose="02010609060101010101" pitchFamily="49" charset="-122"/>
+            </a:endParaRPr>
+          </a:p>
+        </p:txBody>
+      </p:sp>
+      <p:sp>
+        <p:nvSpPr>
+          <p:cNvPr id="3" name="内容占位符 2"/>
+          <p:cNvSpPr>
+            <a:spLocks noGrp="1"/>
+          </p:cNvSpPr>
+          <p:nvPr>
+            <p:ph idx="1"/>
+          </p:nvPr>
+        </p:nvSpPr>
+        <p:spPr/>
+        <p:txBody>
+          <a:bodyPr/>
+          <a:lstStyle/>
+          <a:p>
+            <a:r>
+              <a:rPr lang="zh-CN" altLang="en-US" dirty="0" smtClean="0"/>
+              <a:t>将知识库中的实体，关系表示为连续稠密的实值向量</a:t>
+            </a:r>
+            <a:endParaRPr lang="zh-CN" altLang="en-US" dirty="0"/>
+          </a:p>
+        </p:txBody>
+      </p:sp>
+    </p:spTree>
+    <p:extLst>
+      <p:ext uri="{BB962C8B-B14F-4D97-AF65-F5344CB8AC3E}">
+        <p14:creationId xmlns:p14="http://schemas.microsoft.com/office/powerpoint/2010/main" val="973740597"/>
+      </p:ext>
+    </p:extLst>
+  </p:cSld>
+  <p:clrMapOvr>
+    <a:masterClrMapping/>
+  </p:clrMapOvr>
+</p:sld>
+</file>
+
+<file path=ppt/slides/slide9.xml><?xml version="1.0" encoding="utf-8"?>
+<p:sld xmlns:a="http://schemas.openxmlformats.org/drawingml/2006/main" xmlns:r="http://schemas.openxmlformats.org/officeDocument/2006/relationships" xmlns:p="http://schemas.openxmlformats.org/presentationml/2006/main">
+  <p:cSld>
+    <p:spTree>
+      <p:nvGrpSpPr>
+        <p:cNvPr id="1" name=""/>
+        <p:cNvGrpSpPr/>
+        <p:nvPr/>
+      </p:nvGrpSpPr>
+      <p:grpSpPr>
+        <a:xfrm>
+          <a:off x="0" y="0"/>
+          <a:ext cx="0" cy="0"/>
+          <a:chOff x="0" y="0"/>
+          <a:chExt cx="0" cy="0"/>
+        </a:xfrm>
+      </p:grpSpPr>
+      <p:sp>
+        <p:nvSpPr>
+          <p:cNvPr id="2" name="标题 1"/>
+          <p:cNvSpPr>
+            <a:spLocks noGrp="1"/>
+          </p:cNvSpPr>
+          <p:nvPr>
+            <p:ph type="title"/>
+          </p:nvPr>
+        </p:nvSpPr>
+        <p:spPr/>
+        <p:txBody>
           <a:bodyPr/>
           <a:lstStyle/>
           <a:p>
@@ -5752,7 +7340,7 @@
           <a:graphicData uri="http://schemas.openxmlformats.org/presentationml/2006/ole">
             <mc:AlternateContent xmlns:mc="http://schemas.openxmlformats.org/markup-compatibility/2006">
               <mc:Choice xmlns:v="urn:schemas-microsoft-com:vml" Requires="v">
-                <p:oleObj spid="_x0000_s3081" name="Equation" r:id="rId4" imgW="2882880" imgH="203040" progId="Equation.DSMT4">
+                <p:oleObj spid="_x0000_s3099" name="Equation" r:id="rId4" imgW="2882880" imgH="203040" progId="Equation.DSMT4">
                   <p:embed/>
                 </p:oleObj>
               </mc:Choice>
@@ -5796,20 +7384,20 @@
           <p:nvPr>
             <p:extLst>
               <p:ext uri="{D42A27DB-BD31-4B8C-83A1-F6EECF244321}">
-                <p14:modId xmlns:p14="http://schemas.microsoft.com/office/powerpoint/2010/main" val="1609353706"/>
+                <p14:modId xmlns:p14="http://schemas.microsoft.com/office/powerpoint/2010/main" val="228435927"/>
               </p:ext>
             </p:extLst>
           </p:nvPr>
         </p:nvGraphicFramePr>
         <p:xfrm>
-          <a:off x="838200" y="3228872"/>
+          <a:off x="838200" y="3160294"/>
           <a:ext cx="3153697" cy="482600"/>
         </p:xfrm>
         <a:graphic>
           <a:graphicData uri="http://schemas.openxmlformats.org/presentationml/2006/ole">
             <mc:AlternateContent xmlns:mc="http://schemas.openxmlformats.org/markup-compatibility/2006">
               <mc:Choice xmlns:v="urn:schemas-microsoft-com:vml" Requires="v">
-                <p:oleObj spid="_x0000_s3082" name="Equation" r:id="rId6" imgW="1155600" imgH="203040" progId="Equation.DSMT4">
+                <p:oleObj spid="_x0000_s3100" name="Equation" r:id="rId6" imgW="1155600" imgH="203040" progId="Equation.DSMT4">
                   <p:embed/>
                 </p:oleObj>
               </mc:Choice>
@@ -5830,7 +7418,7 @@
                     </p:blipFill>
                     <p:spPr>
                       <a:xfrm>
-                        <a:off x="838200" y="3228872"/>
+                        <a:off x="838200" y="3160294"/>
                         <a:ext cx="3153697" cy="482600"/>
                       </a:xfrm>
                       <a:prstGeom prst="rect">
@@ -5987,81 +7575,6 @@
     <p:extLst>
       <p:ext uri="{BB962C8B-B14F-4D97-AF65-F5344CB8AC3E}">
         <p14:creationId xmlns:p14="http://schemas.microsoft.com/office/powerpoint/2010/main" val="1043587509"/>
-      </p:ext>
-    </p:extLst>
-  </p:cSld>
-  <p:clrMapOvr>
-    <a:masterClrMapping/>
-  </p:clrMapOvr>
-  <p:timing>
-    <p:tnLst>
-      <p:par>
-        <p:cTn id="1" dur="indefinite" restart="never" nodeType="tmRoot"/>
-      </p:par>
-    </p:tnLst>
-  </p:timing>
-</p:sld>
-</file>
-
-<file path=ppt/slides/slide9.xml><?xml version="1.0" encoding="utf-8"?>
-<p:sld xmlns:a="http://schemas.openxmlformats.org/drawingml/2006/main" xmlns:r="http://schemas.openxmlformats.org/officeDocument/2006/relationships" xmlns:p="http://schemas.openxmlformats.org/presentationml/2006/main">
-  <p:cSld>
-    <p:spTree>
-      <p:nvGrpSpPr>
-        <p:cNvPr id="1" name=""/>
-        <p:cNvGrpSpPr/>
-        <p:nvPr/>
-      </p:nvGrpSpPr>
-      <p:grpSpPr>
-        <a:xfrm>
-          <a:off x="0" y="0"/>
-          <a:ext cx="0" cy="0"/>
-          <a:chOff x="0" y="0"/>
-          <a:chExt cx="0" cy="0"/>
-        </a:xfrm>
-      </p:grpSpPr>
-      <p:sp>
-        <p:nvSpPr>
-          <p:cNvPr id="2" name="标题 1"/>
-          <p:cNvSpPr>
-            <a:spLocks noGrp="1"/>
-          </p:cNvSpPr>
-          <p:nvPr>
-            <p:ph type="title"/>
-          </p:nvPr>
-        </p:nvSpPr>
-        <p:spPr/>
-        <p:txBody>
-          <a:bodyPr/>
-          <a:lstStyle/>
-          <a:p>
-            <a:endParaRPr lang="zh-CN" altLang="en-US" dirty="0"/>
-          </a:p>
-        </p:txBody>
-      </p:sp>
-      <p:sp>
-        <p:nvSpPr>
-          <p:cNvPr id="3" name="内容占位符 2"/>
-          <p:cNvSpPr>
-            <a:spLocks noGrp="1"/>
-          </p:cNvSpPr>
-          <p:nvPr>
-            <p:ph idx="1"/>
-          </p:nvPr>
-        </p:nvSpPr>
-        <p:spPr/>
-        <p:txBody>
-          <a:bodyPr/>
-          <a:lstStyle/>
-          <a:p>
-            <a:endParaRPr lang="zh-CN" altLang="en-US"/>
-          </a:p>
-        </p:txBody>
-      </p:sp>
-    </p:spTree>
-    <p:extLst>
-      <p:ext uri="{BB962C8B-B14F-4D97-AF65-F5344CB8AC3E}">
-        <p14:creationId xmlns:p14="http://schemas.microsoft.com/office/powerpoint/2010/main" val="3437377445"/>
       </p:ext>
     </p:extLst>
   </p:cSld>

--- a/知识表示学习/知识表示学习.pptx
+++ b/知识表示学习/知识表示学习.pptx
@@ -211,7 +211,7 @@
           <a:p>
             <a:fld id="{628B8EAE-F76C-4DB1-B1A5-6FBE2387D0BF}" type="datetimeFigureOut">
               <a:rPr lang="zh-CN" altLang="en-US" smtClean="0"/>
-              <a:t>2018/12/2</a:t>
+              <a:t>2018/12/3</a:t>
             </a:fld>
             <a:endParaRPr lang="zh-CN" altLang="en-US"/>
           </a:p>
@@ -525,7 +525,21 @@
           <a:p>
             <a:r>
               <a:rPr lang="zh-CN" altLang="en-US" dirty="0" smtClean="0"/>
-              <a:t>机器学习算法的性能依赖于原始数据的表示。 学习一个好的数据表示，可以提高算法的性能。</a:t>
+              <a:t>机器学习算法的性能依赖于原始数据的表示。 学习一个好的数据表示，可以提高算法的性能</a:t>
+            </a:r>
+            <a:r>
+              <a:rPr lang="zh-CN" altLang="en-US" dirty="0" smtClean="0"/>
+              <a:t>。</a:t>
+            </a:r>
+            <a:endParaRPr lang="en-US" altLang="zh-CN" dirty="0" smtClean="0"/>
+          </a:p>
+          <a:p>
+            <a:endParaRPr lang="en-US" altLang="zh-CN" dirty="0" smtClean="0"/>
+          </a:p>
+          <a:p>
+            <a:r>
+              <a:rPr lang="zh-CN" altLang="en-US" dirty="0" smtClean="0"/>
+              <a:t>自动编码器，学习数据的降维表示。</a:t>
             </a:r>
             <a:endParaRPr lang="en-US" altLang="zh-CN" dirty="0" smtClean="0"/>
           </a:p>
@@ -543,7 +557,7 @@
             </a:r>
             <a:r>
               <a:rPr lang="zh-CN" altLang="en-US" dirty="0" smtClean="0"/>
-              <a:t>权重来表示词，现在使用词向量表示词，有效减少了文本分类算法的误分率。</a:t>
+              <a:t>权重来表示词，现在使用深度学习算法学习词的向量表示，有效减少了文本分类算法的误分率。</a:t>
             </a:r>
             <a:endParaRPr lang="en-US" altLang="zh-CN" dirty="0" smtClean="0"/>
           </a:p>
@@ -553,11 +567,7 @@
           <a:p>
             <a:r>
               <a:rPr lang="zh-CN" altLang="en-US" dirty="0" smtClean="0"/>
-              <a:t>学习</a:t>
-            </a:r>
-            <a:r>
-              <a:rPr lang="zh-CN" altLang="en-US" dirty="0" smtClean="0"/>
-              <a:t>的就是一个先验知识</a:t>
+              <a:t>学习的就是一个先验知识</a:t>
             </a:r>
             <a:endParaRPr lang="zh-CN" altLang="en-US" dirty="0"/>
           </a:p>
@@ -590,6 +600,213 @@
     <p:extLst>
       <p:ext uri="{BB962C8B-B14F-4D97-AF65-F5344CB8AC3E}">
         <p14:creationId xmlns:p14="http://schemas.microsoft.com/office/powerpoint/2010/main" val="3587249418"/>
+      </p:ext>
+    </p:extLst>
+  </p:cSld>
+  <p:clrMapOvr>
+    <a:masterClrMapping/>
+  </p:clrMapOvr>
+</p:notes>
+</file>
+
+<file path=ppt/notesSlides/notesSlide10.xml><?xml version="1.0" encoding="utf-8"?>
+<p:notes xmlns:a="http://schemas.openxmlformats.org/drawingml/2006/main" xmlns:r="http://schemas.openxmlformats.org/officeDocument/2006/relationships" xmlns:p="http://schemas.openxmlformats.org/presentationml/2006/main">
+  <p:cSld>
+    <p:spTree>
+      <p:nvGrpSpPr>
+        <p:cNvPr id="1" name=""/>
+        <p:cNvGrpSpPr/>
+        <p:nvPr/>
+      </p:nvGrpSpPr>
+      <p:grpSpPr>
+        <a:xfrm>
+          <a:off x="0" y="0"/>
+          <a:ext cx="0" cy="0"/>
+          <a:chOff x="0" y="0"/>
+          <a:chExt cx="0" cy="0"/>
+        </a:xfrm>
+      </p:grpSpPr>
+      <p:sp>
+        <p:nvSpPr>
+          <p:cNvPr id="2" name="幻灯片图像占位符 1"/>
+          <p:cNvSpPr>
+            <a:spLocks noGrp="1" noRot="1" noChangeAspect="1"/>
+          </p:cNvSpPr>
+          <p:nvPr>
+            <p:ph type="sldImg"/>
+          </p:nvPr>
+        </p:nvSpPr>
+        <p:spPr/>
+      </p:sp>
+      <p:sp>
+        <p:nvSpPr>
+          <p:cNvPr id="3" name="备注占位符 2"/>
+          <p:cNvSpPr>
+            <a:spLocks noGrp="1"/>
+          </p:cNvSpPr>
+          <p:nvPr>
+            <p:ph type="body" idx="1"/>
+          </p:nvPr>
+        </p:nvSpPr>
+        <p:spPr/>
+        <p:txBody>
+          <a:bodyPr/>
+          <a:lstStyle/>
+          <a:p>
+            <a:r>
+              <a:rPr lang="zh-CN" altLang="en-US" dirty="0" smtClean="0"/>
+              <a:t>在</a:t>
+            </a:r>
+            <a:r>
+              <a:rPr lang="en-US" altLang="zh-CN" dirty="0" err="1" smtClean="0"/>
+              <a:t>TransE</a:t>
+            </a:r>
+            <a:r>
+              <a:rPr lang="zh-CN" altLang="en-US" dirty="0" smtClean="0"/>
+              <a:t>模型中，实体在不同的关系下的表示相同。这是有缺陷的。比如奥巴马在总统这个关系下和布什，含义相同。</a:t>
+            </a:r>
+            <a:r>
+              <a:rPr lang="zh-CN" altLang="en-US" baseline="0" dirty="0" smtClean="0"/>
+              <a:t> </a:t>
+            </a:r>
+            <a:endParaRPr lang="en-US" altLang="zh-CN" baseline="0" dirty="0" smtClean="0"/>
+          </a:p>
+          <a:p>
+            <a:endParaRPr lang="en-US" altLang="zh-CN" baseline="0" dirty="0" smtClean="0"/>
+          </a:p>
+          <a:p>
+            <a:r>
+              <a:rPr lang="zh-CN" altLang="en-US" baseline="0" dirty="0" smtClean="0"/>
+              <a:t>但是在大部分别的关系下，奥巴马 布什 这两个实体含义 是不同的。</a:t>
+            </a:r>
+            <a:endParaRPr lang="en-US" altLang="zh-CN" baseline="0" dirty="0" smtClean="0"/>
+          </a:p>
+          <a:p>
+            <a:endParaRPr lang="en-US" altLang="zh-CN" baseline="0" dirty="0" smtClean="0"/>
+          </a:p>
+          <a:p>
+            <a:r>
+              <a:rPr lang="zh-CN" altLang="en-US" baseline="0" dirty="0" smtClean="0"/>
+              <a:t>词的表示也存在相同的问题， 词在不同的语境中，可能存在不同的语义。</a:t>
+            </a:r>
+            <a:endParaRPr lang="en-US" altLang="zh-CN" baseline="0" dirty="0" smtClean="0"/>
+          </a:p>
+          <a:p>
+            <a:endParaRPr lang="en-US" altLang="zh-CN" baseline="0" dirty="0" smtClean="0"/>
+          </a:p>
+          <a:p>
+            <a:r>
+              <a:rPr lang="en-US" altLang="zh-CN" baseline="0" dirty="0" err="1" smtClean="0"/>
+              <a:t>TransH</a:t>
+            </a:r>
+            <a:r>
+              <a:rPr lang="zh-CN" altLang="en-US" baseline="0" dirty="0" smtClean="0"/>
+              <a:t>模型是</a:t>
+            </a:r>
+            <a:r>
+              <a:rPr lang="en-US" altLang="zh-CN" baseline="0" dirty="0" err="1" smtClean="0"/>
+              <a:t>TransE</a:t>
+            </a:r>
+            <a:r>
+              <a:rPr lang="zh-CN" altLang="en-US" baseline="0" dirty="0" smtClean="0"/>
+              <a:t>模型改进， 认为一个实体在不同关系下有不同的表示。</a:t>
+            </a:r>
+            <a:endParaRPr lang="en-US" altLang="zh-CN" dirty="0" smtClean="0"/>
+          </a:p>
+          <a:p>
+            <a:endParaRPr lang="en-US" altLang="zh-CN" dirty="0" smtClean="0"/>
+          </a:p>
+          <a:p>
+            <a:r>
+              <a:rPr lang="zh-CN" altLang="en-US" dirty="0" smtClean="0"/>
+              <a:t>头实体向量</a:t>
+            </a:r>
+            <a:r>
+              <a:rPr lang="en-US" altLang="zh-CN" dirty="0" err="1" smtClean="0"/>
+              <a:t>lh</a:t>
+            </a:r>
+            <a:r>
+              <a:rPr lang="zh-CN" altLang="en-US" dirty="0" smtClean="0"/>
+              <a:t>和尾实体向量</a:t>
+            </a:r>
+            <a:r>
+              <a:rPr lang="en-US" altLang="zh-CN" dirty="0" err="1" smtClean="0"/>
+              <a:t>lt</a:t>
+            </a:r>
+            <a:r>
+              <a:rPr lang="zh-CN" altLang="en-US" dirty="0" smtClean="0"/>
+              <a:t>沿法线</a:t>
+            </a:r>
+            <a:r>
+              <a:rPr lang="en-US" altLang="zh-CN" dirty="0" err="1" smtClean="0"/>
+              <a:t>wr</a:t>
+            </a:r>
+            <a:r>
+              <a:rPr lang="zh-CN" altLang="en-US" dirty="0" smtClean="0"/>
+              <a:t>投影到关系</a:t>
+            </a:r>
+            <a:r>
+              <a:rPr lang="en-US" altLang="zh-CN" dirty="0" smtClean="0"/>
+              <a:t>r</a:t>
+            </a:r>
+            <a:r>
+              <a:rPr lang="zh-CN" altLang="en-US" dirty="0" smtClean="0"/>
+              <a:t>对应的超平面上。</a:t>
+            </a:r>
+            <a:endParaRPr lang="en-US" altLang="zh-CN" dirty="0" smtClean="0"/>
+          </a:p>
+          <a:p>
+            <a:r>
+              <a:rPr lang="zh-CN" altLang="en-US" dirty="0" smtClean="0"/>
+              <a:t>分别用</a:t>
+            </a:r>
+            <a:r>
+              <a:rPr lang="en-US" altLang="zh-CN" dirty="0" err="1" smtClean="0"/>
+              <a:t>lhr</a:t>
+            </a:r>
+            <a:r>
+              <a:rPr lang="zh-CN" altLang="en-US" dirty="0" smtClean="0"/>
+              <a:t>和</a:t>
+            </a:r>
+            <a:r>
+              <a:rPr lang="en-US" altLang="zh-CN" dirty="0" err="1" smtClean="0"/>
+              <a:t>ltr</a:t>
+            </a:r>
+            <a:r>
+              <a:rPr lang="zh-CN" altLang="en-US" dirty="0" smtClean="0"/>
+              <a:t>表示。</a:t>
+            </a:r>
+            <a:endParaRPr lang="zh-CN" altLang="en-US" dirty="0"/>
+          </a:p>
+        </p:txBody>
+      </p:sp>
+      <p:sp>
+        <p:nvSpPr>
+          <p:cNvPr id="4" name="灯片编号占位符 3"/>
+          <p:cNvSpPr>
+            <a:spLocks noGrp="1"/>
+          </p:cNvSpPr>
+          <p:nvPr>
+            <p:ph type="sldNum" sz="quarter" idx="10"/>
+          </p:nvPr>
+        </p:nvSpPr>
+        <p:spPr/>
+        <p:txBody>
+          <a:bodyPr/>
+          <a:lstStyle/>
+          <a:p>
+            <a:fld id="{03EC23FA-1A74-4866-BA33-81430325FB80}" type="slidenum">
+              <a:rPr lang="zh-CN" altLang="en-US" smtClean="0"/>
+              <a:t>14</a:t>
+            </a:fld>
+            <a:endParaRPr lang="zh-CN" altLang="en-US"/>
+          </a:p>
+        </p:txBody>
+      </p:sp>
+    </p:spTree>
+    <p:extLst>
+      <p:ext uri="{BB962C8B-B14F-4D97-AF65-F5344CB8AC3E}">
+        <p14:creationId xmlns:p14="http://schemas.microsoft.com/office/powerpoint/2010/main" val="1557493517"/>
       </p:ext>
     </p:extLst>
   </p:cSld>
@@ -642,6 +859,39 @@
         <p:txBody>
           <a:bodyPr/>
           <a:lstStyle/>
+          <a:p>
+            <a:r>
+              <a:rPr lang="zh-CN" altLang="en-US" dirty="0" smtClean="0"/>
+              <a:t>词表示学习是一种典型的表示学习。</a:t>
+            </a:r>
+            <a:endParaRPr lang="en-US" altLang="zh-CN" dirty="0" smtClean="0"/>
+          </a:p>
+          <a:p>
+            <a:endParaRPr lang="en-US" altLang="zh-CN" dirty="0" smtClean="0"/>
+          </a:p>
+          <a:p>
+            <a:r>
+              <a:rPr lang="zh-CN" altLang="en-US" dirty="0" smtClean="0"/>
+              <a:t>薛莹莹师姐和龚志远师兄都讨论过词的表示学习。 我这里帮大家复习一下。</a:t>
+            </a:r>
+            <a:endParaRPr lang="en-US" altLang="zh-CN" dirty="0" smtClean="0"/>
+          </a:p>
+          <a:p>
+            <a:endParaRPr lang="en-US" altLang="zh-CN" dirty="0" smtClean="0"/>
+          </a:p>
+          <a:p>
+            <a:r>
+              <a:rPr lang="zh-CN" altLang="en-US" dirty="0" smtClean="0"/>
+              <a:t>根据词的语义是由其上下文决定的，这个语言学先验知识，通过深度学习，将词表示成连续稠密的实值向量。</a:t>
+            </a:r>
+            <a:endParaRPr lang="en-US" altLang="zh-CN" dirty="0" smtClean="0"/>
+          </a:p>
+          <a:p>
+            <a:endParaRPr lang="en-US" altLang="zh-CN" dirty="0" smtClean="0"/>
+          </a:p>
+          <a:p>
+            <a:endParaRPr lang="en-US" altLang="zh-CN" dirty="0" smtClean="0"/>
+          </a:p>
           <a:p>
             <a:r>
               <a:rPr lang="zh-CN" altLang="en-US" dirty="0" smtClean="0"/>
@@ -734,6 +984,72 @@
           <a:bodyPr/>
           <a:lstStyle/>
           <a:p>
+            <a:r>
+              <a:rPr lang="zh-CN" altLang="en-US" dirty="0" smtClean="0"/>
+              <a:t>关于词表示， 其中有两种较为常见</a:t>
+            </a:r>
+            <a:r>
+              <a:rPr lang="zh-CN" altLang="en-US" dirty="0" smtClean="0"/>
+              <a:t>的模型</a:t>
+            </a:r>
+            <a:endParaRPr lang="en-US" altLang="zh-CN" dirty="0" smtClean="0"/>
+          </a:p>
+          <a:p>
+            <a:endParaRPr lang="en-US" altLang="zh-CN" dirty="0" smtClean="0"/>
+          </a:p>
+          <a:p>
+            <a:r>
+              <a:rPr lang="zh-CN" altLang="en-US" dirty="0" smtClean="0"/>
+              <a:t>一种是</a:t>
+            </a:r>
+            <a:r>
+              <a:rPr lang="en-US" altLang="zh-CN" dirty="0" smtClean="0"/>
+              <a:t>CBOW</a:t>
+            </a:r>
+            <a:r>
+              <a:rPr lang="zh-CN" altLang="en-US" dirty="0" smtClean="0"/>
+              <a:t>， 根据上下文，预测中心词的概率。</a:t>
+            </a:r>
+            <a:endParaRPr lang="en-US" altLang="zh-CN" dirty="0" smtClean="0"/>
+          </a:p>
+          <a:p>
+            <a:endParaRPr lang="en-US" altLang="zh-CN" dirty="0" smtClean="0"/>
+          </a:p>
+          <a:p>
+            <a:r>
+              <a:rPr lang="zh-CN" altLang="en-US" dirty="0" smtClean="0"/>
+              <a:t>一种是</a:t>
+            </a:r>
+            <a:r>
+              <a:rPr lang="en-US" altLang="zh-CN" dirty="0" smtClean="0"/>
+              <a:t>skip-gram </a:t>
+            </a:r>
+            <a:r>
+              <a:rPr lang="zh-CN" altLang="en-US" dirty="0" smtClean="0"/>
+              <a:t>根据中心词，预测上下文的概率。</a:t>
+            </a:r>
+            <a:endParaRPr lang="en-US" altLang="zh-CN" dirty="0" smtClean="0"/>
+          </a:p>
+          <a:p>
+            <a:endParaRPr lang="en-US" altLang="zh-CN" dirty="0" smtClean="0"/>
+          </a:p>
+          <a:p>
+            <a:r>
+              <a:rPr lang="en-US" altLang="zh-CN" dirty="0" err="1" smtClean="0"/>
+              <a:t>softmax</a:t>
+            </a:r>
+            <a:r>
+              <a:rPr lang="zh-CN" altLang="en-US" dirty="0" smtClean="0"/>
+              <a:t>分</a:t>
+            </a:r>
+            <a:r>
+              <a:rPr lang="zh-CN" altLang="en-US" smtClean="0"/>
+              <a:t>类器</a:t>
+            </a:r>
+            <a:r>
+              <a:rPr lang="zh-CN" altLang="en-US" baseline="0" smtClean="0"/>
+              <a:t>用来归一化输出单元的概率</a:t>
+            </a:r>
             <a:endParaRPr lang="zh-CN" altLang="en-US" dirty="0"/>
           </a:p>
         </p:txBody>
@@ -820,28 +1136,60 @@
           <a:p>
             <a:r>
               <a:rPr lang="zh-CN" altLang="en-US" dirty="0" smtClean="0"/>
-              <a:t>词向量能够捕捉到单词</a:t>
-            </a:r>
+              <a:t>通过将词表示为向量的形式，人们发现了有趣的平移不变现象。</a:t>
+            </a:r>
+            <a:endParaRPr lang="en-US" altLang="zh-CN" dirty="0" smtClean="0"/>
+          </a:p>
+          <a:p>
+            <a:endParaRPr lang="en-US" altLang="zh-CN" dirty="0" smtClean="0"/>
+          </a:p>
+          <a:p>
+            <a:endParaRPr lang="en-US" altLang="zh-CN" dirty="0" smtClean="0"/>
+          </a:p>
+          <a:p>
+            <a:r>
+              <a:rPr lang="zh-CN" altLang="en-US" dirty="0" smtClean="0"/>
+              <a:t>如图，存在相同语义关系的词对，他们在向量空间中的平移向量几乎相同。</a:t>
+            </a:r>
+            <a:endParaRPr lang="en-US" altLang="zh-CN" dirty="0" smtClean="0"/>
+          </a:p>
+          <a:p>
+            <a:endParaRPr lang="en-US" altLang="zh-CN" dirty="0" smtClean="0"/>
+          </a:p>
+          <a:p>
+            <a:endParaRPr lang="en-US" altLang="zh-CN" dirty="0" smtClean="0"/>
+          </a:p>
+          <a:p>
             <a:r>
               <a:rPr lang="en-US" altLang="zh-CN" dirty="0" smtClean="0"/>
-              <a:t>China</a:t>
-            </a:r>
-            <a:r>
-              <a:rPr lang="en-US" altLang="zh-CN" baseline="0" dirty="0" smtClean="0"/>
-              <a:t> Beijing</a:t>
+              <a:t>China </a:t>
+            </a:r>
+            <a:r>
+              <a:rPr lang="zh-CN" altLang="en-US" dirty="0" smtClean="0"/>
+              <a:t>和 </a:t>
+            </a:r>
+            <a:r>
+              <a:rPr lang="en-US" altLang="zh-CN" dirty="0" smtClean="0"/>
+              <a:t>Beijing, Japan </a:t>
+            </a:r>
+            <a:r>
+              <a:rPr lang="zh-CN" altLang="en-US" dirty="0" smtClean="0"/>
+              <a:t>和 </a:t>
+            </a:r>
+            <a:r>
+              <a:rPr lang="en-US" altLang="zh-CN" dirty="0" smtClean="0"/>
+              <a:t>Tokyo</a:t>
             </a:r>
             <a:r>
               <a:rPr lang="zh-CN" altLang="en-US" baseline="0" dirty="0" smtClean="0"/>
-              <a:t>之间  </a:t>
-            </a:r>
-            <a:r>
-              <a:rPr lang="en-US" altLang="zh-CN" baseline="0" dirty="0" smtClean="0"/>
-              <a:t>Japan Tokyo</a:t>
-            </a:r>
-            <a:r>
-              <a:rPr lang="zh-CN" altLang="en-US" baseline="0" dirty="0" smtClean="0"/>
-              <a:t>之间的隐含语义关系</a:t>
-            </a:r>
+              <a:t> 之间都存在着首都关系， 他们在向量空间中的平移向量几乎相同。</a:t>
+            </a:r>
+            <a:endParaRPr lang="en-US" altLang="zh-CN" baseline="0" dirty="0" smtClean="0"/>
+          </a:p>
+          <a:p>
+            <a:endParaRPr lang="en-US" altLang="zh-CN" baseline="0" dirty="0" smtClean="0"/>
+          </a:p>
+          <a:p>
             <a:endParaRPr lang="zh-CN" altLang="en-US" dirty="0"/>
           </a:p>
         </p:txBody>
@@ -863,7 +1211,7 @@
           <a:p>
             <a:fld id="{03EC23FA-1A74-4866-BA33-81430325FB80}" type="slidenum">
               <a:rPr lang="zh-CN" altLang="en-US" smtClean="0"/>
-              <a:t>9</a:t>
+              <a:t>5</a:t>
             </a:fld>
             <a:endParaRPr lang="zh-CN" altLang="en-US"/>
           </a:p>
@@ -872,7 +1220,7 @@
     </p:spTree>
     <p:extLst>
       <p:ext uri="{BB962C8B-B14F-4D97-AF65-F5344CB8AC3E}">
-        <p14:creationId xmlns:p14="http://schemas.microsoft.com/office/powerpoint/2010/main" val="2770810133"/>
+        <p14:creationId xmlns:p14="http://schemas.microsoft.com/office/powerpoint/2010/main" val="2291119840"/>
       </p:ext>
     </p:extLst>
   </p:cSld>
@@ -927,28 +1275,86 @@
           <a:lstStyle/>
           <a:p>
             <a:r>
-              <a:rPr lang="en-US" altLang="zh-CN" sz="1200" b="0" i="0" kern="1200" dirty="0" smtClean="0">
-                <a:solidFill>
-                  <a:schemeClr val="tx1"/>
-                </a:solidFill>
-                <a:effectLst/>
-                <a:latin typeface="+mn-lt"/>
-                <a:ea typeface="+mn-ea"/>
-                <a:cs typeface="+mn-cs"/>
-              </a:rPr>
-              <a:t>N-1</a:t>
-            </a:r>
-            <a:r>
-              <a:rPr lang="zh-CN" altLang="en-US" sz="1200" b="0" i="0" kern="1200" dirty="0" smtClean="0">
-                <a:solidFill>
-                  <a:schemeClr val="tx1"/>
-                </a:solidFill>
-                <a:effectLst/>
-                <a:latin typeface="+mn-lt"/>
-                <a:ea typeface="+mn-ea"/>
-                <a:cs typeface="+mn-cs"/>
-              </a:rPr>
-              <a:t>类型关系指的是，该类型关系中的一个尾实体平均对应多个头实体。</a:t>
+              <a:rPr lang="zh-CN" altLang="en-US" dirty="0" smtClean="0"/>
+              <a:t>这里介绍一些 知识学习的背景知识。 首先介绍一下知识库。</a:t>
+            </a:r>
+            <a:endParaRPr lang="en-US" altLang="zh-CN" dirty="0" smtClean="0"/>
+          </a:p>
+          <a:p>
+            <a:endParaRPr lang="en-US" altLang="zh-CN" dirty="0" smtClean="0"/>
+          </a:p>
+          <a:p>
+            <a:endParaRPr lang="en-US" altLang="zh-CN" dirty="0" smtClean="0"/>
+          </a:p>
+          <a:p>
+            <a:r>
+              <a:rPr lang="zh-CN" altLang="en-US" dirty="0" smtClean="0"/>
+              <a:t>知识库，可以看做是一个三元组， </a:t>
+            </a:r>
+            <a:r>
+              <a:rPr lang="en-US" altLang="zh-CN" dirty="0" smtClean="0"/>
+              <a:t>E</a:t>
+            </a:r>
+            <a:r>
+              <a:rPr lang="zh-CN" altLang="en-US" dirty="0" smtClean="0"/>
+              <a:t>代表实体集</a:t>
+            </a:r>
+            <a:r>
+              <a:rPr lang="zh-CN" altLang="en-US" baseline="0" dirty="0" smtClean="0"/>
+              <a:t>   </a:t>
+            </a:r>
+            <a:r>
+              <a:rPr lang="en-US" altLang="zh-CN" baseline="0" dirty="0" smtClean="0"/>
+              <a:t>R</a:t>
+            </a:r>
+            <a:r>
+              <a:rPr lang="zh-CN" altLang="en-US" baseline="0" dirty="0" smtClean="0"/>
+              <a:t>代表关系集    </a:t>
+            </a:r>
+            <a:r>
+              <a:rPr lang="en-US" altLang="zh-CN" baseline="0" dirty="0" smtClean="0"/>
+              <a:t>S</a:t>
+            </a:r>
+            <a:r>
+              <a:rPr lang="zh-CN" altLang="en-US" baseline="0" dirty="0" smtClean="0"/>
+              <a:t>代表定义在实体集 和 关系集 上的 三元组 集合</a:t>
+            </a:r>
+            <a:endParaRPr lang="en-US" altLang="zh-CN" baseline="0" dirty="0" smtClean="0"/>
+          </a:p>
+          <a:p>
+            <a:endParaRPr lang="en-US" altLang="zh-CN" baseline="0" dirty="0" smtClean="0"/>
+          </a:p>
+          <a:p>
+            <a:endParaRPr lang="en-US" altLang="zh-CN" baseline="0" dirty="0" smtClean="0"/>
+          </a:p>
+          <a:p>
+            <a:r>
+              <a:rPr lang="zh-CN" altLang="en-US" baseline="0" dirty="0" smtClean="0"/>
+              <a:t>每个三元组 都是由 头实体</a:t>
+            </a:r>
+            <a:r>
+              <a:rPr lang="en-US" altLang="zh-CN" baseline="0" dirty="0" smtClean="0"/>
+              <a:t>h,  </a:t>
+            </a:r>
+            <a:r>
+              <a:rPr lang="zh-CN" altLang="en-US" baseline="0" dirty="0" smtClean="0"/>
+              <a:t>关系</a:t>
+            </a:r>
+            <a:r>
+              <a:rPr lang="en-US" altLang="zh-CN" baseline="0" dirty="0" smtClean="0"/>
+              <a:t>r,  </a:t>
+            </a:r>
+            <a:r>
+              <a:rPr lang="zh-CN" altLang="en-US" baseline="0" dirty="0" smtClean="0"/>
+              <a:t>尾实体</a:t>
+            </a:r>
+            <a:r>
+              <a:rPr lang="en-US" altLang="zh-CN" baseline="0" dirty="0" smtClean="0"/>
+              <a:t>t</a:t>
+            </a:r>
+            <a:r>
+              <a:rPr lang="zh-CN" altLang="en-US" baseline="0" dirty="0" smtClean="0"/>
+              <a:t>组成的。</a:t>
             </a:r>
             <a:endParaRPr lang="zh-CN" altLang="en-US" dirty="0"/>
           </a:p>
@@ -971,7 +1377,7 @@
           <a:p>
             <a:fld id="{03EC23FA-1A74-4866-BA33-81430325FB80}" type="slidenum">
               <a:rPr lang="zh-CN" altLang="en-US" smtClean="0"/>
-              <a:t>13</a:t>
+              <a:t>6</a:t>
             </a:fld>
             <a:endParaRPr lang="zh-CN" altLang="en-US"/>
           </a:p>
@@ -980,7 +1386,7 @@
     </p:spTree>
     <p:extLst>
       <p:ext uri="{BB962C8B-B14F-4D97-AF65-F5344CB8AC3E}">
-        <p14:creationId xmlns:p14="http://schemas.microsoft.com/office/powerpoint/2010/main" val="1859020454"/>
+        <p14:creationId xmlns:p14="http://schemas.microsoft.com/office/powerpoint/2010/main" val="1309608449"/>
       </p:ext>
     </p:extLst>
   </p:cSld>
@@ -1036,63 +1442,51 @@
           <a:p>
             <a:r>
               <a:rPr lang="zh-CN" altLang="en-US" dirty="0" smtClean="0"/>
-              <a:t>头实体向量</a:t>
-            </a:r>
-            <a:r>
-              <a:rPr lang="en-US" altLang="zh-CN" dirty="0" err="1" smtClean="0"/>
-              <a:t>lh</a:t>
-            </a:r>
+              <a:t>将知识库用图的形式表示，就是我们经常听到的知识图谱。</a:t>
+            </a:r>
+            <a:endParaRPr lang="en-US" altLang="zh-CN" dirty="0" smtClean="0"/>
+          </a:p>
+          <a:p>
+            <a:endParaRPr lang="en-US" altLang="zh-CN" dirty="0" smtClean="0"/>
+          </a:p>
+          <a:p>
+            <a:endParaRPr lang="en-US" altLang="zh-CN" dirty="0" smtClean="0"/>
+          </a:p>
+          <a:p>
             <a:r>
               <a:rPr lang="zh-CN" altLang="en-US" dirty="0" smtClean="0"/>
-              <a:t>和尾实体向量</a:t>
-            </a:r>
-            <a:r>
-              <a:rPr lang="en-US" altLang="zh-CN" dirty="0" err="1" smtClean="0"/>
-              <a:t>lt</a:t>
-            </a:r>
+              <a:t>通过利用左边的知识， 我们可以构建右边的知识图谱。 </a:t>
+            </a:r>
+            <a:endParaRPr lang="en-US" altLang="zh-CN" dirty="0" smtClean="0"/>
+          </a:p>
+          <a:p>
+            <a:endParaRPr lang="en-US" altLang="zh-CN" dirty="0" smtClean="0"/>
+          </a:p>
+          <a:p>
             <a:r>
               <a:rPr lang="zh-CN" altLang="en-US" dirty="0" smtClean="0"/>
-              <a:t>沿法线</a:t>
-            </a:r>
-            <a:r>
-              <a:rPr lang="en-US" altLang="zh-CN" dirty="0" err="1" smtClean="0"/>
-              <a:t>wr</a:t>
-            </a:r>
-            <a:r>
-              <a:rPr lang="zh-CN" altLang="en-US" dirty="0" smtClean="0"/>
-              <a:t>投影到关系</a:t>
-            </a:r>
-            <a:r>
-              <a:rPr lang="en-US" altLang="zh-CN" dirty="0" smtClean="0"/>
-              <a:t>r</a:t>
-            </a:r>
-            <a:r>
-              <a:rPr lang="zh-CN" altLang="en-US" dirty="0" smtClean="0"/>
-              <a:t>对应的超平面上。</a:t>
+              <a:t>其中节点</a:t>
+            </a:r>
+            <a:r>
+              <a:rPr lang="zh-CN" altLang="en-US" baseline="0" dirty="0" smtClean="0"/>
+              <a:t> 代表 实体，  边 代表 实体间的语义关系</a:t>
+            </a:r>
+            <a:endParaRPr lang="en-US" altLang="zh-CN" baseline="0" dirty="0" smtClean="0"/>
+          </a:p>
+          <a:p>
+            <a:endParaRPr lang="en-US" altLang="zh-CN" baseline="0" dirty="0" smtClean="0"/>
+          </a:p>
+          <a:p>
+            <a:r>
+              <a:rPr lang="zh-CN" altLang="en-US" baseline="0" dirty="0" smtClean="0"/>
+              <a:t>比如 李达康 是 一个 实体  王大路 是 一个 实体 他们之间存在 资助关系。</a:t>
             </a:r>
             <a:endParaRPr lang="en-US" altLang="zh-CN" dirty="0" smtClean="0"/>
           </a:p>
           <a:p>
-            <a:r>
-              <a:rPr lang="zh-CN" altLang="en-US" dirty="0" smtClean="0"/>
-              <a:t>分别用</a:t>
-            </a:r>
-            <a:r>
-              <a:rPr lang="en-US" altLang="zh-CN" dirty="0" err="1" smtClean="0"/>
-              <a:t>lhr</a:t>
-            </a:r>
-            <a:r>
-              <a:rPr lang="zh-CN" altLang="en-US" dirty="0" smtClean="0"/>
-              <a:t>和</a:t>
-            </a:r>
-            <a:r>
-              <a:rPr lang="en-US" altLang="zh-CN" dirty="0" err="1" smtClean="0"/>
-              <a:t>ltr</a:t>
-            </a:r>
-            <a:r>
-              <a:rPr lang="zh-CN" altLang="en-US" dirty="0" smtClean="0"/>
-              <a:t>表示。</a:t>
-            </a:r>
+            <a:endParaRPr lang="en-US" altLang="zh-CN" dirty="0" smtClean="0"/>
+          </a:p>
+          <a:p>
             <a:endParaRPr lang="zh-CN" altLang="en-US" dirty="0"/>
           </a:p>
         </p:txBody>
@@ -1114,7 +1508,7 @@
           <a:p>
             <a:fld id="{03EC23FA-1A74-4866-BA33-81430325FB80}" type="slidenum">
               <a:rPr lang="zh-CN" altLang="en-US" smtClean="0"/>
-              <a:t>14</a:t>
+              <a:t>7</a:t>
             </a:fld>
             <a:endParaRPr lang="zh-CN" altLang="en-US"/>
           </a:p>
@@ -1123,7 +1517,387 @@
     </p:spTree>
     <p:extLst>
       <p:ext uri="{BB962C8B-B14F-4D97-AF65-F5344CB8AC3E}">
-        <p14:creationId xmlns:p14="http://schemas.microsoft.com/office/powerpoint/2010/main" val="1557493517"/>
+        <p14:creationId xmlns:p14="http://schemas.microsoft.com/office/powerpoint/2010/main" val="1963741308"/>
+      </p:ext>
+    </p:extLst>
+  </p:cSld>
+  <p:clrMapOvr>
+    <a:masterClrMapping/>
+  </p:clrMapOvr>
+</p:notes>
+</file>
+
+<file path=ppt/notesSlides/notesSlide7.xml><?xml version="1.0" encoding="utf-8"?>
+<p:notes xmlns:a="http://schemas.openxmlformats.org/drawingml/2006/main" xmlns:r="http://schemas.openxmlformats.org/officeDocument/2006/relationships" xmlns:p="http://schemas.openxmlformats.org/presentationml/2006/main">
+  <p:cSld>
+    <p:spTree>
+      <p:nvGrpSpPr>
+        <p:cNvPr id="1" name=""/>
+        <p:cNvGrpSpPr/>
+        <p:nvPr/>
+      </p:nvGrpSpPr>
+      <p:grpSpPr>
+        <a:xfrm>
+          <a:off x="0" y="0"/>
+          <a:ext cx="0" cy="0"/>
+          <a:chOff x="0" y="0"/>
+          <a:chExt cx="0" cy="0"/>
+        </a:xfrm>
+      </p:grpSpPr>
+      <p:sp>
+        <p:nvSpPr>
+          <p:cNvPr id="2" name="幻灯片图像占位符 1"/>
+          <p:cNvSpPr>
+            <a:spLocks noGrp="1" noRot="1" noChangeAspect="1"/>
+          </p:cNvSpPr>
+          <p:nvPr>
+            <p:ph type="sldImg"/>
+          </p:nvPr>
+        </p:nvSpPr>
+        <p:spPr/>
+      </p:sp>
+      <p:sp>
+        <p:nvSpPr>
+          <p:cNvPr id="3" name="备注占位符 2"/>
+          <p:cNvSpPr>
+            <a:spLocks noGrp="1"/>
+          </p:cNvSpPr>
+          <p:nvPr>
+            <p:ph type="body" idx="1"/>
+          </p:nvPr>
+        </p:nvSpPr>
+        <p:spPr/>
+        <p:txBody>
+          <a:bodyPr/>
+          <a:lstStyle/>
+          <a:p>
+            <a:r>
+              <a:rPr lang="zh-CN" altLang="en-US" dirty="0" smtClean="0"/>
+              <a:t>知识表示学习，就是学习知识库中实体和关系的表示，将它们表示为连续稠密的低维向量。</a:t>
+            </a:r>
+            <a:endParaRPr lang="en-US" altLang="zh-CN" dirty="0" smtClean="0"/>
+          </a:p>
+          <a:p>
+            <a:endParaRPr lang="en-US" altLang="zh-CN" dirty="0" smtClean="0"/>
+          </a:p>
+          <a:p>
+            <a:r>
+              <a:rPr lang="zh-CN" altLang="en-US" dirty="0" smtClean="0"/>
+              <a:t>有关学者，受到词向量中平移不变现象的启发，提出了翻译模型， 认为在向量空间中，关系向量可以看作是头向量到尾向量的平移。</a:t>
+            </a:r>
+            <a:endParaRPr lang="zh-CN" altLang="en-US" dirty="0"/>
+          </a:p>
+        </p:txBody>
+      </p:sp>
+      <p:sp>
+        <p:nvSpPr>
+          <p:cNvPr id="4" name="灯片编号占位符 3"/>
+          <p:cNvSpPr>
+            <a:spLocks noGrp="1"/>
+          </p:cNvSpPr>
+          <p:nvPr>
+            <p:ph type="sldNum" sz="quarter" idx="10"/>
+          </p:nvPr>
+        </p:nvSpPr>
+        <p:spPr/>
+        <p:txBody>
+          <a:bodyPr/>
+          <a:lstStyle/>
+          <a:p>
+            <a:fld id="{03EC23FA-1A74-4866-BA33-81430325FB80}" type="slidenum">
+              <a:rPr lang="zh-CN" altLang="en-US" smtClean="0"/>
+              <a:t>8</a:t>
+            </a:fld>
+            <a:endParaRPr lang="zh-CN" altLang="en-US"/>
+          </a:p>
+        </p:txBody>
+      </p:sp>
+    </p:spTree>
+    <p:extLst>
+      <p:ext uri="{BB962C8B-B14F-4D97-AF65-F5344CB8AC3E}">
+        <p14:creationId xmlns:p14="http://schemas.microsoft.com/office/powerpoint/2010/main" val="3993445817"/>
+      </p:ext>
+    </p:extLst>
+  </p:cSld>
+  <p:clrMapOvr>
+    <a:masterClrMapping/>
+  </p:clrMapOvr>
+</p:notes>
+</file>
+
+<file path=ppt/notesSlides/notesSlide8.xml><?xml version="1.0" encoding="utf-8"?>
+<p:notes xmlns:a="http://schemas.openxmlformats.org/drawingml/2006/main" xmlns:r="http://schemas.openxmlformats.org/officeDocument/2006/relationships" xmlns:p="http://schemas.openxmlformats.org/presentationml/2006/main">
+  <p:cSld>
+    <p:spTree>
+      <p:nvGrpSpPr>
+        <p:cNvPr id="1" name=""/>
+        <p:cNvGrpSpPr/>
+        <p:nvPr/>
+      </p:nvGrpSpPr>
+      <p:grpSpPr>
+        <a:xfrm>
+          <a:off x="0" y="0"/>
+          <a:ext cx="0" cy="0"/>
+          <a:chOff x="0" y="0"/>
+          <a:chExt cx="0" cy="0"/>
+        </a:xfrm>
+      </p:grpSpPr>
+      <p:sp>
+        <p:nvSpPr>
+          <p:cNvPr id="2" name="幻灯片图像占位符 1"/>
+          <p:cNvSpPr>
+            <a:spLocks noGrp="1" noRot="1" noChangeAspect="1"/>
+          </p:cNvSpPr>
+          <p:nvPr>
+            <p:ph type="sldImg"/>
+          </p:nvPr>
+        </p:nvSpPr>
+        <p:spPr/>
+      </p:sp>
+      <p:sp>
+        <p:nvSpPr>
+          <p:cNvPr id="3" name="备注占位符 2"/>
+          <p:cNvSpPr>
+            <a:spLocks noGrp="1"/>
+          </p:cNvSpPr>
+          <p:nvPr>
+            <p:ph type="body" idx="1"/>
+          </p:nvPr>
+        </p:nvSpPr>
+        <p:spPr/>
+        <p:txBody>
+          <a:bodyPr/>
+          <a:lstStyle/>
+          <a:p>
+            <a:r>
+              <a:rPr lang="zh-CN" altLang="en-US" dirty="0" smtClean="0"/>
+              <a:t>词向量能够捕捉到单词</a:t>
+            </a:r>
+            <a:r>
+              <a:rPr lang="en-US" altLang="zh-CN" dirty="0" smtClean="0"/>
+              <a:t>China</a:t>
+            </a:r>
+            <a:r>
+              <a:rPr lang="en-US" altLang="zh-CN" baseline="0" dirty="0" smtClean="0"/>
+              <a:t> Beijing</a:t>
+            </a:r>
+            <a:r>
+              <a:rPr lang="zh-CN" altLang="en-US" baseline="0" dirty="0" smtClean="0"/>
+              <a:t>之间  </a:t>
+            </a:r>
+            <a:r>
+              <a:rPr lang="en-US" altLang="zh-CN" baseline="0" dirty="0" smtClean="0"/>
+              <a:t>Japan Tokyo</a:t>
+            </a:r>
+            <a:r>
+              <a:rPr lang="zh-CN" altLang="en-US" baseline="0" dirty="0" smtClean="0"/>
+              <a:t>之间的隐含语义关系</a:t>
+            </a:r>
+            <a:endParaRPr lang="zh-CN" altLang="en-US" dirty="0"/>
+          </a:p>
+        </p:txBody>
+      </p:sp>
+      <p:sp>
+        <p:nvSpPr>
+          <p:cNvPr id="4" name="灯片编号占位符 3"/>
+          <p:cNvSpPr>
+            <a:spLocks noGrp="1"/>
+          </p:cNvSpPr>
+          <p:nvPr>
+            <p:ph type="sldNum" sz="quarter" idx="10"/>
+          </p:nvPr>
+        </p:nvSpPr>
+        <p:spPr/>
+        <p:txBody>
+          <a:bodyPr/>
+          <a:lstStyle/>
+          <a:p>
+            <a:fld id="{03EC23FA-1A74-4866-BA33-81430325FB80}" type="slidenum">
+              <a:rPr lang="zh-CN" altLang="en-US" smtClean="0"/>
+              <a:t>9</a:t>
+            </a:fld>
+            <a:endParaRPr lang="zh-CN" altLang="en-US"/>
+          </a:p>
+        </p:txBody>
+      </p:sp>
+    </p:spTree>
+    <p:extLst>
+      <p:ext uri="{BB962C8B-B14F-4D97-AF65-F5344CB8AC3E}">
+        <p14:creationId xmlns:p14="http://schemas.microsoft.com/office/powerpoint/2010/main" val="2770810133"/>
+      </p:ext>
+    </p:extLst>
+  </p:cSld>
+  <p:clrMapOvr>
+    <a:masterClrMapping/>
+  </p:clrMapOvr>
+</p:notes>
+</file>
+
+<file path=ppt/notesSlides/notesSlide9.xml><?xml version="1.0" encoding="utf-8"?>
+<p:notes xmlns:a="http://schemas.openxmlformats.org/drawingml/2006/main" xmlns:r="http://schemas.openxmlformats.org/officeDocument/2006/relationships" xmlns:p="http://schemas.openxmlformats.org/presentationml/2006/main">
+  <p:cSld>
+    <p:spTree>
+      <p:nvGrpSpPr>
+        <p:cNvPr id="1" name=""/>
+        <p:cNvGrpSpPr/>
+        <p:nvPr/>
+      </p:nvGrpSpPr>
+      <p:grpSpPr>
+        <a:xfrm>
+          <a:off x="0" y="0"/>
+          <a:ext cx="0" cy="0"/>
+          <a:chOff x="0" y="0"/>
+          <a:chExt cx="0" cy="0"/>
+        </a:xfrm>
+      </p:grpSpPr>
+      <p:sp>
+        <p:nvSpPr>
+          <p:cNvPr id="2" name="幻灯片图像占位符 1"/>
+          <p:cNvSpPr>
+            <a:spLocks noGrp="1" noRot="1" noChangeAspect="1"/>
+          </p:cNvSpPr>
+          <p:nvPr>
+            <p:ph type="sldImg"/>
+          </p:nvPr>
+        </p:nvSpPr>
+        <p:spPr/>
+      </p:sp>
+      <p:sp>
+        <p:nvSpPr>
+          <p:cNvPr id="3" name="备注占位符 2"/>
+          <p:cNvSpPr>
+            <a:spLocks noGrp="1"/>
+          </p:cNvSpPr>
+          <p:nvPr>
+            <p:ph type="body" idx="1"/>
+          </p:nvPr>
+        </p:nvSpPr>
+        <p:spPr/>
+        <p:txBody>
+          <a:bodyPr/>
+          <a:lstStyle/>
+          <a:p>
+            <a:r>
+              <a:rPr lang="en-US" altLang="zh-CN" sz="1200" b="0" i="0" kern="1200" dirty="0" smtClean="0">
+                <a:solidFill>
+                  <a:schemeClr val="tx1"/>
+                </a:solidFill>
+                <a:effectLst/>
+                <a:latin typeface="+mn-lt"/>
+                <a:ea typeface="+mn-ea"/>
+                <a:cs typeface="+mn-cs"/>
+              </a:rPr>
+              <a:t>N-1</a:t>
+            </a:r>
+            <a:r>
+              <a:rPr lang="zh-CN" altLang="en-US" sz="1200" b="0" i="0" kern="1200" dirty="0" smtClean="0">
+                <a:solidFill>
+                  <a:schemeClr val="tx1"/>
+                </a:solidFill>
+                <a:effectLst/>
+                <a:latin typeface="+mn-lt"/>
+                <a:ea typeface="+mn-ea"/>
+                <a:cs typeface="+mn-cs"/>
+              </a:rPr>
+              <a:t>类型关系指的是，该类型关系中的一个尾实体平均对应多个头实体。</a:t>
+            </a:r>
+            <a:endParaRPr lang="en-US" altLang="zh-CN" sz="1200" b="0" i="0" kern="1200" dirty="0" smtClean="0">
+              <a:solidFill>
+                <a:schemeClr val="tx1"/>
+              </a:solidFill>
+              <a:effectLst/>
+              <a:latin typeface="+mn-lt"/>
+              <a:ea typeface="+mn-ea"/>
+              <a:cs typeface="+mn-cs"/>
+            </a:endParaRPr>
+          </a:p>
+          <a:p>
+            <a:endParaRPr lang="en-US" altLang="zh-CN" sz="1200" b="0" i="0" kern="1200" dirty="0" smtClean="0">
+              <a:solidFill>
+                <a:schemeClr val="tx1"/>
+              </a:solidFill>
+              <a:effectLst/>
+              <a:latin typeface="+mn-lt"/>
+              <a:ea typeface="+mn-ea"/>
+              <a:cs typeface="+mn-cs"/>
+            </a:endParaRPr>
+          </a:p>
+          <a:p>
+            <a:r>
+              <a:rPr lang="zh-CN" altLang="en-US" sz="1200" b="0" i="0" kern="1200" dirty="0" smtClean="0">
+                <a:solidFill>
+                  <a:schemeClr val="tx1"/>
+                </a:solidFill>
+                <a:effectLst/>
+                <a:latin typeface="+mn-lt"/>
+                <a:ea typeface="+mn-ea"/>
+                <a:cs typeface="+mn-cs"/>
+              </a:rPr>
+              <a:t>这是由于</a:t>
+            </a:r>
+            <a:r>
+              <a:rPr lang="en-US" altLang="zh-CN" sz="1200" b="0" i="0" kern="1200" dirty="0" err="1" smtClean="0">
+                <a:solidFill>
+                  <a:schemeClr val="tx1"/>
+                </a:solidFill>
+                <a:effectLst/>
+                <a:latin typeface="+mn-lt"/>
+                <a:ea typeface="+mn-ea"/>
+                <a:cs typeface="+mn-cs"/>
+              </a:rPr>
+              <a:t>TransE</a:t>
+            </a:r>
+            <a:r>
+              <a:rPr lang="zh-CN" altLang="en-US" sz="1200" b="0" i="0" kern="1200" dirty="0" smtClean="0">
+                <a:solidFill>
+                  <a:schemeClr val="tx1"/>
+                </a:solidFill>
+                <a:effectLst/>
+                <a:latin typeface="+mn-lt"/>
+                <a:ea typeface="+mn-ea"/>
+                <a:cs typeface="+mn-cs"/>
+              </a:rPr>
+              <a:t>模型过于简单，仅仅是对层次关系进行建模，没有考虑到知识库中其他复杂关系。</a:t>
+            </a:r>
+            <a:endParaRPr lang="en-US" altLang="zh-CN" sz="1200" b="0" i="0" kern="1200" dirty="0" smtClean="0">
+              <a:solidFill>
+                <a:schemeClr val="tx1"/>
+              </a:solidFill>
+              <a:effectLst/>
+              <a:latin typeface="+mn-lt"/>
+              <a:ea typeface="+mn-ea"/>
+              <a:cs typeface="+mn-cs"/>
+            </a:endParaRPr>
+          </a:p>
+        </p:txBody>
+      </p:sp>
+      <p:sp>
+        <p:nvSpPr>
+          <p:cNvPr id="4" name="灯片编号占位符 3"/>
+          <p:cNvSpPr>
+            <a:spLocks noGrp="1"/>
+          </p:cNvSpPr>
+          <p:nvPr>
+            <p:ph type="sldNum" sz="quarter" idx="10"/>
+          </p:nvPr>
+        </p:nvSpPr>
+        <p:spPr/>
+        <p:txBody>
+          <a:bodyPr/>
+          <a:lstStyle/>
+          <a:p>
+            <a:fld id="{03EC23FA-1A74-4866-BA33-81430325FB80}" type="slidenum">
+              <a:rPr lang="zh-CN" altLang="en-US" smtClean="0"/>
+              <a:t>13</a:t>
+            </a:fld>
+            <a:endParaRPr lang="zh-CN" altLang="en-US"/>
+          </a:p>
+        </p:txBody>
+      </p:sp>
+    </p:spTree>
+    <p:extLst>
+      <p:ext uri="{BB962C8B-B14F-4D97-AF65-F5344CB8AC3E}">
+        <p14:creationId xmlns:p14="http://schemas.microsoft.com/office/powerpoint/2010/main" val="1859020454"/>
       </p:ext>
     </p:extLst>
   </p:cSld>
@@ -1264,7 +2038,7 @@
           <a:p>
             <a:fld id="{FE5DA7A3-A219-42CA-A9DF-324CAD0AC667}" type="datetimeFigureOut">
               <a:rPr lang="zh-CN" altLang="en-US" smtClean="0"/>
-              <a:t>2018/12/2</a:t>
+              <a:t>2018/12/3</a:t>
             </a:fld>
             <a:endParaRPr lang="zh-CN" altLang="en-US"/>
           </a:p>
@@ -1434,7 +2208,7 @@
           <a:p>
             <a:fld id="{FE5DA7A3-A219-42CA-A9DF-324CAD0AC667}" type="datetimeFigureOut">
               <a:rPr lang="zh-CN" altLang="en-US" smtClean="0"/>
-              <a:t>2018/12/2</a:t>
+              <a:t>2018/12/3</a:t>
             </a:fld>
             <a:endParaRPr lang="zh-CN" altLang="en-US"/>
           </a:p>
@@ -1614,7 +2388,7 @@
           <a:p>
             <a:fld id="{FE5DA7A3-A219-42CA-A9DF-324CAD0AC667}" type="datetimeFigureOut">
               <a:rPr lang="zh-CN" altLang="en-US" smtClean="0"/>
-              <a:t>2018/12/2</a:t>
+              <a:t>2018/12/3</a:t>
             </a:fld>
             <a:endParaRPr lang="zh-CN" altLang="en-US"/>
           </a:p>
@@ -1784,7 +2558,7 @@
           <a:p>
             <a:fld id="{FE5DA7A3-A219-42CA-A9DF-324CAD0AC667}" type="datetimeFigureOut">
               <a:rPr lang="zh-CN" altLang="en-US" smtClean="0"/>
-              <a:t>2018/12/2</a:t>
+              <a:t>2018/12/3</a:t>
             </a:fld>
             <a:endParaRPr lang="zh-CN" altLang="en-US"/>
           </a:p>
@@ -2030,7 +2804,7 @@
           <a:p>
             <a:fld id="{FE5DA7A3-A219-42CA-A9DF-324CAD0AC667}" type="datetimeFigureOut">
               <a:rPr lang="zh-CN" altLang="en-US" smtClean="0"/>
-              <a:t>2018/12/2</a:t>
+              <a:t>2018/12/3</a:t>
             </a:fld>
             <a:endParaRPr lang="zh-CN" altLang="en-US"/>
           </a:p>
@@ -2262,7 +3036,7 @@
           <a:p>
             <a:fld id="{FE5DA7A3-A219-42CA-A9DF-324CAD0AC667}" type="datetimeFigureOut">
               <a:rPr lang="zh-CN" altLang="en-US" smtClean="0"/>
-              <a:t>2018/12/2</a:t>
+              <a:t>2018/12/3</a:t>
             </a:fld>
             <a:endParaRPr lang="zh-CN" altLang="en-US"/>
           </a:p>
@@ -2629,7 +3403,7 @@
           <a:p>
             <a:fld id="{FE5DA7A3-A219-42CA-A9DF-324CAD0AC667}" type="datetimeFigureOut">
               <a:rPr lang="zh-CN" altLang="en-US" smtClean="0"/>
-              <a:t>2018/12/2</a:t>
+              <a:t>2018/12/3</a:t>
             </a:fld>
             <a:endParaRPr lang="zh-CN" altLang="en-US"/>
           </a:p>
@@ -2747,7 +3521,7 @@
           <a:p>
             <a:fld id="{FE5DA7A3-A219-42CA-A9DF-324CAD0AC667}" type="datetimeFigureOut">
               <a:rPr lang="zh-CN" altLang="en-US" smtClean="0"/>
-              <a:t>2018/12/2</a:t>
+              <a:t>2018/12/3</a:t>
             </a:fld>
             <a:endParaRPr lang="zh-CN" altLang="en-US"/>
           </a:p>
@@ -2842,7 +3616,7 @@
           <a:p>
             <a:fld id="{FE5DA7A3-A219-42CA-A9DF-324CAD0AC667}" type="datetimeFigureOut">
               <a:rPr lang="zh-CN" altLang="en-US" smtClean="0"/>
-              <a:t>2018/12/2</a:t>
+              <a:t>2018/12/3</a:t>
             </a:fld>
             <a:endParaRPr lang="zh-CN" altLang="en-US"/>
           </a:p>
@@ -3119,7 +3893,7 @@
           <a:p>
             <a:fld id="{FE5DA7A3-A219-42CA-A9DF-324CAD0AC667}" type="datetimeFigureOut">
               <a:rPr lang="zh-CN" altLang="en-US" smtClean="0"/>
-              <a:t>2018/12/2</a:t>
+              <a:t>2018/12/3</a:t>
             </a:fld>
             <a:endParaRPr lang="zh-CN" altLang="en-US"/>
           </a:p>
@@ -3372,7 +4146,7 @@
           <a:p>
             <a:fld id="{FE5DA7A3-A219-42CA-A9DF-324CAD0AC667}" type="datetimeFigureOut">
               <a:rPr lang="zh-CN" altLang="en-US" smtClean="0"/>
-              <a:t>2018/12/2</a:t>
+              <a:t>2018/12/3</a:t>
             </a:fld>
             <a:endParaRPr lang="zh-CN" altLang="en-US"/>
           </a:p>
@@ -3585,7 +4359,7 @@
           <a:p>
             <a:fld id="{FE5DA7A3-A219-42CA-A9DF-324CAD0AC667}" type="datetimeFigureOut">
               <a:rPr lang="zh-CN" altLang="en-US" smtClean="0"/>
-              <a:t>2018/12/2</a:t>
+              <a:t>2018/12/3</a:t>
             </a:fld>
             <a:endParaRPr lang="zh-CN" altLang="en-US"/>
           </a:p>
@@ -4196,7 +4970,7 @@
           <a:graphicData uri="http://schemas.openxmlformats.org/presentationml/2006/ole">
             <mc:AlternateContent xmlns:mc="http://schemas.openxmlformats.org/markup-compatibility/2006">
               <mc:Choice xmlns:v="urn:schemas-microsoft-com:vml" Requires="v">
-                <p:oleObj spid="_x0000_s4146" name="Equation" r:id="rId3" imgW="914400" imgH="179640" progId="Equation.DSMT4">
+                <p:oleObj spid="_x0000_s4176" name="Equation" r:id="rId3" imgW="914400" imgH="179640" progId="Equation.DSMT4">
                   <p:embed/>
                 </p:oleObj>
               </mc:Choice>
@@ -4253,7 +5027,7 @@
           <a:graphicData uri="http://schemas.openxmlformats.org/presentationml/2006/ole">
             <mc:AlternateContent xmlns:mc="http://schemas.openxmlformats.org/markup-compatibility/2006">
               <mc:Choice xmlns:v="urn:schemas-microsoft-com:vml" Requires="v">
-                <p:oleObj spid="_x0000_s4147" name="Equation" r:id="rId5" imgW="1587240" imgH="228600" progId="Equation.DSMT4">
+                <p:oleObj spid="_x0000_s4177" name="Equation" r:id="rId5" imgW="1587240" imgH="228600" progId="Equation.DSMT4">
                   <p:embed/>
                 </p:oleObj>
               </mc:Choice>
@@ -4346,7 +5120,7 @@
           <a:graphicData uri="http://schemas.openxmlformats.org/presentationml/2006/ole">
             <mc:AlternateContent xmlns:mc="http://schemas.openxmlformats.org/markup-compatibility/2006">
               <mc:Choice xmlns:v="urn:schemas-microsoft-com:vml" Requires="v">
-                <p:oleObj spid="_x0000_s4148" name="Equation" r:id="rId7" imgW="2920680" imgH="355320" progId="Equation.DSMT4">
+                <p:oleObj spid="_x0000_s4178" name="Equation" r:id="rId7" imgW="2920680" imgH="355320" progId="Equation.DSMT4">
                   <p:embed/>
                 </p:oleObj>
               </mc:Choice>
@@ -4437,7 +5211,7 @@
           <a:graphicData uri="http://schemas.openxmlformats.org/presentationml/2006/ole">
             <mc:AlternateContent xmlns:mc="http://schemas.openxmlformats.org/markup-compatibility/2006">
               <mc:Choice xmlns:v="urn:schemas-microsoft-com:vml" Requires="v">
-                <p:oleObj spid="_x0000_s4149" name="Equation" r:id="rId9" imgW="126720" imgH="164880" progId="Equation.DSMT4">
+                <p:oleObj spid="_x0000_s4179" name="Equation" r:id="rId9" imgW="126720" imgH="164880" progId="Equation.DSMT4">
                   <p:embed/>
                 </p:oleObj>
               </mc:Choice>
@@ -4530,7 +5304,7 @@
           <a:graphicData uri="http://schemas.openxmlformats.org/presentationml/2006/ole">
             <mc:AlternateContent xmlns:mc="http://schemas.openxmlformats.org/markup-compatibility/2006">
               <mc:Choice xmlns:v="urn:schemas-microsoft-com:vml" Requires="v">
-                <p:oleObj spid="_x0000_s4150" name="Equation" r:id="rId11" imgW="2527200" imgH="203040" progId="Equation.DSMT4">
+                <p:oleObj spid="_x0000_s4180" name="Equation" r:id="rId11" imgW="2527200" imgH="203040" progId="Equation.DSMT4">
                   <p:embed/>
                 </p:oleObj>
               </mc:Choice>
@@ -4676,7 +5450,7 @@
         </p:nvSpPr>
         <p:spPr>
           <a:xfrm>
-            <a:off x="127321" y="5856790"/>
+            <a:off x="0" y="5779673"/>
             <a:ext cx="9901896" cy="400110"/>
           </a:xfrm>
           <a:prstGeom prst="rect">
@@ -4729,6 +5503,43 @@
             <a:endParaRPr lang="zh-CN" altLang="en-US" sz="2000" dirty="0">
               <a:latin typeface="Times New Roman" panose="02020603050405020304" pitchFamily="18" charset="0"/>
             </a:endParaRPr>
+          </a:p>
+        </p:txBody>
+      </p:sp>
+      <p:sp>
+        <p:nvSpPr>
+          <p:cNvPr id="2" name="矩形 1"/>
+          <p:cNvSpPr/>
+          <p:nvPr/>
+        </p:nvSpPr>
+        <p:spPr>
+          <a:xfrm>
+            <a:off x="0" y="6346421"/>
+            <a:ext cx="3452035" cy="369332"/>
+          </a:xfrm>
+          <a:prstGeom prst="rect">
+            <a:avLst/>
+          </a:prstGeom>
+        </p:spPr>
+        <p:txBody>
+          <a:bodyPr wrap="none">
+            <a:spAutoFit/>
+          </a:bodyPr>
+          <a:lstStyle/>
+          <a:p>
+            <a:r>
+              <a:rPr lang="en-US" altLang="zh-CN" dirty="0">
+                <a:hlinkClick r:id="rId3"/>
+              </a:rPr>
+              <a:t>https://</a:t>
+            </a:r>
+            <a:r>
+              <a:rPr lang="en-US" altLang="zh-CN" dirty="0" smtClean="0">
+                <a:hlinkClick r:id="rId3"/>
+              </a:rPr>
+              <a:t>github.com/wuxiyu/transE</a:t>
+            </a:r>
+            <a:endParaRPr lang="zh-CN" altLang="en-US" dirty="0"/>
           </a:p>
         </p:txBody>
       </p:sp>
@@ -4928,8 +5739,8 @@
         </p:blipFill>
         <p:spPr>
           <a:xfrm>
-            <a:off x="438973" y="1580976"/>
-            <a:ext cx="11623325" cy="2893746"/>
+            <a:off x="438973" y="1101155"/>
+            <a:ext cx="11623325" cy="2093737"/>
           </a:xfrm>
           <a:prstGeom prst="rect">
             <a:avLst/>
@@ -4944,7 +5755,7 @@
         </p:nvSpPr>
         <p:spPr>
           <a:xfrm>
-            <a:off x="291830" y="515566"/>
+            <a:off x="438973" y="177825"/>
             <a:ext cx="4163438" cy="923330"/>
           </a:xfrm>
           <a:prstGeom prst="rect">
@@ -4980,8 +5791,8 @@
         </p:nvSpPr>
         <p:spPr>
           <a:xfrm>
-            <a:off x="438973" y="4844375"/>
-            <a:ext cx="7305472" cy="1077218"/>
+            <a:off x="4602411" y="3915696"/>
+            <a:ext cx="7195716" cy="1077218"/>
           </a:xfrm>
           <a:prstGeom prst="rect">
             <a:avLst/>
@@ -5083,6 +5894,97 @@
           </a:p>
         </p:txBody>
       </p:sp>
+      <p:sp>
+        <p:nvSpPr>
+          <p:cNvPr id="3" name="文本框 2"/>
+          <p:cNvSpPr txBox="1"/>
+          <p:nvPr/>
+        </p:nvSpPr>
+        <p:spPr>
+          <a:xfrm>
+            <a:off x="4602411" y="5418882"/>
+            <a:ext cx="5885646" cy="954107"/>
+          </a:xfrm>
+          <a:prstGeom prst="rect">
+            <a:avLst/>
+          </a:prstGeom>
+          <a:noFill/>
+        </p:spPr>
+        <p:txBody>
+          <a:bodyPr wrap="square" rtlCol="0">
+            <a:spAutoFit/>
+          </a:bodyPr>
+          <a:lstStyle/>
+          <a:p>
+            <a:r>
+              <a:rPr lang="zh-CN" altLang="en-US" sz="2800" dirty="0" smtClean="0">
+                <a:solidFill>
+                  <a:srgbClr val="FF0000"/>
+                </a:solidFill>
+                <a:latin typeface="楷体" panose="02010609060101010101" pitchFamily="49" charset="-122"/>
+                <a:ea typeface="楷体" panose="02010609060101010101" pitchFamily="49" charset="-122"/>
+              </a:rPr>
+              <a:t>仅仅对层次关系进行建模。</a:t>
+            </a:r>
+            <a:endParaRPr lang="en-US" altLang="zh-CN" sz="2800" dirty="0" smtClean="0">
+              <a:solidFill>
+                <a:srgbClr val="FF0000"/>
+              </a:solidFill>
+              <a:latin typeface="楷体" panose="02010609060101010101" pitchFamily="49" charset="-122"/>
+              <a:ea typeface="楷体" panose="02010609060101010101" pitchFamily="49" charset="-122"/>
+            </a:endParaRPr>
+          </a:p>
+          <a:p>
+            <a:r>
+              <a:rPr lang="zh-CN" altLang="en-US" sz="2800" dirty="0" smtClean="0">
+                <a:solidFill>
+                  <a:srgbClr val="FF0000"/>
+                </a:solidFill>
+                <a:latin typeface="楷体" panose="02010609060101010101" pitchFamily="49" charset="-122"/>
+                <a:ea typeface="楷体" panose="02010609060101010101" pitchFamily="49" charset="-122"/>
+              </a:rPr>
+              <a:t>没有考虑到知识库中其他复杂关系</a:t>
+            </a:r>
+            <a:endParaRPr lang="zh-CN" altLang="en-US" sz="2800" dirty="0">
+              <a:solidFill>
+                <a:srgbClr val="FF0000"/>
+              </a:solidFill>
+              <a:latin typeface="楷体" panose="02010609060101010101" pitchFamily="49" charset="-122"/>
+              <a:ea typeface="楷体" panose="02010609060101010101" pitchFamily="49" charset="-122"/>
+            </a:endParaRPr>
+          </a:p>
+        </p:txBody>
+      </p:sp>
+      <p:pic>
+        <p:nvPicPr>
+          <p:cNvPr id="7" name="图片 6"/>
+          <p:cNvPicPr>
+            <a:picLocks noChangeAspect="1"/>
+          </p:cNvPicPr>
+          <p:nvPr/>
+        </p:nvPicPr>
+        <p:blipFill>
+          <a:blip r:embed="rId4">
+            <a:extLst>
+              <a:ext uri="{28A0092B-C50C-407E-A947-70E740481C1C}">
+                <a14:useLocalDpi xmlns:a14="http://schemas.microsoft.com/office/drawing/2010/main" val="0"/>
+              </a:ext>
+            </a:extLst>
+          </a:blip>
+          <a:stretch>
+            <a:fillRect/>
+          </a:stretch>
+        </p:blipFill>
+        <p:spPr>
+          <a:xfrm>
+            <a:off x="572875" y="3301825"/>
+            <a:ext cx="3734719" cy="3382178"/>
+          </a:xfrm>
+          <a:prstGeom prst="rect">
+            <a:avLst/>
+          </a:prstGeom>
+        </p:spPr>
+      </p:pic>
     </p:spTree>
     <p:extLst>
       <p:ext uri="{BB962C8B-B14F-4D97-AF65-F5344CB8AC3E}">
@@ -5096,9 +5998,333 @@
   <p:timing>
     <p:tnLst>
       <p:par>
-        <p:cTn id="1" dur="indefinite" restart="never" nodeType="tmRoot"/>
+        <p:cTn id="1" dur="indefinite" restart="never" nodeType="tmRoot">
+          <p:childTnLst>
+            <p:seq concurrent="1" nextAc="seek">
+              <p:cTn id="2" dur="indefinite" nodeType="mainSeq">
+                <p:childTnLst>
+                  <p:par>
+                    <p:cTn id="3" fill="hold">
+                      <p:stCondLst>
+                        <p:cond delay="indefinite"/>
+                      </p:stCondLst>
+                      <p:childTnLst>
+                        <p:par>
+                          <p:cTn id="4" fill="hold">
+                            <p:stCondLst>
+                              <p:cond delay="0"/>
+                            </p:stCondLst>
+                            <p:childTnLst>
+                              <p:par>
+                                <p:cTn id="5" presetID="42" presetClass="entr" presetSubtype="0" fill="hold" nodeType="clickEffect">
+                                  <p:stCondLst>
+                                    <p:cond delay="0"/>
+                                  </p:stCondLst>
+                                  <p:childTnLst>
+                                    <p:set>
+                                      <p:cBhvr>
+                                        <p:cTn id="6" dur="1" fill="hold">
+                                          <p:stCondLst>
+                                            <p:cond delay="0"/>
+                                          </p:stCondLst>
+                                        </p:cTn>
+                                        <p:tgtEl>
+                                          <p:spTgt spid="4"/>
+                                        </p:tgtEl>
+                                        <p:attrNameLst>
+                                          <p:attrName>style.visibility</p:attrName>
+                                        </p:attrNameLst>
+                                      </p:cBhvr>
+                                      <p:to>
+                                        <p:strVal val="visible"/>
+                                      </p:to>
+                                    </p:set>
+                                    <p:animEffect transition="in" filter="fade">
+                                      <p:cBhvr>
+                                        <p:cTn id="7" dur="1000"/>
+                                        <p:tgtEl>
+                                          <p:spTgt spid="4"/>
+                                        </p:tgtEl>
+                                      </p:cBhvr>
+                                    </p:animEffect>
+                                    <p:anim calcmode="lin" valueType="num">
+                                      <p:cBhvr>
+                                        <p:cTn id="8" dur="1000" fill="hold"/>
+                                        <p:tgtEl>
+                                          <p:spTgt spid="4"/>
+                                        </p:tgtEl>
+                                        <p:attrNameLst>
+                                          <p:attrName>ppt_x</p:attrName>
+                                        </p:attrNameLst>
+                                      </p:cBhvr>
+                                      <p:tavLst>
+                                        <p:tav tm="0">
+                                          <p:val>
+                                            <p:strVal val="#ppt_x"/>
+                                          </p:val>
+                                        </p:tav>
+                                        <p:tav tm="100000">
+                                          <p:val>
+                                            <p:strVal val="#ppt_x"/>
+                                          </p:val>
+                                        </p:tav>
+                                      </p:tavLst>
+                                    </p:anim>
+                                    <p:anim calcmode="lin" valueType="num">
+                                      <p:cBhvr>
+                                        <p:cTn id="9" dur="1000" fill="hold"/>
+                                        <p:tgtEl>
+                                          <p:spTgt spid="4"/>
+                                        </p:tgtEl>
+                                        <p:attrNameLst>
+                                          <p:attrName>ppt_y</p:attrName>
+                                        </p:attrNameLst>
+                                      </p:cBhvr>
+                                      <p:tavLst>
+                                        <p:tav tm="0">
+                                          <p:val>
+                                            <p:strVal val="#ppt_y+.1"/>
+                                          </p:val>
+                                        </p:tav>
+                                        <p:tav tm="100000">
+                                          <p:val>
+                                            <p:strVal val="#ppt_y"/>
+                                          </p:val>
+                                        </p:tav>
+                                      </p:tavLst>
+                                    </p:anim>
+                                  </p:childTnLst>
+                                </p:cTn>
+                              </p:par>
+                            </p:childTnLst>
+                          </p:cTn>
+                        </p:par>
+                      </p:childTnLst>
+                    </p:cTn>
+                  </p:par>
+                  <p:par>
+                    <p:cTn id="10" fill="hold">
+                      <p:stCondLst>
+                        <p:cond delay="indefinite"/>
+                      </p:stCondLst>
+                      <p:childTnLst>
+                        <p:par>
+                          <p:cTn id="11" fill="hold">
+                            <p:stCondLst>
+                              <p:cond delay="0"/>
+                            </p:stCondLst>
+                            <p:childTnLst>
+                              <p:par>
+                                <p:cTn id="12" presetID="42" presetClass="entr" presetSubtype="0" fill="hold" grpId="0" nodeType="clickEffect">
+                                  <p:stCondLst>
+                                    <p:cond delay="0"/>
+                                  </p:stCondLst>
+                                  <p:childTnLst>
+                                    <p:set>
+                                      <p:cBhvr>
+                                        <p:cTn id="13" dur="1" fill="hold">
+                                          <p:stCondLst>
+                                            <p:cond delay="0"/>
+                                          </p:stCondLst>
+                                        </p:cTn>
+                                        <p:tgtEl>
+                                          <p:spTgt spid="6"/>
+                                        </p:tgtEl>
+                                        <p:attrNameLst>
+                                          <p:attrName>style.visibility</p:attrName>
+                                        </p:attrNameLst>
+                                      </p:cBhvr>
+                                      <p:to>
+                                        <p:strVal val="visible"/>
+                                      </p:to>
+                                    </p:set>
+                                    <p:animEffect transition="in" filter="fade">
+                                      <p:cBhvr>
+                                        <p:cTn id="14" dur="1000"/>
+                                        <p:tgtEl>
+                                          <p:spTgt spid="6"/>
+                                        </p:tgtEl>
+                                      </p:cBhvr>
+                                    </p:animEffect>
+                                    <p:anim calcmode="lin" valueType="num">
+                                      <p:cBhvr>
+                                        <p:cTn id="15" dur="1000" fill="hold"/>
+                                        <p:tgtEl>
+                                          <p:spTgt spid="6"/>
+                                        </p:tgtEl>
+                                        <p:attrNameLst>
+                                          <p:attrName>ppt_x</p:attrName>
+                                        </p:attrNameLst>
+                                      </p:cBhvr>
+                                      <p:tavLst>
+                                        <p:tav tm="0">
+                                          <p:val>
+                                            <p:strVal val="#ppt_x"/>
+                                          </p:val>
+                                        </p:tav>
+                                        <p:tav tm="100000">
+                                          <p:val>
+                                            <p:strVal val="#ppt_x"/>
+                                          </p:val>
+                                        </p:tav>
+                                      </p:tavLst>
+                                    </p:anim>
+                                    <p:anim calcmode="lin" valueType="num">
+                                      <p:cBhvr>
+                                        <p:cTn id="16" dur="1000" fill="hold"/>
+                                        <p:tgtEl>
+                                          <p:spTgt spid="6"/>
+                                        </p:tgtEl>
+                                        <p:attrNameLst>
+                                          <p:attrName>ppt_y</p:attrName>
+                                        </p:attrNameLst>
+                                      </p:cBhvr>
+                                      <p:tavLst>
+                                        <p:tav tm="0">
+                                          <p:val>
+                                            <p:strVal val="#ppt_y+.1"/>
+                                          </p:val>
+                                        </p:tav>
+                                        <p:tav tm="100000">
+                                          <p:val>
+                                            <p:strVal val="#ppt_y"/>
+                                          </p:val>
+                                        </p:tav>
+                                      </p:tavLst>
+                                    </p:anim>
+                                  </p:childTnLst>
+                                </p:cTn>
+                              </p:par>
+                            </p:childTnLst>
+                          </p:cTn>
+                        </p:par>
+                      </p:childTnLst>
+                    </p:cTn>
+                  </p:par>
+                  <p:par>
+                    <p:cTn id="17" fill="hold">
+                      <p:stCondLst>
+                        <p:cond delay="indefinite"/>
+                      </p:stCondLst>
+                      <p:childTnLst>
+                        <p:par>
+                          <p:cTn id="18" fill="hold">
+                            <p:stCondLst>
+                              <p:cond delay="0"/>
+                            </p:stCondLst>
+                            <p:childTnLst>
+                              <p:par>
+                                <p:cTn id="19" presetID="42" presetClass="entr" presetSubtype="0" fill="hold" grpId="0" nodeType="clickEffect">
+                                  <p:stCondLst>
+                                    <p:cond delay="0"/>
+                                  </p:stCondLst>
+                                  <p:childTnLst>
+                                    <p:set>
+                                      <p:cBhvr>
+                                        <p:cTn id="20" dur="1" fill="hold">
+                                          <p:stCondLst>
+                                            <p:cond delay="0"/>
+                                          </p:stCondLst>
+                                        </p:cTn>
+                                        <p:tgtEl>
+                                          <p:spTgt spid="3"/>
+                                        </p:tgtEl>
+                                        <p:attrNameLst>
+                                          <p:attrName>style.visibility</p:attrName>
+                                        </p:attrNameLst>
+                                      </p:cBhvr>
+                                      <p:to>
+                                        <p:strVal val="visible"/>
+                                      </p:to>
+                                    </p:set>
+                                    <p:animEffect transition="in" filter="fade">
+                                      <p:cBhvr>
+                                        <p:cTn id="21" dur="1000"/>
+                                        <p:tgtEl>
+                                          <p:spTgt spid="3"/>
+                                        </p:tgtEl>
+                                      </p:cBhvr>
+                                    </p:animEffect>
+                                    <p:anim calcmode="lin" valueType="num">
+                                      <p:cBhvr>
+                                        <p:cTn id="22" dur="1000" fill="hold"/>
+                                        <p:tgtEl>
+                                          <p:spTgt spid="3"/>
+                                        </p:tgtEl>
+                                        <p:attrNameLst>
+                                          <p:attrName>ppt_x</p:attrName>
+                                        </p:attrNameLst>
+                                      </p:cBhvr>
+                                      <p:tavLst>
+                                        <p:tav tm="0">
+                                          <p:val>
+                                            <p:strVal val="#ppt_x"/>
+                                          </p:val>
+                                        </p:tav>
+                                        <p:tav tm="100000">
+                                          <p:val>
+                                            <p:strVal val="#ppt_x"/>
+                                          </p:val>
+                                        </p:tav>
+                                      </p:tavLst>
+                                    </p:anim>
+                                    <p:anim calcmode="lin" valueType="num">
+                                      <p:cBhvr>
+                                        <p:cTn id="23" dur="1000" fill="hold"/>
+                                        <p:tgtEl>
+                                          <p:spTgt spid="3"/>
+                                        </p:tgtEl>
+                                        <p:attrNameLst>
+                                          <p:attrName>ppt_y</p:attrName>
+                                        </p:attrNameLst>
+                                      </p:cBhvr>
+                                      <p:tavLst>
+                                        <p:tav tm="0">
+                                          <p:val>
+                                            <p:strVal val="#ppt_y+.1"/>
+                                          </p:val>
+                                        </p:tav>
+                                        <p:tav tm="100000">
+                                          <p:val>
+                                            <p:strVal val="#ppt_y"/>
+                                          </p:val>
+                                        </p:tav>
+                                      </p:tavLst>
+                                    </p:anim>
+                                  </p:childTnLst>
+                                </p:cTn>
+                              </p:par>
+                            </p:childTnLst>
+                          </p:cTn>
+                        </p:par>
+                      </p:childTnLst>
+                    </p:cTn>
+                  </p:par>
+                </p:childTnLst>
+              </p:cTn>
+              <p:prevCondLst>
+                <p:cond evt="onPrev" delay="0">
+                  <p:tgtEl>
+                    <p:sldTgt/>
+                  </p:tgtEl>
+                </p:cond>
+              </p:prevCondLst>
+              <p:nextCondLst>
+                <p:cond evt="onNext" delay="0">
+                  <p:tgtEl>
+                    <p:sldTgt/>
+                  </p:tgtEl>
+                </p:cond>
+              </p:nextCondLst>
+            </p:seq>
+          </p:childTnLst>
+        </p:cTn>
       </p:par>
     </p:tnLst>
+    <p:bldLst>
+      <p:bldP spid="6" grpId="0"/>
+      <p:bldP spid="3" grpId="0"/>
+    </p:bldLst>
   </p:timing>
 </p:sld>
 </file>
@@ -5234,7 +6460,7 @@
         </p:blipFill>
         <p:spPr>
           <a:xfrm>
-            <a:off x="537411" y="3175161"/>
+            <a:off x="295040" y="3164144"/>
             <a:ext cx="5143946" cy="1493649"/>
           </a:xfrm>
           <a:prstGeom prst="rect">
@@ -5393,8 +6619,8 @@
         </p:nvSpPr>
         <p:spPr>
           <a:xfrm>
-            <a:off x="914400" y="1690688"/>
-            <a:ext cx="10439400" cy="3717925"/>
+            <a:off x="914400" y="1690690"/>
+            <a:ext cx="10439400" cy="2198264"/>
           </a:xfrm>
         </p:spPr>
         <p:txBody>
@@ -5562,16 +6788,10 @@
           <a:bodyPr/>
           <a:lstStyle/>
           <a:p>
-            <a:r>
-              <a:rPr lang="zh-CN" altLang="en-US" dirty="0" smtClean="0"/>
-              <a:t>将词表示成连续稠密的实值向量</a:t>
-            </a:r>
-            <a:endParaRPr lang="en-US" altLang="zh-CN" dirty="0"/>
-          </a:p>
-          <a:p>
-            <a:endParaRPr lang="en-US" altLang="zh-CN" dirty="0" smtClean="0"/>
-          </a:p>
-          <a:p>
+            <a:pPr>
+              <a:buFont typeface="Wingdings" panose="05000000000000000000" pitchFamily="2" charset="2"/>
+              <a:buChar char="l"/>
+            </a:pPr>
             <a:r>
               <a:rPr lang="zh-CN" altLang="en-US" dirty="0" smtClean="0"/>
               <a:t>词的语义由其上下文决定</a:t>
@@ -5583,10 +6803,6 @@
               <a:buNone/>
             </a:pPr>
             <a:r>
-              <a:rPr lang="en-US" altLang="zh-CN" dirty="0"/>
-              <a:t> </a:t>
-            </a:r>
-            <a:r>
               <a:rPr lang="en-US" altLang="zh-CN" dirty="0" smtClean="0"/>
               <a:t>  </a:t>
             </a:r>
@@ -5608,6 +6824,38 @@
             </a:r>
           </a:p>
           <a:p>
+            <a:pPr>
+              <a:buFont typeface="Wingdings" panose="05000000000000000000" pitchFamily="2" charset="2"/>
+              <a:buChar char="l"/>
+            </a:pPr>
+            <a:endParaRPr lang="en-US" altLang="zh-CN" dirty="0"/>
+          </a:p>
+          <a:p>
+            <a:pPr>
+              <a:buFont typeface="Wingdings" panose="05000000000000000000" pitchFamily="2" charset="2"/>
+              <a:buChar char="l"/>
+            </a:pPr>
+            <a:r>
+              <a:rPr lang="zh-CN" altLang="en-US" dirty="0"/>
+              <a:t>将词表示成连续稠密的实值向量</a:t>
+            </a:r>
+            <a:endParaRPr lang="en-US" altLang="zh-CN" dirty="0"/>
+          </a:p>
+          <a:p>
+            <a:pPr marL="0" indent="0">
+              <a:buNone/>
+            </a:pPr>
+            <a:endParaRPr lang="en-US" altLang="zh-CN" dirty="0" smtClean="0"/>
+          </a:p>
+          <a:p>
+            <a:pPr>
+              <a:buFont typeface="Wingdings" panose="05000000000000000000" pitchFamily="2" charset="2"/>
+              <a:buChar char="l"/>
+            </a:pPr>
+            <a:r>
+              <a:rPr lang="zh-CN" altLang="en-US" dirty="0" smtClean="0"/>
+              <a:t>也称为分布式表示</a:t>
+            </a:r>
             <a:endParaRPr lang="en-US" altLang="zh-CN" dirty="0" smtClean="0"/>
           </a:p>
           <a:p>
@@ -6311,7 +7559,7 @@
           <p:nvPr/>
         </p:nvPicPr>
         <p:blipFill>
-          <a:blip r:embed="rId3"/>
+          <a:blip r:embed="rId4"/>
           <a:stretch>
             <a:fillRect/>
           </a:stretch>
@@ -6348,12 +7596,12 @@
           <a:graphicData uri="http://schemas.openxmlformats.org/presentationml/2006/ole">
             <mc:AlternateContent xmlns:mc="http://schemas.openxmlformats.org/markup-compatibility/2006">
               <mc:Choice xmlns:v="urn:schemas-microsoft-com:vml" Requires="v">
-                <p:oleObj spid="_x0000_s2062" name="Equation" r:id="rId4" imgW="2882880" imgH="203040" progId="Equation.DSMT4">
+                <p:oleObj spid="_x0000_s2070" name="Equation" r:id="rId5" imgW="2882880" imgH="203040" progId="Equation.DSMT4">
                   <p:embed/>
                 </p:oleObj>
               </mc:Choice>
               <mc:Fallback>
-                <p:oleObj name="Equation" r:id="rId4" imgW="2882880" imgH="203040" progId="Equation.DSMT4">
+                <p:oleObj name="Equation" r:id="rId5" imgW="2882880" imgH="203040" progId="Equation.DSMT4">
                   <p:embed/>
                   <p:pic>
                     <p:nvPicPr>
@@ -6362,7 +7610,7 @@
                       <p:nvPr/>
                     </p:nvPicPr>
                     <p:blipFill>
-                      <a:blip r:embed="rId5"/>
+                      <a:blip r:embed="rId6"/>
                       <a:stretch>
                         <a:fillRect/>
                       </a:stretch>
@@ -6485,12 +7733,12 @@
           <a:graphicData uri="http://schemas.openxmlformats.org/presentationml/2006/ole">
             <mc:AlternateContent xmlns:mc="http://schemas.openxmlformats.org/markup-compatibility/2006">
               <mc:Choice xmlns:v="urn:schemas-microsoft-com:vml" Requires="v">
-                <p:oleObj spid="_x0000_s1106" name="Equation" r:id="rId3" imgW="914400" imgH="179640" progId="Equation.DSMT4">
+                <p:oleObj spid="_x0000_s1154" name="Equation" r:id="rId4" imgW="914400" imgH="179640" progId="Equation.DSMT4">
                   <p:embed/>
                 </p:oleObj>
               </mc:Choice>
               <mc:Fallback>
-                <p:oleObj name="Equation" r:id="rId3" imgW="914400" imgH="179640" progId="Equation.DSMT4">
+                <p:oleObj name="Equation" r:id="rId4" imgW="914400" imgH="179640" progId="Equation.DSMT4">
                   <p:embed/>
                   <p:pic>
                     <p:nvPicPr>
@@ -6499,7 +7747,7 @@
                       <p:nvPr/>
                     </p:nvPicPr>
                     <p:blipFill>
-                      <a:blip r:embed="rId4"/>
+                      <a:blip r:embed="rId5"/>
                       <a:stretch>
                         <a:fillRect/>
                       </a:stretch>
@@ -6542,12 +7790,12 @@
           <a:graphicData uri="http://schemas.openxmlformats.org/presentationml/2006/ole">
             <mc:AlternateContent xmlns:mc="http://schemas.openxmlformats.org/markup-compatibility/2006">
               <mc:Choice xmlns:v="urn:schemas-microsoft-com:vml" Requires="v">
-                <p:oleObj spid="_x0000_s1107" name="Equation" r:id="rId5" imgW="1752480" imgH="203040" progId="Equation.DSMT4">
+                <p:oleObj spid="_x0000_s1155" name="Equation" r:id="rId6" imgW="1752480" imgH="203040" progId="Equation.DSMT4">
                   <p:embed/>
                 </p:oleObj>
               </mc:Choice>
               <mc:Fallback>
-                <p:oleObj name="Equation" r:id="rId5" imgW="1752480" imgH="203040" progId="Equation.DSMT4">
+                <p:oleObj name="Equation" r:id="rId6" imgW="1752480" imgH="203040" progId="Equation.DSMT4">
                   <p:embed/>
                   <p:pic>
                     <p:nvPicPr>
@@ -6556,7 +7804,7 @@
                       <p:nvPr/>
                     </p:nvPicPr>
                     <p:blipFill>
-                      <a:blip r:embed="rId6"/>
+                      <a:blip r:embed="rId7"/>
                       <a:stretch>
                         <a:fillRect/>
                       </a:stretch>
@@ -6599,12 +7847,12 @@
           <a:graphicData uri="http://schemas.openxmlformats.org/presentationml/2006/ole">
             <mc:AlternateContent xmlns:mc="http://schemas.openxmlformats.org/markup-compatibility/2006">
               <mc:Choice xmlns:v="urn:schemas-microsoft-com:vml" Requires="v">
-                <p:oleObj spid="_x0000_s1108" name="Equation" r:id="rId7" imgW="672840" imgH="203040" progId="Equation.DSMT4">
+                <p:oleObj spid="_x0000_s1156" name="Equation" r:id="rId8" imgW="672840" imgH="203040" progId="Equation.DSMT4">
                   <p:embed/>
                 </p:oleObj>
               </mc:Choice>
               <mc:Fallback>
-                <p:oleObj name="Equation" r:id="rId7" imgW="672840" imgH="203040" progId="Equation.DSMT4">
+                <p:oleObj name="Equation" r:id="rId8" imgW="672840" imgH="203040" progId="Equation.DSMT4">
                   <p:embed/>
                   <p:pic>
                     <p:nvPicPr>
@@ -6613,7 +7861,7 @@
                       <p:nvPr/>
                     </p:nvPicPr>
                     <p:blipFill>
-                      <a:blip r:embed="rId8"/>
+                      <a:blip r:embed="rId9"/>
                       <a:stretch>
                         <a:fillRect/>
                       </a:stretch>
@@ -6661,7 +7909,7 @@
                 <a:latin typeface="楷体" panose="02010609060101010101" pitchFamily="49" charset="-122"/>
                 <a:ea typeface="楷体" panose="02010609060101010101" pitchFamily="49" charset="-122"/>
               </a:rPr>
-              <a:t>实体</a:t>
+              <a:t>实体集</a:t>
             </a:r>
             <a:endParaRPr lang="zh-CN" altLang="en-US" sz="2800" dirty="0">
               <a:latin typeface="楷体" panose="02010609060101010101" pitchFamily="49" charset="-122"/>
@@ -6692,12 +7940,12 @@
           <a:graphicData uri="http://schemas.openxmlformats.org/presentationml/2006/ole">
             <mc:AlternateContent xmlns:mc="http://schemas.openxmlformats.org/markup-compatibility/2006">
               <mc:Choice xmlns:v="urn:schemas-microsoft-com:vml" Requires="v">
-                <p:oleObj spid="_x0000_s1109" name="Equation" r:id="rId9" imgW="1066680" imgH="203040" progId="Equation.DSMT4">
+                <p:oleObj spid="_x0000_s1157" name="Equation" r:id="rId10" imgW="1066680" imgH="203040" progId="Equation.DSMT4">
                   <p:embed/>
                 </p:oleObj>
               </mc:Choice>
               <mc:Fallback>
-                <p:oleObj name="Equation" r:id="rId9" imgW="1066680" imgH="203040" progId="Equation.DSMT4">
+                <p:oleObj name="Equation" r:id="rId10" imgW="1066680" imgH="203040" progId="Equation.DSMT4">
                   <p:embed/>
                   <p:pic>
                     <p:nvPicPr>
@@ -6706,7 +7954,7 @@
                       <p:nvPr/>
                     </p:nvPicPr>
                     <p:blipFill>
-                      <a:blip r:embed="rId10"/>
+                      <a:blip r:embed="rId11"/>
                       <a:stretch>
                         <a:fillRect/>
                       </a:stretch>
@@ -6749,12 +7997,12 @@
           <a:graphicData uri="http://schemas.openxmlformats.org/presentationml/2006/ole">
             <mc:AlternateContent xmlns:mc="http://schemas.openxmlformats.org/markup-compatibility/2006">
               <mc:Choice xmlns:v="urn:schemas-microsoft-com:vml" Requires="v">
-                <p:oleObj spid="_x0000_s1110" name="Equation" r:id="rId11" imgW="1180800" imgH="203040" progId="Equation.DSMT4">
+                <p:oleObj spid="_x0000_s1158" name="Equation" r:id="rId12" imgW="1180800" imgH="203040" progId="Equation.DSMT4">
                   <p:embed/>
                 </p:oleObj>
               </mc:Choice>
               <mc:Fallback>
-                <p:oleObj name="Equation" r:id="rId11" imgW="1180800" imgH="203040" progId="Equation.DSMT4">
+                <p:oleObj name="Equation" r:id="rId12" imgW="1180800" imgH="203040" progId="Equation.DSMT4">
                   <p:embed/>
                   <p:pic>
                     <p:nvPicPr>
@@ -6763,7 +8011,7 @@
                       <p:nvPr/>
                     </p:nvPicPr>
                     <p:blipFill>
-                      <a:blip r:embed="rId12"/>
+                      <a:blip r:embed="rId13"/>
                       <a:stretch>
                         <a:fillRect/>
                       </a:stretch>
@@ -6811,8 +8059,19 @@
                 <a:latin typeface="楷体" panose="02010609060101010101" pitchFamily="49" charset="-122"/>
                 <a:ea typeface="楷体" panose="02010609060101010101" pitchFamily="49" charset="-122"/>
               </a:rPr>
-              <a:t>关系</a:t>
-            </a:r>
+              <a:t>关</a:t>
+            </a:r>
+            <a:r>
+              <a:rPr lang="zh-CN" altLang="en-US" sz="2800" dirty="0" smtClean="0">
+                <a:latin typeface="楷体" panose="02010609060101010101" pitchFamily="49" charset="-122"/>
+                <a:ea typeface="楷体" panose="02010609060101010101" pitchFamily="49" charset="-122"/>
+              </a:rPr>
+              <a:t>系集</a:t>
+            </a:r>
+            <a:endParaRPr lang="zh-CN" altLang="en-US" sz="2800" dirty="0">
+              <a:latin typeface="楷体" panose="02010609060101010101" pitchFamily="49" charset="-122"/>
+              <a:ea typeface="楷体" panose="02010609060101010101" pitchFamily="49" charset="-122"/>
+            </a:endParaRPr>
           </a:p>
         </p:txBody>
       </p:sp>
@@ -6881,12 +8140,12 @@
           <a:graphicData uri="http://schemas.openxmlformats.org/presentationml/2006/ole">
             <mc:AlternateContent xmlns:mc="http://schemas.openxmlformats.org/markup-compatibility/2006">
               <mc:Choice xmlns:v="urn:schemas-microsoft-com:vml" Requires="v">
-                <p:oleObj spid="_x0000_s1111" name="Equation" r:id="rId13" imgW="457200" imgH="203040" progId="Equation.DSMT4">
+                <p:oleObj spid="_x0000_s1159" name="Equation" r:id="rId14" imgW="457200" imgH="203040" progId="Equation.DSMT4">
                   <p:embed/>
                 </p:oleObj>
               </mc:Choice>
               <mc:Fallback>
-                <p:oleObj name="Equation" r:id="rId13" imgW="457200" imgH="203040" progId="Equation.DSMT4">
+                <p:oleObj name="Equation" r:id="rId14" imgW="457200" imgH="203040" progId="Equation.DSMT4">
                   <p:embed/>
                   <p:pic>
                     <p:nvPicPr>
@@ -6895,7 +8154,7 @@
                       <p:nvPr/>
                     </p:nvPicPr>
                     <p:blipFill>
-                      <a:blip r:embed="rId14"/>
+                      <a:blip r:embed="rId15"/>
                       <a:stretch>
                         <a:fillRect/>
                       </a:stretch>
@@ -6962,7 +8221,7 @@
           <p:nvPr/>
         </p:nvPicPr>
         <p:blipFill>
-          <a:blip r:embed="rId2">
+          <a:blip r:embed="rId3">
             <a:extLst>
               <a:ext uri="{28A0092B-C50C-407E-A947-70E740481C1C}">
                 <a14:useLocalDpi xmlns:a14="http://schemas.microsoft.com/office/drawing/2010/main" val="0"/>
@@ -7208,7 +8467,12 @@
             <p:ph type="title"/>
           </p:nvPr>
         </p:nvSpPr>
-        <p:spPr/>
+        <p:spPr>
+          <a:xfrm>
+            <a:off x="775890" y="405071"/>
+            <a:ext cx="10515600" cy="1325563"/>
+          </a:xfrm>
+        </p:spPr>
         <p:txBody>
           <a:bodyPr>
             <a:normAutofit/>
@@ -7231,24 +8495,316 @@
       </p:sp>
       <p:sp>
         <p:nvSpPr>
-          <p:cNvPr id="3" name="内容占位符 2"/>
-          <p:cNvSpPr>
-            <a:spLocks noGrp="1"/>
-          </p:cNvSpPr>
-          <p:nvPr>
-            <p:ph idx="1"/>
-          </p:nvPr>
-        </p:nvSpPr>
-        <p:spPr/>
-        <p:txBody>
-          <a:bodyPr/>
-          <a:lstStyle/>
-          <a:p>
-            <a:r>
-              <a:rPr lang="zh-CN" altLang="en-US" dirty="0" smtClean="0"/>
-              <a:t>将知识库中的实体，关系表示为连续稠密的实值向量</a:t>
-            </a:r>
-            <a:endParaRPr lang="zh-CN" altLang="en-US" dirty="0"/>
+          <p:cNvPr id="5" name="标题 1"/>
+          <p:cNvSpPr txBox="1">
+            <a:spLocks/>
+          </p:cNvSpPr>
+          <p:nvPr/>
+        </p:nvSpPr>
+        <p:spPr>
+          <a:xfrm>
+            <a:off x="550829" y="1471146"/>
+            <a:ext cx="10515600" cy="1325563"/>
+          </a:xfrm>
+          <a:prstGeom prst="rect">
+            <a:avLst/>
+          </a:prstGeom>
+        </p:spPr>
+        <p:txBody>
+          <a:bodyPr vert="horz" lIns="91440" tIns="45720" rIns="91440" bIns="45720" rtlCol="0" anchor="ctr">
+            <a:normAutofit/>
+          </a:bodyPr>
+          <a:lstStyle>
+            <a:lvl1pPr algn="l" defTabSz="914400" rtl="0" eaLnBrk="1" latinLnBrk="0" hangingPunct="1">
+              <a:lnSpc>
+                <a:spcPct val="90000"/>
+              </a:lnSpc>
+              <a:spcBef>
+                <a:spcPct val="0"/>
+              </a:spcBef>
+              <a:buNone/>
+              <a:defRPr sz="4400" kern="1200">
+                <a:solidFill>
+                  <a:schemeClr val="tx1"/>
+                </a:solidFill>
+                <a:latin typeface="+mj-lt"/>
+                <a:ea typeface="+mj-ea"/>
+                <a:cs typeface="+mj-cs"/>
+              </a:defRPr>
+            </a:lvl1pPr>
+          </a:lstStyle>
+          <a:p>
+            <a:r>
+              <a:rPr lang="en-US" altLang="zh-CN" dirty="0" err="1" smtClean="0">
+                <a:latin typeface="Times New Roman" panose="02020603050405020304" pitchFamily="18" charset="0"/>
+                <a:ea typeface="楷体" panose="02010609060101010101" pitchFamily="49" charset="-122"/>
+              </a:rPr>
+              <a:t>Transe</a:t>
+            </a:r>
+            <a:r>
+              <a:rPr lang="zh-CN" altLang="en-US" dirty="0" smtClean="0">
+                <a:latin typeface="Times New Roman" panose="02020603050405020304" pitchFamily="18" charset="0"/>
+                <a:ea typeface="楷体" panose="02010609060101010101" pitchFamily="49" charset="-122"/>
+              </a:rPr>
+              <a:t>模型（翻译模型）</a:t>
+            </a:r>
+            <a:endParaRPr lang="zh-CN" altLang="en-US" dirty="0">
+              <a:latin typeface="Times New Roman" panose="02020603050405020304" pitchFamily="18" charset="0"/>
+              <a:ea typeface="楷体" panose="02010609060101010101" pitchFamily="49" charset="-122"/>
+            </a:endParaRPr>
+          </a:p>
+        </p:txBody>
+      </p:sp>
+      <p:graphicFrame>
+        <p:nvGraphicFramePr>
+          <p:cNvPr id="6" name="对象 5"/>
+          <p:cNvGraphicFramePr>
+            <a:graphicFrameLocks noChangeAspect="1"/>
+          </p:cNvGraphicFramePr>
+          <p:nvPr>
+            <p:extLst>
+              <p:ext uri="{D42A27DB-BD31-4B8C-83A1-F6EECF244321}">
+                <p14:modId xmlns:p14="http://schemas.microsoft.com/office/powerpoint/2010/main" val="1458727759"/>
+              </p:ext>
+            </p:extLst>
+          </p:nvPr>
+        </p:nvGraphicFramePr>
+        <p:xfrm>
+          <a:off x="550829" y="3279792"/>
+          <a:ext cx="6592696" cy="490483"/>
+        </p:xfrm>
+        <a:graphic>
+          <a:graphicData uri="http://schemas.openxmlformats.org/presentationml/2006/ole">
+            <mc:AlternateContent xmlns:mc="http://schemas.openxmlformats.org/markup-compatibility/2006">
+              <mc:Choice xmlns:v="urn:schemas-microsoft-com:vml" Requires="v">
+                <p:oleObj spid="_x0000_s5134" name="Equation" r:id="rId4" imgW="2882880" imgH="203040" progId="Equation.DSMT4">
+                  <p:embed/>
+                </p:oleObj>
+              </mc:Choice>
+              <mc:Fallback>
+                <p:oleObj name="Equation" r:id="rId4" imgW="2882880" imgH="203040" progId="Equation.DSMT4">
+                  <p:embed/>
+                  <p:pic>
+                    <p:nvPicPr>
+                      <p:cNvPr id="0" name=""/>
+                      <p:cNvPicPr/>
+                      <p:nvPr/>
+                    </p:nvPicPr>
+                    <p:blipFill>
+                      <a:blip r:embed="rId5"/>
+                      <a:stretch>
+                        <a:fillRect/>
+                      </a:stretch>
+                    </p:blipFill>
+                    <p:spPr>
+                      <a:xfrm>
+                        <a:off x="550829" y="3279792"/>
+                        <a:ext cx="6592696" cy="490483"/>
+                      </a:xfrm>
+                      <a:prstGeom prst="rect">
+                        <a:avLst/>
+                      </a:prstGeom>
+                    </p:spPr>
+                  </p:pic>
+                </p:oleObj>
+              </mc:Fallback>
+            </mc:AlternateContent>
+          </a:graphicData>
+        </a:graphic>
+      </p:graphicFrame>
+      <p:graphicFrame>
+        <p:nvGraphicFramePr>
+          <p:cNvPr id="7" name="对象 6"/>
+          <p:cNvGraphicFramePr>
+            <a:graphicFrameLocks noChangeAspect="1"/>
+          </p:cNvGraphicFramePr>
+          <p:nvPr>
+            <p:extLst>
+              <p:ext uri="{D42A27DB-BD31-4B8C-83A1-F6EECF244321}">
+                <p14:modId xmlns:p14="http://schemas.microsoft.com/office/powerpoint/2010/main" val="3038683846"/>
+              </p:ext>
+            </p:extLst>
+          </p:nvPr>
+        </p:nvGraphicFramePr>
+        <p:xfrm>
+          <a:off x="838200" y="5014483"/>
+          <a:ext cx="3153697" cy="482600"/>
+        </p:xfrm>
+        <a:graphic>
+          <a:graphicData uri="http://schemas.openxmlformats.org/presentationml/2006/ole">
+            <mc:AlternateContent xmlns:mc="http://schemas.openxmlformats.org/markup-compatibility/2006">
+              <mc:Choice xmlns:v="urn:schemas-microsoft-com:vml" Requires="v">
+                <p:oleObj spid="_x0000_s5135" name="Equation" r:id="rId6" imgW="1155600" imgH="203040" progId="Equation.DSMT4">
+                  <p:embed/>
+                </p:oleObj>
+              </mc:Choice>
+              <mc:Fallback>
+                <p:oleObj name="Equation" r:id="rId6" imgW="1155600" imgH="203040" progId="Equation.DSMT4">
+                  <p:embed/>
+                  <p:pic>
+                    <p:nvPicPr>
+                      <p:cNvPr id="0" name=""/>
+                      <p:cNvPicPr/>
+                      <p:nvPr/>
+                    </p:nvPicPr>
+                    <p:blipFill>
+                      <a:blip r:embed="rId7"/>
+                      <a:stretch>
+                        <a:fillRect/>
+                      </a:stretch>
+                    </p:blipFill>
+                    <p:spPr>
+                      <a:xfrm>
+                        <a:off x="838200" y="5014483"/>
+                        <a:ext cx="3153697" cy="482600"/>
+                      </a:xfrm>
+                      <a:prstGeom prst="rect">
+                        <a:avLst/>
+                      </a:prstGeom>
+                    </p:spPr>
+                  </p:pic>
+                </p:oleObj>
+              </mc:Fallback>
+            </mc:AlternateContent>
+          </a:graphicData>
+        </a:graphic>
+      </p:graphicFrame>
+      <p:sp>
+        <p:nvSpPr>
+          <p:cNvPr id="8" name="下箭头 7"/>
+          <p:cNvSpPr/>
+          <p:nvPr/>
+        </p:nvSpPr>
+        <p:spPr>
+          <a:xfrm>
+            <a:off x="2262648" y="4036422"/>
+            <a:ext cx="304800" cy="599770"/>
+          </a:xfrm>
+          <a:prstGeom prst="downArrow">
+            <a:avLst/>
+          </a:prstGeom>
+        </p:spPr>
+        <p:style>
+          <a:lnRef idx="2">
+            <a:schemeClr val="dk1">
+              <a:shade val="50000"/>
+            </a:schemeClr>
+          </a:lnRef>
+          <a:fillRef idx="1">
+            <a:schemeClr val="dk1"/>
+          </a:fillRef>
+          <a:effectRef idx="0">
+            <a:schemeClr val="dk1"/>
+          </a:effectRef>
+          <a:fontRef idx="minor">
+            <a:schemeClr val="lt1"/>
+          </a:fontRef>
+        </p:style>
+        <p:txBody>
+          <a:bodyPr rtlCol="0" anchor="ctr"/>
+          <a:lstStyle/>
+          <a:p>
+            <a:pPr algn="ctr"/>
+            <a:endParaRPr lang="zh-CN" altLang="en-US">
+              <a:ln w="0"/>
+              <a:solidFill>
+                <a:schemeClr val="tx1"/>
+              </a:solidFill>
+              <a:effectLst>
+                <a:outerShdw blurRad="38100" dist="19050" dir="2700000" algn="tl" rotWithShape="0">
+                  <a:schemeClr val="dk1">
+                    <a:alpha val="40000"/>
+                  </a:schemeClr>
+                </a:outerShdw>
+              </a:effectLst>
+            </a:endParaRPr>
+          </a:p>
+        </p:txBody>
+      </p:sp>
+      <p:pic>
+        <p:nvPicPr>
+          <p:cNvPr id="9" name="图片 8"/>
+          <p:cNvPicPr>
+            <a:picLocks noChangeAspect="1"/>
+          </p:cNvPicPr>
+          <p:nvPr/>
+        </p:nvPicPr>
+        <p:blipFill>
+          <a:blip r:embed="rId8">
+            <a:extLst>
+              <a:ext uri="{28A0092B-C50C-407E-A947-70E740481C1C}">
+                <a14:useLocalDpi xmlns:a14="http://schemas.microsoft.com/office/drawing/2010/main" val="0"/>
+              </a:ext>
+            </a:extLst>
+          </a:blip>
+          <a:stretch>
+            <a:fillRect/>
+          </a:stretch>
+        </p:blipFill>
+        <p:spPr>
+          <a:xfrm>
+            <a:off x="7217044" y="1558934"/>
+            <a:ext cx="4672614" cy="4299548"/>
+          </a:xfrm>
+          <a:prstGeom prst="rect">
+            <a:avLst/>
+          </a:prstGeom>
+        </p:spPr>
+      </p:pic>
+      <p:sp>
+        <p:nvSpPr>
+          <p:cNvPr id="10" name="文本框 9"/>
+          <p:cNvSpPr txBox="1"/>
+          <p:nvPr/>
+        </p:nvSpPr>
+        <p:spPr>
+          <a:xfrm>
+            <a:off x="550829" y="6029377"/>
+            <a:ext cx="8606913" cy="523220"/>
+          </a:xfrm>
+          <a:prstGeom prst="rect">
+            <a:avLst/>
+          </a:prstGeom>
+          <a:noFill/>
+        </p:spPr>
+        <p:txBody>
+          <a:bodyPr wrap="square" rtlCol="0">
+            <a:spAutoFit/>
+          </a:bodyPr>
+          <a:lstStyle/>
+          <a:p>
+            <a:r>
+              <a:rPr lang="zh-CN" altLang="en-US" sz="2800" dirty="0" smtClean="0">
+                <a:latin typeface="楷体" panose="02010609060101010101" pitchFamily="49" charset="-122"/>
+                <a:ea typeface="楷体" panose="02010609060101010101" pitchFamily="49" charset="-122"/>
+              </a:rPr>
+              <a:t>将关系向量看作是头向量到尾向量的平移 </a:t>
+            </a:r>
+            <a:r>
+              <a:rPr lang="en-US" altLang="zh-CN" sz="2800" dirty="0" smtClean="0">
+                <a:latin typeface="楷体" panose="02010609060101010101" pitchFamily="49" charset="-122"/>
+                <a:ea typeface="楷体" panose="02010609060101010101" pitchFamily="49" charset="-122"/>
+              </a:rPr>
+              <a:t>(</a:t>
+            </a:r>
+            <a:r>
+              <a:rPr lang="zh-CN" altLang="en-US" sz="2800" dirty="0" smtClean="0">
+                <a:latin typeface="楷体" panose="02010609060101010101" pitchFamily="49" charset="-122"/>
+                <a:ea typeface="楷体" panose="02010609060101010101" pitchFamily="49" charset="-122"/>
+              </a:rPr>
+              <a:t>翻译</a:t>
+            </a:r>
+            <a:r>
+              <a:rPr lang="en-US" altLang="zh-CN" sz="2800" dirty="0" smtClean="0">
+                <a:latin typeface="楷体" panose="02010609060101010101" pitchFamily="49" charset="-122"/>
+                <a:ea typeface="楷体" panose="02010609060101010101" pitchFamily="49" charset="-122"/>
+              </a:rPr>
+              <a:t>)</a:t>
+            </a:r>
+            <a:endParaRPr lang="zh-CN" altLang="en-US" sz="2800" dirty="0">
+              <a:latin typeface="楷体" panose="02010609060101010101" pitchFamily="49" charset="-122"/>
+              <a:ea typeface="楷体" panose="02010609060101010101" pitchFamily="49" charset="-122"/>
+            </a:endParaRPr>
           </a:p>
         </p:txBody>
       </p:sp>
@@ -7262,6 +8818,599 @@
   <p:clrMapOvr>
     <a:masterClrMapping/>
   </p:clrMapOvr>
+  <p:timing>
+    <p:tnLst>
+      <p:par>
+        <p:cTn id="1" dur="indefinite" restart="never" nodeType="tmRoot">
+          <p:childTnLst>
+            <p:seq concurrent="1" nextAc="seek">
+              <p:cTn id="2" dur="indefinite" nodeType="mainSeq">
+                <p:childTnLst>
+                  <p:par>
+                    <p:cTn id="3" fill="hold">
+                      <p:stCondLst>
+                        <p:cond delay="indefinite"/>
+                      </p:stCondLst>
+                      <p:childTnLst>
+                        <p:par>
+                          <p:cTn id="4" fill="hold">
+                            <p:stCondLst>
+                              <p:cond delay="0"/>
+                            </p:stCondLst>
+                            <p:childTnLst>
+                              <p:par>
+                                <p:cTn id="5" presetID="42" presetClass="entr" presetSubtype="0" fill="hold" grpId="0" nodeType="clickEffect">
+                                  <p:stCondLst>
+                                    <p:cond delay="0"/>
+                                  </p:stCondLst>
+                                  <p:childTnLst>
+                                    <p:set>
+                                      <p:cBhvr>
+                                        <p:cTn id="6" dur="1" fill="hold">
+                                          <p:stCondLst>
+                                            <p:cond delay="0"/>
+                                          </p:stCondLst>
+                                        </p:cTn>
+                                        <p:tgtEl>
+                                          <p:spTgt spid="5"/>
+                                        </p:tgtEl>
+                                        <p:attrNameLst>
+                                          <p:attrName>style.visibility</p:attrName>
+                                        </p:attrNameLst>
+                                      </p:cBhvr>
+                                      <p:to>
+                                        <p:strVal val="visible"/>
+                                      </p:to>
+                                    </p:set>
+                                    <p:animEffect transition="in" filter="fade">
+                                      <p:cBhvr>
+                                        <p:cTn id="7" dur="1000"/>
+                                        <p:tgtEl>
+                                          <p:spTgt spid="5"/>
+                                        </p:tgtEl>
+                                      </p:cBhvr>
+                                    </p:animEffect>
+                                    <p:anim calcmode="lin" valueType="num">
+                                      <p:cBhvr>
+                                        <p:cTn id="8" dur="1000" fill="hold"/>
+                                        <p:tgtEl>
+                                          <p:spTgt spid="5"/>
+                                        </p:tgtEl>
+                                        <p:attrNameLst>
+                                          <p:attrName>ppt_x</p:attrName>
+                                        </p:attrNameLst>
+                                      </p:cBhvr>
+                                      <p:tavLst>
+                                        <p:tav tm="0">
+                                          <p:val>
+                                            <p:strVal val="#ppt_x"/>
+                                          </p:val>
+                                        </p:tav>
+                                        <p:tav tm="100000">
+                                          <p:val>
+                                            <p:strVal val="#ppt_x"/>
+                                          </p:val>
+                                        </p:tav>
+                                      </p:tavLst>
+                                    </p:anim>
+                                    <p:anim calcmode="lin" valueType="num">
+                                      <p:cBhvr>
+                                        <p:cTn id="9" dur="1000" fill="hold"/>
+                                        <p:tgtEl>
+                                          <p:spTgt spid="5"/>
+                                        </p:tgtEl>
+                                        <p:attrNameLst>
+                                          <p:attrName>ppt_y</p:attrName>
+                                        </p:attrNameLst>
+                                      </p:cBhvr>
+                                      <p:tavLst>
+                                        <p:tav tm="0">
+                                          <p:val>
+                                            <p:strVal val="#ppt_y+.1"/>
+                                          </p:val>
+                                        </p:tav>
+                                        <p:tav tm="100000">
+                                          <p:val>
+                                            <p:strVal val="#ppt_y"/>
+                                          </p:val>
+                                        </p:tav>
+                                      </p:tavLst>
+                                    </p:anim>
+                                  </p:childTnLst>
+                                </p:cTn>
+                              </p:par>
+                            </p:childTnLst>
+                          </p:cTn>
+                        </p:par>
+                      </p:childTnLst>
+                    </p:cTn>
+                  </p:par>
+                  <p:par>
+                    <p:cTn id="10" fill="hold">
+                      <p:stCondLst>
+                        <p:cond delay="indefinite"/>
+                      </p:stCondLst>
+                      <p:childTnLst>
+                        <p:par>
+                          <p:cTn id="11" fill="hold">
+                            <p:stCondLst>
+                              <p:cond delay="0"/>
+                            </p:stCondLst>
+                            <p:childTnLst>
+                              <p:par>
+                                <p:cTn id="12" presetID="42" presetClass="entr" presetSubtype="0" fill="hold" nodeType="clickEffect">
+                                  <p:stCondLst>
+                                    <p:cond delay="0"/>
+                                  </p:stCondLst>
+                                  <p:childTnLst>
+                                    <p:set>
+                                      <p:cBhvr>
+                                        <p:cTn id="13" dur="1" fill="hold">
+                                          <p:stCondLst>
+                                            <p:cond delay="0"/>
+                                          </p:stCondLst>
+                                        </p:cTn>
+                                        <p:tgtEl>
+                                          <p:spTgt spid="6"/>
+                                        </p:tgtEl>
+                                        <p:attrNameLst>
+                                          <p:attrName>style.visibility</p:attrName>
+                                        </p:attrNameLst>
+                                      </p:cBhvr>
+                                      <p:to>
+                                        <p:strVal val="visible"/>
+                                      </p:to>
+                                    </p:set>
+                                    <p:animEffect transition="in" filter="fade">
+                                      <p:cBhvr>
+                                        <p:cTn id="14" dur="1000"/>
+                                        <p:tgtEl>
+                                          <p:spTgt spid="6"/>
+                                        </p:tgtEl>
+                                      </p:cBhvr>
+                                    </p:animEffect>
+                                    <p:anim calcmode="lin" valueType="num">
+                                      <p:cBhvr>
+                                        <p:cTn id="15" dur="1000" fill="hold"/>
+                                        <p:tgtEl>
+                                          <p:spTgt spid="6"/>
+                                        </p:tgtEl>
+                                        <p:attrNameLst>
+                                          <p:attrName>ppt_x</p:attrName>
+                                        </p:attrNameLst>
+                                      </p:cBhvr>
+                                      <p:tavLst>
+                                        <p:tav tm="0">
+                                          <p:val>
+                                            <p:strVal val="#ppt_x"/>
+                                          </p:val>
+                                        </p:tav>
+                                        <p:tav tm="100000">
+                                          <p:val>
+                                            <p:strVal val="#ppt_x"/>
+                                          </p:val>
+                                        </p:tav>
+                                      </p:tavLst>
+                                    </p:anim>
+                                    <p:anim calcmode="lin" valueType="num">
+                                      <p:cBhvr>
+                                        <p:cTn id="16" dur="1000" fill="hold"/>
+                                        <p:tgtEl>
+                                          <p:spTgt spid="6"/>
+                                        </p:tgtEl>
+                                        <p:attrNameLst>
+                                          <p:attrName>ppt_y</p:attrName>
+                                        </p:attrNameLst>
+                                      </p:cBhvr>
+                                      <p:tavLst>
+                                        <p:tav tm="0">
+                                          <p:val>
+                                            <p:strVal val="#ppt_y+.1"/>
+                                          </p:val>
+                                        </p:tav>
+                                        <p:tav tm="100000">
+                                          <p:val>
+                                            <p:strVal val="#ppt_y"/>
+                                          </p:val>
+                                        </p:tav>
+                                      </p:tavLst>
+                                    </p:anim>
+                                  </p:childTnLst>
+                                </p:cTn>
+                              </p:par>
+                            </p:childTnLst>
+                          </p:cTn>
+                        </p:par>
+                      </p:childTnLst>
+                    </p:cTn>
+                  </p:par>
+                  <p:par>
+                    <p:cTn id="17" fill="hold">
+                      <p:stCondLst>
+                        <p:cond delay="indefinite"/>
+                      </p:stCondLst>
+                      <p:childTnLst>
+                        <p:par>
+                          <p:cTn id="18" fill="hold">
+                            <p:stCondLst>
+                              <p:cond delay="0"/>
+                            </p:stCondLst>
+                            <p:childTnLst>
+                              <p:par>
+                                <p:cTn id="19" presetID="42" presetClass="entr" presetSubtype="0" fill="hold" grpId="0" nodeType="clickEffect">
+                                  <p:stCondLst>
+                                    <p:cond delay="0"/>
+                                  </p:stCondLst>
+                                  <p:childTnLst>
+                                    <p:set>
+                                      <p:cBhvr>
+                                        <p:cTn id="20" dur="1" fill="hold">
+                                          <p:stCondLst>
+                                            <p:cond delay="0"/>
+                                          </p:stCondLst>
+                                        </p:cTn>
+                                        <p:tgtEl>
+                                          <p:spTgt spid="8"/>
+                                        </p:tgtEl>
+                                        <p:attrNameLst>
+                                          <p:attrName>style.visibility</p:attrName>
+                                        </p:attrNameLst>
+                                      </p:cBhvr>
+                                      <p:to>
+                                        <p:strVal val="visible"/>
+                                      </p:to>
+                                    </p:set>
+                                    <p:animEffect transition="in" filter="fade">
+                                      <p:cBhvr>
+                                        <p:cTn id="21" dur="1000"/>
+                                        <p:tgtEl>
+                                          <p:spTgt spid="8"/>
+                                        </p:tgtEl>
+                                      </p:cBhvr>
+                                    </p:animEffect>
+                                    <p:anim calcmode="lin" valueType="num">
+                                      <p:cBhvr>
+                                        <p:cTn id="22" dur="1000" fill="hold"/>
+                                        <p:tgtEl>
+                                          <p:spTgt spid="8"/>
+                                        </p:tgtEl>
+                                        <p:attrNameLst>
+                                          <p:attrName>ppt_x</p:attrName>
+                                        </p:attrNameLst>
+                                      </p:cBhvr>
+                                      <p:tavLst>
+                                        <p:tav tm="0">
+                                          <p:val>
+                                            <p:strVal val="#ppt_x"/>
+                                          </p:val>
+                                        </p:tav>
+                                        <p:tav tm="100000">
+                                          <p:val>
+                                            <p:strVal val="#ppt_x"/>
+                                          </p:val>
+                                        </p:tav>
+                                      </p:tavLst>
+                                    </p:anim>
+                                    <p:anim calcmode="lin" valueType="num">
+                                      <p:cBhvr>
+                                        <p:cTn id="23" dur="1000" fill="hold"/>
+                                        <p:tgtEl>
+                                          <p:spTgt spid="8"/>
+                                        </p:tgtEl>
+                                        <p:attrNameLst>
+                                          <p:attrName>ppt_y</p:attrName>
+                                        </p:attrNameLst>
+                                      </p:cBhvr>
+                                      <p:tavLst>
+                                        <p:tav tm="0">
+                                          <p:val>
+                                            <p:strVal val="#ppt_y+.1"/>
+                                          </p:val>
+                                        </p:tav>
+                                        <p:tav tm="100000">
+                                          <p:val>
+                                            <p:strVal val="#ppt_y"/>
+                                          </p:val>
+                                        </p:tav>
+                                      </p:tavLst>
+                                    </p:anim>
+                                  </p:childTnLst>
+                                </p:cTn>
+                              </p:par>
+                              <p:par>
+                                <p:cTn id="24" presetID="42" presetClass="entr" presetSubtype="0" fill="hold" nodeType="withEffect">
+                                  <p:stCondLst>
+                                    <p:cond delay="0"/>
+                                  </p:stCondLst>
+                                  <p:childTnLst>
+                                    <p:set>
+                                      <p:cBhvr>
+                                        <p:cTn id="25" dur="1" fill="hold">
+                                          <p:stCondLst>
+                                            <p:cond delay="0"/>
+                                          </p:stCondLst>
+                                        </p:cTn>
+                                        <p:tgtEl>
+                                          <p:spTgt spid="7"/>
+                                        </p:tgtEl>
+                                        <p:attrNameLst>
+                                          <p:attrName>style.visibility</p:attrName>
+                                        </p:attrNameLst>
+                                      </p:cBhvr>
+                                      <p:to>
+                                        <p:strVal val="visible"/>
+                                      </p:to>
+                                    </p:set>
+                                    <p:animEffect transition="in" filter="fade">
+                                      <p:cBhvr>
+                                        <p:cTn id="26" dur="1000"/>
+                                        <p:tgtEl>
+                                          <p:spTgt spid="7"/>
+                                        </p:tgtEl>
+                                      </p:cBhvr>
+                                    </p:animEffect>
+                                    <p:anim calcmode="lin" valueType="num">
+                                      <p:cBhvr>
+                                        <p:cTn id="27" dur="1000" fill="hold"/>
+                                        <p:tgtEl>
+                                          <p:spTgt spid="7"/>
+                                        </p:tgtEl>
+                                        <p:attrNameLst>
+                                          <p:attrName>ppt_x</p:attrName>
+                                        </p:attrNameLst>
+                                      </p:cBhvr>
+                                      <p:tavLst>
+                                        <p:tav tm="0">
+                                          <p:val>
+                                            <p:strVal val="#ppt_x"/>
+                                          </p:val>
+                                        </p:tav>
+                                        <p:tav tm="100000">
+                                          <p:val>
+                                            <p:strVal val="#ppt_x"/>
+                                          </p:val>
+                                        </p:tav>
+                                      </p:tavLst>
+                                    </p:anim>
+                                    <p:anim calcmode="lin" valueType="num">
+                                      <p:cBhvr>
+                                        <p:cTn id="28" dur="1000" fill="hold"/>
+                                        <p:tgtEl>
+                                          <p:spTgt spid="7"/>
+                                        </p:tgtEl>
+                                        <p:attrNameLst>
+                                          <p:attrName>ppt_y</p:attrName>
+                                        </p:attrNameLst>
+                                      </p:cBhvr>
+                                      <p:tavLst>
+                                        <p:tav tm="0">
+                                          <p:val>
+                                            <p:strVal val="#ppt_y+.1"/>
+                                          </p:val>
+                                        </p:tav>
+                                        <p:tav tm="100000">
+                                          <p:val>
+                                            <p:strVal val="#ppt_y"/>
+                                          </p:val>
+                                        </p:tav>
+                                      </p:tavLst>
+                                    </p:anim>
+                                  </p:childTnLst>
+                                </p:cTn>
+                              </p:par>
+                            </p:childTnLst>
+                          </p:cTn>
+                        </p:par>
+                      </p:childTnLst>
+                    </p:cTn>
+                  </p:par>
+                  <p:par>
+                    <p:cTn id="29" fill="hold">
+                      <p:stCondLst>
+                        <p:cond delay="indefinite"/>
+                      </p:stCondLst>
+                      <p:childTnLst>
+                        <p:par>
+                          <p:cTn id="30" fill="hold">
+                            <p:stCondLst>
+                              <p:cond delay="0"/>
+                            </p:stCondLst>
+                            <p:childTnLst>
+                              <p:par>
+                                <p:cTn id="31" presetID="42" presetClass="entr" presetSubtype="0" fill="hold" grpId="0" nodeType="clickEffect">
+                                  <p:stCondLst>
+                                    <p:cond delay="0"/>
+                                  </p:stCondLst>
+                                  <p:childTnLst>
+                                    <p:set>
+                                      <p:cBhvr>
+                                        <p:cTn id="32" dur="1" fill="hold">
+                                          <p:stCondLst>
+                                            <p:cond delay="0"/>
+                                          </p:stCondLst>
+                                        </p:cTn>
+                                        <p:tgtEl>
+                                          <p:spTgt spid="10"/>
+                                        </p:tgtEl>
+                                        <p:attrNameLst>
+                                          <p:attrName>style.visibility</p:attrName>
+                                        </p:attrNameLst>
+                                      </p:cBhvr>
+                                      <p:to>
+                                        <p:strVal val="visible"/>
+                                      </p:to>
+                                    </p:set>
+                                    <p:animEffect transition="in" filter="fade">
+                                      <p:cBhvr>
+                                        <p:cTn id="33" dur="1000"/>
+                                        <p:tgtEl>
+                                          <p:spTgt spid="10"/>
+                                        </p:tgtEl>
+                                      </p:cBhvr>
+                                    </p:animEffect>
+                                    <p:anim calcmode="lin" valueType="num">
+                                      <p:cBhvr>
+                                        <p:cTn id="34" dur="1000" fill="hold"/>
+                                        <p:tgtEl>
+                                          <p:spTgt spid="10"/>
+                                        </p:tgtEl>
+                                        <p:attrNameLst>
+                                          <p:attrName>ppt_x</p:attrName>
+                                        </p:attrNameLst>
+                                      </p:cBhvr>
+                                      <p:tavLst>
+                                        <p:tav tm="0">
+                                          <p:val>
+                                            <p:strVal val="#ppt_x"/>
+                                          </p:val>
+                                        </p:tav>
+                                        <p:tav tm="100000">
+                                          <p:val>
+                                            <p:strVal val="#ppt_x"/>
+                                          </p:val>
+                                        </p:tav>
+                                      </p:tavLst>
+                                    </p:anim>
+                                    <p:anim calcmode="lin" valueType="num">
+                                      <p:cBhvr>
+                                        <p:cTn id="35" dur="1000" fill="hold"/>
+                                        <p:tgtEl>
+                                          <p:spTgt spid="10"/>
+                                        </p:tgtEl>
+                                        <p:attrNameLst>
+                                          <p:attrName>ppt_y</p:attrName>
+                                        </p:attrNameLst>
+                                      </p:cBhvr>
+                                      <p:tavLst>
+                                        <p:tav tm="0">
+                                          <p:val>
+                                            <p:strVal val="#ppt_y+.1"/>
+                                          </p:val>
+                                        </p:tav>
+                                        <p:tav tm="100000">
+                                          <p:val>
+                                            <p:strVal val="#ppt_y"/>
+                                          </p:val>
+                                        </p:tav>
+                                      </p:tavLst>
+                                    </p:anim>
+                                  </p:childTnLst>
+                                </p:cTn>
+                              </p:par>
+                              <p:par>
+                                <p:cTn id="36" presetID="42" presetClass="entr" presetSubtype="0" fill="hold" nodeType="withEffect">
+                                  <p:stCondLst>
+                                    <p:cond delay="0"/>
+                                  </p:stCondLst>
+                                  <p:childTnLst>
+                                    <p:set>
+                                      <p:cBhvr>
+                                        <p:cTn id="37" dur="1" fill="hold">
+                                          <p:stCondLst>
+                                            <p:cond delay="0"/>
+                                          </p:stCondLst>
+                                        </p:cTn>
+                                        <p:tgtEl>
+                                          <p:spTgt spid="9"/>
+                                        </p:tgtEl>
+                                        <p:attrNameLst>
+                                          <p:attrName>style.visibility</p:attrName>
+                                        </p:attrNameLst>
+                                      </p:cBhvr>
+                                      <p:to>
+                                        <p:strVal val="visible"/>
+                                      </p:to>
+                                    </p:set>
+                                    <p:animEffect transition="in" filter="fade">
+                                      <p:cBhvr>
+                                        <p:cTn id="38" dur="1000"/>
+                                        <p:tgtEl>
+                                          <p:spTgt spid="9"/>
+                                        </p:tgtEl>
+                                      </p:cBhvr>
+                                    </p:animEffect>
+                                    <p:anim calcmode="lin" valueType="num">
+                                      <p:cBhvr>
+                                        <p:cTn id="39" dur="1000" fill="hold"/>
+                                        <p:tgtEl>
+                                          <p:spTgt spid="9"/>
+                                        </p:tgtEl>
+                                        <p:attrNameLst>
+                                          <p:attrName>ppt_x</p:attrName>
+                                        </p:attrNameLst>
+                                      </p:cBhvr>
+                                      <p:tavLst>
+                                        <p:tav tm="0">
+                                          <p:val>
+                                            <p:strVal val="#ppt_x"/>
+                                          </p:val>
+                                        </p:tav>
+                                        <p:tav tm="100000">
+                                          <p:val>
+                                            <p:strVal val="#ppt_x"/>
+                                          </p:val>
+                                        </p:tav>
+                                      </p:tavLst>
+                                    </p:anim>
+                                    <p:anim calcmode="lin" valueType="num">
+                                      <p:cBhvr>
+                                        <p:cTn id="40" dur="1000" fill="hold"/>
+                                        <p:tgtEl>
+                                          <p:spTgt spid="9"/>
+                                        </p:tgtEl>
+                                        <p:attrNameLst>
+                                          <p:attrName>ppt_y</p:attrName>
+                                        </p:attrNameLst>
+                                      </p:cBhvr>
+                                      <p:tavLst>
+                                        <p:tav tm="0">
+                                          <p:val>
+                                            <p:strVal val="#ppt_y+.1"/>
+                                          </p:val>
+                                        </p:tav>
+                                        <p:tav tm="100000">
+                                          <p:val>
+                                            <p:strVal val="#ppt_y"/>
+                                          </p:val>
+                                        </p:tav>
+                                      </p:tavLst>
+                                    </p:anim>
+                                  </p:childTnLst>
+                                </p:cTn>
+                              </p:par>
+                            </p:childTnLst>
+                          </p:cTn>
+                        </p:par>
+                      </p:childTnLst>
+                    </p:cTn>
+                  </p:par>
+                </p:childTnLst>
+              </p:cTn>
+              <p:prevCondLst>
+                <p:cond evt="onPrev" delay="0">
+                  <p:tgtEl>
+                    <p:sldTgt/>
+                  </p:tgtEl>
+                </p:cond>
+              </p:prevCondLst>
+              <p:nextCondLst>
+                <p:cond evt="onNext" delay="0">
+                  <p:tgtEl>
+                    <p:sldTgt/>
+                  </p:tgtEl>
+                </p:cond>
+              </p:nextCondLst>
+            </p:seq>
+          </p:childTnLst>
+        </p:cTn>
+      </p:par>
+    </p:tnLst>
+    <p:bldLst>
+      <p:bldP spid="5" grpId="0"/>
+      <p:bldP spid="8" grpId="0" animBg="1"/>
+      <p:bldP spid="10" grpId="0"/>
+    </p:bldLst>
+  </p:timing>
 </p:sld>
 </file>
 
@@ -7340,7 +9489,7 @@
           <a:graphicData uri="http://schemas.openxmlformats.org/presentationml/2006/ole">
             <mc:AlternateContent xmlns:mc="http://schemas.openxmlformats.org/markup-compatibility/2006">
               <mc:Choice xmlns:v="urn:schemas-microsoft-com:vml" Requires="v">
-                <p:oleObj spid="_x0000_s3099" name="Equation" r:id="rId4" imgW="2882880" imgH="203040" progId="Equation.DSMT4">
+                <p:oleObj spid="_x0000_s3113" name="Equation" r:id="rId4" imgW="2882880" imgH="203040" progId="Equation.DSMT4">
                   <p:embed/>
                 </p:oleObj>
               </mc:Choice>
@@ -7397,7 +9546,7 @@
           <a:graphicData uri="http://schemas.openxmlformats.org/presentationml/2006/ole">
             <mc:AlternateContent xmlns:mc="http://schemas.openxmlformats.org/markup-compatibility/2006">
               <mc:Choice xmlns:v="urn:schemas-microsoft-com:vml" Requires="v">
-                <p:oleObj spid="_x0000_s3100" name="Equation" r:id="rId6" imgW="1155600" imgH="203040" progId="Equation.DSMT4">
+                <p:oleObj spid="_x0000_s3114" name="Equation" r:id="rId6" imgW="1155600" imgH="203040" progId="Equation.DSMT4">
                   <p:embed/>
                 </p:oleObj>
               </mc:Choice>

--- a/知识表示学习/知识表示学习.pptx
+++ b/知识表示学习/知识表示学习.pptx
@@ -525,11 +525,7 @@
           <a:p>
             <a:r>
               <a:rPr lang="zh-CN" altLang="en-US" dirty="0" smtClean="0"/>
-              <a:t>机器学习算法的性能依赖于原始数据的表示。 学习一个好的数据表示，可以提高算法的性能</a:t>
-            </a:r>
-            <a:r>
-              <a:rPr lang="zh-CN" altLang="en-US" dirty="0" smtClean="0"/>
-              <a:t>。</a:t>
+              <a:t>机器学习算法的性能依赖于原始数据的表示。 学习一个好的数据表示，可以提高算法的性能。</a:t>
             </a:r>
             <a:endParaRPr lang="en-US" altLang="zh-CN" dirty="0" smtClean="0"/>
           </a:p>
@@ -654,6 +650,180 @@
           <a:lstStyle/>
           <a:p>
             <a:r>
+              <a:rPr lang="en-US" altLang="zh-CN" sz="1200" b="0" i="0" kern="1200" dirty="0" smtClean="0">
+                <a:solidFill>
+                  <a:schemeClr val="tx1"/>
+                </a:solidFill>
+                <a:effectLst/>
+                <a:latin typeface="+mn-lt"/>
+                <a:ea typeface="+mn-ea"/>
+                <a:cs typeface="+mn-cs"/>
+              </a:rPr>
+              <a:t>N-1</a:t>
+            </a:r>
+            <a:r>
+              <a:rPr lang="zh-CN" altLang="en-US" sz="1200" b="0" i="0" kern="1200" dirty="0" smtClean="0">
+                <a:solidFill>
+                  <a:schemeClr val="tx1"/>
+                </a:solidFill>
+                <a:effectLst/>
+                <a:latin typeface="+mn-lt"/>
+                <a:ea typeface="+mn-ea"/>
+                <a:cs typeface="+mn-cs"/>
+              </a:rPr>
+              <a:t>类型关系指的是，该类型关系中的一个尾实体平均对应多个头实体。</a:t>
+            </a:r>
+            <a:endParaRPr lang="en-US" altLang="zh-CN" sz="1200" b="0" i="0" kern="1200" dirty="0" smtClean="0">
+              <a:solidFill>
+                <a:schemeClr val="tx1"/>
+              </a:solidFill>
+              <a:effectLst/>
+              <a:latin typeface="+mn-lt"/>
+              <a:ea typeface="+mn-ea"/>
+              <a:cs typeface="+mn-cs"/>
+            </a:endParaRPr>
+          </a:p>
+          <a:p>
+            <a:endParaRPr lang="en-US" altLang="zh-CN" sz="1200" b="0" i="0" kern="1200" dirty="0" smtClean="0">
+              <a:solidFill>
+                <a:schemeClr val="tx1"/>
+              </a:solidFill>
+              <a:effectLst/>
+              <a:latin typeface="+mn-lt"/>
+              <a:ea typeface="+mn-ea"/>
+              <a:cs typeface="+mn-cs"/>
+            </a:endParaRPr>
+          </a:p>
+          <a:p>
+            <a:r>
+              <a:rPr lang="zh-CN" altLang="en-US" sz="1200" b="0" i="0" kern="1200" dirty="0" smtClean="0">
+                <a:solidFill>
+                  <a:schemeClr val="tx1"/>
+                </a:solidFill>
+                <a:effectLst/>
+                <a:latin typeface="+mn-lt"/>
+                <a:ea typeface="+mn-ea"/>
+                <a:cs typeface="+mn-cs"/>
+              </a:rPr>
+              <a:t>这是由于</a:t>
+            </a:r>
+            <a:r>
+              <a:rPr lang="en-US" altLang="zh-CN" sz="1200" b="0" i="0" kern="1200" dirty="0" err="1" smtClean="0">
+                <a:solidFill>
+                  <a:schemeClr val="tx1"/>
+                </a:solidFill>
+                <a:effectLst/>
+                <a:latin typeface="+mn-lt"/>
+                <a:ea typeface="+mn-ea"/>
+                <a:cs typeface="+mn-cs"/>
+              </a:rPr>
+              <a:t>TransE</a:t>
+            </a:r>
+            <a:r>
+              <a:rPr lang="zh-CN" altLang="en-US" sz="1200" b="0" i="0" kern="1200" dirty="0" smtClean="0">
+                <a:solidFill>
+                  <a:schemeClr val="tx1"/>
+                </a:solidFill>
+                <a:effectLst/>
+                <a:latin typeface="+mn-lt"/>
+                <a:ea typeface="+mn-ea"/>
+                <a:cs typeface="+mn-cs"/>
+              </a:rPr>
+              <a:t>模型过于简单，仅仅是对层次关系进行建模，没有考虑到知识库中其他复杂关系。</a:t>
+            </a:r>
+            <a:endParaRPr lang="en-US" altLang="zh-CN" sz="1200" b="0" i="0" kern="1200" dirty="0" smtClean="0">
+              <a:solidFill>
+                <a:schemeClr val="tx1"/>
+              </a:solidFill>
+              <a:effectLst/>
+              <a:latin typeface="+mn-lt"/>
+              <a:ea typeface="+mn-ea"/>
+              <a:cs typeface="+mn-cs"/>
+            </a:endParaRPr>
+          </a:p>
+        </p:txBody>
+      </p:sp>
+      <p:sp>
+        <p:nvSpPr>
+          <p:cNvPr id="4" name="灯片编号占位符 3"/>
+          <p:cNvSpPr>
+            <a:spLocks noGrp="1"/>
+          </p:cNvSpPr>
+          <p:nvPr>
+            <p:ph type="sldNum" sz="quarter" idx="10"/>
+          </p:nvPr>
+        </p:nvSpPr>
+        <p:spPr/>
+        <p:txBody>
+          <a:bodyPr/>
+          <a:lstStyle/>
+          <a:p>
+            <a:fld id="{03EC23FA-1A74-4866-BA33-81430325FB80}" type="slidenum">
+              <a:rPr lang="zh-CN" altLang="en-US" smtClean="0"/>
+              <a:t>13</a:t>
+            </a:fld>
+            <a:endParaRPr lang="zh-CN" altLang="en-US"/>
+          </a:p>
+        </p:txBody>
+      </p:sp>
+    </p:spTree>
+    <p:extLst>
+      <p:ext uri="{BB962C8B-B14F-4D97-AF65-F5344CB8AC3E}">
+        <p14:creationId xmlns:p14="http://schemas.microsoft.com/office/powerpoint/2010/main" val="1859020454"/>
+      </p:ext>
+    </p:extLst>
+  </p:cSld>
+  <p:clrMapOvr>
+    <a:masterClrMapping/>
+  </p:clrMapOvr>
+</p:notes>
+</file>
+
+<file path=ppt/notesSlides/notesSlide11.xml><?xml version="1.0" encoding="utf-8"?>
+<p:notes xmlns:a="http://schemas.openxmlformats.org/drawingml/2006/main" xmlns:r="http://schemas.openxmlformats.org/officeDocument/2006/relationships" xmlns:p="http://schemas.openxmlformats.org/presentationml/2006/main">
+  <p:cSld>
+    <p:spTree>
+      <p:nvGrpSpPr>
+        <p:cNvPr id="1" name=""/>
+        <p:cNvGrpSpPr/>
+        <p:nvPr/>
+      </p:nvGrpSpPr>
+      <p:grpSpPr>
+        <a:xfrm>
+          <a:off x="0" y="0"/>
+          <a:ext cx="0" cy="0"/>
+          <a:chOff x="0" y="0"/>
+          <a:chExt cx="0" cy="0"/>
+        </a:xfrm>
+      </p:grpSpPr>
+      <p:sp>
+        <p:nvSpPr>
+          <p:cNvPr id="2" name="幻灯片图像占位符 1"/>
+          <p:cNvSpPr>
+            <a:spLocks noGrp="1" noRot="1" noChangeAspect="1"/>
+          </p:cNvSpPr>
+          <p:nvPr>
+            <p:ph type="sldImg"/>
+          </p:nvPr>
+        </p:nvSpPr>
+        <p:spPr/>
+      </p:sp>
+      <p:sp>
+        <p:nvSpPr>
+          <p:cNvPr id="3" name="备注占位符 2"/>
+          <p:cNvSpPr>
+            <a:spLocks noGrp="1"/>
+          </p:cNvSpPr>
+          <p:nvPr>
+            <p:ph type="body" idx="1"/>
+          </p:nvPr>
+        </p:nvSpPr>
+        <p:spPr/>
+        <p:txBody>
+          <a:bodyPr/>
+          <a:lstStyle/>
+          <a:p>
+            <a:r>
               <a:rPr lang="zh-CN" altLang="en-US" dirty="0" smtClean="0"/>
               <a:t>在</a:t>
             </a:r>
@@ -986,11 +1156,7 @@
           <a:p>
             <a:r>
               <a:rPr lang="zh-CN" altLang="en-US" dirty="0" smtClean="0"/>
-              <a:t>关于词表示， 其中有两种较为常见</a:t>
-            </a:r>
-            <a:r>
-              <a:rPr lang="zh-CN" altLang="en-US" dirty="0" smtClean="0"/>
-              <a:t>的模型</a:t>
+              <a:t>关于词表示， 其中有两种较为常见的模型</a:t>
             </a:r>
             <a:endParaRPr lang="en-US" altLang="zh-CN" dirty="0" smtClean="0"/>
           </a:p>
@@ -1040,14 +1206,10 @@
             </a:r>
             <a:r>
               <a:rPr lang="zh-CN" altLang="en-US" dirty="0" smtClean="0"/>
-              <a:t>分</a:t>
-            </a:r>
-            <a:r>
-              <a:rPr lang="zh-CN" altLang="en-US" smtClean="0"/>
-              <a:t>类器</a:t>
-            </a:r>
-            <a:r>
-              <a:rPr lang="zh-CN" altLang="en-US" baseline="0" smtClean="0"/>
+              <a:t>分类器</a:t>
+            </a:r>
+            <a:r>
+              <a:rPr lang="zh-CN" altLang="en-US" baseline="0" dirty="0" smtClean="0"/>
               <a:t>用来归一化输出单元的概率</a:t>
             </a:r>
             <a:endParaRPr lang="zh-CN" altLang="en-US" dirty="0"/>
@@ -1182,7 +1344,11 @@
             </a:r>
             <a:r>
               <a:rPr lang="zh-CN" altLang="en-US" baseline="0" dirty="0" smtClean="0"/>
-              <a:t> 之间都存在着首都关系， 他们在向量空间中的平移向量几乎相同。</a:t>
+              <a:t> 之间都存在着首都关系， </a:t>
+            </a:r>
+            <a:r>
+              <a:rPr lang="zh-CN" altLang="en-US" baseline="0" dirty="0" smtClean="0"/>
+              <a:t>它们之间的平移几乎相同。</a:t>
             </a:r>
             <a:endParaRPr lang="en-US" altLang="zh-CN" baseline="0" dirty="0" smtClean="0"/>
           </a:p>
@@ -1777,97 +1943,7 @@
           <a:bodyPr/>
           <a:lstStyle/>
           <a:p>
-            <a:r>
-              <a:rPr lang="en-US" altLang="zh-CN" sz="1200" b="0" i="0" kern="1200" dirty="0" smtClean="0">
-                <a:solidFill>
-                  <a:schemeClr val="tx1"/>
-                </a:solidFill>
-                <a:effectLst/>
-                <a:latin typeface="+mn-lt"/>
-                <a:ea typeface="+mn-ea"/>
-                <a:cs typeface="+mn-cs"/>
-              </a:rPr>
-              <a:t>N-1</a:t>
-            </a:r>
-            <a:r>
-              <a:rPr lang="zh-CN" altLang="en-US" sz="1200" b="0" i="0" kern="1200" dirty="0" smtClean="0">
-                <a:solidFill>
-                  <a:schemeClr val="tx1"/>
-                </a:solidFill>
-                <a:effectLst/>
-                <a:latin typeface="+mn-lt"/>
-                <a:ea typeface="+mn-ea"/>
-                <a:cs typeface="+mn-cs"/>
-              </a:rPr>
-              <a:t>类型关系指的是，该类型关系中的一个尾实体平均对应多个头实体。</a:t>
-            </a:r>
-            <a:endParaRPr lang="en-US" altLang="zh-CN" sz="1200" b="0" i="0" kern="1200" dirty="0" smtClean="0">
-              <a:solidFill>
-                <a:schemeClr val="tx1"/>
-              </a:solidFill>
-              <a:effectLst/>
-              <a:latin typeface="+mn-lt"/>
-              <a:ea typeface="+mn-ea"/>
-              <a:cs typeface="+mn-cs"/>
-            </a:endParaRPr>
-          </a:p>
-          <a:p>
-            <a:endParaRPr lang="en-US" altLang="zh-CN" sz="1200" b="0" i="0" kern="1200" dirty="0" smtClean="0">
-              <a:solidFill>
-                <a:schemeClr val="tx1"/>
-              </a:solidFill>
-              <a:effectLst/>
-              <a:latin typeface="+mn-lt"/>
-              <a:ea typeface="+mn-ea"/>
-              <a:cs typeface="+mn-cs"/>
-            </a:endParaRPr>
-          </a:p>
-          <a:p>
-            <a:r>
-              <a:rPr lang="zh-CN" altLang="en-US" sz="1200" b="0" i="0" kern="1200" dirty="0" smtClean="0">
-                <a:solidFill>
-                  <a:schemeClr val="tx1"/>
-                </a:solidFill>
-                <a:effectLst/>
-                <a:latin typeface="+mn-lt"/>
-                <a:ea typeface="+mn-ea"/>
-                <a:cs typeface="+mn-cs"/>
-              </a:rPr>
-              <a:t>这是由于</a:t>
-            </a:r>
-            <a:r>
-              <a:rPr lang="en-US" altLang="zh-CN" sz="1200" b="0" i="0" kern="1200" dirty="0" err="1" smtClean="0">
-                <a:solidFill>
-                  <a:schemeClr val="tx1"/>
-                </a:solidFill>
-                <a:effectLst/>
-                <a:latin typeface="+mn-lt"/>
-                <a:ea typeface="+mn-ea"/>
-                <a:cs typeface="+mn-cs"/>
-              </a:rPr>
-              <a:t>TransE</a:t>
-            </a:r>
-            <a:r>
-              <a:rPr lang="zh-CN" altLang="en-US" sz="1200" b="0" i="0" kern="1200" dirty="0" smtClean="0">
-                <a:solidFill>
-                  <a:schemeClr val="tx1"/>
-                </a:solidFill>
-                <a:effectLst/>
-                <a:latin typeface="+mn-lt"/>
-                <a:ea typeface="+mn-ea"/>
-                <a:cs typeface="+mn-cs"/>
-              </a:rPr>
-              <a:t>模型过于简单，仅仅是对层次关系进行建模，没有考虑到知识库中其他复杂关系。</a:t>
-            </a:r>
-            <a:endParaRPr lang="en-US" altLang="zh-CN" sz="1200" b="0" i="0" kern="1200" dirty="0" smtClean="0">
-              <a:solidFill>
-                <a:schemeClr val="tx1"/>
-              </a:solidFill>
-              <a:effectLst/>
-              <a:latin typeface="+mn-lt"/>
-              <a:ea typeface="+mn-ea"/>
-              <a:cs typeface="+mn-cs"/>
-            </a:endParaRPr>
+            <a:endParaRPr lang="zh-CN" altLang="en-US" dirty="0"/>
           </a:p>
         </p:txBody>
       </p:sp>
@@ -1888,7 +1964,7 @@
           <a:p>
             <a:fld id="{03EC23FA-1A74-4866-BA33-81430325FB80}" type="slidenum">
               <a:rPr lang="zh-CN" altLang="en-US" smtClean="0"/>
-              <a:t>13</a:t>
+              <a:t>10</a:t>
             </a:fld>
             <a:endParaRPr lang="zh-CN" altLang="en-US"/>
           </a:p>
@@ -1897,7 +1973,7 @@
     </p:spTree>
     <p:extLst>
       <p:ext uri="{BB962C8B-B14F-4D97-AF65-F5344CB8AC3E}">
-        <p14:creationId xmlns:p14="http://schemas.microsoft.com/office/powerpoint/2010/main" val="1859020454"/>
+        <p14:creationId xmlns:p14="http://schemas.microsoft.com/office/powerpoint/2010/main" val="4157890851"/>
       </p:ext>
     </p:extLst>
   </p:cSld>
@@ -4970,12 +5046,12 @@
           <a:graphicData uri="http://schemas.openxmlformats.org/presentationml/2006/ole">
             <mc:AlternateContent xmlns:mc="http://schemas.openxmlformats.org/markup-compatibility/2006">
               <mc:Choice xmlns:v="urn:schemas-microsoft-com:vml" Requires="v">
-                <p:oleObj spid="_x0000_s4176" name="Equation" r:id="rId3" imgW="914400" imgH="179640" progId="Equation.DSMT4">
+                <p:oleObj spid="_x0000_s4196" name="Equation" r:id="rId4" imgW="914400" imgH="179640" progId="Equation.DSMT4">
                   <p:embed/>
                 </p:oleObj>
               </mc:Choice>
               <mc:Fallback>
-                <p:oleObj name="Equation" r:id="rId3" imgW="914400" imgH="179640" progId="Equation.DSMT4">
+                <p:oleObj name="Equation" r:id="rId4" imgW="914400" imgH="179640" progId="Equation.DSMT4">
                   <p:embed/>
                   <p:pic>
                     <p:nvPicPr>
@@ -4984,7 +5060,7 @@
                       <p:nvPr/>
                     </p:nvPicPr>
                     <p:blipFill>
-                      <a:blip r:embed="rId4"/>
+                      <a:blip r:embed="rId5"/>
                       <a:stretch>
                         <a:fillRect/>
                       </a:stretch>
@@ -5027,12 +5103,12 @@
           <a:graphicData uri="http://schemas.openxmlformats.org/presentationml/2006/ole">
             <mc:AlternateContent xmlns:mc="http://schemas.openxmlformats.org/markup-compatibility/2006">
               <mc:Choice xmlns:v="urn:schemas-microsoft-com:vml" Requires="v">
-                <p:oleObj spid="_x0000_s4177" name="Equation" r:id="rId5" imgW="1587240" imgH="228600" progId="Equation.DSMT4">
+                <p:oleObj spid="_x0000_s4197" name="Equation" r:id="rId6" imgW="1587240" imgH="228600" progId="Equation.DSMT4">
                   <p:embed/>
                 </p:oleObj>
               </mc:Choice>
               <mc:Fallback>
-                <p:oleObj name="Equation" r:id="rId5" imgW="1587240" imgH="228600" progId="Equation.DSMT4">
+                <p:oleObj name="Equation" r:id="rId6" imgW="1587240" imgH="228600" progId="Equation.DSMT4">
                   <p:embed/>
                   <p:pic>
                     <p:nvPicPr>
@@ -5041,7 +5117,7 @@
                       <p:nvPr/>
                     </p:nvPicPr>
                     <p:blipFill>
-                      <a:blip r:embed="rId6"/>
+                      <a:blip r:embed="rId7"/>
                       <a:stretch>
                         <a:fillRect/>
                       </a:stretch>
@@ -5120,12 +5196,12 @@
           <a:graphicData uri="http://schemas.openxmlformats.org/presentationml/2006/ole">
             <mc:AlternateContent xmlns:mc="http://schemas.openxmlformats.org/markup-compatibility/2006">
               <mc:Choice xmlns:v="urn:schemas-microsoft-com:vml" Requires="v">
-                <p:oleObj spid="_x0000_s4178" name="Equation" r:id="rId7" imgW="2920680" imgH="355320" progId="Equation.DSMT4">
+                <p:oleObj spid="_x0000_s4198" name="Equation" r:id="rId8" imgW="2920680" imgH="355320" progId="Equation.DSMT4">
                   <p:embed/>
                 </p:oleObj>
               </mc:Choice>
               <mc:Fallback>
-                <p:oleObj name="Equation" r:id="rId7" imgW="2920680" imgH="355320" progId="Equation.DSMT4">
+                <p:oleObj name="Equation" r:id="rId8" imgW="2920680" imgH="355320" progId="Equation.DSMT4">
                   <p:embed/>
                   <p:pic>
                     <p:nvPicPr>
@@ -5134,7 +5210,7 @@
                       <p:nvPr/>
                     </p:nvPicPr>
                     <p:blipFill>
-                      <a:blip r:embed="rId8"/>
+                      <a:blip r:embed="rId9"/>
                       <a:stretch>
                         <a:fillRect/>
                       </a:stretch>
@@ -5211,12 +5287,12 @@
           <a:graphicData uri="http://schemas.openxmlformats.org/presentationml/2006/ole">
             <mc:AlternateContent xmlns:mc="http://schemas.openxmlformats.org/markup-compatibility/2006">
               <mc:Choice xmlns:v="urn:schemas-microsoft-com:vml" Requires="v">
-                <p:oleObj spid="_x0000_s4179" name="Equation" r:id="rId9" imgW="126720" imgH="164880" progId="Equation.DSMT4">
+                <p:oleObj spid="_x0000_s4199" name="Equation" r:id="rId10" imgW="126720" imgH="164880" progId="Equation.DSMT4">
                   <p:embed/>
                 </p:oleObj>
               </mc:Choice>
               <mc:Fallback>
-                <p:oleObj name="Equation" r:id="rId9" imgW="126720" imgH="164880" progId="Equation.DSMT4">
+                <p:oleObj name="Equation" r:id="rId10" imgW="126720" imgH="164880" progId="Equation.DSMT4">
                   <p:embed/>
                   <p:pic>
                     <p:nvPicPr>
@@ -5225,7 +5301,7 @@
                       <p:nvPr/>
                     </p:nvPicPr>
                     <p:blipFill>
-                      <a:blip r:embed="rId10"/>
+                      <a:blip r:embed="rId11"/>
                       <a:stretch>
                         <a:fillRect/>
                       </a:stretch>
@@ -5304,12 +5380,12 @@
           <a:graphicData uri="http://schemas.openxmlformats.org/presentationml/2006/ole">
             <mc:AlternateContent xmlns:mc="http://schemas.openxmlformats.org/markup-compatibility/2006">
               <mc:Choice xmlns:v="urn:schemas-microsoft-com:vml" Requires="v">
-                <p:oleObj spid="_x0000_s4180" name="Equation" r:id="rId11" imgW="2527200" imgH="203040" progId="Equation.DSMT4">
+                <p:oleObj spid="_x0000_s4200" name="Equation" r:id="rId12" imgW="2527200" imgH="203040" progId="Equation.DSMT4">
                   <p:embed/>
                 </p:oleObj>
               </mc:Choice>
               <mc:Fallback>
-                <p:oleObj name="Equation" r:id="rId11" imgW="2527200" imgH="203040" progId="Equation.DSMT4">
+                <p:oleObj name="Equation" r:id="rId12" imgW="2527200" imgH="203040" progId="Equation.DSMT4">
                   <p:embed/>
                   <p:pic>
                     <p:nvPicPr>
@@ -5318,7 +5394,7 @@
                       <p:nvPr/>
                     </p:nvPicPr>
                     <p:blipFill>
-                      <a:blip r:embed="rId12"/>
+                      <a:blip r:embed="rId13"/>
                       <a:stretch>
                         <a:fillRect/>
                       </a:stretch>
@@ -5388,9 +5464,722 @@
   <p:timing>
     <p:tnLst>
       <p:par>
-        <p:cTn id="1" dur="indefinite" restart="never" nodeType="tmRoot"/>
+        <p:cTn id="1" dur="indefinite" restart="never" nodeType="tmRoot">
+          <p:childTnLst>
+            <p:seq concurrent="1" nextAc="seek">
+              <p:cTn id="2" dur="indefinite" nodeType="mainSeq">
+                <p:childTnLst>
+                  <p:par>
+                    <p:cTn id="3" fill="hold">
+                      <p:stCondLst>
+                        <p:cond delay="indefinite"/>
+                      </p:stCondLst>
+                      <p:childTnLst>
+                        <p:par>
+                          <p:cTn id="4" fill="hold">
+                            <p:stCondLst>
+                              <p:cond delay="0"/>
+                            </p:stCondLst>
+                            <p:childTnLst>
+                              <p:par>
+                                <p:cTn id="5" presetID="42" presetClass="entr" presetSubtype="0" fill="hold" nodeType="clickEffect">
+                                  <p:stCondLst>
+                                    <p:cond delay="0"/>
+                                  </p:stCondLst>
+                                  <p:childTnLst>
+                                    <p:set>
+                                      <p:cBhvr>
+                                        <p:cTn id="6" dur="1" fill="hold">
+                                          <p:stCondLst>
+                                            <p:cond delay="0"/>
+                                          </p:stCondLst>
+                                        </p:cTn>
+                                        <p:tgtEl>
+                                          <p:spTgt spid="7"/>
+                                        </p:tgtEl>
+                                        <p:attrNameLst>
+                                          <p:attrName>style.visibility</p:attrName>
+                                        </p:attrNameLst>
+                                      </p:cBhvr>
+                                      <p:to>
+                                        <p:strVal val="visible"/>
+                                      </p:to>
+                                    </p:set>
+                                    <p:animEffect transition="in" filter="fade">
+                                      <p:cBhvr>
+                                        <p:cTn id="7" dur="500"/>
+                                        <p:tgtEl>
+                                          <p:spTgt spid="7"/>
+                                        </p:tgtEl>
+                                      </p:cBhvr>
+                                    </p:animEffect>
+                                    <p:anim calcmode="lin" valueType="num">
+                                      <p:cBhvr>
+                                        <p:cTn id="8" dur="500" fill="hold"/>
+                                        <p:tgtEl>
+                                          <p:spTgt spid="7"/>
+                                        </p:tgtEl>
+                                        <p:attrNameLst>
+                                          <p:attrName>ppt_x</p:attrName>
+                                        </p:attrNameLst>
+                                      </p:cBhvr>
+                                      <p:tavLst>
+                                        <p:tav tm="0">
+                                          <p:val>
+                                            <p:strVal val="#ppt_x"/>
+                                          </p:val>
+                                        </p:tav>
+                                        <p:tav tm="100000">
+                                          <p:val>
+                                            <p:strVal val="#ppt_x"/>
+                                          </p:val>
+                                        </p:tav>
+                                      </p:tavLst>
+                                    </p:anim>
+                                    <p:anim calcmode="lin" valueType="num">
+                                      <p:cBhvr>
+                                        <p:cTn id="9" dur="500" fill="hold"/>
+                                        <p:tgtEl>
+                                          <p:spTgt spid="7"/>
+                                        </p:tgtEl>
+                                        <p:attrNameLst>
+                                          <p:attrName>ppt_y</p:attrName>
+                                        </p:attrNameLst>
+                                      </p:cBhvr>
+                                      <p:tavLst>
+                                        <p:tav tm="0">
+                                          <p:val>
+                                            <p:strVal val="#ppt_y+.1"/>
+                                          </p:val>
+                                        </p:tav>
+                                        <p:tav tm="100000">
+                                          <p:val>
+                                            <p:strVal val="#ppt_y"/>
+                                          </p:val>
+                                        </p:tav>
+                                      </p:tavLst>
+                                    </p:anim>
+                                  </p:childTnLst>
+                                </p:cTn>
+                              </p:par>
+                              <p:par>
+                                <p:cTn id="10" presetID="42" presetClass="entr" presetSubtype="0" fill="hold" grpId="0" nodeType="withEffect">
+                                  <p:stCondLst>
+                                    <p:cond delay="0"/>
+                                  </p:stCondLst>
+                                  <p:childTnLst>
+                                    <p:set>
+                                      <p:cBhvr>
+                                        <p:cTn id="11" dur="1" fill="hold">
+                                          <p:stCondLst>
+                                            <p:cond delay="0"/>
+                                          </p:stCondLst>
+                                        </p:cTn>
+                                        <p:tgtEl>
+                                          <p:spTgt spid="8"/>
+                                        </p:tgtEl>
+                                        <p:attrNameLst>
+                                          <p:attrName>style.visibility</p:attrName>
+                                        </p:attrNameLst>
+                                      </p:cBhvr>
+                                      <p:to>
+                                        <p:strVal val="visible"/>
+                                      </p:to>
+                                    </p:set>
+                                    <p:animEffect transition="in" filter="fade">
+                                      <p:cBhvr>
+                                        <p:cTn id="12" dur="500"/>
+                                        <p:tgtEl>
+                                          <p:spTgt spid="8"/>
+                                        </p:tgtEl>
+                                      </p:cBhvr>
+                                    </p:animEffect>
+                                    <p:anim calcmode="lin" valueType="num">
+                                      <p:cBhvr>
+                                        <p:cTn id="13" dur="500" fill="hold"/>
+                                        <p:tgtEl>
+                                          <p:spTgt spid="8"/>
+                                        </p:tgtEl>
+                                        <p:attrNameLst>
+                                          <p:attrName>ppt_x</p:attrName>
+                                        </p:attrNameLst>
+                                      </p:cBhvr>
+                                      <p:tavLst>
+                                        <p:tav tm="0">
+                                          <p:val>
+                                            <p:strVal val="#ppt_x"/>
+                                          </p:val>
+                                        </p:tav>
+                                        <p:tav tm="100000">
+                                          <p:val>
+                                            <p:strVal val="#ppt_x"/>
+                                          </p:val>
+                                        </p:tav>
+                                      </p:tavLst>
+                                    </p:anim>
+                                    <p:anim calcmode="lin" valueType="num">
+                                      <p:cBhvr>
+                                        <p:cTn id="14" dur="500" fill="hold"/>
+                                        <p:tgtEl>
+                                          <p:spTgt spid="8"/>
+                                        </p:tgtEl>
+                                        <p:attrNameLst>
+                                          <p:attrName>ppt_y</p:attrName>
+                                        </p:attrNameLst>
+                                      </p:cBhvr>
+                                      <p:tavLst>
+                                        <p:tav tm="0">
+                                          <p:val>
+                                            <p:strVal val="#ppt_y+.1"/>
+                                          </p:val>
+                                        </p:tav>
+                                        <p:tav tm="100000">
+                                          <p:val>
+                                            <p:strVal val="#ppt_y"/>
+                                          </p:val>
+                                        </p:tav>
+                                      </p:tavLst>
+                                    </p:anim>
+                                  </p:childTnLst>
+                                </p:cTn>
+                              </p:par>
+                            </p:childTnLst>
+                          </p:cTn>
+                        </p:par>
+                      </p:childTnLst>
+                    </p:cTn>
+                  </p:par>
+                  <p:par>
+                    <p:cTn id="15" fill="hold">
+                      <p:stCondLst>
+                        <p:cond delay="indefinite"/>
+                      </p:stCondLst>
+                      <p:childTnLst>
+                        <p:par>
+                          <p:cTn id="16" fill="hold">
+                            <p:stCondLst>
+                              <p:cond delay="0"/>
+                            </p:stCondLst>
+                            <p:childTnLst>
+                              <p:par>
+                                <p:cTn id="17" presetID="42" presetClass="entr" presetSubtype="0" fill="hold" nodeType="clickEffect">
+                                  <p:stCondLst>
+                                    <p:cond delay="0"/>
+                                  </p:stCondLst>
+                                  <p:childTnLst>
+                                    <p:set>
+                                      <p:cBhvr>
+                                        <p:cTn id="18" dur="1" fill="hold">
+                                          <p:stCondLst>
+                                            <p:cond delay="0"/>
+                                          </p:stCondLst>
+                                        </p:cTn>
+                                        <p:tgtEl>
+                                          <p:spTgt spid="9"/>
+                                        </p:tgtEl>
+                                        <p:attrNameLst>
+                                          <p:attrName>style.visibility</p:attrName>
+                                        </p:attrNameLst>
+                                      </p:cBhvr>
+                                      <p:to>
+                                        <p:strVal val="visible"/>
+                                      </p:to>
+                                    </p:set>
+                                    <p:animEffect transition="in" filter="fade">
+                                      <p:cBhvr>
+                                        <p:cTn id="19" dur="1000"/>
+                                        <p:tgtEl>
+                                          <p:spTgt spid="9"/>
+                                        </p:tgtEl>
+                                      </p:cBhvr>
+                                    </p:animEffect>
+                                    <p:anim calcmode="lin" valueType="num">
+                                      <p:cBhvr>
+                                        <p:cTn id="20" dur="1000" fill="hold"/>
+                                        <p:tgtEl>
+                                          <p:spTgt spid="9"/>
+                                        </p:tgtEl>
+                                        <p:attrNameLst>
+                                          <p:attrName>ppt_x</p:attrName>
+                                        </p:attrNameLst>
+                                      </p:cBhvr>
+                                      <p:tavLst>
+                                        <p:tav tm="0">
+                                          <p:val>
+                                            <p:strVal val="#ppt_x"/>
+                                          </p:val>
+                                        </p:tav>
+                                        <p:tav tm="100000">
+                                          <p:val>
+                                            <p:strVal val="#ppt_x"/>
+                                          </p:val>
+                                        </p:tav>
+                                      </p:tavLst>
+                                    </p:anim>
+                                    <p:anim calcmode="lin" valueType="num">
+                                      <p:cBhvr>
+                                        <p:cTn id="21" dur="1000" fill="hold"/>
+                                        <p:tgtEl>
+                                          <p:spTgt spid="9"/>
+                                        </p:tgtEl>
+                                        <p:attrNameLst>
+                                          <p:attrName>ppt_y</p:attrName>
+                                        </p:attrNameLst>
+                                      </p:cBhvr>
+                                      <p:tavLst>
+                                        <p:tav tm="0">
+                                          <p:val>
+                                            <p:strVal val="#ppt_y+.1"/>
+                                          </p:val>
+                                        </p:tav>
+                                        <p:tav tm="100000">
+                                          <p:val>
+                                            <p:strVal val="#ppt_y"/>
+                                          </p:val>
+                                        </p:tav>
+                                      </p:tavLst>
+                                    </p:anim>
+                                  </p:childTnLst>
+                                </p:cTn>
+                              </p:par>
+                              <p:par>
+                                <p:cTn id="22" presetID="42" presetClass="entr" presetSubtype="0" fill="hold" nodeType="withEffect">
+                                  <p:stCondLst>
+                                    <p:cond delay="0"/>
+                                  </p:stCondLst>
+                                  <p:childTnLst>
+                                    <p:set>
+                                      <p:cBhvr>
+                                        <p:cTn id="23" dur="1" fill="hold">
+                                          <p:stCondLst>
+                                            <p:cond delay="0"/>
+                                          </p:stCondLst>
+                                        </p:cTn>
+                                        <p:tgtEl>
+                                          <p:spTgt spid="16"/>
+                                        </p:tgtEl>
+                                        <p:attrNameLst>
+                                          <p:attrName>style.visibility</p:attrName>
+                                        </p:attrNameLst>
+                                      </p:cBhvr>
+                                      <p:to>
+                                        <p:strVal val="visible"/>
+                                      </p:to>
+                                    </p:set>
+                                    <p:animEffect transition="in" filter="fade">
+                                      <p:cBhvr>
+                                        <p:cTn id="24" dur="1000"/>
+                                        <p:tgtEl>
+                                          <p:spTgt spid="16"/>
+                                        </p:tgtEl>
+                                      </p:cBhvr>
+                                    </p:animEffect>
+                                    <p:anim calcmode="lin" valueType="num">
+                                      <p:cBhvr>
+                                        <p:cTn id="25" dur="1000" fill="hold"/>
+                                        <p:tgtEl>
+                                          <p:spTgt spid="16"/>
+                                        </p:tgtEl>
+                                        <p:attrNameLst>
+                                          <p:attrName>ppt_x</p:attrName>
+                                        </p:attrNameLst>
+                                      </p:cBhvr>
+                                      <p:tavLst>
+                                        <p:tav tm="0">
+                                          <p:val>
+                                            <p:strVal val="#ppt_x"/>
+                                          </p:val>
+                                        </p:tav>
+                                        <p:tav tm="100000">
+                                          <p:val>
+                                            <p:strVal val="#ppt_x"/>
+                                          </p:val>
+                                        </p:tav>
+                                      </p:tavLst>
+                                    </p:anim>
+                                    <p:anim calcmode="lin" valueType="num">
+                                      <p:cBhvr>
+                                        <p:cTn id="26" dur="1000" fill="hold"/>
+                                        <p:tgtEl>
+                                          <p:spTgt spid="16"/>
+                                        </p:tgtEl>
+                                        <p:attrNameLst>
+                                          <p:attrName>ppt_y</p:attrName>
+                                        </p:attrNameLst>
+                                      </p:cBhvr>
+                                      <p:tavLst>
+                                        <p:tav tm="0">
+                                          <p:val>
+                                            <p:strVal val="#ppt_y+.1"/>
+                                          </p:val>
+                                        </p:tav>
+                                        <p:tav tm="100000">
+                                          <p:val>
+                                            <p:strVal val="#ppt_y"/>
+                                          </p:val>
+                                        </p:tav>
+                                      </p:tavLst>
+                                    </p:anim>
+                                  </p:childTnLst>
+                                </p:cTn>
+                              </p:par>
+                              <p:par>
+                                <p:cTn id="27" presetID="42" presetClass="entr" presetSubtype="0" fill="hold" grpId="0" nodeType="withEffect">
+                                  <p:stCondLst>
+                                    <p:cond delay="0"/>
+                                  </p:stCondLst>
+                                  <p:childTnLst>
+                                    <p:set>
+                                      <p:cBhvr>
+                                        <p:cTn id="28" dur="1" fill="hold">
+                                          <p:stCondLst>
+                                            <p:cond delay="0"/>
+                                          </p:stCondLst>
+                                        </p:cTn>
+                                        <p:tgtEl>
+                                          <p:spTgt spid="15"/>
+                                        </p:tgtEl>
+                                        <p:attrNameLst>
+                                          <p:attrName>style.visibility</p:attrName>
+                                        </p:attrNameLst>
+                                      </p:cBhvr>
+                                      <p:to>
+                                        <p:strVal val="visible"/>
+                                      </p:to>
+                                    </p:set>
+                                    <p:animEffect transition="in" filter="fade">
+                                      <p:cBhvr>
+                                        <p:cTn id="29" dur="1000"/>
+                                        <p:tgtEl>
+                                          <p:spTgt spid="15"/>
+                                        </p:tgtEl>
+                                      </p:cBhvr>
+                                    </p:animEffect>
+                                    <p:anim calcmode="lin" valueType="num">
+                                      <p:cBhvr>
+                                        <p:cTn id="30" dur="1000" fill="hold"/>
+                                        <p:tgtEl>
+                                          <p:spTgt spid="15"/>
+                                        </p:tgtEl>
+                                        <p:attrNameLst>
+                                          <p:attrName>ppt_x</p:attrName>
+                                        </p:attrNameLst>
+                                      </p:cBhvr>
+                                      <p:tavLst>
+                                        <p:tav tm="0">
+                                          <p:val>
+                                            <p:strVal val="#ppt_x"/>
+                                          </p:val>
+                                        </p:tav>
+                                        <p:tav tm="100000">
+                                          <p:val>
+                                            <p:strVal val="#ppt_x"/>
+                                          </p:val>
+                                        </p:tav>
+                                      </p:tavLst>
+                                    </p:anim>
+                                    <p:anim calcmode="lin" valueType="num">
+                                      <p:cBhvr>
+                                        <p:cTn id="31" dur="1000" fill="hold"/>
+                                        <p:tgtEl>
+                                          <p:spTgt spid="15"/>
+                                        </p:tgtEl>
+                                        <p:attrNameLst>
+                                          <p:attrName>ppt_y</p:attrName>
+                                        </p:attrNameLst>
+                                      </p:cBhvr>
+                                      <p:tavLst>
+                                        <p:tav tm="0">
+                                          <p:val>
+                                            <p:strVal val="#ppt_y+.1"/>
+                                          </p:val>
+                                        </p:tav>
+                                        <p:tav tm="100000">
+                                          <p:val>
+                                            <p:strVal val="#ppt_y"/>
+                                          </p:val>
+                                        </p:tav>
+                                      </p:tavLst>
+                                    </p:anim>
+                                  </p:childTnLst>
+                                </p:cTn>
+                              </p:par>
+                              <p:par>
+                                <p:cTn id="32" presetID="42" presetClass="entr" presetSubtype="0" fill="hold" grpId="0" nodeType="withEffect">
+                                  <p:stCondLst>
+                                    <p:cond delay="0"/>
+                                  </p:stCondLst>
+                                  <p:childTnLst>
+                                    <p:set>
+                                      <p:cBhvr>
+                                        <p:cTn id="33" dur="1" fill="hold">
+                                          <p:stCondLst>
+                                            <p:cond delay="0"/>
+                                          </p:stCondLst>
+                                        </p:cTn>
+                                        <p:tgtEl>
+                                          <p:spTgt spid="17"/>
+                                        </p:tgtEl>
+                                        <p:attrNameLst>
+                                          <p:attrName>style.visibility</p:attrName>
+                                        </p:attrNameLst>
+                                      </p:cBhvr>
+                                      <p:to>
+                                        <p:strVal val="visible"/>
+                                      </p:to>
+                                    </p:set>
+                                    <p:animEffect transition="in" filter="fade">
+                                      <p:cBhvr>
+                                        <p:cTn id="34" dur="1000"/>
+                                        <p:tgtEl>
+                                          <p:spTgt spid="17"/>
+                                        </p:tgtEl>
+                                      </p:cBhvr>
+                                    </p:animEffect>
+                                    <p:anim calcmode="lin" valueType="num">
+                                      <p:cBhvr>
+                                        <p:cTn id="35" dur="1000" fill="hold"/>
+                                        <p:tgtEl>
+                                          <p:spTgt spid="17"/>
+                                        </p:tgtEl>
+                                        <p:attrNameLst>
+                                          <p:attrName>ppt_x</p:attrName>
+                                        </p:attrNameLst>
+                                      </p:cBhvr>
+                                      <p:tavLst>
+                                        <p:tav tm="0">
+                                          <p:val>
+                                            <p:strVal val="#ppt_x"/>
+                                          </p:val>
+                                        </p:tav>
+                                        <p:tav tm="100000">
+                                          <p:val>
+                                            <p:strVal val="#ppt_x"/>
+                                          </p:val>
+                                        </p:tav>
+                                      </p:tavLst>
+                                    </p:anim>
+                                    <p:anim calcmode="lin" valueType="num">
+                                      <p:cBhvr>
+                                        <p:cTn id="36" dur="1000" fill="hold"/>
+                                        <p:tgtEl>
+                                          <p:spTgt spid="17"/>
+                                        </p:tgtEl>
+                                        <p:attrNameLst>
+                                          <p:attrName>ppt_y</p:attrName>
+                                        </p:attrNameLst>
+                                      </p:cBhvr>
+                                      <p:tavLst>
+                                        <p:tav tm="0">
+                                          <p:val>
+                                            <p:strVal val="#ppt_y+.1"/>
+                                          </p:val>
+                                        </p:tav>
+                                        <p:tav tm="100000">
+                                          <p:val>
+                                            <p:strVal val="#ppt_y"/>
+                                          </p:val>
+                                        </p:tav>
+                                      </p:tavLst>
+                                    </p:anim>
+                                  </p:childTnLst>
+                                </p:cTn>
+                              </p:par>
+                              <p:par>
+                                <p:cTn id="37" presetID="42" presetClass="entr" presetSubtype="0" fill="hold" grpId="0" nodeType="withEffect">
+                                  <p:stCondLst>
+                                    <p:cond delay="0"/>
+                                  </p:stCondLst>
+                                  <p:childTnLst>
+                                    <p:set>
+                                      <p:cBhvr>
+                                        <p:cTn id="38" dur="1" fill="hold">
+                                          <p:stCondLst>
+                                            <p:cond delay="0"/>
+                                          </p:stCondLst>
+                                        </p:cTn>
+                                        <p:tgtEl>
+                                          <p:spTgt spid="10"/>
+                                        </p:tgtEl>
+                                        <p:attrNameLst>
+                                          <p:attrName>style.visibility</p:attrName>
+                                        </p:attrNameLst>
+                                      </p:cBhvr>
+                                      <p:to>
+                                        <p:strVal val="visible"/>
+                                      </p:to>
+                                    </p:set>
+                                    <p:animEffect transition="in" filter="fade">
+                                      <p:cBhvr>
+                                        <p:cTn id="39" dur="1000"/>
+                                        <p:tgtEl>
+                                          <p:spTgt spid="10"/>
+                                        </p:tgtEl>
+                                      </p:cBhvr>
+                                    </p:animEffect>
+                                    <p:anim calcmode="lin" valueType="num">
+                                      <p:cBhvr>
+                                        <p:cTn id="40" dur="1000" fill="hold"/>
+                                        <p:tgtEl>
+                                          <p:spTgt spid="10"/>
+                                        </p:tgtEl>
+                                        <p:attrNameLst>
+                                          <p:attrName>ppt_x</p:attrName>
+                                        </p:attrNameLst>
+                                      </p:cBhvr>
+                                      <p:tavLst>
+                                        <p:tav tm="0">
+                                          <p:val>
+                                            <p:strVal val="#ppt_x"/>
+                                          </p:val>
+                                        </p:tav>
+                                        <p:tav tm="100000">
+                                          <p:val>
+                                            <p:strVal val="#ppt_x"/>
+                                          </p:val>
+                                        </p:tav>
+                                      </p:tavLst>
+                                    </p:anim>
+                                    <p:anim calcmode="lin" valueType="num">
+                                      <p:cBhvr>
+                                        <p:cTn id="41" dur="1000" fill="hold"/>
+                                        <p:tgtEl>
+                                          <p:spTgt spid="10"/>
+                                        </p:tgtEl>
+                                        <p:attrNameLst>
+                                          <p:attrName>ppt_y</p:attrName>
+                                        </p:attrNameLst>
+                                      </p:cBhvr>
+                                      <p:tavLst>
+                                        <p:tav tm="0">
+                                          <p:val>
+                                            <p:strVal val="#ppt_y+.1"/>
+                                          </p:val>
+                                        </p:tav>
+                                        <p:tav tm="100000">
+                                          <p:val>
+                                            <p:strVal val="#ppt_y"/>
+                                          </p:val>
+                                        </p:tav>
+                                      </p:tavLst>
+                                    </p:anim>
+                                  </p:childTnLst>
+                                </p:cTn>
+                              </p:par>
+                              <p:par>
+                                <p:cTn id="42" presetID="42" presetClass="entr" presetSubtype="0" fill="hold" nodeType="withEffect">
+                                  <p:stCondLst>
+                                    <p:cond delay="0"/>
+                                  </p:stCondLst>
+                                  <p:childTnLst>
+                                    <p:set>
+                                      <p:cBhvr>
+                                        <p:cTn id="43" dur="1" fill="hold">
+                                          <p:stCondLst>
+                                            <p:cond delay="0"/>
+                                          </p:stCondLst>
+                                        </p:cTn>
+                                        <p:tgtEl>
+                                          <p:spTgt spid="14"/>
+                                        </p:tgtEl>
+                                        <p:attrNameLst>
+                                          <p:attrName>style.visibility</p:attrName>
+                                        </p:attrNameLst>
+                                      </p:cBhvr>
+                                      <p:to>
+                                        <p:strVal val="visible"/>
+                                      </p:to>
+                                    </p:set>
+                                    <p:animEffect transition="in" filter="fade">
+                                      <p:cBhvr>
+                                        <p:cTn id="44" dur="1000"/>
+                                        <p:tgtEl>
+                                          <p:spTgt spid="14"/>
+                                        </p:tgtEl>
+                                      </p:cBhvr>
+                                    </p:animEffect>
+                                    <p:anim calcmode="lin" valueType="num">
+                                      <p:cBhvr>
+                                        <p:cTn id="45" dur="1000" fill="hold"/>
+                                        <p:tgtEl>
+                                          <p:spTgt spid="14"/>
+                                        </p:tgtEl>
+                                        <p:attrNameLst>
+                                          <p:attrName>ppt_x</p:attrName>
+                                        </p:attrNameLst>
+                                      </p:cBhvr>
+                                      <p:tavLst>
+                                        <p:tav tm="0">
+                                          <p:val>
+                                            <p:strVal val="#ppt_x"/>
+                                          </p:val>
+                                        </p:tav>
+                                        <p:tav tm="100000">
+                                          <p:val>
+                                            <p:strVal val="#ppt_x"/>
+                                          </p:val>
+                                        </p:tav>
+                                      </p:tavLst>
+                                    </p:anim>
+                                    <p:anim calcmode="lin" valueType="num">
+                                      <p:cBhvr>
+                                        <p:cTn id="46" dur="1000" fill="hold"/>
+                                        <p:tgtEl>
+                                          <p:spTgt spid="14"/>
+                                        </p:tgtEl>
+                                        <p:attrNameLst>
+                                          <p:attrName>ppt_y</p:attrName>
+                                        </p:attrNameLst>
+                                      </p:cBhvr>
+                                      <p:tavLst>
+                                        <p:tav tm="0">
+                                          <p:val>
+                                            <p:strVal val="#ppt_y+.1"/>
+                                          </p:val>
+                                        </p:tav>
+                                        <p:tav tm="100000">
+                                          <p:val>
+                                            <p:strVal val="#ppt_y"/>
+                                          </p:val>
+                                        </p:tav>
+                                      </p:tavLst>
+                                    </p:anim>
+                                  </p:childTnLst>
+                                </p:cTn>
+                              </p:par>
+                            </p:childTnLst>
+                          </p:cTn>
+                        </p:par>
+                      </p:childTnLst>
+                    </p:cTn>
+                  </p:par>
+                </p:childTnLst>
+              </p:cTn>
+              <p:prevCondLst>
+                <p:cond evt="onPrev" delay="0">
+                  <p:tgtEl>
+                    <p:sldTgt/>
+                  </p:tgtEl>
+                </p:cond>
+              </p:prevCondLst>
+              <p:nextCondLst>
+                <p:cond evt="onNext" delay="0">
+                  <p:tgtEl>
+                    <p:sldTgt/>
+                  </p:tgtEl>
+                </p:cond>
+              </p:nextCondLst>
+            </p:seq>
+          </p:childTnLst>
+        </p:cTn>
       </p:par>
     </p:tnLst>
+    <p:bldLst>
+      <p:bldP spid="8" grpId="0"/>
+      <p:bldP spid="10" grpId="0"/>
+      <p:bldP spid="15" grpId="0"/>
+      <p:bldP spid="17" grpId="0"/>
+    </p:bldLst>
   </p:timing>
 </p:sld>
 </file>
@@ -6700,6 +7489,77 @@
           </a:p>
         </p:txBody>
       </p:sp>
+      <p:sp>
+        <p:nvSpPr>
+          <p:cNvPr id="4" name="文本框 3"/>
+          <p:cNvSpPr txBox="1"/>
+          <p:nvPr/>
+        </p:nvSpPr>
+        <p:spPr>
+          <a:xfrm>
+            <a:off x="914400" y="4305782"/>
+            <a:ext cx="7014259" cy="1200329"/>
+          </a:xfrm>
+          <a:prstGeom prst="rect">
+            <a:avLst/>
+          </a:prstGeom>
+          <a:noFill/>
+        </p:spPr>
+        <p:txBody>
+          <a:bodyPr wrap="square" rtlCol="0">
+            <a:spAutoFit/>
+          </a:bodyPr>
+          <a:lstStyle/>
+          <a:p>
+            <a:pPr marL="285750" indent="-285750">
+              <a:buFont typeface="Wingdings" panose="05000000000000000000" pitchFamily="2" charset="2"/>
+              <a:buChar char="ü"/>
+            </a:pPr>
+            <a:r>
+              <a:rPr lang="en-US" altLang="zh-CN" sz="3600" dirty="0" smtClean="0">
+                <a:ea typeface="楷体" panose="02010609060101010101" pitchFamily="49" charset="-122"/>
+              </a:rPr>
+              <a:t>TF-IDF</a:t>
+            </a:r>
+            <a:r>
+              <a:rPr lang="zh-CN" altLang="en-US" sz="3600" dirty="0" smtClean="0">
+                <a:ea typeface="楷体" panose="02010609060101010101" pitchFamily="49" charset="-122"/>
+              </a:rPr>
+              <a:t>权重表示词   </a:t>
+            </a:r>
+            <a:r>
+              <a:rPr lang="zh-CN" altLang="en-US" sz="3600" dirty="0" smtClean="0">
+                <a:solidFill>
+                  <a:srgbClr val="FF0000"/>
+                </a:solidFill>
+                <a:ea typeface="楷体" panose="02010609060101010101" pitchFamily="49" charset="-122"/>
+              </a:rPr>
+              <a:t>无语义</a:t>
+            </a:r>
+            <a:endParaRPr lang="en-US" altLang="zh-CN" sz="3600" dirty="0" smtClean="0">
+              <a:solidFill>
+                <a:srgbClr val="FF0000"/>
+              </a:solidFill>
+              <a:ea typeface="楷体" panose="02010609060101010101" pitchFamily="49" charset="-122"/>
+            </a:endParaRPr>
+          </a:p>
+          <a:p>
+            <a:pPr marL="285750" indent="-285750">
+              <a:buFont typeface="Wingdings" panose="05000000000000000000" pitchFamily="2" charset="2"/>
+              <a:buChar char="ü"/>
+            </a:pPr>
+            <a:r>
+              <a:rPr lang="zh-CN" altLang="en-US" sz="3600" dirty="0" smtClean="0">
+                <a:ea typeface="楷体" panose="02010609060101010101" pitchFamily="49" charset="-122"/>
+              </a:rPr>
+              <a:t>向量表示词</a:t>
+            </a:r>
+            <a:endParaRPr lang="zh-CN" altLang="en-US" sz="3600" dirty="0">
+              <a:ea typeface="楷体" panose="02010609060101010101" pitchFamily="49" charset="-122"/>
+            </a:endParaRPr>
+          </a:p>
+        </p:txBody>
+      </p:sp>
     </p:spTree>
     <p:extLst>
       <p:ext uri="{BB962C8B-B14F-4D97-AF65-F5344CB8AC3E}">
@@ -6713,9 +7573,250 @@
   <p:timing>
     <p:tnLst>
       <p:par>
-        <p:cTn id="1" dur="indefinite" restart="never" nodeType="tmRoot"/>
+        <p:cTn id="1" dur="indefinite" restart="never" nodeType="tmRoot">
+          <p:childTnLst>
+            <p:seq concurrent="1" nextAc="seek">
+              <p:cTn id="2" dur="indefinite" nodeType="mainSeq">
+                <p:childTnLst>
+                  <p:par>
+                    <p:cTn id="3" fill="hold">
+                      <p:stCondLst>
+                        <p:cond delay="indefinite"/>
+                      </p:stCondLst>
+                      <p:childTnLst>
+                        <p:par>
+                          <p:cTn id="4" fill="hold">
+                            <p:stCondLst>
+                              <p:cond delay="0"/>
+                            </p:stCondLst>
+                            <p:childTnLst>
+                              <p:par>
+                                <p:cTn id="5" presetID="42" presetClass="entr" presetSubtype="0" fill="hold" grpId="0" nodeType="clickEffect">
+                                  <p:stCondLst>
+                                    <p:cond delay="0"/>
+                                  </p:stCondLst>
+                                  <p:childTnLst>
+                                    <p:set>
+                                      <p:cBhvr>
+                                        <p:cTn id="6" dur="1" fill="hold">
+                                          <p:stCondLst>
+                                            <p:cond delay="0"/>
+                                          </p:stCondLst>
+                                        </p:cTn>
+                                        <p:tgtEl>
+                                          <p:spTgt spid="3">
+                                            <p:txEl>
+                                              <p:pRg st="0" end="0"/>
+                                            </p:txEl>
+                                          </p:spTgt>
+                                        </p:tgtEl>
+                                        <p:attrNameLst>
+                                          <p:attrName>style.visibility</p:attrName>
+                                        </p:attrNameLst>
+                                      </p:cBhvr>
+                                      <p:to>
+                                        <p:strVal val="visible"/>
+                                      </p:to>
+                                    </p:set>
+                                    <p:animEffect transition="in" filter="fade">
+                                      <p:cBhvr>
+                                        <p:cTn id="7" dur="500"/>
+                                        <p:tgtEl>
+                                          <p:spTgt spid="3">
+                                            <p:txEl>
+                                              <p:pRg st="0" end="0"/>
+                                            </p:txEl>
+                                          </p:spTgt>
+                                        </p:tgtEl>
+                                      </p:cBhvr>
+                                    </p:animEffect>
+                                    <p:anim calcmode="lin" valueType="num">
+                                      <p:cBhvr>
+                                        <p:cTn id="8" dur="500" fill="hold"/>
+                                        <p:tgtEl>
+                                          <p:spTgt spid="3">
+                                            <p:txEl>
+                                              <p:pRg st="0" end="0"/>
+                                            </p:txEl>
+                                          </p:spTgt>
+                                        </p:tgtEl>
+                                        <p:attrNameLst>
+                                          <p:attrName>ppt_x</p:attrName>
+                                        </p:attrNameLst>
+                                      </p:cBhvr>
+                                      <p:tavLst>
+                                        <p:tav tm="0">
+                                          <p:val>
+                                            <p:strVal val="#ppt_x"/>
+                                          </p:val>
+                                        </p:tav>
+                                        <p:tav tm="100000">
+                                          <p:val>
+                                            <p:strVal val="#ppt_x"/>
+                                          </p:val>
+                                        </p:tav>
+                                      </p:tavLst>
+                                    </p:anim>
+                                    <p:anim calcmode="lin" valueType="num">
+                                      <p:cBhvr>
+                                        <p:cTn id="9" dur="500" fill="hold"/>
+                                        <p:tgtEl>
+                                          <p:spTgt spid="3">
+                                            <p:txEl>
+                                              <p:pRg st="0" end="0"/>
+                                            </p:txEl>
+                                          </p:spTgt>
+                                        </p:tgtEl>
+                                        <p:attrNameLst>
+                                          <p:attrName>ppt_y</p:attrName>
+                                        </p:attrNameLst>
+                                      </p:cBhvr>
+                                      <p:tavLst>
+                                        <p:tav tm="0">
+                                          <p:val>
+                                            <p:strVal val="#ppt_y+.1"/>
+                                          </p:val>
+                                        </p:tav>
+                                        <p:tav tm="100000">
+                                          <p:val>
+                                            <p:strVal val="#ppt_y"/>
+                                          </p:val>
+                                        </p:tav>
+                                      </p:tavLst>
+                                    </p:anim>
+                                  </p:childTnLst>
+                                </p:cTn>
+                              </p:par>
+                            </p:childTnLst>
+                          </p:cTn>
+                        </p:par>
+                      </p:childTnLst>
+                    </p:cTn>
+                  </p:par>
+                  <p:par>
+                    <p:cTn id="10" fill="hold">
+                      <p:stCondLst>
+                        <p:cond delay="indefinite"/>
+                      </p:stCondLst>
+                      <p:childTnLst>
+                        <p:par>
+                          <p:cTn id="11" fill="hold">
+                            <p:stCondLst>
+                              <p:cond delay="0"/>
+                            </p:stCondLst>
+                            <p:childTnLst>
+                              <p:par>
+                                <p:cTn id="12" presetID="42" presetClass="entr" presetSubtype="0" fill="hold" grpId="0" nodeType="clickEffect">
+                                  <p:stCondLst>
+                                    <p:cond delay="0"/>
+                                  </p:stCondLst>
+                                  <p:childTnLst>
+                                    <p:set>
+                                      <p:cBhvr>
+                                        <p:cTn id="13" dur="1" fill="hold">
+                                          <p:stCondLst>
+                                            <p:cond delay="0"/>
+                                          </p:stCondLst>
+                                        </p:cTn>
+                                        <p:tgtEl>
+                                          <p:spTgt spid="4"/>
+                                        </p:tgtEl>
+                                        <p:attrNameLst>
+                                          <p:attrName>style.visibility</p:attrName>
+                                        </p:attrNameLst>
+                                      </p:cBhvr>
+                                      <p:to>
+                                        <p:strVal val="visible"/>
+                                      </p:to>
+                                    </p:set>
+                                    <p:animEffect transition="in" filter="fade">
+                                      <p:cBhvr>
+                                        <p:cTn id="14" dur="500"/>
+                                        <p:tgtEl>
+                                          <p:spTgt spid="4"/>
+                                        </p:tgtEl>
+                                      </p:cBhvr>
+                                    </p:animEffect>
+                                    <p:anim calcmode="lin" valueType="num">
+                                      <p:cBhvr>
+                                        <p:cTn id="15" dur="500" fill="hold"/>
+                                        <p:tgtEl>
+                                          <p:spTgt spid="4"/>
+                                        </p:tgtEl>
+                                        <p:attrNameLst>
+                                          <p:attrName>ppt_x</p:attrName>
+                                        </p:attrNameLst>
+                                      </p:cBhvr>
+                                      <p:tavLst>
+                                        <p:tav tm="0">
+                                          <p:val>
+                                            <p:strVal val="#ppt_x"/>
+                                          </p:val>
+                                        </p:tav>
+                                        <p:tav tm="100000">
+                                          <p:val>
+                                            <p:strVal val="#ppt_x"/>
+                                          </p:val>
+                                        </p:tav>
+                                      </p:tavLst>
+                                    </p:anim>
+                                    <p:anim calcmode="lin" valueType="num">
+                                      <p:cBhvr>
+                                        <p:cTn id="16" dur="500" fill="hold"/>
+                                        <p:tgtEl>
+                                          <p:spTgt spid="4"/>
+                                        </p:tgtEl>
+                                        <p:attrNameLst>
+                                          <p:attrName>ppt_y</p:attrName>
+                                        </p:attrNameLst>
+                                      </p:cBhvr>
+                                      <p:tavLst>
+                                        <p:tav tm="0">
+                                          <p:val>
+                                            <p:strVal val="#ppt_y+.1"/>
+                                          </p:val>
+                                        </p:tav>
+                                        <p:tav tm="100000">
+                                          <p:val>
+                                            <p:strVal val="#ppt_y"/>
+                                          </p:val>
+                                        </p:tav>
+                                      </p:tavLst>
+                                    </p:anim>
+                                  </p:childTnLst>
+                                </p:cTn>
+                              </p:par>
+                            </p:childTnLst>
+                          </p:cTn>
+                        </p:par>
+                      </p:childTnLst>
+                    </p:cTn>
+                  </p:par>
+                </p:childTnLst>
+              </p:cTn>
+              <p:prevCondLst>
+                <p:cond evt="onPrev" delay="0">
+                  <p:tgtEl>
+                    <p:sldTgt/>
+                  </p:tgtEl>
+                </p:cond>
+              </p:prevCondLst>
+              <p:nextCondLst>
+                <p:cond evt="onNext" delay="0">
+                  <p:tgtEl>
+                    <p:sldTgt/>
+                  </p:tgtEl>
+                </p:cond>
+              </p:nextCondLst>
+            </p:seq>
+          </p:childTnLst>
+        </p:cTn>
       </p:par>
     </p:tnLst>
+    <p:bldLst>
+      <p:bldP spid="3" grpId="0" build="p"/>
+      <p:bldP spid="4" grpId="0"/>
+    </p:bldLst>
   </p:timing>
 </p:sld>
 </file>
@@ -7596,7 +8697,7 @@
           <a:graphicData uri="http://schemas.openxmlformats.org/presentationml/2006/ole">
             <mc:AlternateContent xmlns:mc="http://schemas.openxmlformats.org/markup-compatibility/2006">
               <mc:Choice xmlns:v="urn:schemas-microsoft-com:vml" Requires="v">
-                <p:oleObj spid="_x0000_s2070" name="Equation" r:id="rId5" imgW="2882880" imgH="203040" progId="Equation.DSMT4">
+                <p:oleObj spid="_x0000_s2073" name="Equation" r:id="rId5" imgW="2882880" imgH="203040" progId="Equation.DSMT4">
                   <p:embed/>
                 </p:oleObj>
               </mc:Choice>
@@ -7733,7 +8834,7 @@
           <a:graphicData uri="http://schemas.openxmlformats.org/presentationml/2006/ole">
             <mc:AlternateContent xmlns:mc="http://schemas.openxmlformats.org/markup-compatibility/2006">
               <mc:Choice xmlns:v="urn:schemas-microsoft-com:vml" Requires="v">
-                <p:oleObj spid="_x0000_s1154" name="Equation" r:id="rId4" imgW="914400" imgH="179640" progId="Equation.DSMT4">
+                <p:oleObj spid="_x0000_s1172" name="Equation" r:id="rId4" imgW="914400" imgH="179640" progId="Equation.DSMT4">
                   <p:embed/>
                 </p:oleObj>
               </mc:Choice>
@@ -7790,7 +8891,7 @@
           <a:graphicData uri="http://schemas.openxmlformats.org/presentationml/2006/ole">
             <mc:AlternateContent xmlns:mc="http://schemas.openxmlformats.org/markup-compatibility/2006">
               <mc:Choice xmlns:v="urn:schemas-microsoft-com:vml" Requires="v">
-                <p:oleObj spid="_x0000_s1155" name="Equation" r:id="rId6" imgW="1752480" imgH="203040" progId="Equation.DSMT4">
+                <p:oleObj spid="_x0000_s1173" name="Equation" r:id="rId6" imgW="1752480" imgH="203040" progId="Equation.DSMT4">
                   <p:embed/>
                 </p:oleObj>
               </mc:Choice>
@@ -7847,7 +8948,7 @@
           <a:graphicData uri="http://schemas.openxmlformats.org/presentationml/2006/ole">
             <mc:AlternateContent xmlns:mc="http://schemas.openxmlformats.org/markup-compatibility/2006">
               <mc:Choice xmlns:v="urn:schemas-microsoft-com:vml" Requires="v">
-                <p:oleObj spid="_x0000_s1156" name="Equation" r:id="rId8" imgW="672840" imgH="203040" progId="Equation.DSMT4">
+                <p:oleObj spid="_x0000_s1174" name="Equation" r:id="rId8" imgW="672840" imgH="203040" progId="Equation.DSMT4">
                   <p:embed/>
                 </p:oleObj>
               </mc:Choice>
@@ -7940,7 +9041,7 @@
           <a:graphicData uri="http://schemas.openxmlformats.org/presentationml/2006/ole">
             <mc:AlternateContent xmlns:mc="http://schemas.openxmlformats.org/markup-compatibility/2006">
               <mc:Choice xmlns:v="urn:schemas-microsoft-com:vml" Requires="v">
-                <p:oleObj spid="_x0000_s1157" name="Equation" r:id="rId10" imgW="1066680" imgH="203040" progId="Equation.DSMT4">
+                <p:oleObj spid="_x0000_s1175" name="Equation" r:id="rId10" imgW="1066680" imgH="203040" progId="Equation.DSMT4">
                   <p:embed/>
                 </p:oleObj>
               </mc:Choice>
@@ -7997,7 +9098,7 @@
           <a:graphicData uri="http://schemas.openxmlformats.org/presentationml/2006/ole">
             <mc:AlternateContent xmlns:mc="http://schemas.openxmlformats.org/markup-compatibility/2006">
               <mc:Choice xmlns:v="urn:schemas-microsoft-com:vml" Requires="v">
-                <p:oleObj spid="_x0000_s1158" name="Equation" r:id="rId12" imgW="1180800" imgH="203040" progId="Equation.DSMT4">
+                <p:oleObj spid="_x0000_s1176" name="Equation" r:id="rId12" imgW="1180800" imgH="203040" progId="Equation.DSMT4">
                   <p:embed/>
                 </p:oleObj>
               </mc:Choice>
@@ -8140,7 +9241,7 @@
           <a:graphicData uri="http://schemas.openxmlformats.org/presentationml/2006/ole">
             <mc:AlternateContent xmlns:mc="http://schemas.openxmlformats.org/markup-compatibility/2006">
               <mc:Choice xmlns:v="urn:schemas-microsoft-com:vml" Requires="v">
-                <p:oleObj spid="_x0000_s1159" name="Equation" r:id="rId14" imgW="457200" imgH="203040" progId="Equation.DSMT4">
+                <p:oleObj spid="_x0000_s1177" name="Equation" r:id="rId14" imgW="457200" imgH="203040" progId="Equation.DSMT4">
                   <p:embed/>
                 </p:oleObj>
               </mc:Choice>
@@ -8577,7 +9678,7 @@
           <a:graphicData uri="http://schemas.openxmlformats.org/presentationml/2006/ole">
             <mc:AlternateContent xmlns:mc="http://schemas.openxmlformats.org/markup-compatibility/2006">
               <mc:Choice xmlns:v="urn:schemas-microsoft-com:vml" Requires="v">
-                <p:oleObj spid="_x0000_s5134" name="Equation" r:id="rId4" imgW="2882880" imgH="203040" progId="Equation.DSMT4">
+                <p:oleObj spid="_x0000_s5140" name="Equation" r:id="rId4" imgW="2882880" imgH="203040" progId="Equation.DSMT4">
                   <p:embed/>
                 </p:oleObj>
               </mc:Choice>
@@ -8634,7 +9735,7 @@
           <a:graphicData uri="http://schemas.openxmlformats.org/presentationml/2006/ole">
             <mc:AlternateContent xmlns:mc="http://schemas.openxmlformats.org/markup-compatibility/2006">
               <mc:Choice xmlns:v="urn:schemas-microsoft-com:vml" Requires="v">
-                <p:oleObj spid="_x0000_s5135" name="Equation" r:id="rId6" imgW="1155600" imgH="203040" progId="Equation.DSMT4">
+                <p:oleObj spid="_x0000_s5141" name="Equation" r:id="rId6" imgW="1155600" imgH="203040" progId="Equation.DSMT4">
                   <p:embed/>
                 </p:oleObj>
               </mc:Choice>
@@ -9489,7 +10590,7 @@
           <a:graphicData uri="http://schemas.openxmlformats.org/presentationml/2006/ole">
             <mc:AlternateContent xmlns:mc="http://schemas.openxmlformats.org/markup-compatibility/2006">
               <mc:Choice xmlns:v="urn:schemas-microsoft-com:vml" Requires="v">
-                <p:oleObj spid="_x0000_s3113" name="Equation" r:id="rId4" imgW="2882880" imgH="203040" progId="Equation.DSMT4">
+                <p:oleObj spid="_x0000_s3119" name="Equation" r:id="rId4" imgW="2882880" imgH="203040" progId="Equation.DSMT4">
                   <p:embed/>
                 </p:oleObj>
               </mc:Choice>
@@ -9546,7 +10647,7 @@
           <a:graphicData uri="http://schemas.openxmlformats.org/presentationml/2006/ole">
             <mc:AlternateContent xmlns:mc="http://schemas.openxmlformats.org/markup-compatibility/2006">
               <mc:Choice xmlns:v="urn:schemas-microsoft-com:vml" Requires="v">
-                <p:oleObj spid="_x0000_s3114" name="Equation" r:id="rId6" imgW="1155600" imgH="203040" progId="Equation.DSMT4">
+                <p:oleObj spid="_x0000_s3120" name="Equation" r:id="rId6" imgW="1155600" imgH="203040" progId="Equation.DSMT4">
                   <p:embed/>
                 </p:oleObj>
               </mc:Choice>

--- a/知识表示学习/知识表示学习.pptx
+++ b/知识表示学习/知识表示学习.pptx
@@ -5,7 +5,7 @@
     <p:sldMasterId id="2147483648" r:id="rId1"/>
   </p:sldMasterIdLst>
   <p:notesMasterIdLst>
-    <p:notesMasterId r:id="rId17"/>
+    <p:notesMasterId r:id="rId16"/>
   </p:notesMasterIdLst>
   <p:sldIdLst>
     <p:sldId id="256" r:id="rId2"/>
@@ -16,13 +16,12 @@
     <p:sldId id="259" r:id="rId7"/>
     <p:sldId id="262" r:id="rId8"/>
     <p:sldId id="270" r:id="rId9"/>
-    <p:sldId id="260" r:id="rId10"/>
-    <p:sldId id="261" r:id="rId11"/>
-    <p:sldId id="267" r:id="rId12"/>
-    <p:sldId id="266" r:id="rId13"/>
-    <p:sldId id="265" r:id="rId14"/>
-    <p:sldId id="268" r:id="rId15"/>
-    <p:sldId id="269" r:id="rId16"/>
+    <p:sldId id="261" r:id="rId10"/>
+    <p:sldId id="267" r:id="rId11"/>
+    <p:sldId id="266" r:id="rId12"/>
+    <p:sldId id="265" r:id="rId13"/>
+    <p:sldId id="268" r:id="rId14"/>
+    <p:sldId id="269" r:id="rId15"/>
   </p:sldIdLst>
   <p:sldSz cx="12192000" cy="6858000"/>
   <p:notesSz cx="6858000" cy="9144000"/>
@@ -211,7 +210,7 @@
           <a:p>
             <a:fld id="{628B8EAE-F76C-4DB1-B1A5-6FBE2387D0BF}" type="datetimeFigureOut">
               <a:rPr lang="zh-CN" altLang="en-US" smtClean="0"/>
-              <a:t>2018/12/3</a:t>
+              <a:t>2018/12/4</a:t>
             </a:fld>
             <a:endParaRPr lang="zh-CN" altLang="en-US"/>
           </a:p>
@@ -650,96 +649,129 @@
           <a:lstStyle/>
           <a:p>
             <a:r>
-              <a:rPr lang="en-US" altLang="zh-CN" sz="1200" b="0" i="0" kern="1200" dirty="0" smtClean="0">
-                <a:solidFill>
-                  <a:schemeClr val="tx1"/>
-                </a:solidFill>
-                <a:effectLst/>
-                <a:latin typeface="+mn-lt"/>
-                <a:ea typeface="+mn-ea"/>
-                <a:cs typeface="+mn-cs"/>
-              </a:rPr>
-              <a:t>N-1</a:t>
-            </a:r>
-            <a:r>
-              <a:rPr lang="zh-CN" altLang="en-US" sz="1200" b="0" i="0" kern="1200" dirty="0" smtClean="0">
-                <a:solidFill>
-                  <a:schemeClr val="tx1"/>
-                </a:solidFill>
-                <a:effectLst/>
-                <a:latin typeface="+mn-lt"/>
-                <a:ea typeface="+mn-ea"/>
-                <a:cs typeface="+mn-cs"/>
-              </a:rPr>
-              <a:t>类型关系指的是，该类型关系中的一个尾实体平均对应多个头实体。</a:t>
-            </a:r>
-            <a:endParaRPr lang="en-US" altLang="zh-CN" sz="1200" b="0" i="0" kern="1200" dirty="0" smtClean="0">
-              <a:solidFill>
-                <a:schemeClr val="tx1"/>
-              </a:solidFill>
-              <a:effectLst/>
-              <a:latin typeface="+mn-lt"/>
-              <a:ea typeface="+mn-ea"/>
-              <a:cs typeface="+mn-cs"/>
-            </a:endParaRPr>
-          </a:p>
-          <a:p>
-            <a:endParaRPr lang="en-US" altLang="zh-CN" sz="1200" b="0" i="0" kern="1200" dirty="0" smtClean="0">
-              <a:solidFill>
-                <a:schemeClr val="tx1"/>
-              </a:solidFill>
-              <a:effectLst/>
-              <a:latin typeface="+mn-lt"/>
-              <a:ea typeface="+mn-ea"/>
-              <a:cs typeface="+mn-cs"/>
-            </a:endParaRPr>
-          </a:p>
-          <a:p>
-            <a:r>
-              <a:rPr lang="zh-CN" altLang="en-US" sz="1200" b="0" i="0" kern="1200" dirty="0" smtClean="0">
-                <a:solidFill>
-                  <a:schemeClr val="tx1"/>
-                </a:solidFill>
-                <a:effectLst/>
-                <a:latin typeface="+mn-lt"/>
-                <a:ea typeface="+mn-ea"/>
-                <a:cs typeface="+mn-cs"/>
-              </a:rPr>
-              <a:t>这是由于</a:t>
-            </a:r>
-            <a:r>
-              <a:rPr lang="en-US" altLang="zh-CN" sz="1200" b="0" i="0" kern="1200" dirty="0" err="1" smtClean="0">
-                <a:solidFill>
-                  <a:schemeClr val="tx1"/>
-                </a:solidFill>
-                <a:effectLst/>
-                <a:latin typeface="+mn-lt"/>
-                <a:ea typeface="+mn-ea"/>
-                <a:cs typeface="+mn-cs"/>
-              </a:rPr>
+              <a:rPr lang="zh-CN" altLang="en-US" dirty="0" smtClean="0"/>
+              <a:t>在</a:t>
+            </a:r>
+            <a:r>
+              <a:rPr lang="en-US" altLang="zh-CN" dirty="0" err="1" smtClean="0"/>
               <a:t>TransE</a:t>
             </a:r>
             <a:r>
-              <a:rPr lang="zh-CN" altLang="en-US" sz="1200" b="0" i="0" kern="1200" dirty="0" smtClean="0">
-                <a:solidFill>
-                  <a:schemeClr val="tx1"/>
-                </a:solidFill>
-                <a:effectLst/>
-                <a:latin typeface="+mn-lt"/>
-                <a:ea typeface="+mn-ea"/>
-                <a:cs typeface="+mn-cs"/>
-              </a:rPr>
-              <a:t>模型过于简单，仅仅是对层次关系进行建模，没有考虑到知识库中其他复杂关系。</a:t>
-            </a:r>
-            <a:endParaRPr lang="en-US" altLang="zh-CN" sz="1200" b="0" i="0" kern="1200" dirty="0" smtClean="0">
-              <a:solidFill>
-                <a:schemeClr val="tx1"/>
-              </a:solidFill>
-              <a:effectLst/>
-              <a:latin typeface="+mn-lt"/>
-              <a:ea typeface="+mn-ea"/>
-              <a:cs typeface="+mn-cs"/>
-            </a:endParaRPr>
+              <a:rPr lang="zh-CN" altLang="en-US" dirty="0" smtClean="0"/>
+              <a:t>模型中，实体在不同的关系下的表示相同。这是有缺陷的。比如奥巴马在总统这个关系下和布什，含义相同。</a:t>
+            </a:r>
+            <a:r>
+              <a:rPr lang="zh-CN" altLang="en-US" baseline="0" dirty="0" smtClean="0"/>
+              <a:t> </a:t>
+            </a:r>
+            <a:endParaRPr lang="en-US" altLang="zh-CN" baseline="0" dirty="0" smtClean="0"/>
+          </a:p>
+          <a:p>
+            <a:endParaRPr lang="en-US" altLang="zh-CN" baseline="0" dirty="0" smtClean="0"/>
+          </a:p>
+          <a:p>
+            <a:r>
+              <a:rPr lang="zh-CN" altLang="en-US" baseline="0" dirty="0" smtClean="0"/>
+              <a:t>但是在大部分别的关系下，奥巴马 布什 这两个实体含义 是不同的。</a:t>
+            </a:r>
+            <a:endParaRPr lang="en-US" altLang="zh-CN" baseline="0" dirty="0" smtClean="0"/>
+          </a:p>
+          <a:p>
+            <a:endParaRPr lang="en-US" altLang="zh-CN" baseline="0" dirty="0" smtClean="0"/>
+          </a:p>
+          <a:p>
+            <a:r>
+              <a:rPr lang="zh-CN" altLang="en-US" baseline="0" dirty="0" smtClean="0"/>
+              <a:t>词的表示也存在相同的问题， 词在不同的语境中，可能存在不同的语义。</a:t>
+            </a:r>
+            <a:endParaRPr lang="en-US" altLang="zh-CN" baseline="0" dirty="0" smtClean="0"/>
+          </a:p>
+          <a:p>
+            <a:endParaRPr lang="en-US" altLang="zh-CN" baseline="0" dirty="0" smtClean="0"/>
+          </a:p>
+          <a:p>
+            <a:r>
+              <a:rPr lang="en-US" altLang="zh-CN" baseline="0" dirty="0" err="1" smtClean="0"/>
+              <a:t>TransH</a:t>
+            </a:r>
+            <a:r>
+              <a:rPr lang="zh-CN" altLang="en-US" baseline="0" dirty="0" smtClean="0"/>
+              <a:t>模型是</a:t>
+            </a:r>
+            <a:r>
+              <a:rPr lang="en-US" altLang="zh-CN" baseline="0" dirty="0" err="1" smtClean="0"/>
+              <a:t>TransE</a:t>
+            </a:r>
+            <a:r>
+              <a:rPr lang="zh-CN" altLang="en-US" baseline="0" dirty="0" smtClean="0"/>
+              <a:t>模型改进， 认为一个实体在不同关系下有不同的表示。</a:t>
+            </a:r>
+            <a:endParaRPr lang="en-US" altLang="zh-CN" dirty="0" smtClean="0"/>
+          </a:p>
+          <a:p>
+            <a:endParaRPr lang="en-US" altLang="zh-CN" dirty="0" smtClean="0"/>
+          </a:p>
+          <a:p>
+            <a:r>
+              <a:rPr lang="zh-CN" altLang="en-US" dirty="0" smtClean="0"/>
+              <a:t>头实体向量</a:t>
+            </a:r>
+            <a:r>
+              <a:rPr lang="en-US" altLang="zh-CN" dirty="0" err="1" smtClean="0"/>
+              <a:t>lh</a:t>
+            </a:r>
+            <a:r>
+              <a:rPr lang="zh-CN" altLang="en-US" dirty="0" smtClean="0"/>
+              <a:t>和尾实体向量</a:t>
+            </a:r>
+            <a:r>
+              <a:rPr lang="en-US" altLang="zh-CN" dirty="0" err="1" smtClean="0"/>
+              <a:t>lt</a:t>
+            </a:r>
+            <a:r>
+              <a:rPr lang="zh-CN" altLang="en-US" dirty="0" smtClean="0"/>
+              <a:t>沿法线</a:t>
+            </a:r>
+            <a:r>
+              <a:rPr lang="en-US" altLang="zh-CN" dirty="0" err="1" smtClean="0"/>
+              <a:t>wr</a:t>
+            </a:r>
+            <a:r>
+              <a:rPr lang="zh-CN" altLang="en-US" dirty="0" smtClean="0"/>
+              <a:t>投影到关系</a:t>
+            </a:r>
+            <a:r>
+              <a:rPr lang="en-US" altLang="zh-CN" dirty="0" smtClean="0"/>
+              <a:t>r</a:t>
+            </a:r>
+            <a:r>
+              <a:rPr lang="zh-CN" altLang="en-US" dirty="0" smtClean="0"/>
+              <a:t>对应的超平面上。</a:t>
+            </a:r>
+            <a:endParaRPr lang="en-US" altLang="zh-CN" dirty="0" smtClean="0"/>
+          </a:p>
+          <a:p>
+            <a:r>
+              <a:rPr lang="zh-CN" altLang="en-US" dirty="0" smtClean="0"/>
+              <a:t>分别用</a:t>
+            </a:r>
+            <a:r>
+              <a:rPr lang="en-US" altLang="zh-CN" dirty="0" err="1" smtClean="0"/>
+              <a:t>lhr</a:t>
+            </a:r>
+            <a:r>
+              <a:rPr lang="zh-CN" altLang="en-US" dirty="0" smtClean="0"/>
+              <a:t>和</a:t>
+            </a:r>
+            <a:r>
+              <a:rPr lang="en-US" altLang="zh-CN" dirty="0" err="1" smtClean="0"/>
+              <a:t>ltr</a:t>
+            </a:r>
+            <a:r>
+              <a:rPr lang="zh-CN" altLang="en-US" dirty="0" smtClean="0"/>
+              <a:t>表示。</a:t>
+            </a:r>
+            <a:endParaRPr lang="zh-CN" altLang="en-US" dirty="0"/>
           </a:p>
         </p:txBody>
       </p:sp>
@@ -761,213 +793,6 @@
             <a:fld id="{03EC23FA-1A74-4866-BA33-81430325FB80}" type="slidenum">
               <a:rPr lang="zh-CN" altLang="en-US" smtClean="0"/>
               <a:t>13</a:t>
-            </a:fld>
-            <a:endParaRPr lang="zh-CN" altLang="en-US"/>
-          </a:p>
-        </p:txBody>
-      </p:sp>
-    </p:spTree>
-    <p:extLst>
-      <p:ext uri="{BB962C8B-B14F-4D97-AF65-F5344CB8AC3E}">
-        <p14:creationId xmlns:p14="http://schemas.microsoft.com/office/powerpoint/2010/main" val="1859020454"/>
-      </p:ext>
-    </p:extLst>
-  </p:cSld>
-  <p:clrMapOvr>
-    <a:masterClrMapping/>
-  </p:clrMapOvr>
-</p:notes>
-</file>
-
-<file path=ppt/notesSlides/notesSlide11.xml><?xml version="1.0" encoding="utf-8"?>
-<p:notes xmlns:a="http://schemas.openxmlformats.org/drawingml/2006/main" xmlns:r="http://schemas.openxmlformats.org/officeDocument/2006/relationships" xmlns:p="http://schemas.openxmlformats.org/presentationml/2006/main">
-  <p:cSld>
-    <p:spTree>
-      <p:nvGrpSpPr>
-        <p:cNvPr id="1" name=""/>
-        <p:cNvGrpSpPr/>
-        <p:nvPr/>
-      </p:nvGrpSpPr>
-      <p:grpSpPr>
-        <a:xfrm>
-          <a:off x="0" y="0"/>
-          <a:ext cx="0" cy="0"/>
-          <a:chOff x="0" y="0"/>
-          <a:chExt cx="0" cy="0"/>
-        </a:xfrm>
-      </p:grpSpPr>
-      <p:sp>
-        <p:nvSpPr>
-          <p:cNvPr id="2" name="幻灯片图像占位符 1"/>
-          <p:cNvSpPr>
-            <a:spLocks noGrp="1" noRot="1" noChangeAspect="1"/>
-          </p:cNvSpPr>
-          <p:nvPr>
-            <p:ph type="sldImg"/>
-          </p:nvPr>
-        </p:nvSpPr>
-        <p:spPr/>
-      </p:sp>
-      <p:sp>
-        <p:nvSpPr>
-          <p:cNvPr id="3" name="备注占位符 2"/>
-          <p:cNvSpPr>
-            <a:spLocks noGrp="1"/>
-          </p:cNvSpPr>
-          <p:nvPr>
-            <p:ph type="body" idx="1"/>
-          </p:nvPr>
-        </p:nvSpPr>
-        <p:spPr/>
-        <p:txBody>
-          <a:bodyPr/>
-          <a:lstStyle/>
-          <a:p>
-            <a:r>
-              <a:rPr lang="zh-CN" altLang="en-US" dirty="0" smtClean="0"/>
-              <a:t>在</a:t>
-            </a:r>
-            <a:r>
-              <a:rPr lang="en-US" altLang="zh-CN" dirty="0" err="1" smtClean="0"/>
-              <a:t>TransE</a:t>
-            </a:r>
-            <a:r>
-              <a:rPr lang="zh-CN" altLang="en-US" dirty="0" smtClean="0"/>
-              <a:t>模型中，实体在不同的关系下的表示相同。这是有缺陷的。比如奥巴马在总统这个关系下和布什，含义相同。</a:t>
-            </a:r>
-            <a:r>
-              <a:rPr lang="zh-CN" altLang="en-US" baseline="0" dirty="0" smtClean="0"/>
-              <a:t> </a:t>
-            </a:r>
-            <a:endParaRPr lang="en-US" altLang="zh-CN" baseline="0" dirty="0" smtClean="0"/>
-          </a:p>
-          <a:p>
-            <a:endParaRPr lang="en-US" altLang="zh-CN" baseline="0" dirty="0" smtClean="0"/>
-          </a:p>
-          <a:p>
-            <a:r>
-              <a:rPr lang="zh-CN" altLang="en-US" baseline="0" dirty="0" smtClean="0"/>
-              <a:t>但是在大部分别的关系下，奥巴马 布什 这两个实体含义 是不同的。</a:t>
-            </a:r>
-            <a:endParaRPr lang="en-US" altLang="zh-CN" baseline="0" dirty="0" smtClean="0"/>
-          </a:p>
-          <a:p>
-            <a:endParaRPr lang="en-US" altLang="zh-CN" baseline="0" dirty="0" smtClean="0"/>
-          </a:p>
-          <a:p>
-            <a:r>
-              <a:rPr lang="zh-CN" altLang="en-US" baseline="0" dirty="0" smtClean="0"/>
-              <a:t>词的表示也存在相同的问题， 词在不同的语境中，可能存在不同的语义。</a:t>
-            </a:r>
-            <a:endParaRPr lang="en-US" altLang="zh-CN" baseline="0" dirty="0" smtClean="0"/>
-          </a:p>
-          <a:p>
-            <a:endParaRPr lang="en-US" altLang="zh-CN" baseline="0" dirty="0" smtClean="0"/>
-          </a:p>
-          <a:p>
-            <a:r>
-              <a:rPr lang="en-US" altLang="zh-CN" baseline="0" dirty="0" err="1" smtClean="0"/>
-              <a:t>TransH</a:t>
-            </a:r>
-            <a:r>
-              <a:rPr lang="zh-CN" altLang="en-US" baseline="0" dirty="0" smtClean="0"/>
-              <a:t>模型是</a:t>
-            </a:r>
-            <a:r>
-              <a:rPr lang="en-US" altLang="zh-CN" baseline="0" dirty="0" err="1" smtClean="0"/>
-              <a:t>TransE</a:t>
-            </a:r>
-            <a:r>
-              <a:rPr lang="zh-CN" altLang="en-US" baseline="0" dirty="0" smtClean="0"/>
-              <a:t>模型改进， 认为一个实体在不同关系下有不同的表示。</a:t>
-            </a:r>
-            <a:endParaRPr lang="en-US" altLang="zh-CN" dirty="0" smtClean="0"/>
-          </a:p>
-          <a:p>
-            <a:endParaRPr lang="en-US" altLang="zh-CN" dirty="0" smtClean="0"/>
-          </a:p>
-          <a:p>
-            <a:r>
-              <a:rPr lang="zh-CN" altLang="en-US" dirty="0" smtClean="0"/>
-              <a:t>头实体向量</a:t>
-            </a:r>
-            <a:r>
-              <a:rPr lang="en-US" altLang="zh-CN" dirty="0" err="1" smtClean="0"/>
-              <a:t>lh</a:t>
-            </a:r>
-            <a:r>
-              <a:rPr lang="zh-CN" altLang="en-US" dirty="0" smtClean="0"/>
-              <a:t>和尾实体向量</a:t>
-            </a:r>
-            <a:r>
-              <a:rPr lang="en-US" altLang="zh-CN" dirty="0" err="1" smtClean="0"/>
-              <a:t>lt</a:t>
-            </a:r>
-            <a:r>
-              <a:rPr lang="zh-CN" altLang="en-US" dirty="0" smtClean="0"/>
-              <a:t>沿法线</a:t>
-            </a:r>
-            <a:r>
-              <a:rPr lang="en-US" altLang="zh-CN" dirty="0" err="1" smtClean="0"/>
-              <a:t>wr</a:t>
-            </a:r>
-            <a:r>
-              <a:rPr lang="zh-CN" altLang="en-US" dirty="0" smtClean="0"/>
-              <a:t>投影到关系</a:t>
-            </a:r>
-            <a:r>
-              <a:rPr lang="en-US" altLang="zh-CN" dirty="0" smtClean="0"/>
-              <a:t>r</a:t>
-            </a:r>
-            <a:r>
-              <a:rPr lang="zh-CN" altLang="en-US" dirty="0" smtClean="0"/>
-              <a:t>对应的超平面上。</a:t>
-            </a:r>
-            <a:endParaRPr lang="en-US" altLang="zh-CN" dirty="0" smtClean="0"/>
-          </a:p>
-          <a:p>
-            <a:r>
-              <a:rPr lang="zh-CN" altLang="en-US" dirty="0" smtClean="0"/>
-              <a:t>分别用</a:t>
-            </a:r>
-            <a:r>
-              <a:rPr lang="en-US" altLang="zh-CN" dirty="0" err="1" smtClean="0"/>
-              <a:t>lhr</a:t>
-            </a:r>
-            <a:r>
-              <a:rPr lang="zh-CN" altLang="en-US" dirty="0" smtClean="0"/>
-              <a:t>和</a:t>
-            </a:r>
-            <a:r>
-              <a:rPr lang="en-US" altLang="zh-CN" dirty="0" err="1" smtClean="0"/>
-              <a:t>ltr</a:t>
-            </a:r>
-            <a:r>
-              <a:rPr lang="zh-CN" altLang="en-US" dirty="0" smtClean="0"/>
-              <a:t>表示。</a:t>
-            </a:r>
-            <a:endParaRPr lang="zh-CN" altLang="en-US" dirty="0"/>
-          </a:p>
-        </p:txBody>
-      </p:sp>
-      <p:sp>
-        <p:nvSpPr>
-          <p:cNvPr id="4" name="灯片编号占位符 3"/>
-          <p:cNvSpPr>
-            <a:spLocks noGrp="1"/>
-          </p:cNvSpPr>
-          <p:nvPr>
-            <p:ph type="sldNum" sz="quarter" idx="10"/>
-          </p:nvPr>
-        </p:nvSpPr>
-        <p:spPr/>
-        <p:txBody>
-          <a:bodyPr/>
-          <a:lstStyle/>
-          <a:p>
-            <a:fld id="{03EC23FA-1A74-4866-BA33-81430325FB80}" type="slidenum">
-              <a:rPr lang="zh-CN" altLang="en-US" smtClean="0"/>
-              <a:t>14</a:t>
             </a:fld>
             <a:endParaRPr lang="zh-CN" altLang="en-US"/>
           </a:p>
@@ -1344,11 +1169,7 @@
             </a:r>
             <a:r>
               <a:rPr lang="zh-CN" altLang="en-US" baseline="0" dirty="0" smtClean="0"/>
-              <a:t> 之间都存在着首都关系， </a:t>
-            </a:r>
-            <a:r>
-              <a:rPr lang="zh-CN" altLang="en-US" baseline="0" dirty="0" smtClean="0"/>
-              <a:t>它们之间的平移几乎相同。</a:t>
+              <a:t> 之间都存在着首都关系， 它们之间的平移几乎相同。</a:t>
             </a:r>
             <a:endParaRPr lang="en-US" altLang="zh-CN" baseline="0" dirty="0" smtClean="0"/>
           </a:p>
@@ -1835,30 +1656,6 @@
           <a:bodyPr/>
           <a:lstStyle/>
           <a:p>
-            <a:r>
-              <a:rPr lang="zh-CN" altLang="en-US" dirty="0" smtClean="0"/>
-              <a:t>词向量能够捕捉到单词</a:t>
-            </a:r>
-            <a:r>
-              <a:rPr lang="en-US" altLang="zh-CN" dirty="0" smtClean="0"/>
-              <a:t>China</a:t>
-            </a:r>
-            <a:r>
-              <a:rPr lang="en-US" altLang="zh-CN" baseline="0" dirty="0" smtClean="0"/>
-              <a:t> Beijing</a:t>
-            </a:r>
-            <a:r>
-              <a:rPr lang="zh-CN" altLang="en-US" baseline="0" dirty="0" smtClean="0"/>
-              <a:t>之间  </a:t>
-            </a:r>
-            <a:r>
-              <a:rPr lang="en-US" altLang="zh-CN" baseline="0" dirty="0" smtClean="0"/>
-              <a:t>Japan Tokyo</a:t>
-            </a:r>
-            <a:r>
-              <a:rPr lang="zh-CN" altLang="en-US" baseline="0" dirty="0" smtClean="0"/>
-              <a:t>之间的隐含语义关系</a:t>
-            </a:r>
             <a:endParaRPr lang="zh-CN" altLang="en-US" dirty="0"/>
           </a:p>
         </p:txBody>
@@ -1889,7 +1686,7 @@
     </p:spTree>
     <p:extLst>
       <p:ext uri="{BB962C8B-B14F-4D97-AF65-F5344CB8AC3E}">
-        <p14:creationId xmlns:p14="http://schemas.microsoft.com/office/powerpoint/2010/main" val="2770810133"/>
+        <p14:creationId xmlns:p14="http://schemas.microsoft.com/office/powerpoint/2010/main" val="4157890851"/>
       </p:ext>
     </p:extLst>
   </p:cSld>
@@ -1943,7 +1740,97 @@
           <a:bodyPr/>
           <a:lstStyle/>
           <a:p>
-            <a:endParaRPr lang="zh-CN" altLang="en-US" dirty="0"/>
+            <a:r>
+              <a:rPr lang="en-US" altLang="zh-CN" sz="1200" b="0" i="0" kern="1200" dirty="0" smtClean="0">
+                <a:solidFill>
+                  <a:schemeClr val="tx1"/>
+                </a:solidFill>
+                <a:effectLst/>
+                <a:latin typeface="+mn-lt"/>
+                <a:ea typeface="+mn-ea"/>
+                <a:cs typeface="+mn-cs"/>
+              </a:rPr>
+              <a:t>N-1</a:t>
+            </a:r>
+            <a:r>
+              <a:rPr lang="zh-CN" altLang="en-US" sz="1200" b="0" i="0" kern="1200" dirty="0" smtClean="0">
+                <a:solidFill>
+                  <a:schemeClr val="tx1"/>
+                </a:solidFill>
+                <a:effectLst/>
+                <a:latin typeface="+mn-lt"/>
+                <a:ea typeface="+mn-ea"/>
+                <a:cs typeface="+mn-cs"/>
+              </a:rPr>
+              <a:t>类型关系指的是，该类型关系中的一个尾实体平均对应多个头实体。</a:t>
+            </a:r>
+            <a:endParaRPr lang="en-US" altLang="zh-CN" sz="1200" b="0" i="0" kern="1200" dirty="0" smtClean="0">
+              <a:solidFill>
+                <a:schemeClr val="tx1"/>
+              </a:solidFill>
+              <a:effectLst/>
+              <a:latin typeface="+mn-lt"/>
+              <a:ea typeface="+mn-ea"/>
+              <a:cs typeface="+mn-cs"/>
+            </a:endParaRPr>
+          </a:p>
+          <a:p>
+            <a:endParaRPr lang="en-US" altLang="zh-CN" sz="1200" b="0" i="0" kern="1200" dirty="0" smtClean="0">
+              <a:solidFill>
+                <a:schemeClr val="tx1"/>
+              </a:solidFill>
+              <a:effectLst/>
+              <a:latin typeface="+mn-lt"/>
+              <a:ea typeface="+mn-ea"/>
+              <a:cs typeface="+mn-cs"/>
+            </a:endParaRPr>
+          </a:p>
+          <a:p>
+            <a:r>
+              <a:rPr lang="zh-CN" altLang="en-US" sz="1200" b="0" i="0" kern="1200" dirty="0" smtClean="0">
+                <a:solidFill>
+                  <a:schemeClr val="tx1"/>
+                </a:solidFill>
+                <a:effectLst/>
+                <a:latin typeface="+mn-lt"/>
+                <a:ea typeface="+mn-ea"/>
+                <a:cs typeface="+mn-cs"/>
+              </a:rPr>
+              <a:t>这是由于</a:t>
+            </a:r>
+            <a:r>
+              <a:rPr lang="en-US" altLang="zh-CN" sz="1200" b="0" i="0" kern="1200" dirty="0" err="1" smtClean="0">
+                <a:solidFill>
+                  <a:schemeClr val="tx1"/>
+                </a:solidFill>
+                <a:effectLst/>
+                <a:latin typeface="+mn-lt"/>
+                <a:ea typeface="+mn-ea"/>
+                <a:cs typeface="+mn-cs"/>
+              </a:rPr>
+              <a:t>TransE</a:t>
+            </a:r>
+            <a:r>
+              <a:rPr lang="zh-CN" altLang="en-US" sz="1200" b="0" i="0" kern="1200" dirty="0" smtClean="0">
+                <a:solidFill>
+                  <a:schemeClr val="tx1"/>
+                </a:solidFill>
+                <a:effectLst/>
+                <a:latin typeface="+mn-lt"/>
+                <a:ea typeface="+mn-ea"/>
+                <a:cs typeface="+mn-cs"/>
+              </a:rPr>
+              <a:t>模型过于简单，仅仅是对层次关系进行建模，没有考虑到知识库中其他复杂关系。</a:t>
+            </a:r>
+            <a:endParaRPr lang="en-US" altLang="zh-CN" sz="1200" b="0" i="0" kern="1200" dirty="0" smtClean="0">
+              <a:solidFill>
+                <a:schemeClr val="tx1"/>
+              </a:solidFill>
+              <a:effectLst/>
+              <a:latin typeface="+mn-lt"/>
+              <a:ea typeface="+mn-ea"/>
+              <a:cs typeface="+mn-cs"/>
+            </a:endParaRPr>
           </a:p>
         </p:txBody>
       </p:sp>
@@ -1964,7 +1851,7 @@
           <a:p>
             <a:fld id="{03EC23FA-1A74-4866-BA33-81430325FB80}" type="slidenum">
               <a:rPr lang="zh-CN" altLang="en-US" smtClean="0"/>
-              <a:t>10</a:t>
+              <a:t>12</a:t>
             </a:fld>
             <a:endParaRPr lang="zh-CN" altLang="en-US"/>
           </a:p>
@@ -1973,7 +1860,7 @@
     </p:spTree>
     <p:extLst>
       <p:ext uri="{BB962C8B-B14F-4D97-AF65-F5344CB8AC3E}">
-        <p14:creationId xmlns:p14="http://schemas.microsoft.com/office/powerpoint/2010/main" val="4157890851"/>
+        <p14:creationId xmlns:p14="http://schemas.microsoft.com/office/powerpoint/2010/main" val="1859020454"/>
       </p:ext>
     </p:extLst>
   </p:cSld>
@@ -2114,7 +2001,7 @@
           <a:p>
             <a:fld id="{FE5DA7A3-A219-42CA-A9DF-324CAD0AC667}" type="datetimeFigureOut">
               <a:rPr lang="zh-CN" altLang="en-US" smtClean="0"/>
-              <a:t>2018/12/3</a:t>
+              <a:t>2018/12/4</a:t>
             </a:fld>
             <a:endParaRPr lang="zh-CN" altLang="en-US"/>
           </a:p>
@@ -2284,7 +2171,7 @@
           <a:p>
             <a:fld id="{FE5DA7A3-A219-42CA-A9DF-324CAD0AC667}" type="datetimeFigureOut">
               <a:rPr lang="zh-CN" altLang="en-US" smtClean="0"/>
-              <a:t>2018/12/3</a:t>
+              <a:t>2018/12/4</a:t>
             </a:fld>
             <a:endParaRPr lang="zh-CN" altLang="en-US"/>
           </a:p>
@@ -2464,7 +2351,7 @@
           <a:p>
             <a:fld id="{FE5DA7A3-A219-42CA-A9DF-324CAD0AC667}" type="datetimeFigureOut">
               <a:rPr lang="zh-CN" altLang="en-US" smtClean="0"/>
-              <a:t>2018/12/3</a:t>
+              <a:t>2018/12/4</a:t>
             </a:fld>
             <a:endParaRPr lang="zh-CN" altLang="en-US"/>
           </a:p>
@@ -2634,7 +2521,7 @@
           <a:p>
             <a:fld id="{FE5DA7A3-A219-42CA-A9DF-324CAD0AC667}" type="datetimeFigureOut">
               <a:rPr lang="zh-CN" altLang="en-US" smtClean="0"/>
-              <a:t>2018/12/3</a:t>
+              <a:t>2018/12/4</a:t>
             </a:fld>
             <a:endParaRPr lang="zh-CN" altLang="en-US"/>
           </a:p>
@@ -2880,7 +2767,7 @@
           <a:p>
             <a:fld id="{FE5DA7A3-A219-42CA-A9DF-324CAD0AC667}" type="datetimeFigureOut">
               <a:rPr lang="zh-CN" altLang="en-US" smtClean="0"/>
-              <a:t>2018/12/3</a:t>
+              <a:t>2018/12/4</a:t>
             </a:fld>
             <a:endParaRPr lang="zh-CN" altLang="en-US"/>
           </a:p>
@@ -3112,7 +2999,7 @@
           <a:p>
             <a:fld id="{FE5DA7A3-A219-42CA-A9DF-324CAD0AC667}" type="datetimeFigureOut">
               <a:rPr lang="zh-CN" altLang="en-US" smtClean="0"/>
-              <a:t>2018/12/3</a:t>
+              <a:t>2018/12/4</a:t>
             </a:fld>
             <a:endParaRPr lang="zh-CN" altLang="en-US"/>
           </a:p>
@@ -3479,7 +3366,7 @@
           <a:p>
             <a:fld id="{FE5DA7A3-A219-42CA-A9DF-324CAD0AC667}" type="datetimeFigureOut">
               <a:rPr lang="zh-CN" altLang="en-US" smtClean="0"/>
-              <a:t>2018/12/3</a:t>
+              <a:t>2018/12/4</a:t>
             </a:fld>
             <a:endParaRPr lang="zh-CN" altLang="en-US"/>
           </a:p>
@@ -3597,7 +3484,7 @@
           <a:p>
             <a:fld id="{FE5DA7A3-A219-42CA-A9DF-324CAD0AC667}" type="datetimeFigureOut">
               <a:rPr lang="zh-CN" altLang="en-US" smtClean="0"/>
-              <a:t>2018/12/3</a:t>
+              <a:t>2018/12/4</a:t>
             </a:fld>
             <a:endParaRPr lang="zh-CN" altLang="en-US"/>
           </a:p>
@@ -3692,7 +3579,7 @@
           <a:p>
             <a:fld id="{FE5DA7A3-A219-42CA-A9DF-324CAD0AC667}" type="datetimeFigureOut">
               <a:rPr lang="zh-CN" altLang="en-US" smtClean="0"/>
-              <a:t>2018/12/3</a:t>
+              <a:t>2018/12/4</a:t>
             </a:fld>
             <a:endParaRPr lang="zh-CN" altLang="en-US"/>
           </a:p>
@@ -3969,7 +3856,7 @@
           <a:p>
             <a:fld id="{FE5DA7A3-A219-42CA-A9DF-324CAD0AC667}" type="datetimeFigureOut">
               <a:rPr lang="zh-CN" altLang="en-US" smtClean="0"/>
-              <a:t>2018/12/3</a:t>
+              <a:t>2018/12/4</a:t>
             </a:fld>
             <a:endParaRPr lang="zh-CN" altLang="en-US"/>
           </a:p>
@@ -4222,7 +4109,7 @@
           <a:p>
             <a:fld id="{FE5DA7A3-A219-42CA-A9DF-324CAD0AC667}" type="datetimeFigureOut">
               <a:rPr lang="zh-CN" altLang="en-US" smtClean="0"/>
-              <a:t>2018/12/3</a:t>
+              <a:t>2018/12/4</a:t>
             </a:fld>
             <a:endParaRPr lang="zh-CN" altLang="en-US"/>
           </a:p>
@@ -4435,7 +4322,7 @@
           <a:p>
             <a:fld id="{FE5DA7A3-A219-42CA-A9DF-324CAD0AC667}" type="datetimeFigureOut">
               <a:rPr lang="zh-CN" altLang="en-US" smtClean="0"/>
-              <a:t>2018/12/3</a:t>
+              <a:t>2018/12/4</a:t>
             </a:fld>
             <a:endParaRPr lang="zh-CN" altLang="en-US"/>
           </a:p>
@@ -4981,1226 +4868,6 @@
           <a:chExt cx="0" cy="0"/>
         </a:xfrm>
       </p:grpSpPr>
-      <p:sp>
-        <p:nvSpPr>
-          <p:cNvPr id="2" name="标题 1"/>
-          <p:cNvSpPr>
-            <a:spLocks noGrp="1"/>
-          </p:cNvSpPr>
-          <p:nvPr>
-            <p:ph type="title"/>
-          </p:nvPr>
-        </p:nvSpPr>
-        <p:spPr>
-          <a:xfrm>
-            <a:off x="638503" y="375635"/>
-            <a:ext cx="10515600" cy="1325563"/>
-          </a:xfrm>
-        </p:spPr>
-        <p:txBody>
-          <a:bodyPr>
-            <a:normAutofit/>
-          </a:bodyPr>
-          <a:lstStyle/>
-          <a:p>
-            <a:r>
-              <a:rPr lang="zh-CN" altLang="en-US" sz="5400" dirty="0">
-                <a:latin typeface="Times New Roman" panose="02020603050405020304" pitchFamily="18" charset="0"/>
-                <a:ea typeface="楷体" panose="02010609060101010101" pitchFamily="49" charset="-122"/>
-              </a:rPr>
-              <a:t>优化</a:t>
-            </a:r>
-            <a:r>
-              <a:rPr lang="zh-CN" altLang="en-US" sz="5400" dirty="0" smtClean="0">
-                <a:latin typeface="Times New Roman" panose="02020603050405020304" pitchFamily="18" charset="0"/>
-                <a:ea typeface="楷体" panose="02010609060101010101" pitchFamily="49" charset="-122"/>
-              </a:rPr>
-              <a:t>目标函数</a:t>
-            </a:r>
-            <a:endParaRPr lang="zh-CN" altLang="en-US" sz="5400" dirty="0">
-              <a:latin typeface="Times New Roman" panose="02020603050405020304" pitchFamily="18" charset="0"/>
-              <a:ea typeface="楷体" panose="02010609060101010101" pitchFamily="49" charset="-122"/>
-            </a:endParaRPr>
-          </a:p>
-        </p:txBody>
-      </p:sp>
-      <p:graphicFrame>
-        <p:nvGraphicFramePr>
-          <p:cNvPr id="6" name="对象 5"/>
-          <p:cNvGraphicFramePr>
-            <a:graphicFrameLocks noChangeAspect="1"/>
-          </p:cNvGraphicFramePr>
-          <p:nvPr>
-            <p:extLst>
-              <p:ext uri="{D42A27DB-BD31-4B8C-83A1-F6EECF244321}">
-                <p14:modId xmlns:p14="http://schemas.microsoft.com/office/powerpoint/2010/main" val="2440016441"/>
-              </p:ext>
-            </p:extLst>
-          </p:nvPr>
-        </p:nvGraphicFramePr>
-        <p:xfrm>
-          <a:off x="4927600" y="2667000"/>
-          <a:ext cx="914400" cy="179388"/>
-        </p:xfrm>
-        <a:graphic>
-          <a:graphicData uri="http://schemas.openxmlformats.org/presentationml/2006/ole">
-            <mc:AlternateContent xmlns:mc="http://schemas.openxmlformats.org/markup-compatibility/2006">
-              <mc:Choice xmlns:v="urn:schemas-microsoft-com:vml" Requires="v">
-                <p:oleObj spid="_x0000_s4196" name="Equation" r:id="rId4" imgW="914400" imgH="179640" progId="Equation.DSMT4">
-                  <p:embed/>
-                </p:oleObj>
-              </mc:Choice>
-              <mc:Fallback>
-                <p:oleObj name="Equation" r:id="rId4" imgW="914400" imgH="179640" progId="Equation.DSMT4">
-                  <p:embed/>
-                  <p:pic>
-                    <p:nvPicPr>
-                      <p:cNvPr id="0" name=""/>
-                      <p:cNvPicPr/>
-                      <p:nvPr/>
-                    </p:nvPicPr>
-                    <p:blipFill>
-                      <a:blip r:embed="rId5"/>
-                      <a:stretch>
-                        <a:fillRect/>
-                      </a:stretch>
-                    </p:blipFill>
-                    <p:spPr>
-                      <a:xfrm>
-                        <a:off x="4927600" y="2667000"/>
-                        <a:ext cx="914400" cy="179388"/>
-                      </a:xfrm>
-                      <a:prstGeom prst="rect">
-                        <a:avLst/>
-                      </a:prstGeom>
-                    </p:spPr>
-                  </p:pic>
-                </p:oleObj>
-              </mc:Fallback>
-            </mc:AlternateContent>
-          </a:graphicData>
-        </a:graphic>
-      </p:graphicFrame>
-      <p:graphicFrame>
-        <p:nvGraphicFramePr>
-          <p:cNvPr id="7" name="对象 6"/>
-          <p:cNvGraphicFramePr>
-            <a:graphicFrameLocks noChangeAspect="1"/>
-          </p:cNvGraphicFramePr>
-          <p:nvPr>
-            <p:extLst>
-              <p:ext uri="{D42A27DB-BD31-4B8C-83A1-F6EECF244321}">
-                <p14:modId xmlns:p14="http://schemas.microsoft.com/office/powerpoint/2010/main" val="240450968"/>
-              </p:ext>
-            </p:extLst>
-          </p:nvPr>
-        </p:nvGraphicFramePr>
-        <p:xfrm>
-          <a:off x="671513" y="1912938"/>
-          <a:ext cx="5813425" cy="668337"/>
-        </p:xfrm>
-        <a:graphic>
-          <a:graphicData uri="http://schemas.openxmlformats.org/presentationml/2006/ole">
-            <mc:AlternateContent xmlns:mc="http://schemas.openxmlformats.org/markup-compatibility/2006">
-              <mc:Choice xmlns:v="urn:schemas-microsoft-com:vml" Requires="v">
-                <p:oleObj spid="_x0000_s4197" name="Equation" r:id="rId6" imgW="1587240" imgH="228600" progId="Equation.DSMT4">
-                  <p:embed/>
-                </p:oleObj>
-              </mc:Choice>
-              <mc:Fallback>
-                <p:oleObj name="Equation" r:id="rId6" imgW="1587240" imgH="228600" progId="Equation.DSMT4">
-                  <p:embed/>
-                  <p:pic>
-                    <p:nvPicPr>
-                      <p:cNvPr id="0" name=""/>
-                      <p:cNvPicPr/>
-                      <p:nvPr/>
-                    </p:nvPicPr>
-                    <p:blipFill>
-                      <a:blip r:embed="rId7"/>
-                      <a:stretch>
-                        <a:fillRect/>
-                      </a:stretch>
-                    </p:blipFill>
-                    <p:spPr>
-                      <a:xfrm>
-                        <a:off x="671513" y="1912938"/>
-                        <a:ext cx="5813425" cy="668337"/>
-                      </a:xfrm>
-                      <a:prstGeom prst="rect">
-                        <a:avLst/>
-                      </a:prstGeom>
-                    </p:spPr>
-                  </p:pic>
-                </p:oleObj>
-              </mc:Fallback>
-            </mc:AlternateContent>
-          </a:graphicData>
-        </a:graphic>
-      </p:graphicFrame>
-      <p:sp>
-        <p:nvSpPr>
-          <p:cNvPr id="8" name="文本框 7"/>
-          <p:cNvSpPr txBox="1"/>
-          <p:nvPr/>
-        </p:nvSpPr>
-        <p:spPr>
-          <a:xfrm>
-            <a:off x="6780707" y="1912938"/>
-            <a:ext cx="2987040" cy="584775"/>
-          </a:xfrm>
-          <a:prstGeom prst="rect">
-            <a:avLst/>
-          </a:prstGeom>
-          <a:noFill/>
-        </p:spPr>
-        <p:txBody>
-          <a:bodyPr wrap="square" rtlCol="0">
-            <a:spAutoFit/>
-          </a:bodyPr>
-          <a:lstStyle/>
-          <a:p>
-            <a:r>
-              <a:rPr lang="zh-CN" altLang="en-US" sz="3200" dirty="0" smtClean="0">
-                <a:latin typeface="Times New Roman" panose="02020603050405020304" pitchFamily="18" charset="0"/>
-                <a:ea typeface="楷体" panose="02010609060101010101" pitchFamily="49" charset="-122"/>
-              </a:rPr>
-              <a:t>损失函数</a:t>
-            </a:r>
-            <a:endParaRPr lang="zh-CN" altLang="en-US" sz="3200" dirty="0">
-              <a:latin typeface="Times New Roman" panose="02020603050405020304" pitchFamily="18" charset="0"/>
-              <a:ea typeface="楷体" panose="02010609060101010101" pitchFamily="49" charset="-122"/>
-            </a:endParaRPr>
-          </a:p>
-        </p:txBody>
-      </p:sp>
-      <p:graphicFrame>
-        <p:nvGraphicFramePr>
-          <p:cNvPr id="9" name="对象 8"/>
-          <p:cNvGraphicFramePr>
-            <a:graphicFrameLocks noChangeAspect="1"/>
-          </p:cNvGraphicFramePr>
-          <p:nvPr>
-            <p:extLst>
-              <p:ext uri="{D42A27DB-BD31-4B8C-83A1-F6EECF244321}">
-                <p14:modId xmlns:p14="http://schemas.microsoft.com/office/powerpoint/2010/main" val="811011120"/>
-              </p:ext>
-            </p:extLst>
-          </p:nvPr>
-        </p:nvGraphicFramePr>
-        <p:xfrm>
-          <a:off x="543417" y="3298976"/>
-          <a:ext cx="8948738" cy="876300"/>
-        </p:xfrm>
-        <a:graphic>
-          <a:graphicData uri="http://schemas.openxmlformats.org/presentationml/2006/ole">
-            <mc:AlternateContent xmlns:mc="http://schemas.openxmlformats.org/markup-compatibility/2006">
-              <mc:Choice xmlns:v="urn:schemas-microsoft-com:vml" Requires="v">
-                <p:oleObj spid="_x0000_s4198" name="Equation" r:id="rId8" imgW="2920680" imgH="355320" progId="Equation.DSMT4">
-                  <p:embed/>
-                </p:oleObj>
-              </mc:Choice>
-              <mc:Fallback>
-                <p:oleObj name="Equation" r:id="rId8" imgW="2920680" imgH="355320" progId="Equation.DSMT4">
-                  <p:embed/>
-                  <p:pic>
-                    <p:nvPicPr>
-                      <p:cNvPr id="0" name=""/>
-                      <p:cNvPicPr/>
-                      <p:nvPr/>
-                    </p:nvPicPr>
-                    <p:blipFill>
-                      <a:blip r:embed="rId9"/>
-                      <a:stretch>
-                        <a:fillRect/>
-                      </a:stretch>
-                    </p:blipFill>
-                    <p:spPr>
-                      <a:xfrm>
-                        <a:off x="543417" y="3298976"/>
-                        <a:ext cx="8948738" cy="876300"/>
-                      </a:xfrm>
-                      <a:prstGeom prst="rect">
-                        <a:avLst/>
-                      </a:prstGeom>
-                    </p:spPr>
-                  </p:pic>
-                </p:oleObj>
-              </mc:Fallback>
-            </mc:AlternateContent>
-          </a:graphicData>
-        </a:graphic>
-      </p:graphicFrame>
-      <p:sp>
-        <p:nvSpPr>
-          <p:cNvPr id="10" name="文本框 9"/>
-          <p:cNvSpPr txBox="1"/>
-          <p:nvPr/>
-        </p:nvSpPr>
-        <p:spPr>
-          <a:xfrm>
-            <a:off x="9663575" y="3456728"/>
-            <a:ext cx="2002420" cy="584775"/>
-          </a:xfrm>
-          <a:prstGeom prst="rect">
-            <a:avLst/>
-          </a:prstGeom>
-          <a:noFill/>
-        </p:spPr>
-        <p:txBody>
-          <a:bodyPr wrap="square" rtlCol="0">
-            <a:spAutoFit/>
-          </a:bodyPr>
-          <a:lstStyle/>
-          <a:p>
-            <a:r>
-              <a:rPr lang="zh-CN" altLang="en-US" sz="3200" dirty="0" smtClean="0">
-                <a:ea typeface="楷体" panose="02010609060101010101" pitchFamily="49" charset="-122"/>
-              </a:rPr>
-              <a:t>目标函数</a:t>
-            </a:r>
-            <a:endParaRPr lang="zh-CN" altLang="en-US" sz="3200" dirty="0">
-              <a:ea typeface="楷体" panose="02010609060101010101" pitchFamily="49" charset="-122"/>
-            </a:endParaRPr>
-          </a:p>
-        </p:txBody>
-      </p:sp>
-      <p:graphicFrame>
-        <p:nvGraphicFramePr>
-          <p:cNvPr id="14" name="对象 13"/>
-          <p:cNvGraphicFramePr>
-            <a:graphicFrameLocks noChangeAspect="1"/>
-          </p:cNvGraphicFramePr>
-          <p:nvPr>
-            <p:extLst>
-              <p:ext uri="{D42A27DB-BD31-4B8C-83A1-F6EECF244321}">
-                <p14:modId xmlns:p14="http://schemas.microsoft.com/office/powerpoint/2010/main" val="2005000582"/>
-              </p:ext>
-            </p:extLst>
-          </p:nvPr>
-        </p:nvGraphicFramePr>
-        <p:xfrm>
-          <a:off x="671513" y="5683443"/>
-          <a:ext cx="520700" cy="539750"/>
-        </p:xfrm>
-        <a:graphic>
-          <a:graphicData uri="http://schemas.openxmlformats.org/presentationml/2006/ole">
-            <mc:AlternateContent xmlns:mc="http://schemas.openxmlformats.org/markup-compatibility/2006">
-              <mc:Choice xmlns:v="urn:schemas-microsoft-com:vml" Requires="v">
-                <p:oleObj spid="_x0000_s4199" name="Equation" r:id="rId10" imgW="126720" imgH="164880" progId="Equation.DSMT4">
-                  <p:embed/>
-                </p:oleObj>
-              </mc:Choice>
-              <mc:Fallback>
-                <p:oleObj name="Equation" r:id="rId10" imgW="126720" imgH="164880" progId="Equation.DSMT4">
-                  <p:embed/>
-                  <p:pic>
-                    <p:nvPicPr>
-                      <p:cNvPr id="0" name=""/>
-                      <p:cNvPicPr/>
-                      <p:nvPr/>
-                    </p:nvPicPr>
-                    <p:blipFill>
-                      <a:blip r:embed="rId11"/>
-                      <a:stretch>
-                        <a:fillRect/>
-                      </a:stretch>
-                    </p:blipFill>
-                    <p:spPr>
-                      <a:xfrm>
-                        <a:off x="671513" y="5683443"/>
-                        <a:ext cx="520700" cy="539750"/>
-                      </a:xfrm>
-                      <a:prstGeom prst="rect">
-                        <a:avLst/>
-                      </a:prstGeom>
-                    </p:spPr>
-                  </p:pic>
-                </p:oleObj>
-              </mc:Fallback>
-            </mc:AlternateContent>
-          </a:graphicData>
-        </a:graphic>
-      </p:graphicFrame>
-      <p:sp>
-        <p:nvSpPr>
-          <p:cNvPr id="15" name="文本框 14"/>
-          <p:cNvSpPr txBox="1"/>
-          <p:nvPr/>
-        </p:nvSpPr>
-        <p:spPr>
-          <a:xfrm>
-            <a:off x="1333963" y="5638418"/>
-            <a:ext cx="9907928" cy="584775"/>
-          </a:xfrm>
-          <a:prstGeom prst="rect">
-            <a:avLst/>
-          </a:prstGeom>
-          <a:noFill/>
-        </p:spPr>
-        <p:txBody>
-          <a:bodyPr wrap="square" rtlCol="0">
-            <a:spAutoFit/>
-          </a:bodyPr>
-          <a:lstStyle/>
-          <a:p>
-            <a:r>
-              <a:rPr lang="zh-CN" altLang="en-US" sz="3200" dirty="0" smtClean="0">
-                <a:latin typeface="Times New Roman" panose="02020603050405020304" pitchFamily="18" charset="0"/>
-                <a:ea typeface="楷体" panose="02010609060101010101" pitchFamily="49" charset="-122"/>
-              </a:rPr>
-              <a:t>错误三元组得分与正确三元组得分之间的间隔距离</a:t>
-            </a:r>
-            <a:endParaRPr lang="zh-CN" altLang="en-US" sz="3200" dirty="0">
-              <a:latin typeface="Times New Roman" panose="02020603050405020304" pitchFamily="18" charset="0"/>
-              <a:ea typeface="楷体" panose="02010609060101010101" pitchFamily="49" charset="-122"/>
-            </a:endParaRPr>
-          </a:p>
-        </p:txBody>
-      </p:sp>
-      <p:graphicFrame>
-        <p:nvGraphicFramePr>
-          <p:cNvPr id="16" name="对象 15"/>
-          <p:cNvGraphicFramePr>
-            <a:graphicFrameLocks noChangeAspect="1"/>
-          </p:cNvGraphicFramePr>
-          <p:nvPr>
-            <p:extLst>
-              <p:ext uri="{D42A27DB-BD31-4B8C-83A1-F6EECF244321}">
-                <p14:modId xmlns:p14="http://schemas.microsoft.com/office/powerpoint/2010/main" val="735833096"/>
-              </p:ext>
-            </p:extLst>
-          </p:nvPr>
-        </p:nvGraphicFramePr>
-        <p:xfrm>
-          <a:off x="671513" y="4627864"/>
-          <a:ext cx="8692547" cy="498475"/>
-        </p:xfrm>
-        <a:graphic>
-          <a:graphicData uri="http://schemas.openxmlformats.org/presentationml/2006/ole">
-            <mc:AlternateContent xmlns:mc="http://schemas.openxmlformats.org/markup-compatibility/2006">
-              <mc:Choice xmlns:v="urn:schemas-microsoft-com:vml" Requires="v">
-                <p:oleObj spid="_x0000_s4200" name="Equation" r:id="rId12" imgW="2527200" imgH="203040" progId="Equation.DSMT4">
-                  <p:embed/>
-                </p:oleObj>
-              </mc:Choice>
-              <mc:Fallback>
-                <p:oleObj name="Equation" r:id="rId12" imgW="2527200" imgH="203040" progId="Equation.DSMT4">
-                  <p:embed/>
-                  <p:pic>
-                    <p:nvPicPr>
-                      <p:cNvPr id="0" name=""/>
-                      <p:cNvPicPr/>
-                      <p:nvPr/>
-                    </p:nvPicPr>
-                    <p:blipFill>
-                      <a:blip r:embed="rId13"/>
-                      <a:stretch>
-                        <a:fillRect/>
-                      </a:stretch>
-                    </p:blipFill>
-                    <p:spPr>
-                      <a:xfrm>
-                        <a:off x="671513" y="4627864"/>
-                        <a:ext cx="8692547" cy="498475"/>
-                      </a:xfrm>
-                      <a:prstGeom prst="rect">
-                        <a:avLst/>
-                      </a:prstGeom>
-                    </p:spPr>
-                  </p:pic>
-                </p:oleObj>
-              </mc:Fallback>
-            </mc:AlternateContent>
-          </a:graphicData>
-        </a:graphic>
-      </p:graphicFrame>
-      <p:sp>
-        <p:nvSpPr>
-          <p:cNvPr id="17" name="文本框 16"/>
-          <p:cNvSpPr txBox="1"/>
-          <p:nvPr/>
-        </p:nvSpPr>
-        <p:spPr>
-          <a:xfrm>
-            <a:off x="9663575" y="4584713"/>
-            <a:ext cx="2362521" cy="584775"/>
-          </a:xfrm>
-          <a:prstGeom prst="rect">
-            <a:avLst/>
-          </a:prstGeom>
-          <a:noFill/>
-        </p:spPr>
-        <p:txBody>
-          <a:bodyPr wrap="square" rtlCol="0">
-            <a:spAutoFit/>
-          </a:bodyPr>
-          <a:lstStyle/>
-          <a:p>
-            <a:r>
-              <a:rPr lang="zh-CN" altLang="en-US" sz="3200" dirty="0" smtClean="0">
-                <a:latin typeface="Times New Roman" panose="02020603050405020304" pitchFamily="18" charset="0"/>
-                <a:ea typeface="楷体" panose="02010609060101010101" pitchFamily="49" charset="-122"/>
-              </a:rPr>
-              <a:t>错误三元组</a:t>
-            </a:r>
-            <a:endParaRPr lang="zh-CN" altLang="en-US" sz="3200" dirty="0">
-              <a:latin typeface="Times New Roman" panose="02020603050405020304" pitchFamily="18" charset="0"/>
-              <a:ea typeface="楷体" panose="02010609060101010101" pitchFamily="49" charset="-122"/>
-            </a:endParaRPr>
-          </a:p>
-        </p:txBody>
-      </p:sp>
-    </p:spTree>
-    <p:extLst>
-      <p:ext uri="{BB962C8B-B14F-4D97-AF65-F5344CB8AC3E}">
-        <p14:creationId xmlns:p14="http://schemas.microsoft.com/office/powerpoint/2010/main" val="3437377445"/>
-      </p:ext>
-    </p:extLst>
-  </p:cSld>
-  <p:clrMapOvr>
-    <a:masterClrMapping/>
-  </p:clrMapOvr>
-  <p:timing>
-    <p:tnLst>
-      <p:par>
-        <p:cTn id="1" dur="indefinite" restart="never" nodeType="tmRoot">
-          <p:childTnLst>
-            <p:seq concurrent="1" nextAc="seek">
-              <p:cTn id="2" dur="indefinite" nodeType="mainSeq">
-                <p:childTnLst>
-                  <p:par>
-                    <p:cTn id="3" fill="hold">
-                      <p:stCondLst>
-                        <p:cond delay="indefinite"/>
-                      </p:stCondLst>
-                      <p:childTnLst>
-                        <p:par>
-                          <p:cTn id="4" fill="hold">
-                            <p:stCondLst>
-                              <p:cond delay="0"/>
-                            </p:stCondLst>
-                            <p:childTnLst>
-                              <p:par>
-                                <p:cTn id="5" presetID="42" presetClass="entr" presetSubtype="0" fill="hold" nodeType="clickEffect">
-                                  <p:stCondLst>
-                                    <p:cond delay="0"/>
-                                  </p:stCondLst>
-                                  <p:childTnLst>
-                                    <p:set>
-                                      <p:cBhvr>
-                                        <p:cTn id="6" dur="1" fill="hold">
-                                          <p:stCondLst>
-                                            <p:cond delay="0"/>
-                                          </p:stCondLst>
-                                        </p:cTn>
-                                        <p:tgtEl>
-                                          <p:spTgt spid="7"/>
-                                        </p:tgtEl>
-                                        <p:attrNameLst>
-                                          <p:attrName>style.visibility</p:attrName>
-                                        </p:attrNameLst>
-                                      </p:cBhvr>
-                                      <p:to>
-                                        <p:strVal val="visible"/>
-                                      </p:to>
-                                    </p:set>
-                                    <p:animEffect transition="in" filter="fade">
-                                      <p:cBhvr>
-                                        <p:cTn id="7" dur="500"/>
-                                        <p:tgtEl>
-                                          <p:spTgt spid="7"/>
-                                        </p:tgtEl>
-                                      </p:cBhvr>
-                                    </p:animEffect>
-                                    <p:anim calcmode="lin" valueType="num">
-                                      <p:cBhvr>
-                                        <p:cTn id="8" dur="500" fill="hold"/>
-                                        <p:tgtEl>
-                                          <p:spTgt spid="7"/>
-                                        </p:tgtEl>
-                                        <p:attrNameLst>
-                                          <p:attrName>ppt_x</p:attrName>
-                                        </p:attrNameLst>
-                                      </p:cBhvr>
-                                      <p:tavLst>
-                                        <p:tav tm="0">
-                                          <p:val>
-                                            <p:strVal val="#ppt_x"/>
-                                          </p:val>
-                                        </p:tav>
-                                        <p:tav tm="100000">
-                                          <p:val>
-                                            <p:strVal val="#ppt_x"/>
-                                          </p:val>
-                                        </p:tav>
-                                      </p:tavLst>
-                                    </p:anim>
-                                    <p:anim calcmode="lin" valueType="num">
-                                      <p:cBhvr>
-                                        <p:cTn id="9" dur="500" fill="hold"/>
-                                        <p:tgtEl>
-                                          <p:spTgt spid="7"/>
-                                        </p:tgtEl>
-                                        <p:attrNameLst>
-                                          <p:attrName>ppt_y</p:attrName>
-                                        </p:attrNameLst>
-                                      </p:cBhvr>
-                                      <p:tavLst>
-                                        <p:tav tm="0">
-                                          <p:val>
-                                            <p:strVal val="#ppt_y+.1"/>
-                                          </p:val>
-                                        </p:tav>
-                                        <p:tav tm="100000">
-                                          <p:val>
-                                            <p:strVal val="#ppt_y"/>
-                                          </p:val>
-                                        </p:tav>
-                                      </p:tavLst>
-                                    </p:anim>
-                                  </p:childTnLst>
-                                </p:cTn>
-                              </p:par>
-                              <p:par>
-                                <p:cTn id="10" presetID="42" presetClass="entr" presetSubtype="0" fill="hold" grpId="0" nodeType="withEffect">
-                                  <p:stCondLst>
-                                    <p:cond delay="0"/>
-                                  </p:stCondLst>
-                                  <p:childTnLst>
-                                    <p:set>
-                                      <p:cBhvr>
-                                        <p:cTn id="11" dur="1" fill="hold">
-                                          <p:stCondLst>
-                                            <p:cond delay="0"/>
-                                          </p:stCondLst>
-                                        </p:cTn>
-                                        <p:tgtEl>
-                                          <p:spTgt spid="8"/>
-                                        </p:tgtEl>
-                                        <p:attrNameLst>
-                                          <p:attrName>style.visibility</p:attrName>
-                                        </p:attrNameLst>
-                                      </p:cBhvr>
-                                      <p:to>
-                                        <p:strVal val="visible"/>
-                                      </p:to>
-                                    </p:set>
-                                    <p:animEffect transition="in" filter="fade">
-                                      <p:cBhvr>
-                                        <p:cTn id="12" dur="500"/>
-                                        <p:tgtEl>
-                                          <p:spTgt spid="8"/>
-                                        </p:tgtEl>
-                                      </p:cBhvr>
-                                    </p:animEffect>
-                                    <p:anim calcmode="lin" valueType="num">
-                                      <p:cBhvr>
-                                        <p:cTn id="13" dur="500" fill="hold"/>
-                                        <p:tgtEl>
-                                          <p:spTgt spid="8"/>
-                                        </p:tgtEl>
-                                        <p:attrNameLst>
-                                          <p:attrName>ppt_x</p:attrName>
-                                        </p:attrNameLst>
-                                      </p:cBhvr>
-                                      <p:tavLst>
-                                        <p:tav tm="0">
-                                          <p:val>
-                                            <p:strVal val="#ppt_x"/>
-                                          </p:val>
-                                        </p:tav>
-                                        <p:tav tm="100000">
-                                          <p:val>
-                                            <p:strVal val="#ppt_x"/>
-                                          </p:val>
-                                        </p:tav>
-                                      </p:tavLst>
-                                    </p:anim>
-                                    <p:anim calcmode="lin" valueType="num">
-                                      <p:cBhvr>
-                                        <p:cTn id="14" dur="500" fill="hold"/>
-                                        <p:tgtEl>
-                                          <p:spTgt spid="8"/>
-                                        </p:tgtEl>
-                                        <p:attrNameLst>
-                                          <p:attrName>ppt_y</p:attrName>
-                                        </p:attrNameLst>
-                                      </p:cBhvr>
-                                      <p:tavLst>
-                                        <p:tav tm="0">
-                                          <p:val>
-                                            <p:strVal val="#ppt_y+.1"/>
-                                          </p:val>
-                                        </p:tav>
-                                        <p:tav tm="100000">
-                                          <p:val>
-                                            <p:strVal val="#ppt_y"/>
-                                          </p:val>
-                                        </p:tav>
-                                      </p:tavLst>
-                                    </p:anim>
-                                  </p:childTnLst>
-                                </p:cTn>
-                              </p:par>
-                            </p:childTnLst>
-                          </p:cTn>
-                        </p:par>
-                      </p:childTnLst>
-                    </p:cTn>
-                  </p:par>
-                  <p:par>
-                    <p:cTn id="15" fill="hold">
-                      <p:stCondLst>
-                        <p:cond delay="indefinite"/>
-                      </p:stCondLst>
-                      <p:childTnLst>
-                        <p:par>
-                          <p:cTn id="16" fill="hold">
-                            <p:stCondLst>
-                              <p:cond delay="0"/>
-                            </p:stCondLst>
-                            <p:childTnLst>
-                              <p:par>
-                                <p:cTn id="17" presetID="42" presetClass="entr" presetSubtype="0" fill="hold" nodeType="clickEffect">
-                                  <p:stCondLst>
-                                    <p:cond delay="0"/>
-                                  </p:stCondLst>
-                                  <p:childTnLst>
-                                    <p:set>
-                                      <p:cBhvr>
-                                        <p:cTn id="18" dur="1" fill="hold">
-                                          <p:stCondLst>
-                                            <p:cond delay="0"/>
-                                          </p:stCondLst>
-                                        </p:cTn>
-                                        <p:tgtEl>
-                                          <p:spTgt spid="9"/>
-                                        </p:tgtEl>
-                                        <p:attrNameLst>
-                                          <p:attrName>style.visibility</p:attrName>
-                                        </p:attrNameLst>
-                                      </p:cBhvr>
-                                      <p:to>
-                                        <p:strVal val="visible"/>
-                                      </p:to>
-                                    </p:set>
-                                    <p:animEffect transition="in" filter="fade">
-                                      <p:cBhvr>
-                                        <p:cTn id="19" dur="1000"/>
-                                        <p:tgtEl>
-                                          <p:spTgt spid="9"/>
-                                        </p:tgtEl>
-                                      </p:cBhvr>
-                                    </p:animEffect>
-                                    <p:anim calcmode="lin" valueType="num">
-                                      <p:cBhvr>
-                                        <p:cTn id="20" dur="1000" fill="hold"/>
-                                        <p:tgtEl>
-                                          <p:spTgt spid="9"/>
-                                        </p:tgtEl>
-                                        <p:attrNameLst>
-                                          <p:attrName>ppt_x</p:attrName>
-                                        </p:attrNameLst>
-                                      </p:cBhvr>
-                                      <p:tavLst>
-                                        <p:tav tm="0">
-                                          <p:val>
-                                            <p:strVal val="#ppt_x"/>
-                                          </p:val>
-                                        </p:tav>
-                                        <p:tav tm="100000">
-                                          <p:val>
-                                            <p:strVal val="#ppt_x"/>
-                                          </p:val>
-                                        </p:tav>
-                                      </p:tavLst>
-                                    </p:anim>
-                                    <p:anim calcmode="lin" valueType="num">
-                                      <p:cBhvr>
-                                        <p:cTn id="21" dur="1000" fill="hold"/>
-                                        <p:tgtEl>
-                                          <p:spTgt spid="9"/>
-                                        </p:tgtEl>
-                                        <p:attrNameLst>
-                                          <p:attrName>ppt_y</p:attrName>
-                                        </p:attrNameLst>
-                                      </p:cBhvr>
-                                      <p:tavLst>
-                                        <p:tav tm="0">
-                                          <p:val>
-                                            <p:strVal val="#ppt_y+.1"/>
-                                          </p:val>
-                                        </p:tav>
-                                        <p:tav tm="100000">
-                                          <p:val>
-                                            <p:strVal val="#ppt_y"/>
-                                          </p:val>
-                                        </p:tav>
-                                      </p:tavLst>
-                                    </p:anim>
-                                  </p:childTnLst>
-                                </p:cTn>
-                              </p:par>
-                              <p:par>
-                                <p:cTn id="22" presetID="42" presetClass="entr" presetSubtype="0" fill="hold" nodeType="withEffect">
-                                  <p:stCondLst>
-                                    <p:cond delay="0"/>
-                                  </p:stCondLst>
-                                  <p:childTnLst>
-                                    <p:set>
-                                      <p:cBhvr>
-                                        <p:cTn id="23" dur="1" fill="hold">
-                                          <p:stCondLst>
-                                            <p:cond delay="0"/>
-                                          </p:stCondLst>
-                                        </p:cTn>
-                                        <p:tgtEl>
-                                          <p:spTgt spid="16"/>
-                                        </p:tgtEl>
-                                        <p:attrNameLst>
-                                          <p:attrName>style.visibility</p:attrName>
-                                        </p:attrNameLst>
-                                      </p:cBhvr>
-                                      <p:to>
-                                        <p:strVal val="visible"/>
-                                      </p:to>
-                                    </p:set>
-                                    <p:animEffect transition="in" filter="fade">
-                                      <p:cBhvr>
-                                        <p:cTn id="24" dur="1000"/>
-                                        <p:tgtEl>
-                                          <p:spTgt spid="16"/>
-                                        </p:tgtEl>
-                                      </p:cBhvr>
-                                    </p:animEffect>
-                                    <p:anim calcmode="lin" valueType="num">
-                                      <p:cBhvr>
-                                        <p:cTn id="25" dur="1000" fill="hold"/>
-                                        <p:tgtEl>
-                                          <p:spTgt spid="16"/>
-                                        </p:tgtEl>
-                                        <p:attrNameLst>
-                                          <p:attrName>ppt_x</p:attrName>
-                                        </p:attrNameLst>
-                                      </p:cBhvr>
-                                      <p:tavLst>
-                                        <p:tav tm="0">
-                                          <p:val>
-                                            <p:strVal val="#ppt_x"/>
-                                          </p:val>
-                                        </p:tav>
-                                        <p:tav tm="100000">
-                                          <p:val>
-                                            <p:strVal val="#ppt_x"/>
-                                          </p:val>
-                                        </p:tav>
-                                      </p:tavLst>
-                                    </p:anim>
-                                    <p:anim calcmode="lin" valueType="num">
-                                      <p:cBhvr>
-                                        <p:cTn id="26" dur="1000" fill="hold"/>
-                                        <p:tgtEl>
-                                          <p:spTgt spid="16"/>
-                                        </p:tgtEl>
-                                        <p:attrNameLst>
-                                          <p:attrName>ppt_y</p:attrName>
-                                        </p:attrNameLst>
-                                      </p:cBhvr>
-                                      <p:tavLst>
-                                        <p:tav tm="0">
-                                          <p:val>
-                                            <p:strVal val="#ppt_y+.1"/>
-                                          </p:val>
-                                        </p:tav>
-                                        <p:tav tm="100000">
-                                          <p:val>
-                                            <p:strVal val="#ppt_y"/>
-                                          </p:val>
-                                        </p:tav>
-                                      </p:tavLst>
-                                    </p:anim>
-                                  </p:childTnLst>
-                                </p:cTn>
-                              </p:par>
-                              <p:par>
-                                <p:cTn id="27" presetID="42" presetClass="entr" presetSubtype="0" fill="hold" grpId="0" nodeType="withEffect">
-                                  <p:stCondLst>
-                                    <p:cond delay="0"/>
-                                  </p:stCondLst>
-                                  <p:childTnLst>
-                                    <p:set>
-                                      <p:cBhvr>
-                                        <p:cTn id="28" dur="1" fill="hold">
-                                          <p:stCondLst>
-                                            <p:cond delay="0"/>
-                                          </p:stCondLst>
-                                        </p:cTn>
-                                        <p:tgtEl>
-                                          <p:spTgt spid="15"/>
-                                        </p:tgtEl>
-                                        <p:attrNameLst>
-                                          <p:attrName>style.visibility</p:attrName>
-                                        </p:attrNameLst>
-                                      </p:cBhvr>
-                                      <p:to>
-                                        <p:strVal val="visible"/>
-                                      </p:to>
-                                    </p:set>
-                                    <p:animEffect transition="in" filter="fade">
-                                      <p:cBhvr>
-                                        <p:cTn id="29" dur="1000"/>
-                                        <p:tgtEl>
-                                          <p:spTgt spid="15"/>
-                                        </p:tgtEl>
-                                      </p:cBhvr>
-                                    </p:animEffect>
-                                    <p:anim calcmode="lin" valueType="num">
-                                      <p:cBhvr>
-                                        <p:cTn id="30" dur="1000" fill="hold"/>
-                                        <p:tgtEl>
-                                          <p:spTgt spid="15"/>
-                                        </p:tgtEl>
-                                        <p:attrNameLst>
-                                          <p:attrName>ppt_x</p:attrName>
-                                        </p:attrNameLst>
-                                      </p:cBhvr>
-                                      <p:tavLst>
-                                        <p:tav tm="0">
-                                          <p:val>
-                                            <p:strVal val="#ppt_x"/>
-                                          </p:val>
-                                        </p:tav>
-                                        <p:tav tm="100000">
-                                          <p:val>
-                                            <p:strVal val="#ppt_x"/>
-                                          </p:val>
-                                        </p:tav>
-                                      </p:tavLst>
-                                    </p:anim>
-                                    <p:anim calcmode="lin" valueType="num">
-                                      <p:cBhvr>
-                                        <p:cTn id="31" dur="1000" fill="hold"/>
-                                        <p:tgtEl>
-                                          <p:spTgt spid="15"/>
-                                        </p:tgtEl>
-                                        <p:attrNameLst>
-                                          <p:attrName>ppt_y</p:attrName>
-                                        </p:attrNameLst>
-                                      </p:cBhvr>
-                                      <p:tavLst>
-                                        <p:tav tm="0">
-                                          <p:val>
-                                            <p:strVal val="#ppt_y+.1"/>
-                                          </p:val>
-                                        </p:tav>
-                                        <p:tav tm="100000">
-                                          <p:val>
-                                            <p:strVal val="#ppt_y"/>
-                                          </p:val>
-                                        </p:tav>
-                                      </p:tavLst>
-                                    </p:anim>
-                                  </p:childTnLst>
-                                </p:cTn>
-                              </p:par>
-                              <p:par>
-                                <p:cTn id="32" presetID="42" presetClass="entr" presetSubtype="0" fill="hold" grpId="0" nodeType="withEffect">
-                                  <p:stCondLst>
-                                    <p:cond delay="0"/>
-                                  </p:stCondLst>
-                                  <p:childTnLst>
-                                    <p:set>
-                                      <p:cBhvr>
-                                        <p:cTn id="33" dur="1" fill="hold">
-                                          <p:stCondLst>
-                                            <p:cond delay="0"/>
-                                          </p:stCondLst>
-                                        </p:cTn>
-                                        <p:tgtEl>
-                                          <p:spTgt spid="17"/>
-                                        </p:tgtEl>
-                                        <p:attrNameLst>
-                                          <p:attrName>style.visibility</p:attrName>
-                                        </p:attrNameLst>
-                                      </p:cBhvr>
-                                      <p:to>
-                                        <p:strVal val="visible"/>
-                                      </p:to>
-                                    </p:set>
-                                    <p:animEffect transition="in" filter="fade">
-                                      <p:cBhvr>
-                                        <p:cTn id="34" dur="1000"/>
-                                        <p:tgtEl>
-                                          <p:spTgt spid="17"/>
-                                        </p:tgtEl>
-                                      </p:cBhvr>
-                                    </p:animEffect>
-                                    <p:anim calcmode="lin" valueType="num">
-                                      <p:cBhvr>
-                                        <p:cTn id="35" dur="1000" fill="hold"/>
-                                        <p:tgtEl>
-                                          <p:spTgt spid="17"/>
-                                        </p:tgtEl>
-                                        <p:attrNameLst>
-                                          <p:attrName>ppt_x</p:attrName>
-                                        </p:attrNameLst>
-                                      </p:cBhvr>
-                                      <p:tavLst>
-                                        <p:tav tm="0">
-                                          <p:val>
-                                            <p:strVal val="#ppt_x"/>
-                                          </p:val>
-                                        </p:tav>
-                                        <p:tav tm="100000">
-                                          <p:val>
-                                            <p:strVal val="#ppt_x"/>
-                                          </p:val>
-                                        </p:tav>
-                                      </p:tavLst>
-                                    </p:anim>
-                                    <p:anim calcmode="lin" valueType="num">
-                                      <p:cBhvr>
-                                        <p:cTn id="36" dur="1000" fill="hold"/>
-                                        <p:tgtEl>
-                                          <p:spTgt spid="17"/>
-                                        </p:tgtEl>
-                                        <p:attrNameLst>
-                                          <p:attrName>ppt_y</p:attrName>
-                                        </p:attrNameLst>
-                                      </p:cBhvr>
-                                      <p:tavLst>
-                                        <p:tav tm="0">
-                                          <p:val>
-                                            <p:strVal val="#ppt_y+.1"/>
-                                          </p:val>
-                                        </p:tav>
-                                        <p:tav tm="100000">
-                                          <p:val>
-                                            <p:strVal val="#ppt_y"/>
-                                          </p:val>
-                                        </p:tav>
-                                      </p:tavLst>
-                                    </p:anim>
-                                  </p:childTnLst>
-                                </p:cTn>
-                              </p:par>
-                              <p:par>
-                                <p:cTn id="37" presetID="42" presetClass="entr" presetSubtype="0" fill="hold" grpId="0" nodeType="withEffect">
-                                  <p:stCondLst>
-                                    <p:cond delay="0"/>
-                                  </p:stCondLst>
-                                  <p:childTnLst>
-                                    <p:set>
-                                      <p:cBhvr>
-                                        <p:cTn id="38" dur="1" fill="hold">
-                                          <p:stCondLst>
-                                            <p:cond delay="0"/>
-                                          </p:stCondLst>
-                                        </p:cTn>
-                                        <p:tgtEl>
-                                          <p:spTgt spid="10"/>
-                                        </p:tgtEl>
-                                        <p:attrNameLst>
-                                          <p:attrName>style.visibility</p:attrName>
-                                        </p:attrNameLst>
-                                      </p:cBhvr>
-                                      <p:to>
-                                        <p:strVal val="visible"/>
-                                      </p:to>
-                                    </p:set>
-                                    <p:animEffect transition="in" filter="fade">
-                                      <p:cBhvr>
-                                        <p:cTn id="39" dur="1000"/>
-                                        <p:tgtEl>
-                                          <p:spTgt spid="10"/>
-                                        </p:tgtEl>
-                                      </p:cBhvr>
-                                    </p:animEffect>
-                                    <p:anim calcmode="lin" valueType="num">
-                                      <p:cBhvr>
-                                        <p:cTn id="40" dur="1000" fill="hold"/>
-                                        <p:tgtEl>
-                                          <p:spTgt spid="10"/>
-                                        </p:tgtEl>
-                                        <p:attrNameLst>
-                                          <p:attrName>ppt_x</p:attrName>
-                                        </p:attrNameLst>
-                                      </p:cBhvr>
-                                      <p:tavLst>
-                                        <p:tav tm="0">
-                                          <p:val>
-                                            <p:strVal val="#ppt_x"/>
-                                          </p:val>
-                                        </p:tav>
-                                        <p:tav tm="100000">
-                                          <p:val>
-                                            <p:strVal val="#ppt_x"/>
-                                          </p:val>
-                                        </p:tav>
-                                      </p:tavLst>
-                                    </p:anim>
-                                    <p:anim calcmode="lin" valueType="num">
-                                      <p:cBhvr>
-                                        <p:cTn id="41" dur="1000" fill="hold"/>
-                                        <p:tgtEl>
-                                          <p:spTgt spid="10"/>
-                                        </p:tgtEl>
-                                        <p:attrNameLst>
-                                          <p:attrName>ppt_y</p:attrName>
-                                        </p:attrNameLst>
-                                      </p:cBhvr>
-                                      <p:tavLst>
-                                        <p:tav tm="0">
-                                          <p:val>
-                                            <p:strVal val="#ppt_y+.1"/>
-                                          </p:val>
-                                        </p:tav>
-                                        <p:tav tm="100000">
-                                          <p:val>
-                                            <p:strVal val="#ppt_y"/>
-                                          </p:val>
-                                        </p:tav>
-                                      </p:tavLst>
-                                    </p:anim>
-                                  </p:childTnLst>
-                                </p:cTn>
-                              </p:par>
-                              <p:par>
-                                <p:cTn id="42" presetID="42" presetClass="entr" presetSubtype="0" fill="hold" nodeType="withEffect">
-                                  <p:stCondLst>
-                                    <p:cond delay="0"/>
-                                  </p:stCondLst>
-                                  <p:childTnLst>
-                                    <p:set>
-                                      <p:cBhvr>
-                                        <p:cTn id="43" dur="1" fill="hold">
-                                          <p:stCondLst>
-                                            <p:cond delay="0"/>
-                                          </p:stCondLst>
-                                        </p:cTn>
-                                        <p:tgtEl>
-                                          <p:spTgt spid="14"/>
-                                        </p:tgtEl>
-                                        <p:attrNameLst>
-                                          <p:attrName>style.visibility</p:attrName>
-                                        </p:attrNameLst>
-                                      </p:cBhvr>
-                                      <p:to>
-                                        <p:strVal val="visible"/>
-                                      </p:to>
-                                    </p:set>
-                                    <p:animEffect transition="in" filter="fade">
-                                      <p:cBhvr>
-                                        <p:cTn id="44" dur="1000"/>
-                                        <p:tgtEl>
-                                          <p:spTgt spid="14"/>
-                                        </p:tgtEl>
-                                      </p:cBhvr>
-                                    </p:animEffect>
-                                    <p:anim calcmode="lin" valueType="num">
-                                      <p:cBhvr>
-                                        <p:cTn id="45" dur="1000" fill="hold"/>
-                                        <p:tgtEl>
-                                          <p:spTgt spid="14"/>
-                                        </p:tgtEl>
-                                        <p:attrNameLst>
-                                          <p:attrName>ppt_x</p:attrName>
-                                        </p:attrNameLst>
-                                      </p:cBhvr>
-                                      <p:tavLst>
-                                        <p:tav tm="0">
-                                          <p:val>
-                                            <p:strVal val="#ppt_x"/>
-                                          </p:val>
-                                        </p:tav>
-                                        <p:tav tm="100000">
-                                          <p:val>
-                                            <p:strVal val="#ppt_x"/>
-                                          </p:val>
-                                        </p:tav>
-                                      </p:tavLst>
-                                    </p:anim>
-                                    <p:anim calcmode="lin" valueType="num">
-                                      <p:cBhvr>
-                                        <p:cTn id="46" dur="1000" fill="hold"/>
-                                        <p:tgtEl>
-                                          <p:spTgt spid="14"/>
-                                        </p:tgtEl>
-                                        <p:attrNameLst>
-                                          <p:attrName>ppt_y</p:attrName>
-                                        </p:attrNameLst>
-                                      </p:cBhvr>
-                                      <p:tavLst>
-                                        <p:tav tm="0">
-                                          <p:val>
-                                            <p:strVal val="#ppt_y+.1"/>
-                                          </p:val>
-                                        </p:tav>
-                                        <p:tav tm="100000">
-                                          <p:val>
-                                            <p:strVal val="#ppt_y"/>
-                                          </p:val>
-                                        </p:tav>
-                                      </p:tavLst>
-                                    </p:anim>
-                                  </p:childTnLst>
-                                </p:cTn>
-                              </p:par>
-                            </p:childTnLst>
-                          </p:cTn>
-                        </p:par>
-                      </p:childTnLst>
-                    </p:cTn>
-                  </p:par>
-                </p:childTnLst>
-              </p:cTn>
-              <p:prevCondLst>
-                <p:cond evt="onPrev" delay="0">
-                  <p:tgtEl>
-                    <p:sldTgt/>
-                  </p:tgtEl>
-                </p:cond>
-              </p:prevCondLst>
-              <p:nextCondLst>
-                <p:cond evt="onNext" delay="0">
-                  <p:tgtEl>
-                    <p:sldTgt/>
-                  </p:tgtEl>
-                </p:cond>
-              </p:nextCondLst>
-            </p:seq>
-          </p:childTnLst>
-        </p:cTn>
-      </p:par>
-    </p:tnLst>
-    <p:bldLst>
-      <p:bldP spid="8" grpId="0"/>
-      <p:bldP spid="10" grpId="0"/>
-      <p:bldP spid="15" grpId="0"/>
-      <p:bldP spid="17" grpId="0"/>
-    </p:bldLst>
-  </p:timing>
-</p:sld>
-</file>
-
-<file path=ppt/slides/slide11.xml><?xml version="1.0" encoding="utf-8"?>
-<p:sld xmlns:a="http://schemas.openxmlformats.org/drawingml/2006/main" xmlns:r="http://schemas.openxmlformats.org/officeDocument/2006/relationships" xmlns:p="http://schemas.openxmlformats.org/presentationml/2006/main">
-  <p:cSld>
-    <p:spTree>
-      <p:nvGrpSpPr>
-        <p:cNvPr id="1" name=""/>
-        <p:cNvGrpSpPr/>
-        <p:nvPr/>
-      </p:nvGrpSpPr>
-      <p:grpSpPr>
-        <a:xfrm>
-          <a:off x="0" y="0"/>
-          <a:ext cx="0" cy="0"/>
-          <a:chOff x="0" y="0"/>
-          <a:chExt cx="0" cy="0"/>
-        </a:xfrm>
-      </p:grpSpPr>
       <p:pic>
         <p:nvPicPr>
           <p:cNvPr id="4" name="图片 3"/>
@@ -6352,7 +5019,7 @@
 </p:sld>
 </file>
 
-<file path=ppt/slides/slide12.xml><?xml version="1.0" encoding="utf-8"?>
+<file path=ppt/slides/slide11.xml><?xml version="1.0" encoding="utf-8"?>
 <p:sld xmlns:a="http://schemas.openxmlformats.org/drawingml/2006/main" xmlns:r="http://schemas.openxmlformats.org/officeDocument/2006/relationships" xmlns:p="http://schemas.openxmlformats.org/presentationml/2006/main">
   <p:cSld>
     <p:spTree>
@@ -6489,7 +5156,7 @@
 </p:sld>
 </file>
 
-<file path=ppt/slides/slide13.xml><?xml version="1.0" encoding="utf-8"?>
+<file path=ppt/slides/slide12.xml><?xml version="1.0" encoding="utf-8"?>
 <p:sld xmlns:a="http://schemas.openxmlformats.org/drawingml/2006/main" xmlns:r="http://schemas.openxmlformats.org/officeDocument/2006/relationships" xmlns:p="http://schemas.openxmlformats.org/presentationml/2006/main">
   <p:cSld>
     <p:spTree>
@@ -6830,7 +5497,7 @@
                                     </p:set>
                                     <p:animEffect transition="in" filter="fade">
                                       <p:cBhvr>
-                                        <p:cTn id="7" dur="1000"/>
+                                        <p:cTn id="7" dur="600"/>
                                         <p:tgtEl>
                                           <p:spTgt spid="4"/>
                                         </p:tgtEl>
@@ -6838,7 +5505,7 @@
                                     </p:animEffect>
                                     <p:anim calcmode="lin" valueType="num">
                                       <p:cBhvr>
-                                        <p:cTn id="8" dur="1000" fill="hold"/>
+                                        <p:cTn id="8" dur="600" fill="hold"/>
                                         <p:tgtEl>
                                           <p:spTgt spid="4"/>
                                         </p:tgtEl>
@@ -6861,7 +5528,7 @@
                                     </p:anim>
                                     <p:anim calcmode="lin" valueType="num">
                                       <p:cBhvr>
-                                        <p:cTn id="9" dur="1000" fill="hold"/>
+                                        <p:cTn id="9" dur="600" fill="hold"/>
                                         <p:tgtEl>
                                           <p:spTgt spid="4"/>
                                         </p:tgtEl>
@@ -6929,7 +5596,7 @@
                                     </p:set>
                                     <p:animEffect transition="in" filter="fade">
                                       <p:cBhvr>
-                                        <p:cTn id="14" dur="1000"/>
+                                        <p:cTn id="14" dur="1300"/>
                                         <p:tgtEl>
                                           <p:spTgt spid="6"/>
                                         </p:tgtEl>
@@ -6937,7 +5604,7 @@
                                     </p:animEffect>
                                     <p:anim calcmode="lin" valueType="num">
                                       <p:cBhvr>
-                                        <p:cTn id="15" dur="1000" fill="hold"/>
+                                        <p:cTn id="15" dur="1300" fill="hold"/>
                                         <p:tgtEl>
                                           <p:spTgt spid="6"/>
                                         </p:tgtEl>
@@ -6960,7 +5627,7 @@
                                     </p:anim>
                                     <p:anim calcmode="lin" valueType="num">
                                       <p:cBhvr>
-                                        <p:cTn id="16" dur="1000" fill="hold"/>
+                                        <p:cTn id="16" dur="1300" fill="hold"/>
                                         <p:tgtEl>
                                           <p:spTgt spid="6"/>
                                         </p:tgtEl>
@@ -7003,7 +5670,7 @@
                             </p:stCondLst>
                             <p:childTnLst>
                               <p:par>
-                                <p:cTn id="19" presetID="42" presetClass="entr" presetSubtype="0" fill="hold" grpId="0" nodeType="clickEffect">
+                                <p:cTn id="19" presetID="42" presetClass="entr" presetSubtype="0" fill="hold" nodeType="clickEffect">
                                   <p:stCondLst>
                                     <p:cond delay="0"/>
                                   </p:stCondLst>
@@ -7011,6 +5678,105 @@
                                     <p:set>
                                       <p:cBhvr>
                                         <p:cTn id="20" dur="1" fill="hold">
+                                          <p:stCondLst>
+                                            <p:cond delay="0"/>
+                                          </p:stCondLst>
+                                        </p:cTn>
+                                        <p:tgtEl>
+                                          <p:spTgt spid="7"/>
+                                        </p:tgtEl>
+                                        <p:attrNameLst>
+                                          <p:attrName>style.visibility</p:attrName>
+                                        </p:attrNameLst>
+                                      </p:cBhvr>
+                                      <p:to>
+                                        <p:strVal val="visible"/>
+                                      </p:to>
+                                    </p:set>
+                                    <p:animEffect transition="in" filter="fade">
+                                      <p:cBhvr>
+                                        <p:cTn id="21" dur="1000"/>
+                                        <p:tgtEl>
+                                          <p:spTgt spid="7"/>
+                                        </p:tgtEl>
+                                      </p:cBhvr>
+                                    </p:animEffect>
+                                    <p:anim calcmode="lin" valueType="num">
+                                      <p:cBhvr>
+                                        <p:cTn id="22" dur="1000" fill="hold"/>
+                                        <p:tgtEl>
+                                          <p:spTgt spid="7"/>
+                                        </p:tgtEl>
+                                        <p:attrNameLst>
+                                          <p:attrName>ppt_x</p:attrName>
+                                        </p:attrNameLst>
+                                      </p:cBhvr>
+                                      <p:tavLst>
+                                        <p:tav tm="0">
+                                          <p:val>
+                                            <p:strVal val="#ppt_x"/>
+                                          </p:val>
+                                        </p:tav>
+                                        <p:tav tm="100000">
+                                          <p:val>
+                                            <p:strVal val="#ppt_x"/>
+                                          </p:val>
+                                        </p:tav>
+                                      </p:tavLst>
+                                    </p:anim>
+                                    <p:anim calcmode="lin" valueType="num">
+                                      <p:cBhvr>
+                                        <p:cTn id="23" dur="1000" fill="hold"/>
+                                        <p:tgtEl>
+                                          <p:spTgt spid="7"/>
+                                        </p:tgtEl>
+                                        <p:attrNameLst>
+                                          <p:attrName>ppt_y</p:attrName>
+                                        </p:attrNameLst>
+                                      </p:cBhvr>
+                                      <p:tavLst>
+                                        <p:tav tm="0">
+                                          <p:val>
+                                            <p:strVal val="#ppt_y+.1"/>
+                                          </p:val>
+                                        </p:tav>
+                                        <p:tav tm="100000">
+                                          <p:val>
+                                            <p:strVal val="#ppt_y"/>
+                                          </p:val>
+                                        </p:tav>
+                                      </p:tavLst>
+                                    </p:anim>
+                                  </p:childTnLst>
+                                </p:cTn>
+                              </p:par>
+                            </p:childTnLst>
+                          </p:cTn>
+                        </p:par>
+                      </p:childTnLst>
+                    </p:cTn>
+                  </p:par>
+                  <p:par>
+                    <p:cTn id="24" fill="hold">
+                      <p:stCondLst>
+                        <p:cond delay="indefinite"/>
+                      </p:stCondLst>
+                      <p:childTnLst>
+                        <p:par>
+                          <p:cTn id="25" fill="hold">
+                            <p:stCondLst>
+                              <p:cond delay="0"/>
+                            </p:stCondLst>
+                            <p:childTnLst>
+                              <p:par>
+                                <p:cTn id="26" presetID="42" presetClass="entr" presetSubtype="0" fill="hold" grpId="0" nodeType="clickEffect">
+                                  <p:stCondLst>
+                                    <p:cond delay="0"/>
+                                  </p:stCondLst>
+                                  <p:childTnLst>
+                                    <p:set>
+                                      <p:cBhvr>
+                                        <p:cTn id="27" dur="1" fill="hold">
                                           <p:stCondLst>
                                             <p:cond delay="0"/>
                                           </p:stCondLst>
@@ -7028,7 +5794,7 @@
                                     </p:set>
                                     <p:animEffect transition="in" filter="fade">
                                       <p:cBhvr>
-                                        <p:cTn id="21" dur="1000"/>
+                                        <p:cTn id="28" dur="1000"/>
                                         <p:tgtEl>
                                           <p:spTgt spid="3"/>
                                         </p:tgtEl>
@@ -7036,7 +5802,7 @@
                                     </p:animEffect>
                                     <p:anim calcmode="lin" valueType="num">
                                       <p:cBhvr>
-                                        <p:cTn id="22" dur="1000" fill="hold"/>
+                                        <p:cTn id="29" dur="1000" fill="hold"/>
                                         <p:tgtEl>
                                           <p:spTgt spid="3"/>
                                         </p:tgtEl>
@@ -7059,7 +5825,7 @@
                                     </p:anim>
                                     <p:anim calcmode="lin" valueType="num">
                                       <p:cBhvr>
-                                        <p:cTn id="23" dur="1000" fill="hold"/>
+                                        <p:cTn id="30" dur="1000" fill="hold"/>
                                         <p:tgtEl>
                                           <p:spTgt spid="3"/>
                                         </p:tgtEl>
@@ -7118,7 +5884,7 @@
 </p:sld>
 </file>
 
-<file path=ppt/slides/slide14.xml><?xml version="1.0" encoding="utf-8"?>
+<file path=ppt/slides/slide13.xml><?xml version="1.0" encoding="utf-8"?>
 <p:sld xmlns:a="http://schemas.openxmlformats.org/drawingml/2006/main" xmlns:r="http://schemas.openxmlformats.org/officeDocument/2006/relationships" xmlns:p="http://schemas.openxmlformats.org/presentationml/2006/main">
   <p:cSld>
     <p:spTree>
@@ -7270,14 +6036,109 @@
   <p:timing>
     <p:tnLst>
       <p:par>
-        <p:cTn id="1" dur="indefinite" restart="never" nodeType="tmRoot"/>
+        <p:cTn id="1" dur="indefinite" restart="never" nodeType="tmRoot">
+          <p:childTnLst>
+            <p:seq concurrent="1" nextAc="seek">
+              <p:cTn id="2" dur="indefinite" nodeType="mainSeq">
+                <p:childTnLst>
+                  <p:par>
+                    <p:cTn id="3" fill="hold">
+                      <p:stCondLst>
+                        <p:cond delay="indefinite"/>
+                      </p:stCondLst>
+                      <p:childTnLst>
+                        <p:par>
+                          <p:cTn id="4" fill="hold">
+                            <p:stCondLst>
+                              <p:cond delay="0"/>
+                            </p:stCondLst>
+                            <p:childTnLst>
+                              <p:par>
+                                <p:cTn id="5" presetID="1" presetClass="entr" presetSubtype="0" fill="hold" nodeType="clickEffect">
+                                  <p:stCondLst>
+                                    <p:cond delay="0"/>
+                                  </p:stCondLst>
+                                  <p:childTnLst>
+                                    <p:set>
+                                      <p:cBhvr>
+                                        <p:cTn id="6" dur="1" fill="hold">
+                                          <p:stCondLst>
+                                            <p:cond delay="0"/>
+                                          </p:stCondLst>
+                                        </p:cTn>
+                                        <p:tgtEl>
+                                          <p:spTgt spid="6"/>
+                                        </p:tgtEl>
+                                        <p:attrNameLst>
+                                          <p:attrName>style.visibility</p:attrName>
+                                        </p:attrNameLst>
+                                      </p:cBhvr>
+                                      <p:to>
+                                        <p:strVal val="visible"/>
+                                      </p:to>
+                                    </p:set>
+                                  </p:childTnLst>
+                                </p:cTn>
+                              </p:par>
+                              <p:par>
+                                <p:cTn id="7" presetID="1" presetClass="entr" presetSubtype="0" fill="hold" nodeType="withEffect">
+                                  <p:stCondLst>
+                                    <p:cond delay="0"/>
+                                  </p:stCondLst>
+                                  <p:childTnLst>
+                                    <p:set>
+                                      <p:cBhvr>
+                                        <p:cTn id="8" dur="1" fill="hold">
+                                          <p:stCondLst>
+                                            <p:cond delay="0"/>
+                                          </p:stCondLst>
+                                        </p:cTn>
+                                        <p:tgtEl>
+                                          <p:spTgt spid="4"/>
+                                        </p:tgtEl>
+                                        <p:attrNameLst>
+                                          <p:attrName>style.visibility</p:attrName>
+                                        </p:attrNameLst>
+                                      </p:cBhvr>
+                                      <p:to>
+                                        <p:strVal val="visible"/>
+                                      </p:to>
+                                    </p:set>
+                                  </p:childTnLst>
+                                </p:cTn>
+                              </p:par>
+                            </p:childTnLst>
+                          </p:cTn>
+                        </p:par>
+                      </p:childTnLst>
+                    </p:cTn>
+                  </p:par>
+                </p:childTnLst>
+              </p:cTn>
+              <p:prevCondLst>
+                <p:cond evt="onPrev" delay="0">
+                  <p:tgtEl>
+                    <p:sldTgt/>
+                  </p:tgtEl>
+                </p:cond>
+              </p:prevCondLst>
+              <p:nextCondLst>
+                <p:cond evt="onNext" delay="0">
+                  <p:tgtEl>
+                    <p:sldTgt/>
+                  </p:tgtEl>
+                </p:cond>
+              </p:nextCondLst>
+            </p:seq>
+          </p:childTnLst>
+        </p:cTn>
       </p:par>
     </p:tnLst>
   </p:timing>
 </p:sld>
 </file>
 
-<file path=ppt/slides/slide15.xml><?xml version="1.0" encoding="utf-8"?>
+<file path=ppt/slides/slide14.xml><?xml version="1.0" encoding="utf-8"?>
 <p:sld xmlns:a="http://schemas.openxmlformats.org/drawingml/2006/main" xmlns:r="http://schemas.openxmlformats.org/officeDocument/2006/relationships" xmlns:p="http://schemas.openxmlformats.org/presentationml/2006/main">
   <p:cSld>
     <p:spTree>
@@ -7620,7 +6481,7 @@
                                     </p:set>
                                     <p:animEffect transition="in" filter="fade">
                                       <p:cBhvr>
-                                        <p:cTn id="7" dur="500"/>
+                                        <p:cTn id="7" dur="1000"/>
                                         <p:tgtEl>
                                           <p:spTgt spid="3">
                                             <p:txEl>
@@ -7632,7 +6493,7 @@
                                     </p:animEffect>
                                     <p:anim calcmode="lin" valueType="num">
                                       <p:cBhvr>
-                                        <p:cTn id="8" dur="500" fill="hold"/>
+                                        <p:cTn id="8" dur="1000" fill="hold"/>
                                         <p:tgtEl>
                                           <p:spTgt spid="3">
                                             <p:txEl>
@@ -7659,7 +6520,7 @@
                                     </p:anim>
                                     <p:anim calcmode="lin" valueType="num">
                                       <p:cBhvr>
-                                        <p:cTn id="9" dur="500" fill="hold"/>
+                                        <p:cTn id="9" dur="1000" fill="hold"/>
                                         <p:tgtEl>
                                           <p:spTgt spid="3">
                                             <p:txEl>
@@ -8697,7 +7558,7 @@
           <a:graphicData uri="http://schemas.openxmlformats.org/presentationml/2006/ole">
             <mc:AlternateContent xmlns:mc="http://schemas.openxmlformats.org/markup-compatibility/2006">
               <mc:Choice xmlns:v="urn:schemas-microsoft-com:vml" Requires="v">
-                <p:oleObj spid="_x0000_s2073" name="Equation" r:id="rId5" imgW="2882880" imgH="203040" progId="Equation.DSMT4">
+                <p:oleObj spid="_x0000_s2076" name="Equation" r:id="rId5" imgW="2882880" imgH="203040" progId="Equation.DSMT4">
                   <p:embed/>
                 </p:oleObj>
               </mc:Choice>
@@ -8834,7 +7695,7 @@
           <a:graphicData uri="http://schemas.openxmlformats.org/presentationml/2006/ole">
             <mc:AlternateContent xmlns:mc="http://schemas.openxmlformats.org/markup-compatibility/2006">
               <mc:Choice xmlns:v="urn:schemas-microsoft-com:vml" Requires="v">
-                <p:oleObj spid="_x0000_s1172" name="Equation" r:id="rId4" imgW="914400" imgH="179640" progId="Equation.DSMT4">
+                <p:oleObj spid="_x0000_s1190" name="Equation" r:id="rId4" imgW="914400" imgH="179640" progId="Equation.DSMT4">
                   <p:embed/>
                 </p:oleObj>
               </mc:Choice>
@@ -8891,7 +7752,7 @@
           <a:graphicData uri="http://schemas.openxmlformats.org/presentationml/2006/ole">
             <mc:AlternateContent xmlns:mc="http://schemas.openxmlformats.org/markup-compatibility/2006">
               <mc:Choice xmlns:v="urn:schemas-microsoft-com:vml" Requires="v">
-                <p:oleObj spid="_x0000_s1173" name="Equation" r:id="rId6" imgW="1752480" imgH="203040" progId="Equation.DSMT4">
+                <p:oleObj spid="_x0000_s1191" name="Equation" r:id="rId6" imgW="1752480" imgH="203040" progId="Equation.DSMT4">
                   <p:embed/>
                 </p:oleObj>
               </mc:Choice>
@@ -8948,7 +7809,7 @@
           <a:graphicData uri="http://schemas.openxmlformats.org/presentationml/2006/ole">
             <mc:AlternateContent xmlns:mc="http://schemas.openxmlformats.org/markup-compatibility/2006">
               <mc:Choice xmlns:v="urn:schemas-microsoft-com:vml" Requires="v">
-                <p:oleObj spid="_x0000_s1174" name="Equation" r:id="rId8" imgW="672840" imgH="203040" progId="Equation.DSMT4">
+                <p:oleObj spid="_x0000_s1192" name="Equation" r:id="rId8" imgW="672840" imgH="203040" progId="Equation.DSMT4">
                   <p:embed/>
                 </p:oleObj>
               </mc:Choice>
@@ -9041,7 +7902,7 @@
           <a:graphicData uri="http://schemas.openxmlformats.org/presentationml/2006/ole">
             <mc:AlternateContent xmlns:mc="http://schemas.openxmlformats.org/markup-compatibility/2006">
               <mc:Choice xmlns:v="urn:schemas-microsoft-com:vml" Requires="v">
-                <p:oleObj spid="_x0000_s1175" name="Equation" r:id="rId10" imgW="1066680" imgH="203040" progId="Equation.DSMT4">
+                <p:oleObj spid="_x0000_s1193" name="Equation" r:id="rId10" imgW="1066680" imgH="203040" progId="Equation.DSMT4">
                   <p:embed/>
                 </p:oleObj>
               </mc:Choice>
@@ -9098,7 +7959,7 @@
           <a:graphicData uri="http://schemas.openxmlformats.org/presentationml/2006/ole">
             <mc:AlternateContent xmlns:mc="http://schemas.openxmlformats.org/markup-compatibility/2006">
               <mc:Choice xmlns:v="urn:schemas-microsoft-com:vml" Requires="v">
-                <p:oleObj spid="_x0000_s1176" name="Equation" r:id="rId12" imgW="1180800" imgH="203040" progId="Equation.DSMT4">
+                <p:oleObj spid="_x0000_s1194" name="Equation" r:id="rId12" imgW="1180800" imgH="203040" progId="Equation.DSMT4">
                   <p:embed/>
                 </p:oleObj>
               </mc:Choice>
@@ -9241,7 +8102,7 @@
           <a:graphicData uri="http://schemas.openxmlformats.org/presentationml/2006/ole">
             <mc:AlternateContent xmlns:mc="http://schemas.openxmlformats.org/markup-compatibility/2006">
               <mc:Choice xmlns:v="urn:schemas-microsoft-com:vml" Requires="v">
-                <p:oleObj spid="_x0000_s1177" name="Equation" r:id="rId14" imgW="457200" imgH="203040" progId="Equation.DSMT4">
+                <p:oleObj spid="_x0000_s1195" name="Equation" r:id="rId14" imgW="457200" imgH="203040" progId="Equation.DSMT4">
                   <p:embed/>
                 </p:oleObj>
               </mc:Choice>
@@ -9678,7 +8539,7 @@
           <a:graphicData uri="http://schemas.openxmlformats.org/presentationml/2006/ole">
             <mc:AlternateContent xmlns:mc="http://schemas.openxmlformats.org/markup-compatibility/2006">
               <mc:Choice xmlns:v="urn:schemas-microsoft-com:vml" Requires="v">
-                <p:oleObj spid="_x0000_s5140" name="Equation" r:id="rId4" imgW="2882880" imgH="203040" progId="Equation.DSMT4">
+                <p:oleObj spid="_x0000_s5148" name="Equation" r:id="rId4" imgW="2882880" imgH="203040" progId="Equation.DSMT4">
                   <p:embed/>
                 </p:oleObj>
               </mc:Choice>
@@ -9722,20 +8583,20 @@
           <p:nvPr>
             <p:extLst>
               <p:ext uri="{D42A27DB-BD31-4B8C-83A1-F6EECF244321}">
-                <p14:modId xmlns:p14="http://schemas.microsoft.com/office/powerpoint/2010/main" val="3038683846"/>
+                <p14:modId xmlns:p14="http://schemas.microsoft.com/office/powerpoint/2010/main" val="356690225"/>
               </p:ext>
             </p:extLst>
           </p:nvPr>
         </p:nvGraphicFramePr>
         <p:xfrm>
-          <a:off x="838200" y="5014483"/>
+          <a:off x="775890" y="5014483"/>
           <a:ext cx="3153697" cy="482600"/>
         </p:xfrm>
         <a:graphic>
           <a:graphicData uri="http://schemas.openxmlformats.org/presentationml/2006/ole">
             <mc:AlternateContent xmlns:mc="http://schemas.openxmlformats.org/markup-compatibility/2006">
               <mc:Choice xmlns:v="urn:schemas-microsoft-com:vml" Requires="v">
-                <p:oleObj spid="_x0000_s5141" name="Equation" r:id="rId6" imgW="1155600" imgH="203040" progId="Equation.DSMT4">
+                <p:oleObj spid="_x0000_s5149" name="Equation" r:id="rId6" imgW="1155600" imgH="203040" progId="Equation.DSMT4">
                   <p:embed/>
                 </p:oleObj>
               </mc:Choice>
@@ -9756,7 +8617,7 @@
                     </p:blipFill>
                     <p:spPr>
                       <a:xfrm>
-                        <a:off x="838200" y="5014483"/>
+                        <a:off x="775890" y="5014483"/>
                         <a:ext cx="3153697" cy="482600"/>
                       </a:xfrm>
                       <a:prstGeom prst="rect">
@@ -9940,7 +8801,7 @@
                             </p:stCondLst>
                             <p:childTnLst>
                               <p:par>
-                                <p:cTn id="5" presetID="42" presetClass="entr" presetSubtype="0" fill="hold" grpId="0" nodeType="clickEffect">
+                                <p:cTn id="5" presetID="42" presetClass="entr" presetSubtype="0" fill="hold" nodeType="clickEffect">
                                   <p:stCondLst>
                                     <p:cond delay="0"/>
                                   </p:stCondLst>
@@ -9948,6 +8809,267 @@
                                     <p:set>
                                       <p:cBhvr>
                                         <p:cTn id="6" dur="1" fill="hold">
+                                          <p:stCondLst>
+                                            <p:cond delay="0"/>
+                                          </p:stCondLst>
+                                        </p:cTn>
+                                        <p:tgtEl>
+                                          <p:spTgt spid="6"/>
+                                        </p:tgtEl>
+                                        <p:attrNameLst>
+                                          <p:attrName>style.visibility</p:attrName>
+                                        </p:attrNameLst>
+                                      </p:cBhvr>
+                                      <p:to>
+                                        <p:strVal val="visible"/>
+                                      </p:to>
+                                    </p:set>
+                                    <p:animEffect transition="in" filter="fade">
+                                      <p:cBhvr>
+                                        <p:cTn id="7" dur="600"/>
+                                        <p:tgtEl>
+                                          <p:spTgt spid="6"/>
+                                        </p:tgtEl>
+                                      </p:cBhvr>
+                                    </p:animEffect>
+                                    <p:anim calcmode="lin" valueType="num">
+                                      <p:cBhvr>
+                                        <p:cTn id="8" dur="600" fill="hold"/>
+                                        <p:tgtEl>
+                                          <p:spTgt spid="6"/>
+                                        </p:tgtEl>
+                                        <p:attrNameLst>
+                                          <p:attrName>ppt_x</p:attrName>
+                                        </p:attrNameLst>
+                                      </p:cBhvr>
+                                      <p:tavLst>
+                                        <p:tav tm="0">
+                                          <p:val>
+                                            <p:strVal val="#ppt_x"/>
+                                          </p:val>
+                                        </p:tav>
+                                        <p:tav tm="100000">
+                                          <p:val>
+                                            <p:strVal val="#ppt_x"/>
+                                          </p:val>
+                                        </p:tav>
+                                      </p:tavLst>
+                                    </p:anim>
+                                    <p:anim calcmode="lin" valueType="num">
+                                      <p:cBhvr>
+                                        <p:cTn id="9" dur="600" fill="hold"/>
+                                        <p:tgtEl>
+                                          <p:spTgt spid="6"/>
+                                        </p:tgtEl>
+                                        <p:attrNameLst>
+                                          <p:attrName>ppt_y</p:attrName>
+                                        </p:attrNameLst>
+                                      </p:cBhvr>
+                                      <p:tavLst>
+                                        <p:tav tm="0">
+                                          <p:val>
+                                            <p:strVal val="#ppt_y+.1"/>
+                                          </p:val>
+                                        </p:tav>
+                                        <p:tav tm="100000">
+                                          <p:val>
+                                            <p:strVal val="#ppt_y"/>
+                                          </p:val>
+                                        </p:tav>
+                                      </p:tavLst>
+                                    </p:anim>
+                                  </p:childTnLst>
+                                </p:cTn>
+                              </p:par>
+                              <p:par>
+                                <p:cTn id="10" presetID="42" presetClass="entr" presetSubtype="0" fill="hold" grpId="0" nodeType="withEffect">
+                                  <p:stCondLst>
+                                    <p:cond delay="0"/>
+                                  </p:stCondLst>
+                                  <p:childTnLst>
+                                    <p:set>
+                                      <p:cBhvr>
+                                        <p:cTn id="11" dur="1" fill="hold">
+                                          <p:stCondLst>
+                                            <p:cond delay="0"/>
+                                          </p:stCondLst>
+                                        </p:cTn>
+                                        <p:tgtEl>
+                                          <p:spTgt spid="8"/>
+                                        </p:tgtEl>
+                                        <p:attrNameLst>
+                                          <p:attrName>style.visibility</p:attrName>
+                                        </p:attrNameLst>
+                                      </p:cBhvr>
+                                      <p:to>
+                                        <p:strVal val="visible"/>
+                                      </p:to>
+                                    </p:set>
+                                    <p:animEffect transition="in" filter="fade">
+                                      <p:cBhvr>
+                                        <p:cTn id="12" dur="500"/>
+                                        <p:tgtEl>
+                                          <p:spTgt spid="8"/>
+                                        </p:tgtEl>
+                                      </p:cBhvr>
+                                    </p:animEffect>
+                                    <p:anim calcmode="lin" valueType="num">
+                                      <p:cBhvr>
+                                        <p:cTn id="13" dur="500" fill="hold"/>
+                                        <p:tgtEl>
+                                          <p:spTgt spid="8"/>
+                                        </p:tgtEl>
+                                        <p:attrNameLst>
+                                          <p:attrName>ppt_x</p:attrName>
+                                        </p:attrNameLst>
+                                      </p:cBhvr>
+                                      <p:tavLst>
+                                        <p:tav tm="0">
+                                          <p:val>
+                                            <p:strVal val="#ppt_x"/>
+                                          </p:val>
+                                        </p:tav>
+                                        <p:tav tm="100000">
+                                          <p:val>
+                                            <p:strVal val="#ppt_x"/>
+                                          </p:val>
+                                        </p:tav>
+                                      </p:tavLst>
+                                    </p:anim>
+                                    <p:anim calcmode="lin" valueType="num">
+                                      <p:cBhvr>
+                                        <p:cTn id="14" dur="500" fill="hold"/>
+                                        <p:tgtEl>
+                                          <p:spTgt spid="8"/>
+                                        </p:tgtEl>
+                                        <p:attrNameLst>
+                                          <p:attrName>ppt_y</p:attrName>
+                                        </p:attrNameLst>
+                                      </p:cBhvr>
+                                      <p:tavLst>
+                                        <p:tav tm="0">
+                                          <p:val>
+                                            <p:strVal val="#ppt_y+.1"/>
+                                          </p:val>
+                                        </p:tav>
+                                        <p:tav tm="100000">
+                                          <p:val>
+                                            <p:strVal val="#ppt_y"/>
+                                          </p:val>
+                                        </p:tav>
+                                      </p:tavLst>
+                                    </p:anim>
+                                  </p:childTnLst>
+                                </p:cTn>
+                              </p:par>
+                              <p:par>
+                                <p:cTn id="15" presetID="42" presetClass="entr" presetSubtype="0" fill="hold" nodeType="withEffect">
+                                  <p:stCondLst>
+                                    <p:cond delay="0"/>
+                                  </p:stCondLst>
+                                  <p:childTnLst>
+                                    <p:set>
+                                      <p:cBhvr>
+                                        <p:cTn id="16" dur="1" fill="hold">
+                                          <p:stCondLst>
+                                            <p:cond delay="0"/>
+                                          </p:stCondLst>
+                                        </p:cTn>
+                                        <p:tgtEl>
+                                          <p:spTgt spid="7"/>
+                                        </p:tgtEl>
+                                        <p:attrNameLst>
+                                          <p:attrName>style.visibility</p:attrName>
+                                        </p:attrNameLst>
+                                      </p:cBhvr>
+                                      <p:to>
+                                        <p:strVal val="visible"/>
+                                      </p:to>
+                                    </p:set>
+                                    <p:animEffect transition="in" filter="fade">
+                                      <p:cBhvr>
+                                        <p:cTn id="17" dur="700"/>
+                                        <p:tgtEl>
+                                          <p:spTgt spid="7"/>
+                                        </p:tgtEl>
+                                      </p:cBhvr>
+                                    </p:animEffect>
+                                    <p:anim calcmode="lin" valueType="num">
+                                      <p:cBhvr>
+                                        <p:cTn id="18" dur="700" fill="hold"/>
+                                        <p:tgtEl>
+                                          <p:spTgt spid="7"/>
+                                        </p:tgtEl>
+                                        <p:attrNameLst>
+                                          <p:attrName>ppt_x</p:attrName>
+                                        </p:attrNameLst>
+                                      </p:cBhvr>
+                                      <p:tavLst>
+                                        <p:tav tm="0">
+                                          <p:val>
+                                            <p:strVal val="#ppt_x"/>
+                                          </p:val>
+                                        </p:tav>
+                                        <p:tav tm="100000">
+                                          <p:val>
+                                            <p:strVal val="#ppt_x"/>
+                                          </p:val>
+                                        </p:tav>
+                                      </p:tavLst>
+                                    </p:anim>
+                                    <p:anim calcmode="lin" valueType="num">
+                                      <p:cBhvr>
+                                        <p:cTn id="19" dur="700" fill="hold"/>
+                                        <p:tgtEl>
+                                          <p:spTgt spid="7"/>
+                                        </p:tgtEl>
+                                        <p:attrNameLst>
+                                          <p:attrName>ppt_y</p:attrName>
+                                        </p:attrNameLst>
+                                      </p:cBhvr>
+                                      <p:tavLst>
+                                        <p:tav tm="0">
+                                          <p:val>
+                                            <p:strVal val="#ppt_y+.1"/>
+                                          </p:val>
+                                        </p:tav>
+                                        <p:tav tm="100000">
+                                          <p:val>
+                                            <p:strVal val="#ppt_y"/>
+                                          </p:val>
+                                        </p:tav>
+                                      </p:tavLst>
+                                    </p:anim>
+                                  </p:childTnLst>
+                                </p:cTn>
+                              </p:par>
+                            </p:childTnLst>
+                          </p:cTn>
+                        </p:par>
+                      </p:childTnLst>
+                    </p:cTn>
+                  </p:par>
+                  <p:par>
+                    <p:cTn id="20" fill="hold">
+                      <p:stCondLst>
+                        <p:cond delay="indefinite"/>
+                      </p:stCondLst>
+                      <p:childTnLst>
+                        <p:par>
+                          <p:cTn id="21" fill="hold">
+                            <p:stCondLst>
+                              <p:cond delay="0"/>
+                            </p:stCondLst>
+                            <p:childTnLst>
+                              <p:par>
+                                <p:cTn id="22" presetID="42" presetClass="entr" presetSubtype="0" fill="hold" grpId="0" nodeType="clickEffect">
+                                  <p:stCondLst>
+                                    <p:cond delay="0"/>
+                                  </p:stCondLst>
+                                  <p:childTnLst>
+                                    <p:set>
+                                      <p:cBhvr>
+                                        <p:cTn id="23" dur="1" fill="hold">
                                           <p:stCondLst>
                                             <p:cond delay="0"/>
                                           </p:stCondLst>
@@ -9965,7 +9087,7 @@
                                     </p:set>
                                     <p:animEffect transition="in" filter="fade">
                                       <p:cBhvr>
-                                        <p:cTn id="7" dur="1000"/>
+                                        <p:cTn id="24" dur="500"/>
                                         <p:tgtEl>
                                           <p:spTgt spid="5"/>
                                         </p:tgtEl>
@@ -9973,7 +9095,7 @@
                                     </p:animEffect>
                                     <p:anim calcmode="lin" valueType="num">
                                       <p:cBhvr>
-                                        <p:cTn id="8" dur="1000" fill="hold"/>
+                                        <p:cTn id="25" dur="500" fill="hold"/>
                                         <p:tgtEl>
                                           <p:spTgt spid="5"/>
                                         </p:tgtEl>
@@ -9996,7 +9118,7 @@
                                     </p:anim>
                                     <p:anim calcmode="lin" valueType="num">
                                       <p:cBhvr>
-                                        <p:cTn id="9" dur="1000" fill="hold"/>
+                                        <p:cTn id="26" dur="500" fill="hold"/>
                                         <p:tgtEl>
                                           <p:spTgt spid="5"/>
                                         </p:tgtEl>
@@ -10027,305 +9149,26 @@
                     </p:cTn>
                   </p:par>
                   <p:par>
-                    <p:cTn id="10" fill="hold">
+                    <p:cTn id="27" fill="hold">
                       <p:stCondLst>
                         <p:cond delay="indefinite"/>
                       </p:stCondLst>
                       <p:childTnLst>
                         <p:par>
-                          <p:cTn id="11" fill="hold">
+                          <p:cTn id="28" fill="hold">
                             <p:stCondLst>
                               <p:cond delay="0"/>
                             </p:stCondLst>
                             <p:childTnLst>
                               <p:par>
-                                <p:cTn id="12" presetID="42" presetClass="entr" presetSubtype="0" fill="hold" nodeType="clickEffect">
+                                <p:cTn id="29" presetID="42" presetClass="entr" presetSubtype="0" fill="hold" grpId="0" nodeType="clickEffect">
                                   <p:stCondLst>
                                     <p:cond delay="0"/>
                                   </p:stCondLst>
                                   <p:childTnLst>
                                     <p:set>
                                       <p:cBhvr>
-                                        <p:cTn id="13" dur="1" fill="hold">
-                                          <p:stCondLst>
-                                            <p:cond delay="0"/>
-                                          </p:stCondLst>
-                                        </p:cTn>
-                                        <p:tgtEl>
-                                          <p:spTgt spid="6"/>
-                                        </p:tgtEl>
-                                        <p:attrNameLst>
-                                          <p:attrName>style.visibility</p:attrName>
-                                        </p:attrNameLst>
-                                      </p:cBhvr>
-                                      <p:to>
-                                        <p:strVal val="visible"/>
-                                      </p:to>
-                                    </p:set>
-                                    <p:animEffect transition="in" filter="fade">
-                                      <p:cBhvr>
-                                        <p:cTn id="14" dur="1000"/>
-                                        <p:tgtEl>
-                                          <p:spTgt spid="6"/>
-                                        </p:tgtEl>
-                                      </p:cBhvr>
-                                    </p:animEffect>
-                                    <p:anim calcmode="lin" valueType="num">
-                                      <p:cBhvr>
-                                        <p:cTn id="15" dur="1000" fill="hold"/>
-                                        <p:tgtEl>
-                                          <p:spTgt spid="6"/>
-                                        </p:tgtEl>
-                                        <p:attrNameLst>
-                                          <p:attrName>ppt_x</p:attrName>
-                                        </p:attrNameLst>
-                                      </p:cBhvr>
-                                      <p:tavLst>
-                                        <p:tav tm="0">
-                                          <p:val>
-                                            <p:strVal val="#ppt_x"/>
-                                          </p:val>
-                                        </p:tav>
-                                        <p:tav tm="100000">
-                                          <p:val>
-                                            <p:strVal val="#ppt_x"/>
-                                          </p:val>
-                                        </p:tav>
-                                      </p:tavLst>
-                                    </p:anim>
-                                    <p:anim calcmode="lin" valueType="num">
-                                      <p:cBhvr>
-                                        <p:cTn id="16" dur="1000" fill="hold"/>
-                                        <p:tgtEl>
-                                          <p:spTgt spid="6"/>
-                                        </p:tgtEl>
-                                        <p:attrNameLst>
-                                          <p:attrName>ppt_y</p:attrName>
-                                        </p:attrNameLst>
-                                      </p:cBhvr>
-                                      <p:tavLst>
-                                        <p:tav tm="0">
-                                          <p:val>
-                                            <p:strVal val="#ppt_y+.1"/>
-                                          </p:val>
-                                        </p:tav>
-                                        <p:tav tm="100000">
-                                          <p:val>
-                                            <p:strVal val="#ppt_y"/>
-                                          </p:val>
-                                        </p:tav>
-                                      </p:tavLst>
-                                    </p:anim>
-                                  </p:childTnLst>
-                                </p:cTn>
-                              </p:par>
-                            </p:childTnLst>
-                          </p:cTn>
-                        </p:par>
-                      </p:childTnLst>
-                    </p:cTn>
-                  </p:par>
-                  <p:par>
-                    <p:cTn id="17" fill="hold">
-                      <p:stCondLst>
-                        <p:cond delay="indefinite"/>
-                      </p:stCondLst>
-                      <p:childTnLst>
-                        <p:par>
-                          <p:cTn id="18" fill="hold">
-                            <p:stCondLst>
-                              <p:cond delay="0"/>
-                            </p:stCondLst>
-                            <p:childTnLst>
-                              <p:par>
-                                <p:cTn id="19" presetID="42" presetClass="entr" presetSubtype="0" fill="hold" grpId="0" nodeType="clickEffect">
-                                  <p:stCondLst>
-                                    <p:cond delay="0"/>
-                                  </p:stCondLst>
-                                  <p:childTnLst>
-                                    <p:set>
-                                      <p:cBhvr>
-                                        <p:cTn id="20" dur="1" fill="hold">
-                                          <p:stCondLst>
-                                            <p:cond delay="0"/>
-                                          </p:stCondLst>
-                                        </p:cTn>
-                                        <p:tgtEl>
-                                          <p:spTgt spid="8"/>
-                                        </p:tgtEl>
-                                        <p:attrNameLst>
-                                          <p:attrName>style.visibility</p:attrName>
-                                        </p:attrNameLst>
-                                      </p:cBhvr>
-                                      <p:to>
-                                        <p:strVal val="visible"/>
-                                      </p:to>
-                                    </p:set>
-                                    <p:animEffect transition="in" filter="fade">
-                                      <p:cBhvr>
-                                        <p:cTn id="21" dur="1000"/>
-                                        <p:tgtEl>
-                                          <p:spTgt spid="8"/>
-                                        </p:tgtEl>
-                                      </p:cBhvr>
-                                    </p:animEffect>
-                                    <p:anim calcmode="lin" valueType="num">
-                                      <p:cBhvr>
-                                        <p:cTn id="22" dur="1000" fill="hold"/>
-                                        <p:tgtEl>
-                                          <p:spTgt spid="8"/>
-                                        </p:tgtEl>
-                                        <p:attrNameLst>
-                                          <p:attrName>ppt_x</p:attrName>
-                                        </p:attrNameLst>
-                                      </p:cBhvr>
-                                      <p:tavLst>
-                                        <p:tav tm="0">
-                                          <p:val>
-                                            <p:strVal val="#ppt_x"/>
-                                          </p:val>
-                                        </p:tav>
-                                        <p:tav tm="100000">
-                                          <p:val>
-                                            <p:strVal val="#ppt_x"/>
-                                          </p:val>
-                                        </p:tav>
-                                      </p:tavLst>
-                                    </p:anim>
-                                    <p:anim calcmode="lin" valueType="num">
-                                      <p:cBhvr>
-                                        <p:cTn id="23" dur="1000" fill="hold"/>
-                                        <p:tgtEl>
-                                          <p:spTgt spid="8"/>
-                                        </p:tgtEl>
-                                        <p:attrNameLst>
-                                          <p:attrName>ppt_y</p:attrName>
-                                        </p:attrNameLst>
-                                      </p:cBhvr>
-                                      <p:tavLst>
-                                        <p:tav tm="0">
-                                          <p:val>
-                                            <p:strVal val="#ppt_y+.1"/>
-                                          </p:val>
-                                        </p:tav>
-                                        <p:tav tm="100000">
-                                          <p:val>
-                                            <p:strVal val="#ppt_y"/>
-                                          </p:val>
-                                        </p:tav>
-                                      </p:tavLst>
-                                    </p:anim>
-                                  </p:childTnLst>
-                                </p:cTn>
-                              </p:par>
-                              <p:par>
-                                <p:cTn id="24" presetID="42" presetClass="entr" presetSubtype="0" fill="hold" nodeType="withEffect">
-                                  <p:stCondLst>
-                                    <p:cond delay="0"/>
-                                  </p:stCondLst>
-                                  <p:childTnLst>
-                                    <p:set>
-                                      <p:cBhvr>
-                                        <p:cTn id="25" dur="1" fill="hold">
-                                          <p:stCondLst>
-                                            <p:cond delay="0"/>
-                                          </p:stCondLst>
-                                        </p:cTn>
-                                        <p:tgtEl>
-                                          <p:spTgt spid="7"/>
-                                        </p:tgtEl>
-                                        <p:attrNameLst>
-                                          <p:attrName>style.visibility</p:attrName>
-                                        </p:attrNameLst>
-                                      </p:cBhvr>
-                                      <p:to>
-                                        <p:strVal val="visible"/>
-                                      </p:to>
-                                    </p:set>
-                                    <p:animEffect transition="in" filter="fade">
-                                      <p:cBhvr>
-                                        <p:cTn id="26" dur="1000"/>
-                                        <p:tgtEl>
-                                          <p:spTgt spid="7"/>
-                                        </p:tgtEl>
-                                      </p:cBhvr>
-                                    </p:animEffect>
-                                    <p:anim calcmode="lin" valueType="num">
-                                      <p:cBhvr>
-                                        <p:cTn id="27" dur="1000" fill="hold"/>
-                                        <p:tgtEl>
-                                          <p:spTgt spid="7"/>
-                                        </p:tgtEl>
-                                        <p:attrNameLst>
-                                          <p:attrName>ppt_x</p:attrName>
-                                        </p:attrNameLst>
-                                      </p:cBhvr>
-                                      <p:tavLst>
-                                        <p:tav tm="0">
-                                          <p:val>
-                                            <p:strVal val="#ppt_x"/>
-                                          </p:val>
-                                        </p:tav>
-                                        <p:tav tm="100000">
-                                          <p:val>
-                                            <p:strVal val="#ppt_x"/>
-                                          </p:val>
-                                        </p:tav>
-                                      </p:tavLst>
-                                    </p:anim>
-                                    <p:anim calcmode="lin" valueType="num">
-                                      <p:cBhvr>
-                                        <p:cTn id="28" dur="1000" fill="hold"/>
-                                        <p:tgtEl>
-                                          <p:spTgt spid="7"/>
-                                        </p:tgtEl>
-                                        <p:attrNameLst>
-                                          <p:attrName>ppt_y</p:attrName>
-                                        </p:attrNameLst>
-                                      </p:cBhvr>
-                                      <p:tavLst>
-                                        <p:tav tm="0">
-                                          <p:val>
-                                            <p:strVal val="#ppt_y+.1"/>
-                                          </p:val>
-                                        </p:tav>
-                                        <p:tav tm="100000">
-                                          <p:val>
-                                            <p:strVal val="#ppt_y"/>
-                                          </p:val>
-                                        </p:tav>
-                                      </p:tavLst>
-                                    </p:anim>
-                                  </p:childTnLst>
-                                </p:cTn>
-                              </p:par>
-                            </p:childTnLst>
-                          </p:cTn>
-                        </p:par>
-                      </p:childTnLst>
-                    </p:cTn>
-                  </p:par>
-                  <p:par>
-                    <p:cTn id="29" fill="hold">
-                      <p:stCondLst>
-                        <p:cond delay="indefinite"/>
-                      </p:stCondLst>
-                      <p:childTnLst>
-                        <p:par>
-                          <p:cTn id="30" fill="hold">
-                            <p:stCondLst>
-                              <p:cond delay="0"/>
-                            </p:stCondLst>
-                            <p:childTnLst>
-                              <p:par>
-                                <p:cTn id="31" presetID="42" presetClass="entr" presetSubtype="0" fill="hold" grpId="0" nodeType="clickEffect">
-                                  <p:stCondLst>
-                                    <p:cond delay="0"/>
-                                  </p:stCondLst>
-                                  <p:childTnLst>
-                                    <p:set>
-                                      <p:cBhvr>
-                                        <p:cTn id="32" dur="1" fill="hold">
+                                        <p:cTn id="30" dur="1" fill="hold">
                                           <p:stCondLst>
                                             <p:cond delay="0"/>
                                           </p:stCondLst>
@@ -10343,7 +9186,7 @@
                                     </p:set>
                                     <p:animEffect transition="in" filter="fade">
                                       <p:cBhvr>
-                                        <p:cTn id="33" dur="1000"/>
+                                        <p:cTn id="31" dur="500"/>
                                         <p:tgtEl>
                                           <p:spTgt spid="10"/>
                                         </p:tgtEl>
@@ -10351,7 +9194,7 @@
                                     </p:animEffect>
                                     <p:anim calcmode="lin" valueType="num">
                                       <p:cBhvr>
-                                        <p:cTn id="34" dur="1000" fill="hold"/>
+                                        <p:cTn id="32" dur="500" fill="hold"/>
                                         <p:tgtEl>
                                           <p:spTgt spid="10"/>
                                         </p:tgtEl>
@@ -10374,7 +9217,7 @@
                                     </p:anim>
                                     <p:anim calcmode="lin" valueType="num">
                                       <p:cBhvr>
-                                        <p:cTn id="35" dur="1000" fill="hold"/>
+                                        <p:cTn id="33" dur="500" fill="hold"/>
                                         <p:tgtEl>
                                           <p:spTgt spid="10"/>
                                         </p:tgtEl>
@@ -10399,14 +9242,14 @@
                                 </p:cTn>
                               </p:par>
                               <p:par>
-                                <p:cTn id="36" presetID="42" presetClass="entr" presetSubtype="0" fill="hold" nodeType="withEffect">
+                                <p:cTn id="34" presetID="42" presetClass="entr" presetSubtype="0" fill="hold" nodeType="withEffect">
                                   <p:stCondLst>
                                     <p:cond delay="0"/>
                                   </p:stCondLst>
                                   <p:childTnLst>
                                     <p:set>
                                       <p:cBhvr>
-                                        <p:cTn id="37" dur="1" fill="hold">
+                                        <p:cTn id="35" dur="1" fill="hold">
                                           <p:stCondLst>
                                             <p:cond delay="0"/>
                                           </p:stCondLst>
@@ -10424,7 +9267,7 @@
                                     </p:set>
                                     <p:animEffect transition="in" filter="fade">
                                       <p:cBhvr>
-                                        <p:cTn id="38" dur="1000"/>
+                                        <p:cTn id="36" dur="500"/>
                                         <p:tgtEl>
                                           <p:spTgt spid="9"/>
                                         </p:tgtEl>
@@ -10432,7 +9275,7 @@
                                     </p:animEffect>
                                     <p:anim calcmode="lin" valueType="num">
                                       <p:cBhvr>
-                                        <p:cTn id="39" dur="1000" fill="hold"/>
+                                        <p:cTn id="37" dur="500" fill="hold"/>
                                         <p:tgtEl>
                                           <p:spTgt spid="9"/>
                                         </p:tgtEl>
@@ -10455,7 +9298,7 @@
                                     </p:anim>
                                     <p:anim calcmode="lin" valueType="num">
                                       <p:cBhvr>
-                                        <p:cTn id="40" dur="1000" fill="hold"/>
+                                        <p:cTn id="38" dur="500" fill="hold"/>
                                         <p:tgtEl>
                                           <p:spTgt spid="9"/>
                                         </p:tgtEl>
@@ -10542,26 +9385,33 @@
             <p:ph type="title"/>
           </p:nvPr>
         </p:nvSpPr>
-        <p:spPr/>
-        <p:txBody>
-          <a:bodyPr/>
+        <p:spPr>
+          <a:xfrm>
+            <a:off x="638503" y="375635"/>
+            <a:ext cx="10515600" cy="1325563"/>
+          </a:xfrm>
+        </p:spPr>
+        <p:txBody>
+          <a:bodyPr>
+            <a:normAutofit/>
+          </a:bodyPr>
           <a:lstStyle/>
           <a:p>
             <a:r>
-              <a:rPr lang="en-US" altLang="zh-CN" dirty="0" err="1" smtClean="0">
+              <a:rPr lang="zh-CN" altLang="en-US" sz="5400" dirty="0">
                 <a:latin typeface="Times New Roman" panose="02020603050405020304" pitchFamily="18" charset="0"/>
                 <a:ea typeface="楷体" panose="02010609060101010101" pitchFamily="49" charset="-122"/>
               </a:rPr>
-              <a:t>Transe</a:t>
-            </a:r>
-            <a:r>
-              <a:rPr lang="zh-CN" altLang="en-US" dirty="0" smtClean="0">
+              <a:t>优化</a:t>
+            </a:r>
+            <a:r>
+              <a:rPr lang="zh-CN" altLang="en-US" sz="5400" dirty="0" smtClean="0">
                 <a:latin typeface="Times New Roman" panose="02020603050405020304" pitchFamily="18" charset="0"/>
                 <a:ea typeface="楷体" panose="02010609060101010101" pitchFamily="49" charset="-122"/>
               </a:rPr>
-              <a:t>模型（翻译模型）</a:t>
-            </a:r>
-            <a:endParaRPr lang="zh-CN" altLang="en-US" dirty="0">
+              <a:t>目标函数</a:t>
+            </a:r>
+            <a:endParaRPr lang="zh-CN" altLang="en-US" sz="5400" dirty="0">
               <a:latin typeface="Times New Roman" panose="02020603050405020304" pitchFamily="18" charset="0"/>
               <a:ea typeface="楷体" panose="02010609060101010101" pitchFamily="49" charset="-122"/>
             </a:endParaRPr>
@@ -10570,32 +9420,32 @@
       </p:sp>
       <p:graphicFrame>
         <p:nvGraphicFramePr>
-          <p:cNvPr id="4" name="对象 3"/>
+          <p:cNvPr id="6" name="对象 5"/>
           <p:cNvGraphicFramePr>
             <a:graphicFrameLocks noChangeAspect="1"/>
           </p:cNvGraphicFramePr>
           <p:nvPr>
             <p:extLst>
               <p:ext uri="{D42A27DB-BD31-4B8C-83A1-F6EECF244321}">
-                <p14:modId xmlns:p14="http://schemas.microsoft.com/office/powerpoint/2010/main" val="2947711335"/>
+                <p14:modId xmlns:p14="http://schemas.microsoft.com/office/powerpoint/2010/main" val="2440016441"/>
               </p:ext>
             </p:extLst>
           </p:nvPr>
         </p:nvGraphicFramePr>
         <p:xfrm>
-          <a:off x="838200" y="1965219"/>
-          <a:ext cx="6592696" cy="490483"/>
+          <a:off x="4927600" y="2667000"/>
+          <a:ext cx="914400" cy="179388"/>
         </p:xfrm>
         <a:graphic>
           <a:graphicData uri="http://schemas.openxmlformats.org/presentationml/2006/ole">
             <mc:AlternateContent xmlns:mc="http://schemas.openxmlformats.org/markup-compatibility/2006">
               <mc:Choice xmlns:v="urn:schemas-microsoft-com:vml" Requires="v">
-                <p:oleObj spid="_x0000_s3119" name="Equation" r:id="rId4" imgW="2882880" imgH="203040" progId="Equation.DSMT4">
+                <p:oleObj spid="_x0000_s4216" name="Equation" r:id="rId4" imgW="914400" imgH="179640" progId="Equation.DSMT4">
                   <p:embed/>
                 </p:oleObj>
               </mc:Choice>
               <mc:Fallback>
-                <p:oleObj name="Equation" r:id="rId4" imgW="2882880" imgH="203040" progId="Equation.DSMT4">
+                <p:oleObj name="Equation" r:id="rId4" imgW="914400" imgH="179640" progId="Equation.DSMT4">
                   <p:embed/>
                   <p:pic>
                     <p:nvPicPr>
@@ -10611,8 +9461,8 @@
                     </p:blipFill>
                     <p:spPr>
                       <a:xfrm>
-                        <a:off x="838200" y="1965219"/>
-                        <a:ext cx="6592696" cy="490483"/>
+                        <a:off x="4927600" y="2667000"/>
+                        <a:ext cx="914400" cy="179388"/>
                       </a:xfrm>
                       <a:prstGeom prst="rect">
                         <a:avLst/>
@@ -10634,25 +9484,25 @@
           <p:nvPr>
             <p:extLst>
               <p:ext uri="{D42A27DB-BD31-4B8C-83A1-F6EECF244321}">
-                <p14:modId xmlns:p14="http://schemas.microsoft.com/office/powerpoint/2010/main" val="228435927"/>
+                <p14:modId xmlns:p14="http://schemas.microsoft.com/office/powerpoint/2010/main" val="240450968"/>
               </p:ext>
             </p:extLst>
           </p:nvPr>
         </p:nvGraphicFramePr>
         <p:xfrm>
-          <a:off x="838200" y="3160294"/>
-          <a:ext cx="3153697" cy="482600"/>
+          <a:off x="671513" y="1912938"/>
+          <a:ext cx="5813425" cy="668337"/>
         </p:xfrm>
         <a:graphic>
           <a:graphicData uri="http://schemas.openxmlformats.org/presentationml/2006/ole">
             <mc:AlternateContent xmlns:mc="http://schemas.openxmlformats.org/markup-compatibility/2006">
               <mc:Choice xmlns:v="urn:schemas-microsoft-com:vml" Requires="v">
-                <p:oleObj spid="_x0000_s3120" name="Equation" r:id="rId6" imgW="1155600" imgH="203040" progId="Equation.DSMT4">
+                <p:oleObj spid="_x0000_s4217" name="Equation" r:id="rId6" imgW="1587240" imgH="228600" progId="Equation.DSMT4">
                   <p:embed/>
                 </p:oleObj>
               </mc:Choice>
               <mc:Fallback>
-                <p:oleObj name="Equation" r:id="rId6" imgW="1155600" imgH="203040" progId="Equation.DSMT4">
+                <p:oleObj name="Equation" r:id="rId6" imgW="1587240" imgH="228600" progId="Equation.DSMT4">
                   <p:embed/>
                   <p:pic>
                     <p:nvPicPr>
@@ -10668,8 +9518,8 @@
                     </p:blipFill>
                     <p:spPr>
                       <a:xfrm>
-                        <a:off x="838200" y="3160294"/>
-                        <a:ext cx="3153697" cy="482600"/>
+                        <a:off x="671513" y="1912938"/>
+                        <a:ext cx="5813425" cy="668337"/>
                       </a:xfrm>
                       <a:prstGeom prst="rect">
                         <a:avLst/>
@@ -10684,96 +9534,14 @@
       </p:graphicFrame>
       <p:sp>
         <p:nvSpPr>
-          <p:cNvPr id="9" name="下箭头 8"/>
-          <p:cNvSpPr/>
+          <p:cNvPr id="8" name="文本框 7"/>
+          <p:cNvSpPr txBox="1"/>
           <p:nvPr/>
         </p:nvSpPr>
         <p:spPr>
           <a:xfrm>
-            <a:off x="2615381" y="2560524"/>
-            <a:ext cx="304800" cy="599770"/>
-          </a:xfrm>
-          <a:prstGeom prst="downArrow">
-            <a:avLst/>
-          </a:prstGeom>
-        </p:spPr>
-        <p:style>
-          <a:lnRef idx="2">
-            <a:schemeClr val="dk1">
-              <a:shade val="50000"/>
-            </a:schemeClr>
-          </a:lnRef>
-          <a:fillRef idx="1">
-            <a:schemeClr val="dk1"/>
-          </a:fillRef>
-          <a:effectRef idx="0">
-            <a:schemeClr val="dk1"/>
-          </a:effectRef>
-          <a:fontRef idx="minor">
-            <a:schemeClr val="lt1"/>
-          </a:fontRef>
-        </p:style>
-        <p:txBody>
-          <a:bodyPr rtlCol="0" anchor="ctr"/>
-          <a:lstStyle/>
-          <a:p>
-            <a:pPr algn="ctr"/>
-            <a:endParaRPr lang="zh-CN" altLang="en-US">
-              <a:ln w="0"/>
-              <a:solidFill>
-                <a:schemeClr val="tx1"/>
-              </a:solidFill>
-              <a:effectLst>
-                <a:outerShdw blurRad="38100" dist="19050" dir="2700000" algn="tl" rotWithShape="0">
-                  <a:schemeClr val="dk1">
-                    <a:alpha val="40000"/>
-                  </a:schemeClr>
-                </a:outerShdw>
-              </a:effectLst>
-            </a:endParaRPr>
-          </a:p>
-        </p:txBody>
-      </p:sp>
-      <p:pic>
-        <p:nvPicPr>
-          <p:cNvPr id="10" name="图片 9"/>
-          <p:cNvPicPr>
-            <a:picLocks noChangeAspect="1"/>
-          </p:cNvPicPr>
-          <p:nvPr/>
-        </p:nvPicPr>
-        <p:blipFill>
-          <a:blip r:embed="rId8">
-            <a:extLst>
-              <a:ext uri="{28A0092B-C50C-407E-A947-70E740481C1C}">
-                <a14:useLocalDpi xmlns:a14="http://schemas.microsoft.com/office/drawing/2010/main" val="0"/>
-              </a:ext>
-            </a:extLst>
-          </a:blip>
-          <a:stretch>
-            <a:fillRect/>
-          </a:stretch>
-        </p:blipFill>
-        <p:spPr>
-          <a:xfrm>
-            <a:off x="7430896" y="1027906"/>
-            <a:ext cx="4672614" cy="4299548"/>
-          </a:xfrm>
-          <a:prstGeom prst="rect">
-            <a:avLst/>
-          </a:prstGeom>
-        </p:spPr>
-      </p:pic>
-      <p:sp>
-        <p:nvSpPr>
-          <p:cNvPr id="11" name="文本框 10"/>
-          <p:cNvSpPr txBox="1"/>
-          <p:nvPr/>
-        </p:nvSpPr>
-        <p:spPr>
-          <a:xfrm>
-            <a:off x="605913" y="5181078"/>
-            <a:ext cx="8606913" cy="523220"/>
+            <a:off x="6780707" y="1912938"/>
+            <a:ext cx="2987040" cy="584775"/>
           </a:xfrm>
           <a:prstGeom prst="rect">
             <a:avLst/>
@@ -10787,35 +9555,305 @@
           <a:lstStyle/>
           <a:p>
             <a:r>
-              <a:rPr lang="zh-CN" altLang="en-US" sz="2800" dirty="0" smtClean="0">
-                <a:latin typeface="楷体" panose="02010609060101010101" pitchFamily="49" charset="-122"/>
+              <a:rPr lang="zh-CN" altLang="en-US" sz="3200" dirty="0" smtClean="0">
+                <a:latin typeface="Times New Roman" panose="02020603050405020304" pitchFamily="18" charset="0"/>
                 <a:ea typeface="楷体" panose="02010609060101010101" pitchFamily="49" charset="-122"/>
               </a:rPr>
-              <a:t>将关系向量看作是头向量到尾向量的平移 </a:t>
-            </a:r>
-            <a:r>
-              <a:rPr lang="en-US" altLang="zh-CN" sz="2800" dirty="0" smtClean="0">
-                <a:latin typeface="楷体" panose="02010609060101010101" pitchFamily="49" charset="-122"/>
+              <a:t>损失函数</a:t>
+            </a:r>
+            <a:endParaRPr lang="zh-CN" altLang="en-US" sz="3200" dirty="0">
+              <a:latin typeface="Times New Roman" panose="02020603050405020304" pitchFamily="18" charset="0"/>
+              <a:ea typeface="楷体" panose="02010609060101010101" pitchFamily="49" charset="-122"/>
+            </a:endParaRPr>
+          </a:p>
+        </p:txBody>
+      </p:sp>
+      <p:graphicFrame>
+        <p:nvGraphicFramePr>
+          <p:cNvPr id="9" name="对象 8"/>
+          <p:cNvGraphicFramePr>
+            <a:graphicFrameLocks noChangeAspect="1"/>
+          </p:cNvGraphicFramePr>
+          <p:nvPr>
+            <p:extLst>
+              <p:ext uri="{D42A27DB-BD31-4B8C-83A1-F6EECF244321}">
+                <p14:modId xmlns:p14="http://schemas.microsoft.com/office/powerpoint/2010/main" val="811011120"/>
+              </p:ext>
+            </p:extLst>
+          </p:nvPr>
+        </p:nvGraphicFramePr>
+        <p:xfrm>
+          <a:off x="543417" y="3298976"/>
+          <a:ext cx="8948738" cy="876300"/>
+        </p:xfrm>
+        <a:graphic>
+          <a:graphicData uri="http://schemas.openxmlformats.org/presentationml/2006/ole">
+            <mc:AlternateContent xmlns:mc="http://schemas.openxmlformats.org/markup-compatibility/2006">
+              <mc:Choice xmlns:v="urn:schemas-microsoft-com:vml" Requires="v">
+                <p:oleObj spid="_x0000_s4218" name="Equation" r:id="rId8" imgW="2920680" imgH="355320" progId="Equation.DSMT4">
+                  <p:embed/>
+                </p:oleObj>
+              </mc:Choice>
+              <mc:Fallback>
+                <p:oleObj name="Equation" r:id="rId8" imgW="2920680" imgH="355320" progId="Equation.DSMT4">
+                  <p:embed/>
+                  <p:pic>
+                    <p:nvPicPr>
+                      <p:cNvPr id="0" name=""/>
+                      <p:cNvPicPr/>
+                      <p:nvPr/>
+                    </p:nvPicPr>
+                    <p:blipFill>
+                      <a:blip r:embed="rId9"/>
+                      <a:stretch>
+                        <a:fillRect/>
+                      </a:stretch>
+                    </p:blipFill>
+                    <p:spPr>
+                      <a:xfrm>
+                        <a:off x="543417" y="3298976"/>
+                        <a:ext cx="8948738" cy="876300"/>
+                      </a:xfrm>
+                      <a:prstGeom prst="rect">
+                        <a:avLst/>
+                      </a:prstGeom>
+                    </p:spPr>
+                  </p:pic>
+                </p:oleObj>
+              </mc:Fallback>
+            </mc:AlternateContent>
+          </a:graphicData>
+        </a:graphic>
+      </p:graphicFrame>
+      <p:sp>
+        <p:nvSpPr>
+          <p:cNvPr id="10" name="文本框 9"/>
+          <p:cNvSpPr txBox="1"/>
+          <p:nvPr/>
+        </p:nvSpPr>
+        <p:spPr>
+          <a:xfrm>
+            <a:off x="9663575" y="3456728"/>
+            <a:ext cx="2002420" cy="584775"/>
+          </a:xfrm>
+          <a:prstGeom prst="rect">
+            <a:avLst/>
+          </a:prstGeom>
+          <a:noFill/>
+        </p:spPr>
+        <p:txBody>
+          <a:bodyPr wrap="square" rtlCol="0">
+            <a:spAutoFit/>
+          </a:bodyPr>
+          <a:lstStyle/>
+          <a:p>
+            <a:r>
+              <a:rPr lang="zh-CN" altLang="en-US" sz="3200" dirty="0" smtClean="0">
                 <a:ea typeface="楷体" panose="02010609060101010101" pitchFamily="49" charset="-122"/>
               </a:rPr>
-              <a:t>(</a:t>
-            </a:r>
-            <a:r>
-              <a:rPr lang="zh-CN" altLang="en-US" sz="2800" dirty="0" smtClean="0">
-                <a:latin typeface="楷体" panose="02010609060101010101" pitchFamily="49" charset="-122"/>
+              <a:t>目标函数</a:t>
+            </a:r>
+            <a:endParaRPr lang="zh-CN" altLang="en-US" sz="3200" dirty="0">
+              <a:ea typeface="楷体" panose="02010609060101010101" pitchFamily="49" charset="-122"/>
+            </a:endParaRPr>
+          </a:p>
+        </p:txBody>
+      </p:sp>
+      <p:graphicFrame>
+        <p:nvGraphicFramePr>
+          <p:cNvPr id="14" name="对象 13"/>
+          <p:cNvGraphicFramePr>
+            <a:graphicFrameLocks noChangeAspect="1"/>
+          </p:cNvGraphicFramePr>
+          <p:nvPr>
+            <p:extLst>
+              <p:ext uri="{D42A27DB-BD31-4B8C-83A1-F6EECF244321}">
+                <p14:modId xmlns:p14="http://schemas.microsoft.com/office/powerpoint/2010/main" val="2005000582"/>
+              </p:ext>
+            </p:extLst>
+          </p:nvPr>
+        </p:nvGraphicFramePr>
+        <p:xfrm>
+          <a:off x="671513" y="5683443"/>
+          <a:ext cx="520700" cy="539750"/>
+        </p:xfrm>
+        <a:graphic>
+          <a:graphicData uri="http://schemas.openxmlformats.org/presentationml/2006/ole">
+            <mc:AlternateContent xmlns:mc="http://schemas.openxmlformats.org/markup-compatibility/2006">
+              <mc:Choice xmlns:v="urn:schemas-microsoft-com:vml" Requires="v">
+                <p:oleObj spid="_x0000_s4219" name="Equation" r:id="rId10" imgW="126720" imgH="164880" progId="Equation.DSMT4">
+                  <p:embed/>
+                </p:oleObj>
+              </mc:Choice>
+              <mc:Fallback>
+                <p:oleObj name="Equation" r:id="rId10" imgW="126720" imgH="164880" progId="Equation.DSMT4">
+                  <p:embed/>
+                  <p:pic>
+                    <p:nvPicPr>
+                      <p:cNvPr id="0" name=""/>
+                      <p:cNvPicPr/>
+                      <p:nvPr/>
+                    </p:nvPicPr>
+                    <p:blipFill>
+                      <a:blip r:embed="rId11"/>
+                      <a:stretch>
+                        <a:fillRect/>
+                      </a:stretch>
+                    </p:blipFill>
+                    <p:spPr>
+                      <a:xfrm>
+                        <a:off x="671513" y="5683443"/>
+                        <a:ext cx="520700" cy="539750"/>
+                      </a:xfrm>
+                      <a:prstGeom prst="rect">
+                        <a:avLst/>
+                      </a:prstGeom>
+                    </p:spPr>
+                  </p:pic>
+                </p:oleObj>
+              </mc:Fallback>
+            </mc:AlternateContent>
+          </a:graphicData>
+        </a:graphic>
+      </p:graphicFrame>
+      <p:sp>
+        <p:nvSpPr>
+          <p:cNvPr id="15" name="文本框 14"/>
+          <p:cNvSpPr txBox="1"/>
+          <p:nvPr/>
+        </p:nvSpPr>
+        <p:spPr>
+          <a:xfrm>
+            <a:off x="1333963" y="5638418"/>
+            <a:ext cx="9907928" cy="584775"/>
+          </a:xfrm>
+          <a:prstGeom prst="rect">
+            <a:avLst/>
+          </a:prstGeom>
+          <a:noFill/>
+        </p:spPr>
+        <p:txBody>
+          <a:bodyPr wrap="square" rtlCol="0">
+            <a:spAutoFit/>
+          </a:bodyPr>
+          <a:lstStyle/>
+          <a:p>
+            <a:r>
+              <a:rPr lang="zh-CN" altLang="en-US" sz="3200" dirty="0" smtClean="0">
+                <a:latin typeface="Times New Roman" panose="02020603050405020304" pitchFamily="18" charset="0"/>
                 <a:ea typeface="楷体" panose="02010609060101010101" pitchFamily="49" charset="-122"/>
               </a:rPr>
-              <a:t>翻译</a:t>
-            </a:r>
-            <a:r>
-              <a:rPr lang="en-US" altLang="zh-CN" sz="2800" dirty="0" smtClean="0">
-                <a:latin typeface="楷体" panose="02010609060101010101" pitchFamily="49" charset="-122"/>
+              <a:t>错误三元组损失与正确三元组</a:t>
+            </a:r>
+            <a:r>
+              <a:rPr lang="zh-CN" altLang="en-US" sz="3200" dirty="0">
+                <a:latin typeface="Times New Roman" panose="02020603050405020304" pitchFamily="18" charset="0"/>
                 <a:ea typeface="楷体" panose="02010609060101010101" pitchFamily="49" charset="-122"/>
               </a:rPr>
-              <a:t>)</a:t>
-            </a:r>
-            <a:endParaRPr lang="zh-CN" altLang="en-US" sz="2800" dirty="0">
-              <a:latin typeface="楷体" panose="02010609060101010101" pitchFamily="49" charset="-122"/>
+              <a:t>损失</a:t>
+            </a:r>
+            <a:r>
+              <a:rPr lang="zh-CN" altLang="en-US" sz="3200" dirty="0" smtClean="0">
+                <a:latin typeface="Times New Roman" panose="02020603050405020304" pitchFamily="18" charset="0"/>
+                <a:ea typeface="楷体" panose="02010609060101010101" pitchFamily="49" charset="-122"/>
+              </a:rPr>
+              <a:t>之间的间隔距离</a:t>
+            </a:r>
+            <a:endParaRPr lang="zh-CN" altLang="en-US" sz="3200" dirty="0">
+              <a:latin typeface="Times New Roman" panose="02020603050405020304" pitchFamily="18" charset="0"/>
+              <a:ea typeface="楷体" panose="02010609060101010101" pitchFamily="49" charset="-122"/>
+            </a:endParaRPr>
+          </a:p>
+        </p:txBody>
+      </p:sp>
+      <p:graphicFrame>
+        <p:nvGraphicFramePr>
+          <p:cNvPr id="16" name="对象 15"/>
+          <p:cNvGraphicFramePr>
+            <a:graphicFrameLocks noChangeAspect="1"/>
+          </p:cNvGraphicFramePr>
+          <p:nvPr>
+            <p:extLst>
+              <p:ext uri="{D42A27DB-BD31-4B8C-83A1-F6EECF244321}">
+                <p14:modId xmlns:p14="http://schemas.microsoft.com/office/powerpoint/2010/main" val="1252192292"/>
+              </p:ext>
+            </p:extLst>
+          </p:nvPr>
+        </p:nvGraphicFramePr>
+        <p:xfrm>
+          <a:off x="671513" y="4671013"/>
+          <a:ext cx="8692547" cy="498475"/>
+        </p:xfrm>
+        <a:graphic>
+          <a:graphicData uri="http://schemas.openxmlformats.org/presentationml/2006/ole">
+            <mc:AlternateContent xmlns:mc="http://schemas.openxmlformats.org/markup-compatibility/2006">
+              <mc:Choice xmlns:v="urn:schemas-microsoft-com:vml" Requires="v">
+                <p:oleObj spid="_x0000_s4220" name="Equation" r:id="rId12" imgW="2527200" imgH="203040" progId="Equation.DSMT4">
+                  <p:embed/>
+                </p:oleObj>
+              </mc:Choice>
+              <mc:Fallback>
+                <p:oleObj name="Equation" r:id="rId12" imgW="2527200" imgH="203040" progId="Equation.DSMT4">
+                  <p:embed/>
+                  <p:pic>
+                    <p:nvPicPr>
+                      <p:cNvPr id="0" name=""/>
+                      <p:cNvPicPr/>
+                      <p:nvPr/>
+                    </p:nvPicPr>
+                    <p:blipFill>
+                      <a:blip r:embed="rId13"/>
+                      <a:stretch>
+                        <a:fillRect/>
+                      </a:stretch>
+                    </p:blipFill>
+                    <p:spPr>
+                      <a:xfrm>
+                        <a:off x="671513" y="4671013"/>
+                        <a:ext cx="8692547" cy="498475"/>
+                      </a:xfrm>
+                      <a:prstGeom prst="rect">
+                        <a:avLst/>
+                      </a:prstGeom>
+                    </p:spPr>
+                  </p:pic>
+                </p:oleObj>
+              </mc:Fallback>
+            </mc:AlternateContent>
+          </a:graphicData>
+        </a:graphic>
+      </p:graphicFrame>
+      <p:sp>
+        <p:nvSpPr>
+          <p:cNvPr id="17" name="文本框 16"/>
+          <p:cNvSpPr txBox="1"/>
+          <p:nvPr/>
+        </p:nvSpPr>
+        <p:spPr>
+          <a:xfrm>
+            <a:off x="9663575" y="4584713"/>
+            <a:ext cx="2362521" cy="584775"/>
+          </a:xfrm>
+          <a:prstGeom prst="rect">
+            <a:avLst/>
+          </a:prstGeom>
+          <a:noFill/>
+        </p:spPr>
+        <p:txBody>
+          <a:bodyPr wrap="square" rtlCol="0">
+            <a:spAutoFit/>
+          </a:bodyPr>
+          <a:lstStyle/>
+          <a:p>
+            <a:r>
+              <a:rPr lang="zh-CN" altLang="en-US" sz="3200" dirty="0" smtClean="0">
+                <a:latin typeface="Times New Roman" panose="02020603050405020304" pitchFamily="18" charset="0"/>
+                <a:ea typeface="楷体" panose="02010609060101010101" pitchFamily="49" charset="-122"/>
+              </a:rPr>
+              <a:t>错误三元组</a:t>
+            </a:r>
+            <a:endParaRPr lang="zh-CN" altLang="en-US" sz="3200" dirty="0">
+              <a:latin typeface="Times New Roman" panose="02020603050405020304" pitchFamily="18" charset="0"/>
               <a:ea typeface="楷体" panose="02010609060101010101" pitchFamily="49" charset="-122"/>
             </a:endParaRPr>
           </a:p>
@@ -10824,7 +9862,7 @@
     </p:spTree>
     <p:extLst>
       <p:ext uri="{BB962C8B-B14F-4D97-AF65-F5344CB8AC3E}">
-        <p14:creationId xmlns:p14="http://schemas.microsoft.com/office/powerpoint/2010/main" val="1043587509"/>
+        <p14:creationId xmlns:p14="http://schemas.microsoft.com/office/powerpoint/2010/main" val="3437377445"/>
       </p:ext>
     </p:extLst>
   </p:cSld>
@@ -10834,9 +9872,758 @@
   <p:timing>
     <p:tnLst>
       <p:par>
-        <p:cTn id="1" dur="indefinite" restart="never" nodeType="tmRoot"/>
+        <p:cTn id="1" dur="indefinite" restart="never" nodeType="tmRoot">
+          <p:childTnLst>
+            <p:seq concurrent="1" nextAc="seek">
+              <p:cTn id="2" dur="indefinite" nodeType="mainSeq">
+                <p:childTnLst>
+                  <p:par>
+                    <p:cTn id="3" fill="hold">
+                      <p:stCondLst>
+                        <p:cond delay="indefinite"/>
+                      </p:stCondLst>
+                      <p:childTnLst>
+                        <p:par>
+                          <p:cTn id="4" fill="hold">
+                            <p:stCondLst>
+                              <p:cond delay="0"/>
+                            </p:stCondLst>
+                            <p:childTnLst>
+                              <p:par>
+                                <p:cTn id="5" presetID="42" presetClass="entr" presetSubtype="0" fill="hold" nodeType="clickEffect">
+                                  <p:stCondLst>
+                                    <p:cond delay="0"/>
+                                  </p:stCondLst>
+                                  <p:childTnLst>
+                                    <p:set>
+                                      <p:cBhvr>
+                                        <p:cTn id="6" dur="1" fill="hold">
+                                          <p:stCondLst>
+                                            <p:cond delay="0"/>
+                                          </p:stCondLst>
+                                        </p:cTn>
+                                        <p:tgtEl>
+                                          <p:spTgt spid="7"/>
+                                        </p:tgtEl>
+                                        <p:attrNameLst>
+                                          <p:attrName>style.visibility</p:attrName>
+                                        </p:attrNameLst>
+                                      </p:cBhvr>
+                                      <p:to>
+                                        <p:strVal val="visible"/>
+                                      </p:to>
+                                    </p:set>
+                                    <p:animEffect transition="in" filter="fade">
+                                      <p:cBhvr>
+                                        <p:cTn id="7" dur="500"/>
+                                        <p:tgtEl>
+                                          <p:spTgt spid="7"/>
+                                        </p:tgtEl>
+                                      </p:cBhvr>
+                                    </p:animEffect>
+                                    <p:anim calcmode="lin" valueType="num">
+                                      <p:cBhvr>
+                                        <p:cTn id="8" dur="500" fill="hold"/>
+                                        <p:tgtEl>
+                                          <p:spTgt spid="7"/>
+                                        </p:tgtEl>
+                                        <p:attrNameLst>
+                                          <p:attrName>ppt_x</p:attrName>
+                                        </p:attrNameLst>
+                                      </p:cBhvr>
+                                      <p:tavLst>
+                                        <p:tav tm="0">
+                                          <p:val>
+                                            <p:strVal val="#ppt_x"/>
+                                          </p:val>
+                                        </p:tav>
+                                        <p:tav tm="100000">
+                                          <p:val>
+                                            <p:strVal val="#ppt_x"/>
+                                          </p:val>
+                                        </p:tav>
+                                      </p:tavLst>
+                                    </p:anim>
+                                    <p:anim calcmode="lin" valueType="num">
+                                      <p:cBhvr>
+                                        <p:cTn id="9" dur="500" fill="hold"/>
+                                        <p:tgtEl>
+                                          <p:spTgt spid="7"/>
+                                        </p:tgtEl>
+                                        <p:attrNameLst>
+                                          <p:attrName>ppt_y</p:attrName>
+                                        </p:attrNameLst>
+                                      </p:cBhvr>
+                                      <p:tavLst>
+                                        <p:tav tm="0">
+                                          <p:val>
+                                            <p:strVal val="#ppt_y+.1"/>
+                                          </p:val>
+                                        </p:tav>
+                                        <p:tav tm="100000">
+                                          <p:val>
+                                            <p:strVal val="#ppt_y"/>
+                                          </p:val>
+                                        </p:tav>
+                                      </p:tavLst>
+                                    </p:anim>
+                                  </p:childTnLst>
+                                </p:cTn>
+                              </p:par>
+                              <p:par>
+                                <p:cTn id="10" presetID="42" presetClass="entr" presetSubtype="0" fill="hold" grpId="0" nodeType="withEffect">
+                                  <p:stCondLst>
+                                    <p:cond delay="0"/>
+                                  </p:stCondLst>
+                                  <p:childTnLst>
+                                    <p:set>
+                                      <p:cBhvr>
+                                        <p:cTn id="11" dur="1" fill="hold">
+                                          <p:stCondLst>
+                                            <p:cond delay="0"/>
+                                          </p:stCondLst>
+                                        </p:cTn>
+                                        <p:tgtEl>
+                                          <p:spTgt spid="8"/>
+                                        </p:tgtEl>
+                                        <p:attrNameLst>
+                                          <p:attrName>style.visibility</p:attrName>
+                                        </p:attrNameLst>
+                                      </p:cBhvr>
+                                      <p:to>
+                                        <p:strVal val="visible"/>
+                                      </p:to>
+                                    </p:set>
+                                    <p:animEffect transition="in" filter="fade">
+                                      <p:cBhvr>
+                                        <p:cTn id="12" dur="600"/>
+                                        <p:tgtEl>
+                                          <p:spTgt spid="8"/>
+                                        </p:tgtEl>
+                                      </p:cBhvr>
+                                    </p:animEffect>
+                                    <p:anim calcmode="lin" valueType="num">
+                                      <p:cBhvr>
+                                        <p:cTn id="13" dur="600" fill="hold"/>
+                                        <p:tgtEl>
+                                          <p:spTgt spid="8"/>
+                                        </p:tgtEl>
+                                        <p:attrNameLst>
+                                          <p:attrName>ppt_x</p:attrName>
+                                        </p:attrNameLst>
+                                      </p:cBhvr>
+                                      <p:tavLst>
+                                        <p:tav tm="0">
+                                          <p:val>
+                                            <p:strVal val="#ppt_x"/>
+                                          </p:val>
+                                        </p:tav>
+                                        <p:tav tm="100000">
+                                          <p:val>
+                                            <p:strVal val="#ppt_x"/>
+                                          </p:val>
+                                        </p:tav>
+                                      </p:tavLst>
+                                    </p:anim>
+                                    <p:anim calcmode="lin" valueType="num">
+                                      <p:cBhvr>
+                                        <p:cTn id="14" dur="600" fill="hold"/>
+                                        <p:tgtEl>
+                                          <p:spTgt spid="8"/>
+                                        </p:tgtEl>
+                                        <p:attrNameLst>
+                                          <p:attrName>ppt_y</p:attrName>
+                                        </p:attrNameLst>
+                                      </p:cBhvr>
+                                      <p:tavLst>
+                                        <p:tav tm="0">
+                                          <p:val>
+                                            <p:strVal val="#ppt_y+.1"/>
+                                          </p:val>
+                                        </p:tav>
+                                        <p:tav tm="100000">
+                                          <p:val>
+                                            <p:strVal val="#ppt_y"/>
+                                          </p:val>
+                                        </p:tav>
+                                      </p:tavLst>
+                                    </p:anim>
+                                  </p:childTnLst>
+                                </p:cTn>
+                              </p:par>
+                            </p:childTnLst>
+                          </p:cTn>
+                        </p:par>
+                      </p:childTnLst>
+                    </p:cTn>
+                  </p:par>
+                  <p:par>
+                    <p:cTn id="15" fill="hold">
+                      <p:stCondLst>
+                        <p:cond delay="indefinite"/>
+                      </p:stCondLst>
+                      <p:childTnLst>
+                        <p:par>
+                          <p:cTn id="16" fill="hold">
+                            <p:stCondLst>
+                              <p:cond delay="0"/>
+                            </p:stCondLst>
+                            <p:childTnLst>
+                              <p:par>
+                                <p:cTn id="17" presetID="42" presetClass="entr" presetSubtype="0" fill="hold" nodeType="clickEffect">
+                                  <p:stCondLst>
+                                    <p:cond delay="0"/>
+                                  </p:stCondLst>
+                                  <p:childTnLst>
+                                    <p:set>
+                                      <p:cBhvr>
+                                        <p:cTn id="18" dur="1" fill="hold">
+                                          <p:stCondLst>
+                                            <p:cond delay="0"/>
+                                          </p:stCondLst>
+                                        </p:cTn>
+                                        <p:tgtEl>
+                                          <p:spTgt spid="9"/>
+                                        </p:tgtEl>
+                                        <p:attrNameLst>
+                                          <p:attrName>style.visibility</p:attrName>
+                                        </p:attrNameLst>
+                                      </p:cBhvr>
+                                      <p:to>
+                                        <p:strVal val="visible"/>
+                                      </p:to>
+                                    </p:set>
+                                    <p:animEffect transition="in" filter="fade">
+                                      <p:cBhvr>
+                                        <p:cTn id="19" dur="1000"/>
+                                        <p:tgtEl>
+                                          <p:spTgt spid="9"/>
+                                        </p:tgtEl>
+                                      </p:cBhvr>
+                                    </p:animEffect>
+                                    <p:anim calcmode="lin" valueType="num">
+                                      <p:cBhvr>
+                                        <p:cTn id="20" dur="1000" fill="hold"/>
+                                        <p:tgtEl>
+                                          <p:spTgt spid="9"/>
+                                        </p:tgtEl>
+                                        <p:attrNameLst>
+                                          <p:attrName>ppt_x</p:attrName>
+                                        </p:attrNameLst>
+                                      </p:cBhvr>
+                                      <p:tavLst>
+                                        <p:tav tm="0">
+                                          <p:val>
+                                            <p:strVal val="#ppt_x"/>
+                                          </p:val>
+                                        </p:tav>
+                                        <p:tav tm="100000">
+                                          <p:val>
+                                            <p:strVal val="#ppt_x"/>
+                                          </p:val>
+                                        </p:tav>
+                                      </p:tavLst>
+                                    </p:anim>
+                                    <p:anim calcmode="lin" valueType="num">
+                                      <p:cBhvr>
+                                        <p:cTn id="21" dur="1000" fill="hold"/>
+                                        <p:tgtEl>
+                                          <p:spTgt spid="9"/>
+                                        </p:tgtEl>
+                                        <p:attrNameLst>
+                                          <p:attrName>ppt_y</p:attrName>
+                                        </p:attrNameLst>
+                                      </p:cBhvr>
+                                      <p:tavLst>
+                                        <p:tav tm="0">
+                                          <p:val>
+                                            <p:strVal val="#ppt_y+.1"/>
+                                          </p:val>
+                                        </p:tav>
+                                        <p:tav tm="100000">
+                                          <p:val>
+                                            <p:strVal val="#ppt_y"/>
+                                          </p:val>
+                                        </p:tav>
+                                      </p:tavLst>
+                                    </p:anim>
+                                  </p:childTnLst>
+                                </p:cTn>
+                              </p:par>
+                              <p:par>
+                                <p:cTn id="22" presetID="42" presetClass="entr" presetSubtype="0" fill="hold" grpId="0" nodeType="withEffect">
+                                  <p:stCondLst>
+                                    <p:cond delay="0"/>
+                                  </p:stCondLst>
+                                  <p:childTnLst>
+                                    <p:set>
+                                      <p:cBhvr>
+                                        <p:cTn id="23" dur="1" fill="hold">
+                                          <p:stCondLst>
+                                            <p:cond delay="0"/>
+                                          </p:stCondLst>
+                                        </p:cTn>
+                                        <p:tgtEl>
+                                          <p:spTgt spid="10"/>
+                                        </p:tgtEl>
+                                        <p:attrNameLst>
+                                          <p:attrName>style.visibility</p:attrName>
+                                        </p:attrNameLst>
+                                      </p:cBhvr>
+                                      <p:to>
+                                        <p:strVal val="visible"/>
+                                      </p:to>
+                                    </p:set>
+                                    <p:animEffect transition="in" filter="fade">
+                                      <p:cBhvr>
+                                        <p:cTn id="24" dur="1000"/>
+                                        <p:tgtEl>
+                                          <p:spTgt spid="10"/>
+                                        </p:tgtEl>
+                                      </p:cBhvr>
+                                    </p:animEffect>
+                                    <p:anim calcmode="lin" valueType="num">
+                                      <p:cBhvr>
+                                        <p:cTn id="25" dur="1000" fill="hold"/>
+                                        <p:tgtEl>
+                                          <p:spTgt spid="10"/>
+                                        </p:tgtEl>
+                                        <p:attrNameLst>
+                                          <p:attrName>ppt_x</p:attrName>
+                                        </p:attrNameLst>
+                                      </p:cBhvr>
+                                      <p:tavLst>
+                                        <p:tav tm="0">
+                                          <p:val>
+                                            <p:strVal val="#ppt_x"/>
+                                          </p:val>
+                                        </p:tav>
+                                        <p:tav tm="100000">
+                                          <p:val>
+                                            <p:strVal val="#ppt_x"/>
+                                          </p:val>
+                                        </p:tav>
+                                      </p:tavLst>
+                                    </p:anim>
+                                    <p:anim calcmode="lin" valueType="num">
+                                      <p:cBhvr>
+                                        <p:cTn id="26" dur="1000" fill="hold"/>
+                                        <p:tgtEl>
+                                          <p:spTgt spid="10"/>
+                                        </p:tgtEl>
+                                        <p:attrNameLst>
+                                          <p:attrName>ppt_y</p:attrName>
+                                        </p:attrNameLst>
+                                      </p:cBhvr>
+                                      <p:tavLst>
+                                        <p:tav tm="0">
+                                          <p:val>
+                                            <p:strVal val="#ppt_y+.1"/>
+                                          </p:val>
+                                        </p:tav>
+                                        <p:tav tm="100000">
+                                          <p:val>
+                                            <p:strVal val="#ppt_y"/>
+                                          </p:val>
+                                        </p:tav>
+                                      </p:tavLst>
+                                    </p:anim>
+                                  </p:childTnLst>
+                                </p:cTn>
+                              </p:par>
+                            </p:childTnLst>
+                          </p:cTn>
+                        </p:par>
+                      </p:childTnLst>
+                    </p:cTn>
+                  </p:par>
+                  <p:par>
+                    <p:cTn id="27" fill="hold">
+                      <p:stCondLst>
+                        <p:cond delay="indefinite"/>
+                      </p:stCondLst>
+                      <p:childTnLst>
+                        <p:par>
+                          <p:cTn id="28" fill="hold">
+                            <p:stCondLst>
+                              <p:cond delay="0"/>
+                            </p:stCondLst>
+                            <p:childTnLst>
+                              <p:par>
+                                <p:cTn id="29" presetID="42" presetClass="entr" presetSubtype="0" fill="hold" nodeType="clickEffect">
+                                  <p:stCondLst>
+                                    <p:cond delay="0"/>
+                                  </p:stCondLst>
+                                  <p:childTnLst>
+                                    <p:set>
+                                      <p:cBhvr>
+                                        <p:cTn id="30" dur="1" fill="hold">
+                                          <p:stCondLst>
+                                            <p:cond delay="0"/>
+                                          </p:stCondLst>
+                                        </p:cTn>
+                                        <p:tgtEl>
+                                          <p:spTgt spid="16"/>
+                                        </p:tgtEl>
+                                        <p:attrNameLst>
+                                          <p:attrName>style.visibility</p:attrName>
+                                        </p:attrNameLst>
+                                      </p:cBhvr>
+                                      <p:to>
+                                        <p:strVal val="visible"/>
+                                      </p:to>
+                                    </p:set>
+                                    <p:animEffect transition="in" filter="fade">
+                                      <p:cBhvr>
+                                        <p:cTn id="31" dur="1000"/>
+                                        <p:tgtEl>
+                                          <p:spTgt spid="16"/>
+                                        </p:tgtEl>
+                                      </p:cBhvr>
+                                    </p:animEffect>
+                                    <p:anim calcmode="lin" valueType="num">
+                                      <p:cBhvr>
+                                        <p:cTn id="32" dur="1000" fill="hold"/>
+                                        <p:tgtEl>
+                                          <p:spTgt spid="16"/>
+                                        </p:tgtEl>
+                                        <p:attrNameLst>
+                                          <p:attrName>ppt_x</p:attrName>
+                                        </p:attrNameLst>
+                                      </p:cBhvr>
+                                      <p:tavLst>
+                                        <p:tav tm="0">
+                                          <p:val>
+                                            <p:strVal val="#ppt_x"/>
+                                          </p:val>
+                                        </p:tav>
+                                        <p:tav tm="100000">
+                                          <p:val>
+                                            <p:strVal val="#ppt_x"/>
+                                          </p:val>
+                                        </p:tav>
+                                      </p:tavLst>
+                                    </p:anim>
+                                    <p:anim calcmode="lin" valueType="num">
+                                      <p:cBhvr>
+                                        <p:cTn id="33" dur="1000" fill="hold"/>
+                                        <p:tgtEl>
+                                          <p:spTgt spid="16"/>
+                                        </p:tgtEl>
+                                        <p:attrNameLst>
+                                          <p:attrName>ppt_y</p:attrName>
+                                        </p:attrNameLst>
+                                      </p:cBhvr>
+                                      <p:tavLst>
+                                        <p:tav tm="0">
+                                          <p:val>
+                                            <p:strVal val="#ppt_y+.1"/>
+                                          </p:val>
+                                        </p:tav>
+                                        <p:tav tm="100000">
+                                          <p:val>
+                                            <p:strVal val="#ppt_y"/>
+                                          </p:val>
+                                        </p:tav>
+                                      </p:tavLst>
+                                    </p:anim>
+                                  </p:childTnLst>
+                                </p:cTn>
+                              </p:par>
+                              <p:par>
+                                <p:cTn id="34" presetID="42" presetClass="entr" presetSubtype="0" fill="hold" grpId="0" nodeType="withEffect">
+                                  <p:stCondLst>
+                                    <p:cond delay="0"/>
+                                  </p:stCondLst>
+                                  <p:childTnLst>
+                                    <p:set>
+                                      <p:cBhvr>
+                                        <p:cTn id="35" dur="1" fill="hold">
+                                          <p:stCondLst>
+                                            <p:cond delay="0"/>
+                                          </p:stCondLst>
+                                        </p:cTn>
+                                        <p:tgtEl>
+                                          <p:spTgt spid="17"/>
+                                        </p:tgtEl>
+                                        <p:attrNameLst>
+                                          <p:attrName>style.visibility</p:attrName>
+                                        </p:attrNameLst>
+                                      </p:cBhvr>
+                                      <p:to>
+                                        <p:strVal val="visible"/>
+                                      </p:to>
+                                    </p:set>
+                                    <p:animEffect transition="in" filter="fade">
+                                      <p:cBhvr>
+                                        <p:cTn id="36" dur="1000"/>
+                                        <p:tgtEl>
+                                          <p:spTgt spid="17"/>
+                                        </p:tgtEl>
+                                      </p:cBhvr>
+                                    </p:animEffect>
+                                    <p:anim calcmode="lin" valueType="num">
+                                      <p:cBhvr>
+                                        <p:cTn id="37" dur="1000" fill="hold"/>
+                                        <p:tgtEl>
+                                          <p:spTgt spid="17"/>
+                                        </p:tgtEl>
+                                        <p:attrNameLst>
+                                          <p:attrName>ppt_x</p:attrName>
+                                        </p:attrNameLst>
+                                      </p:cBhvr>
+                                      <p:tavLst>
+                                        <p:tav tm="0">
+                                          <p:val>
+                                            <p:strVal val="#ppt_x"/>
+                                          </p:val>
+                                        </p:tav>
+                                        <p:tav tm="100000">
+                                          <p:val>
+                                            <p:strVal val="#ppt_x"/>
+                                          </p:val>
+                                        </p:tav>
+                                      </p:tavLst>
+                                    </p:anim>
+                                    <p:anim calcmode="lin" valueType="num">
+                                      <p:cBhvr>
+                                        <p:cTn id="38" dur="1000" fill="hold"/>
+                                        <p:tgtEl>
+                                          <p:spTgt spid="17"/>
+                                        </p:tgtEl>
+                                        <p:attrNameLst>
+                                          <p:attrName>ppt_y</p:attrName>
+                                        </p:attrNameLst>
+                                      </p:cBhvr>
+                                      <p:tavLst>
+                                        <p:tav tm="0">
+                                          <p:val>
+                                            <p:strVal val="#ppt_y+.1"/>
+                                          </p:val>
+                                        </p:tav>
+                                        <p:tav tm="100000">
+                                          <p:val>
+                                            <p:strVal val="#ppt_y"/>
+                                          </p:val>
+                                        </p:tav>
+                                      </p:tavLst>
+                                    </p:anim>
+                                  </p:childTnLst>
+                                </p:cTn>
+                              </p:par>
+                            </p:childTnLst>
+                          </p:cTn>
+                        </p:par>
+                      </p:childTnLst>
+                    </p:cTn>
+                  </p:par>
+                  <p:par>
+                    <p:cTn id="39" fill="hold">
+                      <p:stCondLst>
+                        <p:cond delay="indefinite"/>
+                      </p:stCondLst>
+                      <p:childTnLst>
+                        <p:par>
+                          <p:cTn id="40" fill="hold">
+                            <p:stCondLst>
+                              <p:cond delay="0"/>
+                            </p:stCondLst>
+                            <p:childTnLst>
+                              <p:par>
+                                <p:cTn id="41" presetID="42" presetClass="entr" presetSubtype="0" fill="hold" nodeType="clickEffect">
+                                  <p:stCondLst>
+                                    <p:cond delay="0"/>
+                                  </p:stCondLst>
+                                  <p:childTnLst>
+                                    <p:set>
+                                      <p:cBhvr>
+                                        <p:cTn id="42" dur="1" fill="hold">
+                                          <p:stCondLst>
+                                            <p:cond delay="0"/>
+                                          </p:stCondLst>
+                                        </p:cTn>
+                                        <p:tgtEl>
+                                          <p:spTgt spid="14"/>
+                                        </p:tgtEl>
+                                        <p:attrNameLst>
+                                          <p:attrName>style.visibility</p:attrName>
+                                        </p:attrNameLst>
+                                      </p:cBhvr>
+                                      <p:to>
+                                        <p:strVal val="visible"/>
+                                      </p:to>
+                                    </p:set>
+                                    <p:animEffect transition="in" filter="fade">
+                                      <p:cBhvr>
+                                        <p:cTn id="43" dur="1000"/>
+                                        <p:tgtEl>
+                                          <p:spTgt spid="14"/>
+                                        </p:tgtEl>
+                                      </p:cBhvr>
+                                    </p:animEffect>
+                                    <p:anim calcmode="lin" valueType="num">
+                                      <p:cBhvr>
+                                        <p:cTn id="44" dur="1000" fill="hold"/>
+                                        <p:tgtEl>
+                                          <p:spTgt spid="14"/>
+                                        </p:tgtEl>
+                                        <p:attrNameLst>
+                                          <p:attrName>ppt_x</p:attrName>
+                                        </p:attrNameLst>
+                                      </p:cBhvr>
+                                      <p:tavLst>
+                                        <p:tav tm="0">
+                                          <p:val>
+                                            <p:strVal val="#ppt_x"/>
+                                          </p:val>
+                                        </p:tav>
+                                        <p:tav tm="100000">
+                                          <p:val>
+                                            <p:strVal val="#ppt_x"/>
+                                          </p:val>
+                                        </p:tav>
+                                      </p:tavLst>
+                                    </p:anim>
+                                    <p:anim calcmode="lin" valueType="num">
+                                      <p:cBhvr>
+                                        <p:cTn id="45" dur="1000" fill="hold"/>
+                                        <p:tgtEl>
+                                          <p:spTgt spid="14"/>
+                                        </p:tgtEl>
+                                        <p:attrNameLst>
+                                          <p:attrName>ppt_y</p:attrName>
+                                        </p:attrNameLst>
+                                      </p:cBhvr>
+                                      <p:tavLst>
+                                        <p:tav tm="0">
+                                          <p:val>
+                                            <p:strVal val="#ppt_y+.1"/>
+                                          </p:val>
+                                        </p:tav>
+                                        <p:tav tm="100000">
+                                          <p:val>
+                                            <p:strVal val="#ppt_y"/>
+                                          </p:val>
+                                        </p:tav>
+                                      </p:tavLst>
+                                    </p:anim>
+                                  </p:childTnLst>
+                                </p:cTn>
+                              </p:par>
+                              <p:par>
+                                <p:cTn id="46" presetID="42" presetClass="entr" presetSubtype="0" fill="hold" grpId="0" nodeType="withEffect">
+                                  <p:stCondLst>
+                                    <p:cond delay="0"/>
+                                  </p:stCondLst>
+                                  <p:childTnLst>
+                                    <p:set>
+                                      <p:cBhvr>
+                                        <p:cTn id="47" dur="1" fill="hold">
+                                          <p:stCondLst>
+                                            <p:cond delay="0"/>
+                                          </p:stCondLst>
+                                        </p:cTn>
+                                        <p:tgtEl>
+                                          <p:spTgt spid="15"/>
+                                        </p:tgtEl>
+                                        <p:attrNameLst>
+                                          <p:attrName>style.visibility</p:attrName>
+                                        </p:attrNameLst>
+                                      </p:cBhvr>
+                                      <p:to>
+                                        <p:strVal val="visible"/>
+                                      </p:to>
+                                    </p:set>
+                                    <p:animEffect transition="in" filter="fade">
+                                      <p:cBhvr>
+                                        <p:cTn id="48" dur="1000"/>
+                                        <p:tgtEl>
+                                          <p:spTgt spid="15"/>
+                                        </p:tgtEl>
+                                      </p:cBhvr>
+                                    </p:animEffect>
+                                    <p:anim calcmode="lin" valueType="num">
+                                      <p:cBhvr>
+                                        <p:cTn id="49" dur="1000" fill="hold"/>
+                                        <p:tgtEl>
+                                          <p:spTgt spid="15"/>
+                                        </p:tgtEl>
+                                        <p:attrNameLst>
+                                          <p:attrName>ppt_x</p:attrName>
+                                        </p:attrNameLst>
+                                      </p:cBhvr>
+                                      <p:tavLst>
+                                        <p:tav tm="0">
+                                          <p:val>
+                                            <p:strVal val="#ppt_x"/>
+                                          </p:val>
+                                        </p:tav>
+                                        <p:tav tm="100000">
+                                          <p:val>
+                                            <p:strVal val="#ppt_x"/>
+                                          </p:val>
+                                        </p:tav>
+                                      </p:tavLst>
+                                    </p:anim>
+                                    <p:anim calcmode="lin" valueType="num">
+                                      <p:cBhvr>
+                                        <p:cTn id="50" dur="1000" fill="hold"/>
+                                        <p:tgtEl>
+                                          <p:spTgt spid="15"/>
+                                        </p:tgtEl>
+                                        <p:attrNameLst>
+                                          <p:attrName>ppt_y</p:attrName>
+                                        </p:attrNameLst>
+                                      </p:cBhvr>
+                                      <p:tavLst>
+                                        <p:tav tm="0">
+                                          <p:val>
+                                            <p:strVal val="#ppt_y+.1"/>
+                                          </p:val>
+                                        </p:tav>
+                                        <p:tav tm="100000">
+                                          <p:val>
+                                            <p:strVal val="#ppt_y"/>
+                                          </p:val>
+                                        </p:tav>
+                                      </p:tavLst>
+                                    </p:anim>
+                                  </p:childTnLst>
+                                </p:cTn>
+                              </p:par>
+                            </p:childTnLst>
+                          </p:cTn>
+                        </p:par>
+                      </p:childTnLst>
+                    </p:cTn>
+                  </p:par>
+                </p:childTnLst>
+              </p:cTn>
+              <p:prevCondLst>
+                <p:cond evt="onPrev" delay="0">
+                  <p:tgtEl>
+                    <p:sldTgt/>
+                  </p:tgtEl>
+                </p:cond>
+              </p:prevCondLst>
+              <p:nextCondLst>
+                <p:cond evt="onNext" delay="0">
+                  <p:tgtEl>
+                    <p:sldTgt/>
+                  </p:tgtEl>
+                </p:cond>
+              </p:nextCondLst>
+            </p:seq>
+          </p:childTnLst>
+        </p:cTn>
       </p:par>
     </p:tnLst>
+    <p:bldLst>
+      <p:bldP spid="8" grpId="0"/>
+      <p:bldP spid="10" grpId="0"/>
+      <p:bldP spid="15" grpId="0"/>
+      <p:bldP spid="17" grpId="0"/>
+    </p:bldLst>
   </p:timing>
 </p:sld>
 </file>
